--- a/lecture-materials/Network&ContentDelivery/vpc/vpc-ena-efa.pptx
+++ b/lecture-materials/Network&ContentDelivery/vpc/vpc-ena-efa.pptx
@@ -8,16 +8,16 @@
     <p:notesMasterId r:id="rId12"/>
   </p:notesMasterIdLst>
   <p:sldIdLst>
-    <p:sldId id="325" r:id="rId2"/>
-    <p:sldId id="326" r:id="rId3"/>
-    <p:sldId id="327" r:id="rId4"/>
-    <p:sldId id="328" r:id="rId5"/>
-    <p:sldId id="329" r:id="rId6"/>
-    <p:sldId id="330" r:id="rId7"/>
-    <p:sldId id="331" r:id="rId8"/>
-    <p:sldId id="332" r:id="rId9"/>
-    <p:sldId id="333" r:id="rId10"/>
-    <p:sldId id="334" r:id="rId11"/>
+    <p:sldId id="335" r:id="rId2"/>
+    <p:sldId id="336" r:id="rId3"/>
+    <p:sldId id="337" r:id="rId4"/>
+    <p:sldId id="338" r:id="rId5"/>
+    <p:sldId id="339" r:id="rId6"/>
+    <p:sldId id="340" r:id="rId7"/>
+    <p:sldId id="330" r:id="rId8"/>
+    <p:sldId id="331" r:id="rId9"/>
+    <p:sldId id="332" r:id="rId10"/>
+    <p:sldId id="341" r:id="rId11"/>
   </p:sldIdLst>
   <p:sldSz cx="12192000" cy="6858000"/>
   <p:notesSz cx="6858000" cy="9144000"/>
@@ -116,6 +116,11 @@
       </a:defRPr>
     </a:lvl9pPr>
   </p:defaultTextStyle>
+  <p:extLst>
+    <p:ext uri="{EFAFB233-063F-42B5-8137-9DF3F51BA10A}">
+      <p15:sldGuideLst xmlns:p15="http://schemas.microsoft.com/office/powerpoint/2012/main"/>
+    </p:ext>
+  </p:extLst>
 </p:presentation>
 </file>
 
@@ -201,7 +206,7 @@
           <a:p>
             <a:fld id="{66BC8486-2ECD-4C4F-9374-D126C6F1E9D3}" type="datetimeFigureOut">
               <a:rPr lang="en-CH" smtClean="0"/>
-              <a:t>03.01.2024</a:t>
+              <a:t>07.01.2024</a:t>
             </a:fld>
             <a:endParaRPr lang="en-CH"/>
           </a:p>
@@ -474,630 +479,6 @@
   <p:cSld>
     <p:spTree>
       <p:nvGrpSpPr>
-        <p:cNvPr id="1" name="Shape 594"/>
-        <p:cNvGrpSpPr/>
-        <p:nvPr/>
-      </p:nvGrpSpPr>
-      <p:grpSpPr>
-        <a:xfrm>
-          <a:off x="0" y="0"/>
-          <a:ext cx="0" cy="0"/>
-          <a:chOff x="0" y="0"/>
-          <a:chExt cx="0" cy="0"/>
-        </a:xfrm>
-      </p:grpSpPr>
-      <p:sp>
-        <p:nvSpPr>
-          <p:cNvPr id="595" name="Google Shape;595;g25f373bdc3b_0_2337:notes"/>
-          <p:cNvSpPr>
-            <a:spLocks noGrp="1" noRot="1" noChangeAspect="1"/>
-          </p:cNvSpPr>
-          <p:nvPr>
-            <p:ph type="sldImg" idx="2"/>
-          </p:nvPr>
-        </p:nvSpPr>
-        <p:spPr>
-          <a:xfrm>
-            <a:off x="381000" y="685800"/>
-            <a:ext cx="6096000" cy="3429000"/>
-          </a:xfrm>
-          <a:custGeom>
-            <a:avLst/>
-            <a:gdLst/>
-            <a:ahLst/>
-            <a:cxnLst/>
-            <a:rect l="l" t="t" r="r" b="b"/>
-            <a:pathLst>
-              <a:path w="120000" h="120000" extrusionOk="0">
-                <a:moveTo>
-                  <a:pt x="0" y="0"/>
-                </a:moveTo>
-                <a:lnTo>
-                  <a:pt x="120000" y="0"/>
-                </a:lnTo>
-                <a:lnTo>
-                  <a:pt x="120000" y="120000"/>
-                </a:lnTo>
-                <a:lnTo>
-                  <a:pt x="0" y="120000"/>
-                </a:lnTo>
-                <a:close/>
-              </a:path>
-            </a:pathLst>
-          </a:custGeom>
-        </p:spPr>
-      </p:sp>
-      <p:sp>
-        <p:nvSpPr>
-          <p:cNvPr id="596" name="Google Shape;596;g25f373bdc3b_0_2337:notes"/>
-          <p:cNvSpPr txBox="1">
-            <a:spLocks noGrp="1"/>
-          </p:cNvSpPr>
-          <p:nvPr>
-            <p:ph type="body" idx="1"/>
-          </p:nvPr>
-        </p:nvSpPr>
-        <p:spPr>
-          <a:xfrm>
-            <a:off x="685800" y="4343400"/>
-            <a:ext cx="5486400" cy="4114800"/>
-          </a:xfrm>
-          <a:prstGeom prst="rect">
-            <a:avLst/>
-          </a:prstGeom>
-        </p:spPr>
-        <p:txBody>
-          <a:bodyPr spcFirstLastPara="1" wrap="square" lIns="91425" tIns="91425" rIns="91425" bIns="91425" anchor="t" anchorCtr="0">
-            <a:noAutofit/>
-          </a:bodyPr>
-          <a:lstStyle/>
-          <a:p>
-            <a:pPr marL="0" lvl="0" indent="0" algn="l" rtl="0">
-              <a:spcBef>
-                <a:spcPts val="0"/>
-              </a:spcBef>
-              <a:spcAft>
-                <a:spcPts val="0"/>
-              </a:spcAft>
-              <a:buNone/>
-            </a:pPr>
-            <a:endParaRPr/>
-          </a:p>
-        </p:txBody>
-      </p:sp>
-    </p:spTree>
-  </p:cSld>
-  <p:clrMapOvr>
-    <a:masterClrMapping/>
-  </p:clrMapOvr>
-</p:notes>
-</file>
-
-<file path=ppt/notesSlides/notesSlide10.xml><?xml version="1.0" encoding="utf-8"?>
-<p:notes xmlns:a="http://schemas.openxmlformats.org/drawingml/2006/main" xmlns:r="http://schemas.openxmlformats.org/officeDocument/2006/relationships" xmlns:p="http://schemas.openxmlformats.org/presentationml/2006/main" showMasterSp="0" showMasterPhAnim="0">
-  <p:cSld>
-    <p:spTree>
-      <p:nvGrpSpPr>
-        <p:cNvPr id="1" name="Shape 653"/>
-        <p:cNvGrpSpPr/>
-        <p:nvPr/>
-      </p:nvGrpSpPr>
-      <p:grpSpPr>
-        <a:xfrm>
-          <a:off x="0" y="0"/>
-          <a:ext cx="0" cy="0"/>
-          <a:chOff x="0" y="0"/>
-          <a:chExt cx="0" cy="0"/>
-        </a:xfrm>
-      </p:grpSpPr>
-      <p:sp>
-        <p:nvSpPr>
-          <p:cNvPr id="654" name="Google Shape;654;g25f373bdc3b_0_2387:notes"/>
-          <p:cNvSpPr>
-            <a:spLocks noGrp="1" noRot="1" noChangeAspect="1"/>
-          </p:cNvSpPr>
-          <p:nvPr>
-            <p:ph type="sldImg" idx="2"/>
-          </p:nvPr>
-        </p:nvSpPr>
-        <p:spPr>
-          <a:xfrm>
-            <a:off x="381000" y="685800"/>
-            <a:ext cx="6096000" cy="3429000"/>
-          </a:xfrm>
-          <a:custGeom>
-            <a:avLst/>
-            <a:gdLst/>
-            <a:ahLst/>
-            <a:cxnLst/>
-            <a:rect l="l" t="t" r="r" b="b"/>
-            <a:pathLst>
-              <a:path w="120000" h="120000" extrusionOk="0">
-                <a:moveTo>
-                  <a:pt x="0" y="0"/>
-                </a:moveTo>
-                <a:lnTo>
-                  <a:pt x="120000" y="0"/>
-                </a:lnTo>
-                <a:lnTo>
-                  <a:pt x="120000" y="120000"/>
-                </a:lnTo>
-                <a:lnTo>
-                  <a:pt x="0" y="120000"/>
-                </a:lnTo>
-                <a:close/>
-              </a:path>
-            </a:pathLst>
-          </a:custGeom>
-        </p:spPr>
-      </p:sp>
-      <p:sp>
-        <p:nvSpPr>
-          <p:cNvPr id="655" name="Google Shape;655;g25f373bdc3b_0_2387:notes"/>
-          <p:cNvSpPr txBox="1">
-            <a:spLocks noGrp="1"/>
-          </p:cNvSpPr>
-          <p:nvPr>
-            <p:ph type="body" idx="1"/>
-          </p:nvPr>
-        </p:nvSpPr>
-        <p:spPr>
-          <a:xfrm>
-            <a:off x="685800" y="4343400"/>
-            <a:ext cx="5486400" cy="4114800"/>
-          </a:xfrm>
-          <a:prstGeom prst="rect">
-            <a:avLst/>
-          </a:prstGeom>
-        </p:spPr>
-        <p:txBody>
-          <a:bodyPr spcFirstLastPara="1" wrap="square" lIns="91425" tIns="91425" rIns="91425" bIns="91425" anchor="t" anchorCtr="0">
-            <a:noAutofit/>
-          </a:bodyPr>
-          <a:lstStyle/>
-          <a:p>
-            <a:pPr marL="0" lvl="0" indent="0" algn="l" rtl="0">
-              <a:spcBef>
-                <a:spcPts val="0"/>
-              </a:spcBef>
-              <a:spcAft>
-                <a:spcPts val="0"/>
-              </a:spcAft>
-              <a:buNone/>
-            </a:pPr>
-            <a:endParaRPr/>
-          </a:p>
-        </p:txBody>
-      </p:sp>
-    </p:spTree>
-  </p:cSld>
-  <p:clrMapOvr>
-    <a:masterClrMapping/>
-  </p:clrMapOvr>
-</p:notes>
-</file>
-
-<file path=ppt/notesSlides/notesSlide2.xml><?xml version="1.0" encoding="utf-8"?>
-<p:notes xmlns:a="http://schemas.openxmlformats.org/drawingml/2006/main" xmlns:r="http://schemas.openxmlformats.org/officeDocument/2006/relationships" xmlns:p="http://schemas.openxmlformats.org/presentationml/2006/main" showMasterSp="0" showMasterPhAnim="0">
-  <p:cSld>
-    <p:spTree>
-      <p:nvGrpSpPr>
-        <p:cNvPr id="1" name="Shape 601"/>
-        <p:cNvGrpSpPr/>
-        <p:nvPr/>
-      </p:nvGrpSpPr>
-      <p:grpSpPr>
-        <a:xfrm>
-          <a:off x="0" y="0"/>
-          <a:ext cx="0" cy="0"/>
-          <a:chOff x="0" y="0"/>
-          <a:chExt cx="0" cy="0"/>
-        </a:xfrm>
-      </p:grpSpPr>
-      <p:sp>
-        <p:nvSpPr>
-          <p:cNvPr id="602" name="Google Shape;602;g25f373bdc3b_0_2343:notes"/>
-          <p:cNvSpPr>
-            <a:spLocks noGrp="1" noRot="1" noChangeAspect="1"/>
-          </p:cNvSpPr>
-          <p:nvPr>
-            <p:ph type="sldImg" idx="2"/>
-          </p:nvPr>
-        </p:nvSpPr>
-        <p:spPr>
-          <a:xfrm>
-            <a:off x="381000" y="685800"/>
-            <a:ext cx="6096000" cy="3429000"/>
-          </a:xfrm>
-          <a:custGeom>
-            <a:avLst/>
-            <a:gdLst/>
-            <a:ahLst/>
-            <a:cxnLst/>
-            <a:rect l="l" t="t" r="r" b="b"/>
-            <a:pathLst>
-              <a:path w="120000" h="120000" extrusionOk="0">
-                <a:moveTo>
-                  <a:pt x="0" y="0"/>
-                </a:moveTo>
-                <a:lnTo>
-                  <a:pt x="120000" y="0"/>
-                </a:lnTo>
-                <a:lnTo>
-                  <a:pt x="120000" y="120000"/>
-                </a:lnTo>
-                <a:lnTo>
-                  <a:pt x="0" y="120000"/>
-                </a:lnTo>
-                <a:close/>
-              </a:path>
-            </a:pathLst>
-          </a:custGeom>
-        </p:spPr>
-      </p:sp>
-      <p:sp>
-        <p:nvSpPr>
-          <p:cNvPr id="603" name="Google Shape;603;g25f373bdc3b_0_2343:notes"/>
-          <p:cNvSpPr txBox="1">
-            <a:spLocks noGrp="1"/>
-          </p:cNvSpPr>
-          <p:nvPr>
-            <p:ph type="body" idx="1"/>
-          </p:nvPr>
-        </p:nvSpPr>
-        <p:spPr>
-          <a:xfrm>
-            <a:off x="685800" y="4343400"/>
-            <a:ext cx="5486400" cy="4114800"/>
-          </a:xfrm>
-          <a:prstGeom prst="rect">
-            <a:avLst/>
-          </a:prstGeom>
-        </p:spPr>
-        <p:txBody>
-          <a:bodyPr spcFirstLastPara="1" wrap="square" lIns="91425" tIns="91425" rIns="91425" bIns="91425" anchor="t" anchorCtr="0">
-            <a:noAutofit/>
-          </a:bodyPr>
-          <a:lstStyle/>
-          <a:p>
-            <a:pPr marL="0" lvl="0" indent="0" algn="l" rtl="0">
-              <a:spcBef>
-                <a:spcPts val="0"/>
-              </a:spcBef>
-              <a:spcAft>
-                <a:spcPts val="0"/>
-              </a:spcAft>
-              <a:buNone/>
-            </a:pPr>
-            <a:endParaRPr/>
-          </a:p>
-        </p:txBody>
-      </p:sp>
-    </p:spTree>
-  </p:cSld>
-  <p:clrMapOvr>
-    <a:masterClrMapping/>
-  </p:clrMapOvr>
-</p:notes>
-</file>
-
-<file path=ppt/notesSlides/notesSlide3.xml><?xml version="1.0" encoding="utf-8"?>
-<p:notes xmlns:a="http://schemas.openxmlformats.org/drawingml/2006/main" xmlns:r="http://schemas.openxmlformats.org/officeDocument/2006/relationships" xmlns:p="http://schemas.openxmlformats.org/presentationml/2006/main" showMasterSp="0" showMasterPhAnim="0">
-  <p:cSld>
-    <p:spTree>
-      <p:nvGrpSpPr>
-        <p:cNvPr id="1" name="Shape 607"/>
-        <p:cNvGrpSpPr/>
-        <p:nvPr/>
-      </p:nvGrpSpPr>
-      <p:grpSpPr>
-        <a:xfrm>
-          <a:off x="0" y="0"/>
-          <a:ext cx="0" cy="0"/>
-          <a:chOff x="0" y="0"/>
-          <a:chExt cx="0" cy="0"/>
-        </a:xfrm>
-      </p:grpSpPr>
-      <p:sp>
-        <p:nvSpPr>
-          <p:cNvPr id="608" name="Google Shape;608;g25f373bdc3b_0_2348:notes"/>
-          <p:cNvSpPr>
-            <a:spLocks noGrp="1" noRot="1" noChangeAspect="1"/>
-          </p:cNvSpPr>
-          <p:nvPr>
-            <p:ph type="sldImg" idx="2"/>
-          </p:nvPr>
-        </p:nvSpPr>
-        <p:spPr>
-          <a:xfrm>
-            <a:off x="381000" y="685800"/>
-            <a:ext cx="6096000" cy="3429000"/>
-          </a:xfrm>
-          <a:custGeom>
-            <a:avLst/>
-            <a:gdLst/>
-            <a:ahLst/>
-            <a:cxnLst/>
-            <a:rect l="l" t="t" r="r" b="b"/>
-            <a:pathLst>
-              <a:path w="120000" h="120000" extrusionOk="0">
-                <a:moveTo>
-                  <a:pt x="0" y="0"/>
-                </a:moveTo>
-                <a:lnTo>
-                  <a:pt x="120000" y="0"/>
-                </a:lnTo>
-                <a:lnTo>
-                  <a:pt x="120000" y="120000"/>
-                </a:lnTo>
-                <a:lnTo>
-                  <a:pt x="0" y="120000"/>
-                </a:lnTo>
-                <a:close/>
-              </a:path>
-            </a:pathLst>
-          </a:custGeom>
-        </p:spPr>
-      </p:sp>
-      <p:sp>
-        <p:nvSpPr>
-          <p:cNvPr id="609" name="Google Shape;609;g25f373bdc3b_0_2348:notes"/>
-          <p:cNvSpPr txBox="1">
-            <a:spLocks noGrp="1"/>
-          </p:cNvSpPr>
-          <p:nvPr>
-            <p:ph type="body" idx="1"/>
-          </p:nvPr>
-        </p:nvSpPr>
-        <p:spPr>
-          <a:xfrm>
-            <a:off x="685800" y="4343400"/>
-            <a:ext cx="5486400" cy="4114800"/>
-          </a:xfrm>
-          <a:prstGeom prst="rect">
-            <a:avLst/>
-          </a:prstGeom>
-        </p:spPr>
-        <p:txBody>
-          <a:bodyPr spcFirstLastPara="1" wrap="square" lIns="91425" tIns="91425" rIns="91425" bIns="91425" anchor="t" anchorCtr="0">
-            <a:noAutofit/>
-          </a:bodyPr>
-          <a:lstStyle/>
-          <a:p>
-            <a:pPr marL="0" lvl="0" indent="0" algn="l" rtl="0">
-              <a:spcBef>
-                <a:spcPts val="0"/>
-              </a:spcBef>
-              <a:spcAft>
-                <a:spcPts val="0"/>
-              </a:spcAft>
-              <a:buNone/>
-            </a:pPr>
-            <a:endParaRPr/>
-          </a:p>
-        </p:txBody>
-      </p:sp>
-    </p:spTree>
-  </p:cSld>
-  <p:clrMapOvr>
-    <a:masterClrMapping/>
-  </p:clrMapOvr>
-</p:notes>
-</file>
-
-<file path=ppt/notesSlides/notesSlide4.xml><?xml version="1.0" encoding="utf-8"?>
-<p:notes xmlns:a="http://schemas.openxmlformats.org/drawingml/2006/main" xmlns:r="http://schemas.openxmlformats.org/officeDocument/2006/relationships" xmlns:p="http://schemas.openxmlformats.org/presentationml/2006/main" showMasterSp="0" showMasterPhAnim="0">
-  <p:cSld>
-    <p:spTree>
-      <p:nvGrpSpPr>
-        <p:cNvPr id="1" name="Shape 614"/>
-        <p:cNvGrpSpPr/>
-        <p:nvPr/>
-      </p:nvGrpSpPr>
-      <p:grpSpPr>
-        <a:xfrm>
-          <a:off x="0" y="0"/>
-          <a:ext cx="0" cy="0"/>
-          <a:chOff x="0" y="0"/>
-          <a:chExt cx="0" cy="0"/>
-        </a:xfrm>
-      </p:grpSpPr>
-      <p:sp>
-        <p:nvSpPr>
-          <p:cNvPr id="615" name="Google Shape;615;g25f373bdc3b_0_2354:notes"/>
-          <p:cNvSpPr>
-            <a:spLocks noGrp="1" noRot="1" noChangeAspect="1"/>
-          </p:cNvSpPr>
-          <p:nvPr>
-            <p:ph type="sldImg" idx="2"/>
-          </p:nvPr>
-        </p:nvSpPr>
-        <p:spPr>
-          <a:xfrm>
-            <a:off x="381000" y="685800"/>
-            <a:ext cx="6096000" cy="3429000"/>
-          </a:xfrm>
-          <a:custGeom>
-            <a:avLst/>
-            <a:gdLst/>
-            <a:ahLst/>
-            <a:cxnLst/>
-            <a:rect l="l" t="t" r="r" b="b"/>
-            <a:pathLst>
-              <a:path w="120000" h="120000" extrusionOk="0">
-                <a:moveTo>
-                  <a:pt x="0" y="0"/>
-                </a:moveTo>
-                <a:lnTo>
-                  <a:pt x="120000" y="0"/>
-                </a:lnTo>
-                <a:lnTo>
-                  <a:pt x="120000" y="120000"/>
-                </a:lnTo>
-                <a:lnTo>
-                  <a:pt x="0" y="120000"/>
-                </a:lnTo>
-                <a:close/>
-              </a:path>
-            </a:pathLst>
-          </a:custGeom>
-        </p:spPr>
-      </p:sp>
-      <p:sp>
-        <p:nvSpPr>
-          <p:cNvPr id="616" name="Google Shape;616;g25f373bdc3b_0_2354:notes"/>
-          <p:cNvSpPr txBox="1">
-            <a:spLocks noGrp="1"/>
-          </p:cNvSpPr>
-          <p:nvPr>
-            <p:ph type="body" idx="1"/>
-          </p:nvPr>
-        </p:nvSpPr>
-        <p:spPr>
-          <a:xfrm>
-            <a:off x="685800" y="4343400"/>
-            <a:ext cx="5486400" cy="4114800"/>
-          </a:xfrm>
-          <a:prstGeom prst="rect">
-            <a:avLst/>
-          </a:prstGeom>
-        </p:spPr>
-        <p:txBody>
-          <a:bodyPr spcFirstLastPara="1" wrap="square" lIns="91425" tIns="91425" rIns="91425" bIns="91425" anchor="t" anchorCtr="0">
-            <a:noAutofit/>
-          </a:bodyPr>
-          <a:lstStyle/>
-          <a:p>
-            <a:pPr marL="0" lvl="0" indent="0" algn="l" rtl="0">
-              <a:spcBef>
-                <a:spcPts val="0"/>
-              </a:spcBef>
-              <a:spcAft>
-                <a:spcPts val="0"/>
-              </a:spcAft>
-              <a:buNone/>
-            </a:pPr>
-            <a:endParaRPr/>
-          </a:p>
-        </p:txBody>
-      </p:sp>
-    </p:spTree>
-  </p:cSld>
-  <p:clrMapOvr>
-    <a:masterClrMapping/>
-  </p:clrMapOvr>
-</p:notes>
-</file>
-
-<file path=ppt/notesSlides/notesSlide5.xml><?xml version="1.0" encoding="utf-8"?>
-<p:notes xmlns:a="http://schemas.openxmlformats.org/drawingml/2006/main" xmlns:r="http://schemas.openxmlformats.org/officeDocument/2006/relationships" xmlns:p="http://schemas.openxmlformats.org/presentationml/2006/main" showMasterSp="0" showMasterPhAnim="0">
-  <p:cSld>
-    <p:spTree>
-      <p:nvGrpSpPr>
-        <p:cNvPr id="1" name="Shape 621"/>
-        <p:cNvGrpSpPr/>
-        <p:nvPr/>
-      </p:nvGrpSpPr>
-      <p:grpSpPr>
-        <a:xfrm>
-          <a:off x="0" y="0"/>
-          <a:ext cx="0" cy="0"/>
-          <a:chOff x="0" y="0"/>
-          <a:chExt cx="0" cy="0"/>
-        </a:xfrm>
-      </p:grpSpPr>
-      <p:sp>
-        <p:nvSpPr>
-          <p:cNvPr id="622" name="Google Shape;622;g25f373bdc3b_0_2360:notes"/>
-          <p:cNvSpPr>
-            <a:spLocks noGrp="1" noRot="1" noChangeAspect="1"/>
-          </p:cNvSpPr>
-          <p:nvPr>
-            <p:ph type="sldImg" idx="2"/>
-          </p:nvPr>
-        </p:nvSpPr>
-        <p:spPr>
-          <a:xfrm>
-            <a:off x="381000" y="685800"/>
-            <a:ext cx="6096000" cy="3429000"/>
-          </a:xfrm>
-          <a:custGeom>
-            <a:avLst/>
-            <a:gdLst/>
-            <a:ahLst/>
-            <a:cxnLst/>
-            <a:rect l="l" t="t" r="r" b="b"/>
-            <a:pathLst>
-              <a:path w="120000" h="120000" extrusionOk="0">
-                <a:moveTo>
-                  <a:pt x="0" y="0"/>
-                </a:moveTo>
-                <a:lnTo>
-                  <a:pt x="120000" y="0"/>
-                </a:lnTo>
-                <a:lnTo>
-                  <a:pt x="120000" y="120000"/>
-                </a:lnTo>
-                <a:lnTo>
-                  <a:pt x="0" y="120000"/>
-                </a:lnTo>
-                <a:close/>
-              </a:path>
-            </a:pathLst>
-          </a:custGeom>
-        </p:spPr>
-      </p:sp>
-      <p:sp>
-        <p:nvSpPr>
-          <p:cNvPr id="623" name="Google Shape;623;g25f373bdc3b_0_2360:notes"/>
-          <p:cNvSpPr txBox="1">
-            <a:spLocks noGrp="1"/>
-          </p:cNvSpPr>
-          <p:nvPr>
-            <p:ph type="body" idx="1"/>
-          </p:nvPr>
-        </p:nvSpPr>
-        <p:spPr>
-          <a:xfrm>
-            <a:off x="685800" y="4343400"/>
-            <a:ext cx="5486400" cy="4114800"/>
-          </a:xfrm>
-          <a:prstGeom prst="rect">
-            <a:avLst/>
-          </a:prstGeom>
-        </p:spPr>
-        <p:txBody>
-          <a:bodyPr spcFirstLastPara="1" wrap="square" lIns="91425" tIns="91425" rIns="91425" bIns="91425" anchor="t" anchorCtr="0">
-            <a:noAutofit/>
-          </a:bodyPr>
-          <a:lstStyle/>
-          <a:p>
-            <a:pPr marL="0" lvl="0" indent="0" algn="l" rtl="0">
-              <a:spcBef>
-                <a:spcPts val="0"/>
-              </a:spcBef>
-              <a:spcAft>
-                <a:spcPts val="0"/>
-              </a:spcAft>
-              <a:buNone/>
-            </a:pPr>
-            <a:endParaRPr/>
-          </a:p>
-        </p:txBody>
-      </p:sp>
-    </p:spTree>
-  </p:cSld>
-  <p:clrMapOvr>
-    <a:masterClrMapping/>
-  </p:clrMapOvr>
-</p:notes>
-</file>
-
-<file path=ppt/notesSlides/notesSlide6.xml><?xml version="1.0" encoding="utf-8"?>
-<p:notes xmlns:a="http://schemas.openxmlformats.org/drawingml/2006/main" xmlns:r="http://schemas.openxmlformats.org/officeDocument/2006/relationships" xmlns:p="http://schemas.openxmlformats.org/presentationml/2006/main" showMasterSp="0" showMasterPhAnim="0">
-  <p:cSld>
-    <p:spTree>
-      <p:nvGrpSpPr>
         <p:cNvPr id="1" name="Shape 627"/>
         <p:cNvGrpSpPr/>
         <p:nvPr/>
@@ -1197,7 +578,7 @@
 </p:notes>
 </file>
 
-<file path=ppt/notesSlides/notesSlide7.xml><?xml version="1.0" encoding="utf-8"?>
+<file path=ppt/notesSlides/notesSlide2.xml><?xml version="1.0" encoding="utf-8"?>
 <p:notes xmlns:a="http://schemas.openxmlformats.org/drawingml/2006/main" xmlns:r="http://schemas.openxmlformats.org/officeDocument/2006/relationships" xmlns:p="http://schemas.openxmlformats.org/presentationml/2006/main" showMasterSp="0" showMasterPhAnim="0">
   <p:cSld>
     <p:spTree>
@@ -1289,7 +670,7 @@
               </a:spcAft>
               <a:buNone/>
             </a:pPr>
-            <a:endParaRPr/>
+            <a:endParaRPr dirty="0"/>
           </a:p>
         </p:txBody>
       </p:sp>
@@ -1301,7 +682,7 @@
 </p:notes>
 </file>
 
-<file path=ppt/notesSlides/notesSlide8.xml><?xml version="1.0" encoding="utf-8"?>
+<file path=ppt/notesSlides/notesSlide3.xml><?xml version="1.0" encoding="utf-8"?>
 <p:notes xmlns:a="http://schemas.openxmlformats.org/drawingml/2006/main" xmlns:r="http://schemas.openxmlformats.org/officeDocument/2006/relationships" xmlns:p="http://schemas.openxmlformats.org/presentationml/2006/main" showMasterSp="0" showMasterPhAnim="0">
   <p:cSld>
     <p:spTree>
@@ -1405,110 +786,6 @@
 </p:notes>
 </file>
 
-<file path=ppt/notesSlides/notesSlide9.xml><?xml version="1.0" encoding="utf-8"?>
-<p:notes xmlns:a="http://schemas.openxmlformats.org/drawingml/2006/main" xmlns:r="http://schemas.openxmlformats.org/officeDocument/2006/relationships" xmlns:p="http://schemas.openxmlformats.org/presentationml/2006/main" showMasterSp="0" showMasterPhAnim="0">
-  <p:cSld>
-    <p:spTree>
-      <p:nvGrpSpPr>
-        <p:cNvPr id="1" name="Shape 647"/>
-        <p:cNvGrpSpPr/>
-        <p:nvPr/>
-      </p:nvGrpSpPr>
-      <p:grpSpPr>
-        <a:xfrm>
-          <a:off x="0" y="0"/>
-          <a:ext cx="0" cy="0"/>
-          <a:chOff x="0" y="0"/>
-          <a:chExt cx="0" cy="0"/>
-        </a:xfrm>
-      </p:grpSpPr>
-      <p:sp>
-        <p:nvSpPr>
-          <p:cNvPr id="648" name="Google Shape;648;g25f373bdc3b_0_2382:notes"/>
-          <p:cNvSpPr>
-            <a:spLocks noGrp="1" noRot="1" noChangeAspect="1"/>
-          </p:cNvSpPr>
-          <p:nvPr>
-            <p:ph type="sldImg" idx="2"/>
-          </p:nvPr>
-        </p:nvSpPr>
-        <p:spPr>
-          <a:xfrm>
-            <a:off x="381000" y="685800"/>
-            <a:ext cx="6096000" cy="3429000"/>
-          </a:xfrm>
-          <a:custGeom>
-            <a:avLst/>
-            <a:gdLst/>
-            <a:ahLst/>
-            <a:cxnLst/>
-            <a:rect l="l" t="t" r="r" b="b"/>
-            <a:pathLst>
-              <a:path w="120000" h="120000" extrusionOk="0">
-                <a:moveTo>
-                  <a:pt x="0" y="0"/>
-                </a:moveTo>
-                <a:lnTo>
-                  <a:pt x="120000" y="0"/>
-                </a:lnTo>
-                <a:lnTo>
-                  <a:pt x="120000" y="120000"/>
-                </a:lnTo>
-                <a:lnTo>
-                  <a:pt x="0" y="120000"/>
-                </a:lnTo>
-                <a:close/>
-              </a:path>
-            </a:pathLst>
-          </a:custGeom>
-        </p:spPr>
-      </p:sp>
-      <p:sp>
-        <p:nvSpPr>
-          <p:cNvPr id="649" name="Google Shape;649;g25f373bdc3b_0_2382:notes"/>
-          <p:cNvSpPr txBox="1">
-            <a:spLocks noGrp="1"/>
-          </p:cNvSpPr>
-          <p:nvPr>
-            <p:ph type="body" idx="1"/>
-          </p:nvPr>
-        </p:nvSpPr>
-        <p:spPr>
-          <a:xfrm>
-            <a:off x="685800" y="4343400"/>
-            <a:ext cx="5486400" cy="4114800"/>
-          </a:xfrm>
-          <a:prstGeom prst="rect">
-            <a:avLst/>
-          </a:prstGeom>
-        </p:spPr>
-        <p:txBody>
-          <a:bodyPr spcFirstLastPara="1" wrap="square" lIns="91425" tIns="91425" rIns="91425" bIns="91425" anchor="t" anchorCtr="0">
-            <a:noAutofit/>
-          </a:bodyPr>
-          <a:lstStyle/>
-          <a:p>
-            <a:pPr marL="0" lvl="0" indent="0" algn="l" rtl="0">
-              <a:spcBef>
-                <a:spcPts val="0"/>
-              </a:spcBef>
-              <a:spcAft>
-                <a:spcPts val="0"/>
-              </a:spcAft>
-              <a:buNone/>
-            </a:pPr>
-            <a:endParaRPr/>
-          </a:p>
-        </p:txBody>
-      </p:sp>
-    </p:spTree>
-  </p:cSld>
-  <p:clrMapOvr>
-    <a:masterClrMapping/>
-  </p:clrMapOvr>
-</p:notes>
-</file>
-
 <file path=ppt/slideLayouts/slideLayout1.xml><?xml version="1.0" encoding="utf-8"?>
 <p:sldLayout xmlns:a="http://schemas.openxmlformats.org/drawingml/2006/main" xmlns:r="http://schemas.openxmlformats.org/officeDocument/2006/relationships" xmlns:p="http://schemas.openxmlformats.org/presentationml/2006/main" type="title" preserve="1">
   <p:cSld name="Title Slide">
@@ -1658,7 +935,7 @@
           <a:p>
             <a:fld id="{D2447292-BECC-D249-89D1-64671E37D8F2}" type="datetimeFigureOut">
               <a:rPr lang="en-CH" smtClean="0"/>
-              <a:t>03.01.2024</a:t>
+              <a:t>07.01.2024</a:t>
             </a:fld>
             <a:endParaRPr lang="en-CH"/>
           </a:p>
@@ -1858,7 +1135,7 @@
           <a:p>
             <a:fld id="{D2447292-BECC-D249-89D1-64671E37D8F2}" type="datetimeFigureOut">
               <a:rPr lang="en-CH" smtClean="0"/>
-              <a:t>03.01.2024</a:t>
+              <a:t>07.01.2024</a:t>
             </a:fld>
             <a:endParaRPr lang="en-CH"/>
           </a:p>
@@ -2068,7 +1345,7 @@
           <a:p>
             <a:fld id="{D2447292-BECC-D249-89D1-64671E37D8F2}" type="datetimeFigureOut">
               <a:rPr lang="en-CH" smtClean="0"/>
-              <a:t>03.01.2024</a:t>
+              <a:t>07.01.2024</a:t>
             </a:fld>
             <a:endParaRPr lang="en-CH"/>
           </a:p>
@@ -2627,7 +1904,7 @@
           <a:p>
             <a:fld id="{D2447292-BECC-D249-89D1-64671E37D8F2}" type="datetimeFigureOut">
               <a:rPr lang="en-CH" smtClean="0"/>
-              <a:t>03.01.2024</a:t>
+              <a:t>07.01.2024</a:t>
             </a:fld>
             <a:endParaRPr lang="en-CH"/>
           </a:p>
@@ -2903,7 +2180,7 @@
           <a:p>
             <a:fld id="{D2447292-BECC-D249-89D1-64671E37D8F2}" type="datetimeFigureOut">
               <a:rPr lang="en-CH" smtClean="0"/>
-              <a:t>03.01.2024</a:t>
+              <a:t>07.01.2024</a:t>
             </a:fld>
             <a:endParaRPr lang="en-CH"/>
           </a:p>
@@ -3171,7 +2448,7 @@
           <a:p>
             <a:fld id="{D2447292-BECC-D249-89D1-64671E37D8F2}" type="datetimeFigureOut">
               <a:rPr lang="en-CH" smtClean="0"/>
-              <a:t>03.01.2024</a:t>
+              <a:t>07.01.2024</a:t>
             </a:fld>
             <a:endParaRPr lang="en-CH"/>
           </a:p>
@@ -3586,7 +2863,7 @@
           <a:p>
             <a:fld id="{D2447292-BECC-D249-89D1-64671E37D8F2}" type="datetimeFigureOut">
               <a:rPr lang="en-CH" smtClean="0"/>
-              <a:t>03.01.2024</a:t>
+              <a:t>07.01.2024</a:t>
             </a:fld>
             <a:endParaRPr lang="en-CH"/>
           </a:p>
@@ -3728,7 +3005,7 @@
           <a:p>
             <a:fld id="{D2447292-BECC-D249-89D1-64671E37D8F2}" type="datetimeFigureOut">
               <a:rPr lang="en-CH" smtClean="0"/>
-              <a:t>03.01.2024</a:t>
+              <a:t>07.01.2024</a:t>
             </a:fld>
             <a:endParaRPr lang="en-CH"/>
           </a:p>
@@ -3841,7 +3118,7 @@
           <a:p>
             <a:fld id="{D2447292-BECC-D249-89D1-64671E37D8F2}" type="datetimeFigureOut">
               <a:rPr lang="en-CH" smtClean="0"/>
-              <a:t>03.01.2024</a:t>
+              <a:t>07.01.2024</a:t>
             </a:fld>
             <a:endParaRPr lang="en-CH"/>
           </a:p>
@@ -4154,7 +3431,7 @@
           <a:p>
             <a:fld id="{D2447292-BECC-D249-89D1-64671E37D8F2}" type="datetimeFigureOut">
               <a:rPr lang="en-CH" smtClean="0"/>
-              <a:t>03.01.2024</a:t>
+              <a:t>07.01.2024</a:t>
             </a:fld>
             <a:endParaRPr lang="en-CH"/>
           </a:p>
@@ -4443,7 +3720,7 @@
           <a:p>
             <a:fld id="{D2447292-BECC-D249-89D1-64671E37D8F2}" type="datetimeFigureOut">
               <a:rPr lang="en-CH" smtClean="0"/>
-              <a:t>03.01.2024</a:t>
+              <a:t>07.01.2024</a:t>
             </a:fld>
             <a:endParaRPr lang="en-CH"/>
           </a:p>
@@ -4686,7 +3963,7 @@
           <a:p>
             <a:fld id="{D2447292-BECC-D249-89D1-64671E37D8F2}" type="datetimeFigureOut">
               <a:rPr lang="en-CH" smtClean="0"/>
-              <a:t>03.01.2024</a:t>
+              <a:t>07.01.2024</a:t>
             </a:fld>
             <a:endParaRPr lang="en-CH"/>
           </a:p>
@@ -5090,9 +4367,17 @@
 <file path=ppt/slides/slide1.xml><?xml version="1.0" encoding="utf-8"?>
 <p:sld xmlns:a="http://schemas.openxmlformats.org/drawingml/2006/main" xmlns:r="http://schemas.openxmlformats.org/officeDocument/2006/relationships" xmlns:p="http://schemas.openxmlformats.org/presentationml/2006/main">
   <p:cSld>
+    <p:bg>
+      <p:bgPr>
+        <a:solidFill>
+          <a:schemeClr val="bg1"/>
+        </a:solidFill>
+        <a:effectLst/>
+      </p:bgPr>
+    </p:bg>
     <p:spTree>
       <p:nvGrpSpPr>
-        <p:cNvPr id="1" name="Shape 597"/>
+        <p:cNvPr id="1" name=""/>
         <p:cNvGrpSpPr/>
         <p:nvPr/>
       </p:nvGrpSpPr>
@@ -5104,122 +4389,590 @@
           <a:chExt cx="0" cy="0"/>
         </a:xfrm>
       </p:grpSpPr>
-      <p:sp>
+      <p:sp useBgFill="1">
         <p:nvSpPr>
-          <p:cNvPr id="598" name="Google Shape;598;p97"/>
-          <p:cNvSpPr txBox="1">
-            <a:spLocks noGrp="1"/>
+          <p:cNvPr id="7" name="Rectangle 6">
+            <a:extLst>
+              <a:ext uri="{FF2B5EF4-FFF2-40B4-BE49-F238E27FC236}">
+                <a16:creationId xmlns:a16="http://schemas.microsoft.com/office/drawing/2014/main" id="{FFD48BC7-DC40-47DE-87EE-9F4B6ECB9ABB}"/>
+              </a:ext>
+              <a:ext uri="{C183D7F6-B498-43B3-948B-1728B52AA6E4}">
+                <adec:decorative xmlns:adec="http://schemas.microsoft.com/office/drawing/2017/decorative" val="1"/>
+              </a:ext>
+            </a:extLst>
+          </p:cNvPr>
+          <p:cNvSpPr>
+            <a:spLocks noGrp="1" noRot="1" noChangeAspect="1" noMove="1" noResize="1" noEditPoints="1" noAdjustHandles="1" noChangeArrowheads="1" noChangeShapeType="1" noTextEdit="1"/>
           </p:cNvSpPr>
           <p:nvPr>
-            <p:ph type="title"/>
+            <p:extLst>
+              <p:ext uri="{386F3935-93C4-4BCD-93E2-E3B085C9AB24}">
+                <p16:designElem xmlns:p16="http://schemas.microsoft.com/office/powerpoint/2015/main" val="1"/>
+              </p:ext>
+            </p:extLst>
           </p:nvPr>
         </p:nvSpPr>
         <p:spPr>
           <a:xfrm>
-            <a:off x="838200" y="365125"/>
-            <a:ext cx="10515600" cy="1325564"/>
+            <a:off x="0" y="0"/>
+            <a:ext cx="12192000" cy="6858000"/>
           </a:xfrm>
           <a:prstGeom prst="rect">
             <a:avLst/>
           </a:prstGeom>
+          <a:ln>
+            <a:noFill/>
+          </a:ln>
         </p:spPr>
+        <p:style>
+          <a:lnRef idx="2">
+            <a:schemeClr val="accent1">
+              <a:shade val="50000"/>
+            </a:schemeClr>
+          </a:lnRef>
+          <a:fillRef idx="1">
+            <a:schemeClr val="accent1"/>
+          </a:fillRef>
+          <a:effectRef idx="0">
+            <a:schemeClr val="accent1"/>
+          </a:effectRef>
+          <a:fontRef idx="minor">
+            <a:schemeClr val="lt1"/>
+          </a:fontRef>
+        </p:style>
         <p:txBody>
-          <a:bodyPr spcFirstLastPara="1" vert="horz" lIns="121920" tIns="60960" rIns="121920" bIns="60960" rtlCol="0" anchor="ctr" anchorCtr="0">
-            <a:normAutofit/>
+          <a:bodyPr rtlCol="0" anchor="ctr"/>
+          <a:lstStyle/>
+          <a:p>
+            <a:pPr algn="ctr"/>
+            <a:endParaRPr lang="en-US"/>
+          </a:p>
+        </p:txBody>
+      </p:sp>
+      <p:sp useBgFill="1">
+        <p:nvSpPr>
+          <p:cNvPr id="9" name="Freeform: Shape 8">
+            <a:extLst>
+              <a:ext uri="{FF2B5EF4-FFF2-40B4-BE49-F238E27FC236}">
+                <a16:creationId xmlns:a16="http://schemas.microsoft.com/office/drawing/2014/main" id="{E502BBC7-2C76-46F3-BC24-5985BC13DB88}"/>
+              </a:ext>
+              <a:ext uri="{C183D7F6-B498-43B3-948B-1728B52AA6E4}">
+                <adec:decorative xmlns:adec="http://schemas.microsoft.com/office/drawing/2017/decorative" val="1"/>
+              </a:ext>
+            </a:extLst>
+          </p:cNvPr>
+          <p:cNvSpPr>
+            <a:spLocks noGrp="1" noRot="1" noChangeAspect="1" noMove="1" noResize="1" noEditPoints="1" noAdjustHandles="1" noChangeArrowheads="1" noChangeShapeType="1" noTextEdit="1"/>
+          </p:cNvSpPr>
+          <p:nvPr>
+            <p:extLst>
+              <p:ext uri="{386F3935-93C4-4BCD-93E2-E3B085C9AB24}">
+                <p16:designElem xmlns:p16="http://schemas.microsoft.com/office/powerpoint/2015/main" val="1"/>
+              </p:ext>
+            </p:extLst>
+          </p:nvPr>
+        </p:nvSpPr>
+        <p:spPr>
+          <a:xfrm>
+            <a:off x="1114425" y="0"/>
+            <a:ext cx="9963150" cy="6858000"/>
+          </a:xfrm>
+          <a:custGeom>
+            <a:avLst/>
+            <a:gdLst>
+              <a:gd name="connsiteX0" fmla="*/ 1595771 w 9963150"/>
+              <a:gd name="connsiteY0" fmla="*/ 0 h 6858000"/>
+              <a:gd name="connsiteX1" fmla="*/ 8367379 w 9963150"/>
+              <a:gd name="connsiteY1" fmla="*/ 0 h 6858000"/>
+              <a:gd name="connsiteX2" fmla="*/ 8504080 w 9963150"/>
+              <a:gd name="connsiteY2" fmla="*/ 130333 h 6858000"/>
+              <a:gd name="connsiteX3" fmla="*/ 9963150 w 9963150"/>
+              <a:gd name="connsiteY3" fmla="*/ 3652838 h 6858000"/>
+              <a:gd name="connsiteX4" fmla="*/ 8825600 w 9963150"/>
+              <a:gd name="connsiteY4" fmla="*/ 6821583 h 6858000"/>
+              <a:gd name="connsiteX5" fmla="*/ 8794055 w 9963150"/>
+              <a:gd name="connsiteY5" fmla="*/ 6858000 h 6858000"/>
+              <a:gd name="connsiteX6" fmla="*/ 1169096 w 9963150"/>
+              <a:gd name="connsiteY6" fmla="*/ 6858000 h 6858000"/>
+              <a:gd name="connsiteX7" fmla="*/ 1137550 w 9963150"/>
+              <a:gd name="connsiteY7" fmla="*/ 6821583 h 6858000"/>
+              <a:gd name="connsiteX8" fmla="*/ 0 w 9963150"/>
+              <a:gd name="connsiteY8" fmla="*/ 3652838 h 6858000"/>
+              <a:gd name="connsiteX9" fmla="*/ 1459070 w 9963150"/>
+              <a:gd name="connsiteY9" fmla="*/ 130333 h 6858000"/>
+            </a:gdLst>
+            <a:ahLst/>
+            <a:cxnLst>
+              <a:cxn ang="0">
+                <a:pos x="connsiteX0" y="connsiteY0"/>
+              </a:cxn>
+              <a:cxn ang="0">
+                <a:pos x="connsiteX1" y="connsiteY1"/>
+              </a:cxn>
+              <a:cxn ang="0">
+                <a:pos x="connsiteX2" y="connsiteY2"/>
+              </a:cxn>
+              <a:cxn ang="0">
+                <a:pos x="connsiteX3" y="connsiteY3"/>
+              </a:cxn>
+              <a:cxn ang="0">
+                <a:pos x="connsiteX4" y="connsiteY4"/>
+              </a:cxn>
+              <a:cxn ang="0">
+                <a:pos x="connsiteX5" y="connsiteY5"/>
+              </a:cxn>
+              <a:cxn ang="0">
+                <a:pos x="connsiteX6" y="connsiteY6"/>
+              </a:cxn>
+              <a:cxn ang="0">
+                <a:pos x="connsiteX7" y="connsiteY7"/>
+              </a:cxn>
+              <a:cxn ang="0">
+                <a:pos x="connsiteX8" y="connsiteY8"/>
+              </a:cxn>
+              <a:cxn ang="0">
+                <a:pos x="connsiteX9" y="connsiteY9"/>
+              </a:cxn>
+            </a:cxnLst>
+            <a:rect l="l" t="t" r="r" b="b"/>
+            <a:pathLst>
+              <a:path w="9963150" h="6858000">
+                <a:moveTo>
+                  <a:pt x="1595771" y="0"/>
+                </a:moveTo>
+                <a:lnTo>
+                  <a:pt x="8367379" y="0"/>
+                </a:lnTo>
+                <a:lnTo>
+                  <a:pt x="8504080" y="130333"/>
+                </a:lnTo>
+                <a:cubicBezTo>
+                  <a:pt x="9405568" y="1031820"/>
+                  <a:pt x="9963150" y="2277214"/>
+                  <a:pt x="9963150" y="3652838"/>
+                </a:cubicBezTo>
+                <a:cubicBezTo>
+                  <a:pt x="9963150" y="4856509"/>
+                  <a:pt x="9536251" y="5960473"/>
+                  <a:pt x="8825600" y="6821583"/>
+                </a:cubicBezTo>
+                <a:lnTo>
+                  <a:pt x="8794055" y="6858000"/>
+                </a:lnTo>
+                <a:lnTo>
+                  <a:pt x="1169096" y="6858000"/>
+                </a:lnTo>
+                <a:lnTo>
+                  <a:pt x="1137550" y="6821583"/>
+                </a:lnTo>
+                <a:cubicBezTo>
+                  <a:pt x="426899" y="5960473"/>
+                  <a:pt x="0" y="4856509"/>
+                  <a:pt x="0" y="3652838"/>
+                </a:cubicBezTo>
+                <a:cubicBezTo>
+                  <a:pt x="0" y="2277214"/>
+                  <a:pt x="557582" y="1031820"/>
+                  <a:pt x="1459070" y="130333"/>
+                </a:cubicBezTo>
+                <a:close/>
+              </a:path>
+            </a:pathLst>
+          </a:custGeom>
+          <a:ln w="9525">
+            <a:solidFill>
+              <a:srgbClr val="EFEFEF"/>
+            </a:solidFill>
+          </a:ln>
+          <a:effectLst>
+            <a:outerShdw blurRad="139700" sx="102000" sy="102000" algn="ctr" rotWithShape="0">
+              <a:schemeClr val="bg1">
+                <a:lumMod val="85000"/>
+                <a:alpha val="38000"/>
+              </a:schemeClr>
+            </a:outerShdw>
+          </a:effectLst>
+        </p:spPr>
+        <p:style>
+          <a:lnRef idx="2">
+            <a:schemeClr val="accent1">
+              <a:shade val="50000"/>
+            </a:schemeClr>
+          </a:lnRef>
+          <a:fillRef idx="1">
+            <a:schemeClr val="accent1"/>
+          </a:fillRef>
+          <a:effectRef idx="0">
+            <a:schemeClr val="accent1"/>
+          </a:effectRef>
+          <a:fontRef idx="minor">
+            <a:schemeClr val="lt1"/>
+          </a:fontRef>
+        </p:style>
+        <p:txBody>
+          <a:bodyPr wrap="square" rtlCol="0" anchor="ctr">
+            <a:noAutofit/>
           </a:bodyPr>
           <a:lstStyle/>
           <a:p>
-            <a:pPr defTabSz="1219170"/>
-            <a:r>
-              <a:rPr lang="en-US" sz="5467"/>
-              <a:t>Elastic Network Interface </a:t>
-            </a:r>
+            <a:pPr marL="0" marR="0" lvl="0" indent="0" algn="ctr" defTabSz="914400" rtl="0" eaLnBrk="1" fontAlgn="auto" latinLnBrk="0" hangingPunct="1">
+              <a:lnSpc>
+                <a:spcPct val="100000"/>
+              </a:lnSpc>
+              <a:spcBef>
+                <a:spcPts val="0"/>
+              </a:spcBef>
+              <a:spcAft>
+                <a:spcPts val="0"/>
+              </a:spcAft>
+              <a:buClrTx/>
+              <a:buSzTx/>
+              <a:buFontTx/>
+              <a:buNone/>
+              <a:tabLst/>
+              <a:defRPr/>
+            </a:pPr>
+            <a:endParaRPr kumimoji="0" lang="en-US" sz="1800" b="0" i="0" u="none" strike="noStrike" kern="1200" cap="none" spc="0" normalizeH="0" baseline="0" noProof="0">
+              <a:ln>
+                <a:noFill/>
+              </a:ln>
+              <a:solidFill>
+                <a:prstClr val="white"/>
+              </a:solidFill>
+              <a:effectLst/>
+              <a:uLnTx/>
+              <a:uFillTx/>
+              <a:latin typeface="Calibri" panose="020F0502020204030204"/>
+              <a:ea typeface="+mn-ea"/>
+              <a:cs typeface="+mn-cs"/>
+            </a:endParaRPr>
+          </a:p>
+        </p:txBody>
+      </p:sp>
+      <p:sp useBgFill="1">
+        <p:nvSpPr>
+          <p:cNvPr id="11" name="Freeform: Shape 10">
+            <a:extLst>
+              <a:ext uri="{FF2B5EF4-FFF2-40B4-BE49-F238E27FC236}">
+                <a16:creationId xmlns:a16="http://schemas.microsoft.com/office/drawing/2014/main" id="{C7F28D52-2A5F-4D23-81AE-7CB8B591C7AF}"/>
+              </a:ext>
+              <a:ext uri="{C183D7F6-B498-43B3-948B-1728B52AA6E4}">
+                <adec:decorative xmlns:adec="http://schemas.microsoft.com/office/drawing/2017/decorative" val="1"/>
+              </a:ext>
+            </a:extLst>
+          </p:cNvPr>
+          <p:cNvSpPr>
+            <a:spLocks noGrp="1" noRot="1" noChangeAspect="1" noMove="1" noResize="1" noEditPoints="1" noAdjustHandles="1" noChangeArrowheads="1" noChangeShapeType="1" noTextEdit="1"/>
+          </p:cNvSpPr>
+          <p:nvPr>
+            <p:extLst>
+              <p:ext uri="{386F3935-93C4-4BCD-93E2-E3B085C9AB24}">
+                <p16:designElem xmlns:p16="http://schemas.microsoft.com/office/powerpoint/2015/main" val="1"/>
+              </p:ext>
+            </p:extLst>
+          </p:nvPr>
+        </p:nvSpPr>
+        <p:spPr>
+          <a:xfrm>
+            <a:off x="1121664" y="0"/>
+            <a:ext cx="9948672" cy="6858000"/>
+          </a:xfrm>
+          <a:custGeom>
+            <a:avLst/>
+            <a:gdLst>
+              <a:gd name="connsiteX0" fmla="*/ 1595771 w 9963150"/>
+              <a:gd name="connsiteY0" fmla="*/ 0 h 6858000"/>
+              <a:gd name="connsiteX1" fmla="*/ 8367379 w 9963150"/>
+              <a:gd name="connsiteY1" fmla="*/ 0 h 6858000"/>
+              <a:gd name="connsiteX2" fmla="*/ 8504080 w 9963150"/>
+              <a:gd name="connsiteY2" fmla="*/ 130333 h 6858000"/>
+              <a:gd name="connsiteX3" fmla="*/ 9963150 w 9963150"/>
+              <a:gd name="connsiteY3" fmla="*/ 3652838 h 6858000"/>
+              <a:gd name="connsiteX4" fmla="*/ 8825600 w 9963150"/>
+              <a:gd name="connsiteY4" fmla="*/ 6821583 h 6858000"/>
+              <a:gd name="connsiteX5" fmla="*/ 8794055 w 9963150"/>
+              <a:gd name="connsiteY5" fmla="*/ 6858000 h 6858000"/>
+              <a:gd name="connsiteX6" fmla="*/ 1169096 w 9963150"/>
+              <a:gd name="connsiteY6" fmla="*/ 6858000 h 6858000"/>
+              <a:gd name="connsiteX7" fmla="*/ 1137550 w 9963150"/>
+              <a:gd name="connsiteY7" fmla="*/ 6821583 h 6858000"/>
+              <a:gd name="connsiteX8" fmla="*/ 0 w 9963150"/>
+              <a:gd name="connsiteY8" fmla="*/ 3652838 h 6858000"/>
+              <a:gd name="connsiteX9" fmla="*/ 1459070 w 9963150"/>
+              <a:gd name="connsiteY9" fmla="*/ 130333 h 6858000"/>
+            </a:gdLst>
+            <a:ahLst/>
+            <a:cxnLst>
+              <a:cxn ang="0">
+                <a:pos x="connsiteX0" y="connsiteY0"/>
+              </a:cxn>
+              <a:cxn ang="0">
+                <a:pos x="connsiteX1" y="connsiteY1"/>
+              </a:cxn>
+              <a:cxn ang="0">
+                <a:pos x="connsiteX2" y="connsiteY2"/>
+              </a:cxn>
+              <a:cxn ang="0">
+                <a:pos x="connsiteX3" y="connsiteY3"/>
+              </a:cxn>
+              <a:cxn ang="0">
+                <a:pos x="connsiteX4" y="connsiteY4"/>
+              </a:cxn>
+              <a:cxn ang="0">
+                <a:pos x="connsiteX5" y="connsiteY5"/>
+              </a:cxn>
+              <a:cxn ang="0">
+                <a:pos x="connsiteX6" y="connsiteY6"/>
+              </a:cxn>
+              <a:cxn ang="0">
+                <a:pos x="connsiteX7" y="connsiteY7"/>
+              </a:cxn>
+              <a:cxn ang="0">
+                <a:pos x="connsiteX8" y="connsiteY8"/>
+              </a:cxn>
+              <a:cxn ang="0">
+                <a:pos x="connsiteX9" y="connsiteY9"/>
+              </a:cxn>
+            </a:cxnLst>
+            <a:rect l="l" t="t" r="r" b="b"/>
+            <a:pathLst>
+              <a:path w="9963150" h="6858000">
+                <a:moveTo>
+                  <a:pt x="1595771" y="0"/>
+                </a:moveTo>
+                <a:lnTo>
+                  <a:pt x="8367379" y="0"/>
+                </a:lnTo>
+                <a:lnTo>
+                  <a:pt x="8504080" y="130333"/>
+                </a:lnTo>
+                <a:cubicBezTo>
+                  <a:pt x="9405568" y="1031820"/>
+                  <a:pt x="9963150" y="2277214"/>
+                  <a:pt x="9963150" y="3652838"/>
+                </a:cubicBezTo>
+                <a:cubicBezTo>
+                  <a:pt x="9963150" y="4856509"/>
+                  <a:pt x="9536251" y="5960473"/>
+                  <a:pt x="8825600" y="6821583"/>
+                </a:cubicBezTo>
+                <a:lnTo>
+                  <a:pt x="8794055" y="6858000"/>
+                </a:lnTo>
+                <a:lnTo>
+                  <a:pt x="1169096" y="6858000"/>
+                </a:lnTo>
+                <a:lnTo>
+                  <a:pt x="1137550" y="6821583"/>
+                </a:lnTo>
+                <a:cubicBezTo>
+                  <a:pt x="426899" y="5960473"/>
+                  <a:pt x="0" y="4856509"/>
+                  <a:pt x="0" y="3652838"/>
+                </a:cubicBezTo>
+                <a:cubicBezTo>
+                  <a:pt x="0" y="2277214"/>
+                  <a:pt x="557582" y="1031820"/>
+                  <a:pt x="1459070" y="130333"/>
+                </a:cubicBezTo>
+                <a:close/>
+              </a:path>
+            </a:pathLst>
+          </a:custGeom>
+          <a:ln w="9525">
+            <a:noFill/>
+          </a:ln>
+          <a:effectLst/>
+        </p:spPr>
+        <p:style>
+          <a:lnRef idx="2">
+            <a:schemeClr val="accent1">
+              <a:shade val="50000"/>
+            </a:schemeClr>
+          </a:lnRef>
+          <a:fillRef idx="1">
+            <a:schemeClr val="accent1"/>
+          </a:fillRef>
+          <a:effectRef idx="0">
+            <a:schemeClr val="accent1"/>
+          </a:effectRef>
+          <a:fontRef idx="minor">
+            <a:schemeClr val="lt1"/>
+          </a:fontRef>
+        </p:style>
+        <p:txBody>
+          <a:bodyPr wrap="square" rtlCol="0" anchor="ctr">
+            <a:noAutofit/>
+          </a:bodyPr>
+          <a:lstStyle/>
+          <a:p>
+            <a:pPr marL="0" marR="0" lvl="0" indent="0" algn="ctr" defTabSz="914400" rtl="0" eaLnBrk="1" fontAlgn="auto" latinLnBrk="0" hangingPunct="1">
+              <a:lnSpc>
+                <a:spcPct val="100000"/>
+              </a:lnSpc>
+              <a:spcBef>
+                <a:spcPts val="0"/>
+              </a:spcBef>
+              <a:spcAft>
+                <a:spcPts val="0"/>
+              </a:spcAft>
+              <a:buClrTx/>
+              <a:buSzTx/>
+              <a:buFontTx/>
+              <a:buNone/>
+              <a:tabLst/>
+              <a:defRPr/>
+            </a:pPr>
+            <a:endParaRPr kumimoji="0" lang="en-US" sz="1800" b="0" i="0" u="none" strike="noStrike" kern="1200" cap="none" spc="0" normalizeH="0" baseline="0" noProof="0">
+              <a:ln>
+                <a:noFill/>
+              </a:ln>
+              <a:solidFill>
+                <a:prstClr val="white"/>
+              </a:solidFill>
+              <a:effectLst/>
+              <a:uLnTx/>
+              <a:uFillTx/>
+              <a:latin typeface="Calibri" panose="020F0502020204030204"/>
+              <a:ea typeface="+mn-ea"/>
+              <a:cs typeface="+mn-cs"/>
+            </a:endParaRPr>
           </a:p>
         </p:txBody>
       </p:sp>
       <p:sp>
         <p:nvSpPr>
-          <p:cNvPr id="599" name="Google Shape;599;p97"/>
-          <p:cNvSpPr txBox="1">
+          <p:cNvPr id="2" name="Title 1">
+            <a:extLst>
+              <a:ext uri="{FF2B5EF4-FFF2-40B4-BE49-F238E27FC236}">
+                <a16:creationId xmlns:a16="http://schemas.microsoft.com/office/drawing/2014/main" id="{3C1DC100-2820-139F-2E67-50538FD2B5C8}"/>
+              </a:ext>
+            </a:extLst>
+          </p:cNvPr>
+          <p:cNvSpPr>
             <a:spLocks noGrp="1"/>
           </p:cNvSpPr>
           <p:nvPr>
-            <p:ph sz="half" idx="1"/>
+            <p:ph type="ctrTitle"/>
           </p:nvPr>
         </p:nvSpPr>
         <p:spPr>
           <a:xfrm>
-            <a:off x="838200" y="1929384"/>
-            <a:ext cx="10515600" cy="4251960"/>
+            <a:off x="1524003" y="1999615"/>
+            <a:ext cx="9144000" cy="2764028"/>
+          </a:xfrm>
+        </p:spPr>
+        <p:txBody>
+          <a:bodyPr anchor="ctr">
+            <a:normAutofit/>
+          </a:bodyPr>
+          <a:lstStyle/>
+          <a:p>
+            <a:r>
+              <a:rPr lang="en-CH" sz="7200"/>
+              <a:t>Enhanced Networking</a:t>
+            </a:r>
+          </a:p>
+        </p:txBody>
+      </p:sp>
+      <p:sp>
+        <p:nvSpPr>
+          <p:cNvPr id="13" name="Rectangle 12">
+            <a:extLst>
+              <a:ext uri="{FF2B5EF4-FFF2-40B4-BE49-F238E27FC236}">
+                <a16:creationId xmlns:a16="http://schemas.microsoft.com/office/drawing/2014/main" id="{3629484E-3792-4B3D-89AD-7C8A1ED0E0D4}"/>
+              </a:ext>
+              <a:ext uri="{C183D7F6-B498-43B3-948B-1728B52AA6E4}">
+                <adec:decorative xmlns:adec="http://schemas.microsoft.com/office/drawing/2017/decorative" val="1"/>
+              </a:ext>
+            </a:extLst>
+          </p:cNvPr>
+          <p:cNvSpPr>
+            <a:spLocks noGrp="1" noRot="1" noChangeAspect="1" noMove="1" noResize="1" noEditPoints="1" noAdjustHandles="1" noChangeArrowheads="1" noChangeShapeType="1" noTextEdit="1"/>
+          </p:cNvSpPr>
+          <p:nvPr>
+            <p:extLst>
+              <p:ext uri="{386F3935-93C4-4BCD-93E2-E3B085C9AB24}">
+                <p16:designElem xmlns:p16="http://schemas.microsoft.com/office/powerpoint/2015/main" val="1"/>
+              </p:ext>
+            </p:extLst>
+          </p:nvPr>
+        </p:nvSpPr>
+        <p:spPr>
+          <a:xfrm>
+            <a:off x="3718560" y="5524786"/>
+            <a:ext cx="4754880" cy="27432"/>
           </a:xfrm>
           <a:prstGeom prst="rect">
             <a:avLst/>
           </a:prstGeom>
-        </p:spPr>
-        <p:txBody>
-          <a:bodyPr spcFirstLastPara="1" vert="horz" lIns="121920" tIns="60960" rIns="121920" bIns="60960" rtlCol="0" anchorCtr="0">
-            <a:normAutofit/>
-          </a:bodyPr>
-          <a:lstStyle/>
-          <a:p>
-            <a:pPr marL="0" indent="-304792" defTabSz="1219170">
-              <a:spcBef>
-                <a:spcPts val="1067"/>
-              </a:spcBef>
-            </a:pPr>
-            <a:r>
-              <a:rPr lang="en-US" sz="2267" dirty="0">
-                <a:sym typeface="Arial"/>
-              </a:rPr>
-              <a:t>Essentially, ENIs are virtual network cards you can attach to your EC2 instances. </a:t>
-            </a:r>
-          </a:p>
-          <a:p>
-            <a:pPr marL="0" indent="-304792" defTabSz="1219170">
-              <a:spcBef>
-                <a:spcPts val="1600"/>
-              </a:spcBef>
-              <a:spcAft>
-                <a:spcPts val="1600"/>
-              </a:spcAft>
-            </a:pPr>
-            <a:r>
-              <a:rPr lang="en-US" sz="2267" dirty="0">
-                <a:sym typeface="Arial"/>
-              </a:rPr>
-              <a:t>They are used to enable network connectivity for your instances, and having more than one of them connected to your instance allows it to communicate on two different subnets.</a:t>
-            </a:r>
-          </a:p>
-        </p:txBody>
-      </p:sp>
-      <p:sp>
-        <p:nvSpPr>
-          <p:cNvPr id="600" name="Google Shape;600;p97"/>
-          <p:cNvSpPr/>
-          <p:nvPr/>
-        </p:nvSpPr>
-        <p:spPr>
-          <a:xfrm>
-            <a:off x="6649533" y="1971659"/>
-            <a:ext cx="4521200" cy="4089400"/>
-          </a:xfrm>
-          <a:prstGeom prst="rect">
-            <a:avLst/>
-          </a:prstGeom>
-          <a:noFill/>
+          <a:solidFill>
+            <a:schemeClr val="accent2"/>
+          </a:solidFill>
           <a:ln>
             <a:noFill/>
           </a:ln>
         </p:spPr>
+        <p:style>
+          <a:lnRef idx="2">
+            <a:schemeClr val="accent1">
+              <a:shade val="50000"/>
+            </a:schemeClr>
+          </a:lnRef>
+          <a:fillRef idx="1">
+            <a:schemeClr val="accent1"/>
+          </a:fillRef>
+          <a:effectRef idx="0">
+            <a:schemeClr val="accent1"/>
+          </a:effectRef>
+          <a:fontRef idx="minor">
+            <a:schemeClr val="lt1"/>
+          </a:fontRef>
+        </p:style>
         <p:txBody>
-          <a:bodyPr/>
+          <a:bodyPr rtlCol="0" anchor="ctr"/>
           <a:lstStyle/>
           <a:p>
-            <a:endParaRPr lang="en-CH" sz="2400"/>
+            <a:pPr marL="0" marR="0" lvl="0" indent="0" algn="ctr" defTabSz="914400" rtl="0" eaLnBrk="1" fontAlgn="auto" latinLnBrk="0" hangingPunct="1">
+              <a:lnSpc>
+                <a:spcPct val="100000"/>
+              </a:lnSpc>
+              <a:spcBef>
+                <a:spcPts val="0"/>
+              </a:spcBef>
+              <a:spcAft>
+                <a:spcPts val="0"/>
+              </a:spcAft>
+              <a:buClrTx/>
+              <a:buSzTx/>
+              <a:buFontTx/>
+              <a:buNone/>
+              <a:tabLst/>
+              <a:defRPr/>
+            </a:pPr>
+            <a:endParaRPr kumimoji="0" lang="en-US" sz="1800" b="0" i="0" u="none" strike="noStrike" kern="1200" cap="none" spc="0" normalizeH="0" baseline="0" noProof="0">
+              <a:ln>
+                <a:noFill/>
+              </a:ln>
+              <a:solidFill>
+                <a:prstClr val="white"/>
+              </a:solidFill>
+              <a:effectLst/>
+              <a:uLnTx/>
+              <a:uFillTx/>
+              <a:latin typeface="Calibri" panose="020F0502020204030204"/>
+              <a:ea typeface="+mn-ea"/>
+              <a:cs typeface="+mn-cs"/>
+            </a:endParaRPr>
           </a:p>
         </p:txBody>
       </p:sp>
     </p:spTree>
+    <p:extLst>
+      <p:ext uri="{BB962C8B-B14F-4D97-AF65-F5344CB8AC3E}">
+        <p14:creationId xmlns:p14="http://schemas.microsoft.com/office/powerpoint/2010/main" val="877485013"/>
+      </p:ext>
+    </p:extLst>
   </p:cSld>
   <p:clrMapOvr>
     <a:masterClrMapping/>
@@ -5230,9 +4983,17 @@
 <file path=ppt/slides/slide10.xml><?xml version="1.0" encoding="utf-8"?>
 <p:sld xmlns:a="http://schemas.openxmlformats.org/drawingml/2006/main" xmlns:r="http://schemas.openxmlformats.org/officeDocument/2006/relationships" xmlns:p="http://schemas.openxmlformats.org/presentationml/2006/main">
   <p:cSld>
+    <p:bg>
+      <p:bgPr>
+        <a:solidFill>
+          <a:schemeClr val="bg1"/>
+        </a:solidFill>
+        <a:effectLst/>
+      </p:bgPr>
+    </p:bg>
     <p:spTree>
       <p:nvGrpSpPr>
-        <p:cNvPr id="1" name="Shape 656"/>
+        <p:cNvPr id="1" name=""/>
         <p:cNvGrpSpPr/>
         <p:nvPr/>
       </p:nvGrpSpPr>
@@ -5244,53 +5005,1140 @@
           <a:chExt cx="0" cy="0"/>
         </a:xfrm>
       </p:grpSpPr>
-      <p:pic>
-        <p:nvPicPr>
-          <p:cNvPr id="658" name="Google Shape;658;p106"/>
-          <p:cNvPicPr preferRelativeResize="0"/>
-          <p:nvPr/>
-        </p:nvPicPr>
-        <p:blipFill>
-          <a:blip r:embed="rId3"/>
-          <a:stretch>
-            <a:fillRect/>
-          </a:stretch>
-        </p:blipFill>
+      <p:sp useBgFill="1">
+        <p:nvSpPr>
+          <p:cNvPr id="8" name="Rectangle 7">
+            <a:extLst>
+              <a:ext uri="{FF2B5EF4-FFF2-40B4-BE49-F238E27FC236}">
+                <a16:creationId xmlns:a16="http://schemas.microsoft.com/office/drawing/2014/main" id="{100EDD19-6802-4EC3-95CE-CFFAB042CFD6}"/>
+              </a:ext>
+              <a:ext uri="{C183D7F6-B498-43B3-948B-1728B52AA6E4}">
+                <adec:decorative xmlns:adec="http://schemas.microsoft.com/office/drawing/2017/decorative" val="1"/>
+              </a:ext>
+            </a:extLst>
+          </p:cNvPr>
+          <p:cNvSpPr>
+            <a:spLocks noGrp="1" noRot="1" noChangeAspect="1" noMove="1" noResize="1" noEditPoints="1" noAdjustHandles="1" noChangeArrowheads="1" noChangeShapeType="1" noTextEdit="1"/>
+          </p:cNvSpPr>
+          <p:nvPr>
+            <p:extLst>
+              <p:ext uri="{386F3935-93C4-4BCD-93E2-E3B085C9AB24}">
+                <p16:designElem xmlns:p16="http://schemas.microsoft.com/office/powerpoint/2015/main" val="1"/>
+              </p:ext>
+            </p:extLst>
+          </p:nvPr>
+        </p:nvSpPr>
         <p:spPr>
           <a:xfrm>
-            <a:off x="643468" y="2443427"/>
-            <a:ext cx="5291665" cy="1971144"/>
+            <a:off x="0" y="0"/>
+            <a:ext cx="12188952" cy="6858000"/>
           </a:xfrm>
           <a:prstGeom prst="rect">
             <a:avLst/>
           </a:prstGeom>
-          <a:noFill/>
+          <a:ln>
+            <a:noFill/>
+          </a:ln>
         </p:spPr>
-      </p:pic>
-      <p:pic>
-        <p:nvPicPr>
-          <p:cNvPr id="657" name="Google Shape;657;p106"/>
-          <p:cNvPicPr preferRelativeResize="0"/>
-          <p:nvPr/>
-        </p:nvPicPr>
-        <p:blipFill>
-          <a:blip r:embed="rId4"/>
-          <a:stretch>
-            <a:fillRect/>
-          </a:stretch>
-        </p:blipFill>
+        <p:style>
+          <a:lnRef idx="2">
+            <a:schemeClr val="accent1">
+              <a:shade val="50000"/>
+            </a:schemeClr>
+          </a:lnRef>
+          <a:fillRef idx="1">
+            <a:schemeClr val="accent1"/>
+          </a:fillRef>
+          <a:effectRef idx="0">
+            <a:schemeClr val="accent1"/>
+          </a:effectRef>
+          <a:fontRef idx="minor">
+            <a:schemeClr val="lt1"/>
+          </a:fontRef>
+        </p:style>
+        <p:txBody>
+          <a:bodyPr rtlCol="0" anchor="ctr"/>
+          <a:lstStyle/>
+          <a:p>
+            <a:pPr algn="ctr"/>
+            <a:endParaRPr lang="en-US"/>
+          </a:p>
+        </p:txBody>
+      </p:sp>
+      <p:sp>
+        <p:nvSpPr>
+          <p:cNvPr id="2" name="Title 1">
+            <a:extLst>
+              <a:ext uri="{FF2B5EF4-FFF2-40B4-BE49-F238E27FC236}">
+                <a16:creationId xmlns:a16="http://schemas.microsoft.com/office/drawing/2014/main" id="{2212C0BC-C236-341F-E92C-0B63D1381EB9}"/>
+              </a:ext>
+            </a:extLst>
+          </p:cNvPr>
+          <p:cNvSpPr>
+            <a:spLocks noGrp="1"/>
+          </p:cNvSpPr>
+          <p:nvPr>
+            <p:ph type="title"/>
+          </p:nvPr>
+        </p:nvSpPr>
         <p:spPr>
           <a:xfrm>
-            <a:off x="6256865" y="2536032"/>
-            <a:ext cx="5291668" cy="1785937"/>
+            <a:off x="838200" y="365125"/>
+            <a:ext cx="10515600" cy="1325563"/>
           </a:xfrm>
-          <a:prstGeom prst="rect">
+        </p:spPr>
+        <p:txBody>
+          <a:bodyPr vert="horz" lIns="91440" tIns="45720" rIns="91440" bIns="45720" rtlCol="0" anchor="ctr">
+            <a:normAutofit/>
+          </a:bodyPr>
+          <a:lstStyle/>
+          <a:p>
+            <a:pPr>
+              <a:spcBef>
+                <a:spcPct val="0"/>
+              </a:spcBef>
+            </a:pPr>
+            <a:r>
+              <a:rPr lang="en-US" sz="5400" kern="1200" dirty="0">
+                <a:solidFill>
+                  <a:schemeClr val="tx1"/>
+                </a:solidFill>
+                <a:latin typeface="+mj-lt"/>
+                <a:ea typeface="+mj-ea"/>
+                <a:cs typeface="+mj-cs"/>
+              </a:rPr>
+              <a:t>ENI vs ENA vs EFA</a:t>
+            </a:r>
+          </a:p>
+        </p:txBody>
+      </p:sp>
+      <p:sp>
+        <p:nvSpPr>
+          <p:cNvPr id="10" name="sketch line">
+            <a:extLst>
+              <a:ext uri="{FF2B5EF4-FFF2-40B4-BE49-F238E27FC236}">
+                <a16:creationId xmlns:a16="http://schemas.microsoft.com/office/drawing/2014/main" id="{DB17E863-922E-4C26-BD64-E8FD41D28661}"/>
+              </a:ext>
+              <a:ext uri="{C183D7F6-B498-43B3-948B-1728B52AA6E4}">
+                <adec:decorative xmlns:adec="http://schemas.microsoft.com/office/drawing/2017/decorative" val="1"/>
+              </a:ext>
+            </a:extLst>
+          </p:cNvPr>
+          <p:cNvSpPr>
+            <a:spLocks noGrp="1" noRot="1" noChangeAspect="1" noMove="1" noResize="1" noEditPoints="1" noAdjustHandles="1" noChangeArrowheads="1" noChangeShapeType="1" noTextEdit="1"/>
+          </p:cNvSpPr>
+          <p:nvPr>
+            <p:extLst>
+              <p:ext uri="{386F3935-93C4-4BCD-93E2-E3B085C9AB24}">
+                <p16:designElem xmlns:p16="http://schemas.microsoft.com/office/powerpoint/2015/main" val="1"/>
+              </p:ext>
+            </p:extLst>
+          </p:nvPr>
+        </p:nvSpPr>
+        <p:spPr>
+          <a:xfrm>
+            <a:off x="669036" y="1677373"/>
+            <a:ext cx="10853928" cy="18288"/>
+          </a:xfrm>
+          <a:custGeom>
             <a:avLst/>
-          </a:prstGeom>
-          <a:noFill/>
+            <a:gdLst>
+              <a:gd name="connsiteX0" fmla="*/ 0 w 10853928"/>
+              <a:gd name="connsiteY0" fmla="*/ 0 h 18288"/>
+              <a:gd name="connsiteX1" fmla="*/ 461292 w 10853928"/>
+              <a:gd name="connsiteY1" fmla="*/ 0 h 18288"/>
+              <a:gd name="connsiteX2" fmla="*/ 1139662 w 10853928"/>
+              <a:gd name="connsiteY2" fmla="*/ 0 h 18288"/>
+              <a:gd name="connsiteX3" fmla="*/ 1926572 w 10853928"/>
+              <a:gd name="connsiteY3" fmla="*/ 0 h 18288"/>
+              <a:gd name="connsiteX4" fmla="*/ 2279325 w 10853928"/>
+              <a:gd name="connsiteY4" fmla="*/ 0 h 18288"/>
+              <a:gd name="connsiteX5" fmla="*/ 2632078 w 10853928"/>
+              <a:gd name="connsiteY5" fmla="*/ 0 h 18288"/>
+              <a:gd name="connsiteX6" fmla="*/ 3527527 w 10853928"/>
+              <a:gd name="connsiteY6" fmla="*/ 0 h 18288"/>
+              <a:gd name="connsiteX7" fmla="*/ 4205897 w 10853928"/>
+              <a:gd name="connsiteY7" fmla="*/ 0 h 18288"/>
+              <a:gd name="connsiteX8" fmla="*/ 4558650 w 10853928"/>
+              <a:gd name="connsiteY8" fmla="*/ 0 h 18288"/>
+              <a:gd name="connsiteX9" fmla="*/ 5237020 w 10853928"/>
+              <a:gd name="connsiteY9" fmla="*/ 0 h 18288"/>
+              <a:gd name="connsiteX10" fmla="*/ 6132469 w 10853928"/>
+              <a:gd name="connsiteY10" fmla="*/ 0 h 18288"/>
+              <a:gd name="connsiteX11" fmla="*/ 6702301 w 10853928"/>
+              <a:gd name="connsiteY11" fmla="*/ 0 h 18288"/>
+              <a:gd name="connsiteX12" fmla="*/ 7272132 w 10853928"/>
+              <a:gd name="connsiteY12" fmla="*/ 0 h 18288"/>
+              <a:gd name="connsiteX13" fmla="*/ 7950502 w 10853928"/>
+              <a:gd name="connsiteY13" fmla="*/ 0 h 18288"/>
+              <a:gd name="connsiteX14" fmla="*/ 8737412 w 10853928"/>
+              <a:gd name="connsiteY14" fmla="*/ 0 h 18288"/>
+              <a:gd name="connsiteX15" fmla="*/ 9524322 w 10853928"/>
+              <a:gd name="connsiteY15" fmla="*/ 0 h 18288"/>
+              <a:gd name="connsiteX16" fmla="*/ 10853928 w 10853928"/>
+              <a:gd name="connsiteY16" fmla="*/ 0 h 18288"/>
+              <a:gd name="connsiteX17" fmla="*/ 10853928 w 10853928"/>
+              <a:gd name="connsiteY17" fmla="*/ 18288 h 18288"/>
+              <a:gd name="connsiteX18" fmla="*/ 10392636 w 10853928"/>
+              <a:gd name="connsiteY18" fmla="*/ 18288 h 18288"/>
+              <a:gd name="connsiteX19" fmla="*/ 9497187 w 10853928"/>
+              <a:gd name="connsiteY19" fmla="*/ 18288 h 18288"/>
+              <a:gd name="connsiteX20" fmla="*/ 8818817 w 10853928"/>
+              <a:gd name="connsiteY20" fmla="*/ 18288 h 18288"/>
+              <a:gd name="connsiteX21" fmla="*/ 8466064 w 10853928"/>
+              <a:gd name="connsiteY21" fmla="*/ 18288 h 18288"/>
+              <a:gd name="connsiteX22" fmla="*/ 7787693 w 10853928"/>
+              <a:gd name="connsiteY22" fmla="*/ 18288 h 18288"/>
+              <a:gd name="connsiteX23" fmla="*/ 7217862 w 10853928"/>
+              <a:gd name="connsiteY23" fmla="*/ 18288 h 18288"/>
+              <a:gd name="connsiteX24" fmla="*/ 6648031 w 10853928"/>
+              <a:gd name="connsiteY24" fmla="*/ 18288 h 18288"/>
+              <a:gd name="connsiteX25" fmla="*/ 6078200 w 10853928"/>
+              <a:gd name="connsiteY25" fmla="*/ 18288 h 18288"/>
+              <a:gd name="connsiteX26" fmla="*/ 5508368 w 10853928"/>
+              <a:gd name="connsiteY26" fmla="*/ 18288 h 18288"/>
+              <a:gd name="connsiteX27" fmla="*/ 4721459 w 10853928"/>
+              <a:gd name="connsiteY27" fmla="*/ 18288 h 18288"/>
+              <a:gd name="connsiteX28" fmla="*/ 4043088 w 10853928"/>
+              <a:gd name="connsiteY28" fmla="*/ 18288 h 18288"/>
+              <a:gd name="connsiteX29" fmla="*/ 3690336 w 10853928"/>
+              <a:gd name="connsiteY29" fmla="*/ 18288 h 18288"/>
+              <a:gd name="connsiteX30" fmla="*/ 3120504 w 10853928"/>
+              <a:gd name="connsiteY30" fmla="*/ 18288 h 18288"/>
+              <a:gd name="connsiteX31" fmla="*/ 2333595 w 10853928"/>
+              <a:gd name="connsiteY31" fmla="*/ 18288 h 18288"/>
+              <a:gd name="connsiteX32" fmla="*/ 1872303 w 10853928"/>
+              <a:gd name="connsiteY32" fmla="*/ 18288 h 18288"/>
+              <a:gd name="connsiteX33" fmla="*/ 976854 w 10853928"/>
+              <a:gd name="connsiteY33" fmla="*/ 18288 h 18288"/>
+              <a:gd name="connsiteX34" fmla="*/ 0 w 10853928"/>
+              <a:gd name="connsiteY34" fmla="*/ 18288 h 18288"/>
+              <a:gd name="connsiteX35" fmla="*/ 0 w 10853928"/>
+              <a:gd name="connsiteY35" fmla="*/ 0 h 18288"/>
+            </a:gdLst>
+            <a:ahLst/>
+            <a:cxnLst>
+              <a:cxn ang="0">
+                <a:pos x="connsiteX0" y="connsiteY0"/>
+              </a:cxn>
+              <a:cxn ang="0">
+                <a:pos x="connsiteX1" y="connsiteY1"/>
+              </a:cxn>
+              <a:cxn ang="0">
+                <a:pos x="connsiteX2" y="connsiteY2"/>
+              </a:cxn>
+              <a:cxn ang="0">
+                <a:pos x="connsiteX3" y="connsiteY3"/>
+              </a:cxn>
+              <a:cxn ang="0">
+                <a:pos x="connsiteX4" y="connsiteY4"/>
+              </a:cxn>
+              <a:cxn ang="0">
+                <a:pos x="connsiteX5" y="connsiteY5"/>
+              </a:cxn>
+              <a:cxn ang="0">
+                <a:pos x="connsiteX6" y="connsiteY6"/>
+              </a:cxn>
+              <a:cxn ang="0">
+                <a:pos x="connsiteX7" y="connsiteY7"/>
+              </a:cxn>
+              <a:cxn ang="0">
+                <a:pos x="connsiteX8" y="connsiteY8"/>
+              </a:cxn>
+              <a:cxn ang="0">
+                <a:pos x="connsiteX9" y="connsiteY9"/>
+              </a:cxn>
+              <a:cxn ang="0">
+                <a:pos x="connsiteX10" y="connsiteY10"/>
+              </a:cxn>
+              <a:cxn ang="0">
+                <a:pos x="connsiteX11" y="connsiteY11"/>
+              </a:cxn>
+              <a:cxn ang="0">
+                <a:pos x="connsiteX12" y="connsiteY12"/>
+              </a:cxn>
+              <a:cxn ang="0">
+                <a:pos x="connsiteX13" y="connsiteY13"/>
+              </a:cxn>
+              <a:cxn ang="0">
+                <a:pos x="connsiteX14" y="connsiteY14"/>
+              </a:cxn>
+              <a:cxn ang="0">
+                <a:pos x="connsiteX15" y="connsiteY15"/>
+              </a:cxn>
+              <a:cxn ang="0">
+                <a:pos x="connsiteX16" y="connsiteY16"/>
+              </a:cxn>
+              <a:cxn ang="0">
+                <a:pos x="connsiteX17" y="connsiteY17"/>
+              </a:cxn>
+              <a:cxn ang="0">
+                <a:pos x="connsiteX18" y="connsiteY18"/>
+              </a:cxn>
+              <a:cxn ang="0">
+                <a:pos x="connsiteX19" y="connsiteY19"/>
+              </a:cxn>
+              <a:cxn ang="0">
+                <a:pos x="connsiteX20" y="connsiteY20"/>
+              </a:cxn>
+              <a:cxn ang="0">
+                <a:pos x="connsiteX21" y="connsiteY21"/>
+              </a:cxn>
+              <a:cxn ang="0">
+                <a:pos x="connsiteX22" y="connsiteY22"/>
+              </a:cxn>
+              <a:cxn ang="0">
+                <a:pos x="connsiteX23" y="connsiteY23"/>
+              </a:cxn>
+              <a:cxn ang="0">
+                <a:pos x="connsiteX24" y="connsiteY24"/>
+              </a:cxn>
+              <a:cxn ang="0">
+                <a:pos x="connsiteX25" y="connsiteY25"/>
+              </a:cxn>
+              <a:cxn ang="0">
+                <a:pos x="connsiteX26" y="connsiteY26"/>
+              </a:cxn>
+              <a:cxn ang="0">
+                <a:pos x="connsiteX27" y="connsiteY27"/>
+              </a:cxn>
+              <a:cxn ang="0">
+                <a:pos x="connsiteX28" y="connsiteY28"/>
+              </a:cxn>
+              <a:cxn ang="0">
+                <a:pos x="connsiteX29" y="connsiteY29"/>
+              </a:cxn>
+              <a:cxn ang="0">
+                <a:pos x="connsiteX30" y="connsiteY30"/>
+              </a:cxn>
+              <a:cxn ang="0">
+                <a:pos x="connsiteX31" y="connsiteY31"/>
+              </a:cxn>
+              <a:cxn ang="0">
+                <a:pos x="connsiteX32" y="connsiteY32"/>
+              </a:cxn>
+              <a:cxn ang="0">
+                <a:pos x="connsiteX33" y="connsiteY33"/>
+              </a:cxn>
+              <a:cxn ang="0">
+                <a:pos x="connsiteX34" y="connsiteY34"/>
+              </a:cxn>
+              <a:cxn ang="0">
+                <a:pos x="connsiteX35" y="connsiteY35"/>
+              </a:cxn>
+            </a:cxnLst>
+            <a:rect l="l" t="t" r="r" b="b"/>
+            <a:pathLst>
+              <a:path w="10853928" h="18288" fill="none" extrusionOk="0">
+                <a:moveTo>
+                  <a:pt x="0" y="0"/>
+                </a:moveTo>
+                <a:cubicBezTo>
+                  <a:pt x="146993" y="-19076"/>
+                  <a:pt x="347684" y="-4790"/>
+                  <a:pt x="461292" y="0"/>
+                </a:cubicBezTo>
+                <a:cubicBezTo>
+                  <a:pt x="574900" y="4790"/>
+                  <a:pt x="808367" y="19821"/>
+                  <a:pt x="1139662" y="0"/>
+                </a:cubicBezTo>
+                <a:cubicBezTo>
+                  <a:pt x="1470957" y="-19821"/>
+                  <a:pt x="1627405" y="5721"/>
+                  <a:pt x="1926572" y="0"/>
+                </a:cubicBezTo>
+                <a:cubicBezTo>
+                  <a:pt x="2225739" y="-5721"/>
+                  <a:pt x="2137730" y="-3235"/>
+                  <a:pt x="2279325" y="0"/>
+                </a:cubicBezTo>
+                <a:cubicBezTo>
+                  <a:pt x="2420920" y="3235"/>
+                  <a:pt x="2456518" y="9685"/>
+                  <a:pt x="2632078" y="0"/>
+                </a:cubicBezTo>
+                <a:cubicBezTo>
+                  <a:pt x="2807638" y="-9685"/>
+                  <a:pt x="3211516" y="-43007"/>
+                  <a:pt x="3527527" y="0"/>
+                </a:cubicBezTo>
+                <a:cubicBezTo>
+                  <a:pt x="3843538" y="43007"/>
+                  <a:pt x="4058833" y="22042"/>
+                  <a:pt x="4205897" y="0"/>
+                </a:cubicBezTo>
+                <a:cubicBezTo>
+                  <a:pt x="4352961" y="-22042"/>
+                  <a:pt x="4474805" y="-11846"/>
+                  <a:pt x="4558650" y="0"/>
+                </a:cubicBezTo>
+                <a:cubicBezTo>
+                  <a:pt x="4642495" y="11846"/>
+                  <a:pt x="5041928" y="-6069"/>
+                  <a:pt x="5237020" y="0"/>
+                </a:cubicBezTo>
+                <a:cubicBezTo>
+                  <a:pt x="5432112" y="6069"/>
+                  <a:pt x="5943266" y="-17479"/>
+                  <a:pt x="6132469" y="0"/>
+                </a:cubicBezTo>
+                <a:cubicBezTo>
+                  <a:pt x="6321672" y="17479"/>
+                  <a:pt x="6483872" y="26234"/>
+                  <a:pt x="6702301" y="0"/>
+                </a:cubicBezTo>
+                <a:cubicBezTo>
+                  <a:pt x="6920730" y="-26234"/>
+                  <a:pt x="6991194" y="-15156"/>
+                  <a:pt x="7272132" y="0"/>
+                </a:cubicBezTo>
+                <a:cubicBezTo>
+                  <a:pt x="7553070" y="15156"/>
+                  <a:pt x="7684444" y="-32961"/>
+                  <a:pt x="7950502" y="0"/>
+                </a:cubicBezTo>
+                <a:cubicBezTo>
+                  <a:pt x="8216560" y="32961"/>
+                  <a:pt x="8493290" y="-10491"/>
+                  <a:pt x="8737412" y="0"/>
+                </a:cubicBezTo>
+                <a:cubicBezTo>
+                  <a:pt x="8981534" y="10491"/>
+                  <a:pt x="9191586" y="-13899"/>
+                  <a:pt x="9524322" y="0"/>
+                </a:cubicBezTo>
+                <a:cubicBezTo>
+                  <a:pt x="9857058" y="13899"/>
+                  <a:pt x="10297509" y="7485"/>
+                  <a:pt x="10853928" y="0"/>
+                </a:cubicBezTo>
+                <a:cubicBezTo>
+                  <a:pt x="10854574" y="4451"/>
+                  <a:pt x="10854418" y="9226"/>
+                  <a:pt x="10853928" y="18288"/>
+                </a:cubicBezTo>
+                <a:cubicBezTo>
+                  <a:pt x="10691638" y="28522"/>
+                  <a:pt x="10574319" y="29578"/>
+                  <a:pt x="10392636" y="18288"/>
+                </a:cubicBezTo>
+                <a:cubicBezTo>
+                  <a:pt x="10210953" y="6998"/>
+                  <a:pt x="9836277" y="-16742"/>
+                  <a:pt x="9497187" y="18288"/>
+                </a:cubicBezTo>
+                <a:cubicBezTo>
+                  <a:pt x="9158097" y="53318"/>
+                  <a:pt x="9119479" y="30714"/>
+                  <a:pt x="8818817" y="18288"/>
+                </a:cubicBezTo>
+                <a:cubicBezTo>
+                  <a:pt x="8518155" y="5863"/>
+                  <a:pt x="8640037" y="6483"/>
+                  <a:pt x="8466064" y="18288"/>
+                </a:cubicBezTo>
+                <a:cubicBezTo>
+                  <a:pt x="8292091" y="30093"/>
+                  <a:pt x="7997656" y="18914"/>
+                  <a:pt x="7787693" y="18288"/>
+                </a:cubicBezTo>
+                <a:cubicBezTo>
+                  <a:pt x="7577730" y="17662"/>
+                  <a:pt x="7412468" y="21416"/>
+                  <a:pt x="7217862" y="18288"/>
+                </a:cubicBezTo>
+                <a:cubicBezTo>
+                  <a:pt x="7023256" y="15160"/>
+                  <a:pt x="6898018" y="14824"/>
+                  <a:pt x="6648031" y="18288"/>
+                </a:cubicBezTo>
+                <a:cubicBezTo>
+                  <a:pt x="6398044" y="21752"/>
+                  <a:pt x="6254402" y="38625"/>
+                  <a:pt x="6078200" y="18288"/>
+                </a:cubicBezTo>
+                <a:cubicBezTo>
+                  <a:pt x="5901998" y="-2049"/>
+                  <a:pt x="5622886" y="3213"/>
+                  <a:pt x="5508368" y="18288"/>
+                </a:cubicBezTo>
+                <a:cubicBezTo>
+                  <a:pt x="5393850" y="33363"/>
+                  <a:pt x="5036260" y="26830"/>
+                  <a:pt x="4721459" y="18288"/>
+                </a:cubicBezTo>
+                <a:cubicBezTo>
+                  <a:pt x="4406658" y="9746"/>
+                  <a:pt x="4239221" y="41551"/>
+                  <a:pt x="4043088" y="18288"/>
+                </a:cubicBezTo>
+                <a:cubicBezTo>
+                  <a:pt x="3846955" y="-4975"/>
+                  <a:pt x="3818802" y="34658"/>
+                  <a:pt x="3690336" y="18288"/>
+                </a:cubicBezTo>
+                <a:cubicBezTo>
+                  <a:pt x="3561870" y="1918"/>
+                  <a:pt x="3265491" y="42194"/>
+                  <a:pt x="3120504" y="18288"/>
+                </a:cubicBezTo>
+                <a:cubicBezTo>
+                  <a:pt x="2975517" y="-5618"/>
+                  <a:pt x="2720254" y="36673"/>
+                  <a:pt x="2333595" y="18288"/>
+                </a:cubicBezTo>
+                <a:cubicBezTo>
+                  <a:pt x="1946936" y="-97"/>
+                  <a:pt x="2097241" y="5776"/>
+                  <a:pt x="1872303" y="18288"/>
+                </a:cubicBezTo>
+                <a:cubicBezTo>
+                  <a:pt x="1647365" y="30800"/>
+                  <a:pt x="1282708" y="45380"/>
+                  <a:pt x="976854" y="18288"/>
+                </a:cubicBezTo>
+                <a:cubicBezTo>
+                  <a:pt x="671000" y="-8804"/>
+                  <a:pt x="408401" y="-12775"/>
+                  <a:pt x="0" y="18288"/>
+                </a:cubicBezTo>
+                <a:cubicBezTo>
+                  <a:pt x="-213" y="9468"/>
+                  <a:pt x="187" y="4459"/>
+                  <a:pt x="0" y="0"/>
+                </a:cubicBezTo>
+                <a:close/>
+              </a:path>
+              <a:path w="10853928" h="18288" stroke="0" extrusionOk="0">
+                <a:moveTo>
+                  <a:pt x="0" y="0"/>
+                </a:moveTo>
+                <a:cubicBezTo>
+                  <a:pt x="267322" y="15284"/>
+                  <a:pt x="415388" y="-21048"/>
+                  <a:pt x="569831" y="0"/>
+                </a:cubicBezTo>
+                <a:cubicBezTo>
+                  <a:pt x="724274" y="21048"/>
+                  <a:pt x="769333" y="-2353"/>
+                  <a:pt x="922584" y="0"/>
+                </a:cubicBezTo>
+                <a:cubicBezTo>
+                  <a:pt x="1075835" y="2353"/>
+                  <a:pt x="1399490" y="-145"/>
+                  <a:pt x="1818033" y="0"/>
+                </a:cubicBezTo>
+                <a:cubicBezTo>
+                  <a:pt x="2236576" y="145"/>
+                  <a:pt x="2145330" y="5482"/>
+                  <a:pt x="2387864" y="0"/>
+                </a:cubicBezTo>
+                <a:cubicBezTo>
+                  <a:pt x="2630398" y="-5482"/>
+                  <a:pt x="2793207" y="18487"/>
+                  <a:pt x="2957695" y="0"/>
+                </a:cubicBezTo>
+                <a:cubicBezTo>
+                  <a:pt x="3122183" y="-18487"/>
+                  <a:pt x="3579141" y="19003"/>
+                  <a:pt x="3853144" y="0"/>
+                </a:cubicBezTo>
+                <a:cubicBezTo>
+                  <a:pt x="4127147" y="-19003"/>
+                  <a:pt x="4209857" y="12211"/>
+                  <a:pt x="4314436" y="0"/>
+                </a:cubicBezTo>
+                <a:cubicBezTo>
+                  <a:pt x="4419015" y="-12211"/>
+                  <a:pt x="4762459" y="-17220"/>
+                  <a:pt x="5209885" y="0"/>
+                </a:cubicBezTo>
+                <a:cubicBezTo>
+                  <a:pt x="5657311" y="17220"/>
+                  <a:pt x="5692663" y="-3290"/>
+                  <a:pt x="6105335" y="0"/>
+                </a:cubicBezTo>
+                <a:cubicBezTo>
+                  <a:pt x="6518007" y="3290"/>
+                  <a:pt x="6455516" y="-5124"/>
+                  <a:pt x="6783705" y="0"/>
+                </a:cubicBezTo>
+                <a:cubicBezTo>
+                  <a:pt x="7111894" y="5124"/>
+                  <a:pt x="7441941" y="-17829"/>
+                  <a:pt x="7679154" y="0"/>
+                </a:cubicBezTo>
+                <a:cubicBezTo>
+                  <a:pt x="7916367" y="17829"/>
+                  <a:pt x="8102967" y="-24363"/>
+                  <a:pt x="8248985" y="0"/>
+                </a:cubicBezTo>
+                <a:cubicBezTo>
+                  <a:pt x="8395003" y="24363"/>
+                  <a:pt x="8552393" y="25505"/>
+                  <a:pt x="8818817" y="0"/>
+                </a:cubicBezTo>
+                <a:cubicBezTo>
+                  <a:pt x="9085241" y="-25505"/>
+                  <a:pt x="9411308" y="38000"/>
+                  <a:pt x="9605726" y="0"/>
+                </a:cubicBezTo>
+                <a:cubicBezTo>
+                  <a:pt x="9800144" y="-38000"/>
+                  <a:pt x="10006468" y="-25741"/>
+                  <a:pt x="10175558" y="0"/>
+                </a:cubicBezTo>
+                <a:cubicBezTo>
+                  <a:pt x="10344648" y="25741"/>
+                  <a:pt x="10696282" y="695"/>
+                  <a:pt x="10853928" y="0"/>
+                </a:cubicBezTo>
+                <a:cubicBezTo>
+                  <a:pt x="10853521" y="8690"/>
+                  <a:pt x="10853774" y="14141"/>
+                  <a:pt x="10853928" y="18288"/>
+                </a:cubicBezTo>
+                <a:cubicBezTo>
+                  <a:pt x="10608124" y="24255"/>
+                  <a:pt x="10343415" y="22307"/>
+                  <a:pt x="10067018" y="18288"/>
+                </a:cubicBezTo>
+                <a:cubicBezTo>
+                  <a:pt x="9790621" y="14270"/>
+                  <a:pt x="9843266" y="3564"/>
+                  <a:pt x="9714266" y="18288"/>
+                </a:cubicBezTo>
+                <a:cubicBezTo>
+                  <a:pt x="9585266" y="33012"/>
+                  <a:pt x="9379484" y="1875"/>
+                  <a:pt x="9252974" y="18288"/>
+                </a:cubicBezTo>
+                <a:cubicBezTo>
+                  <a:pt x="9126464" y="34701"/>
+                  <a:pt x="8580678" y="-4904"/>
+                  <a:pt x="8357525" y="18288"/>
+                </a:cubicBezTo>
+                <a:cubicBezTo>
+                  <a:pt x="8134372" y="41480"/>
+                  <a:pt x="7903199" y="26458"/>
+                  <a:pt x="7679154" y="18288"/>
+                </a:cubicBezTo>
+                <a:cubicBezTo>
+                  <a:pt x="7455109" y="10118"/>
+                  <a:pt x="7435944" y="27109"/>
+                  <a:pt x="7217862" y="18288"/>
+                </a:cubicBezTo>
+                <a:cubicBezTo>
+                  <a:pt x="6999780" y="9467"/>
+                  <a:pt x="6680409" y="18985"/>
+                  <a:pt x="6539492" y="18288"/>
+                </a:cubicBezTo>
+                <a:cubicBezTo>
+                  <a:pt x="6398575" y="17592"/>
+                  <a:pt x="6312077" y="33018"/>
+                  <a:pt x="6186739" y="18288"/>
+                </a:cubicBezTo>
+                <a:cubicBezTo>
+                  <a:pt x="6061401" y="3558"/>
+                  <a:pt x="5947033" y="12075"/>
+                  <a:pt x="5833986" y="18288"/>
+                </a:cubicBezTo>
+                <a:cubicBezTo>
+                  <a:pt x="5720939" y="24501"/>
+                  <a:pt x="5482226" y="8586"/>
+                  <a:pt x="5155616" y="18288"/>
+                </a:cubicBezTo>
+                <a:cubicBezTo>
+                  <a:pt x="4829006" y="27991"/>
+                  <a:pt x="4841274" y="29316"/>
+                  <a:pt x="4694324" y="18288"/>
+                </a:cubicBezTo>
+                <a:cubicBezTo>
+                  <a:pt x="4547374" y="7260"/>
+                  <a:pt x="4077675" y="7013"/>
+                  <a:pt x="3907414" y="18288"/>
+                </a:cubicBezTo>
+                <a:cubicBezTo>
+                  <a:pt x="3737153" y="29564"/>
+                  <a:pt x="3538393" y="21630"/>
+                  <a:pt x="3446122" y="18288"/>
+                </a:cubicBezTo>
+                <a:cubicBezTo>
+                  <a:pt x="3353851" y="14946"/>
+                  <a:pt x="2990320" y="-8091"/>
+                  <a:pt x="2659212" y="18288"/>
+                </a:cubicBezTo>
+                <a:cubicBezTo>
+                  <a:pt x="2328104" y="44667"/>
+                  <a:pt x="2427653" y="9607"/>
+                  <a:pt x="2306460" y="18288"/>
+                </a:cubicBezTo>
+                <a:cubicBezTo>
+                  <a:pt x="2185267" y="26969"/>
+                  <a:pt x="1719763" y="3717"/>
+                  <a:pt x="1519550" y="18288"/>
+                </a:cubicBezTo>
+                <a:cubicBezTo>
+                  <a:pt x="1319337" y="32860"/>
+                  <a:pt x="1167371" y="17040"/>
+                  <a:pt x="1058258" y="18288"/>
+                </a:cubicBezTo>
+                <a:cubicBezTo>
+                  <a:pt x="949145" y="19536"/>
+                  <a:pt x="780234" y="31447"/>
+                  <a:pt x="705505" y="18288"/>
+                </a:cubicBezTo>
+                <a:cubicBezTo>
+                  <a:pt x="630776" y="5129"/>
+                  <a:pt x="215796" y="30056"/>
+                  <a:pt x="0" y="18288"/>
+                </a:cubicBezTo>
+                <a:cubicBezTo>
+                  <a:pt x="-53" y="11301"/>
+                  <a:pt x="-649" y="7756"/>
+                  <a:pt x="0" y="0"/>
+                </a:cubicBezTo>
+                <a:close/>
+              </a:path>
+            </a:pathLst>
+          </a:custGeom>
+          <a:solidFill>
+            <a:schemeClr val="accent2"/>
+          </a:solidFill>
+          <a:ln w="41275" cap="rnd">
+            <a:solidFill>
+              <a:schemeClr val="accent2"/>
+            </a:solidFill>
+            <a:round/>
+            <a:extLst>
+              <a:ext uri="{C807C97D-BFC1-408E-A445-0C87EB9F89A2}">
+                <ask:lineSketchStyleProps xmlns:ask="http://schemas.microsoft.com/office/drawing/2018/sketchyshapes" sd="1219033472">
+                  <a:prstGeom prst="rect">
+                    <a:avLst/>
+                  </a:prstGeom>
+                  <ask:type>
+                    <ask:lineSketchFreehand/>
+                  </ask:type>
+                </ask:lineSketchStyleProps>
+              </a:ext>
+            </a:extLst>
+          </a:ln>
         </p:spPr>
-      </p:pic>
+        <p:style>
+          <a:lnRef idx="2">
+            <a:schemeClr val="accent1">
+              <a:shade val="50000"/>
+            </a:schemeClr>
+          </a:lnRef>
+          <a:fillRef idx="1">
+            <a:schemeClr val="accent1"/>
+          </a:fillRef>
+          <a:effectRef idx="0">
+            <a:schemeClr val="accent1"/>
+          </a:effectRef>
+          <a:fontRef idx="minor">
+            <a:schemeClr val="lt1"/>
+          </a:fontRef>
+        </p:style>
+        <p:txBody>
+          <a:bodyPr rtlCol="0" anchor="ctr"/>
+          <a:lstStyle/>
+          <a:p>
+            <a:pPr algn="ctr"/>
+            <a:endParaRPr lang="en-US"/>
+          </a:p>
+        </p:txBody>
+      </p:sp>
+      <p:sp>
+        <p:nvSpPr>
+          <p:cNvPr id="3" name="Text Placeholder 2">
+            <a:extLst>
+              <a:ext uri="{FF2B5EF4-FFF2-40B4-BE49-F238E27FC236}">
+                <a16:creationId xmlns:a16="http://schemas.microsoft.com/office/drawing/2014/main" id="{66FD501D-A902-C814-5208-62D710B794C9}"/>
+              </a:ext>
+            </a:extLst>
+          </p:cNvPr>
+          <p:cNvSpPr>
+            <a:spLocks noGrp="1"/>
+          </p:cNvSpPr>
+          <p:nvPr>
+            <p:ph type="body" idx="1"/>
+          </p:nvPr>
+        </p:nvSpPr>
+        <p:spPr>
+          <a:xfrm>
+            <a:off x="669036" y="1808269"/>
+            <a:ext cx="11042944" cy="4798421"/>
+          </a:xfrm>
+        </p:spPr>
+        <p:txBody>
+          <a:bodyPr vert="horz" lIns="91440" tIns="45720" rIns="91440" bIns="45720" rtlCol="0">
+            <a:noAutofit/>
+          </a:bodyPr>
+          <a:lstStyle/>
+          <a:p>
+            <a:pPr indent="-228600">
+              <a:spcAft>
+                <a:spcPts val="600"/>
+              </a:spcAft>
+              <a:buFont typeface="Arial" panose="020B0604020202020204" pitchFamily="34" charset="0"/>
+              <a:buChar char="•"/>
+            </a:pPr>
+            <a:r>
+              <a:rPr lang="en-US" sz="1100" b="1" i="0" dirty="0">
+                <a:effectLst/>
+                <a:highlight>
+                  <a:srgbClr val="FFFF00"/>
+                </a:highlight>
+              </a:rPr>
+              <a:t>ENI (Elastic Network Interface)</a:t>
+            </a:r>
+            <a:r>
+              <a:rPr lang="en-US" sz="1100" b="0" i="0" dirty="0">
+                <a:effectLst/>
+                <a:highlight>
+                  <a:srgbClr val="FFFF00"/>
+                </a:highlight>
+              </a:rPr>
+              <a:t>:</a:t>
+            </a:r>
+          </a:p>
+          <a:p>
+            <a:pPr marL="800100" lvl="1" indent="-228600">
+              <a:spcAft>
+                <a:spcPts val="600"/>
+              </a:spcAft>
+              <a:buFont typeface="Arial" panose="020B0604020202020204" pitchFamily="34" charset="0"/>
+              <a:buChar char="•"/>
+            </a:pPr>
+            <a:r>
+              <a:rPr lang="en-US" sz="1100" b="0" i="0" dirty="0">
+                <a:effectLst/>
+              </a:rPr>
+              <a:t>An ENI is a virtual network interface that you can attach to an instance in a VPC.</a:t>
+            </a:r>
+          </a:p>
+          <a:p>
+            <a:pPr marL="800100" lvl="1" indent="-228600">
+              <a:spcAft>
+                <a:spcPts val="600"/>
+              </a:spcAft>
+              <a:buFont typeface="Arial" panose="020B0604020202020204" pitchFamily="34" charset="0"/>
+              <a:buChar char="•"/>
+            </a:pPr>
+            <a:r>
+              <a:rPr lang="en-US" sz="1100" b="0" i="0" dirty="0">
+                <a:effectLst/>
+              </a:rPr>
+              <a:t>ENIs are the standard network adapter that provides the basic networking capabilities for EC2 instances.</a:t>
+            </a:r>
+          </a:p>
+          <a:p>
+            <a:pPr marL="800100" lvl="1" indent="-228600">
+              <a:spcAft>
+                <a:spcPts val="600"/>
+              </a:spcAft>
+              <a:buFont typeface="Arial" panose="020B0604020202020204" pitchFamily="34" charset="0"/>
+              <a:buChar char="•"/>
+            </a:pPr>
+            <a:r>
+              <a:rPr lang="en-US" sz="1100" b="0" i="0" dirty="0">
+                <a:effectLst/>
+              </a:rPr>
+              <a:t>Each instance comes with a default ENI (the primary network interface), and you can attach additional ENIs to an instance.</a:t>
+            </a:r>
+          </a:p>
+          <a:p>
+            <a:pPr marL="800100" lvl="1" indent="-228600">
+              <a:spcAft>
+                <a:spcPts val="600"/>
+              </a:spcAft>
+              <a:buFont typeface="Arial" panose="020B0604020202020204" pitchFamily="34" charset="0"/>
+              <a:buChar char="•"/>
+            </a:pPr>
+            <a:r>
+              <a:rPr lang="en-US" sz="1100" b="0" i="0" dirty="0">
+                <a:effectLst/>
+              </a:rPr>
+              <a:t>ENIs can be used to create dual-homed instances with multiple private IP addresses, Elastic IPs, internal IPv4/IPv6 addresses, security groups, and MAC addresses.</a:t>
+            </a:r>
+          </a:p>
+          <a:p>
+            <a:pPr marL="800100" lvl="1" indent="-228600">
+              <a:spcAft>
+                <a:spcPts val="600"/>
+              </a:spcAft>
+              <a:buFont typeface="Arial" panose="020B0604020202020204" pitchFamily="34" charset="0"/>
+              <a:buChar char="•"/>
+            </a:pPr>
+            <a:r>
+              <a:rPr lang="en-US" sz="1100" b="0" i="0" dirty="0">
+                <a:effectLst/>
+              </a:rPr>
+              <a:t>ENIs can be detached from an instance and attached to another, allowing for network configurations to be easily moved.</a:t>
+            </a:r>
+          </a:p>
+          <a:p>
+            <a:pPr marL="800100" lvl="1" indent="-228600">
+              <a:spcAft>
+                <a:spcPts val="600"/>
+              </a:spcAft>
+              <a:buFont typeface="Arial" panose="020B0604020202020204" pitchFamily="34" charset="0"/>
+              <a:buChar char="•"/>
+            </a:pPr>
+            <a:r>
+              <a:rPr lang="en-GB" sz="1100" b="0" i="0" dirty="0">
+                <a:effectLst/>
+              </a:rPr>
+              <a:t>up to 10 Gbps</a:t>
+            </a:r>
+            <a:endParaRPr lang="en-US" sz="1100" b="0" i="0" dirty="0">
+              <a:effectLst/>
+            </a:endParaRPr>
+          </a:p>
+          <a:p>
+            <a:pPr indent="-228600">
+              <a:spcAft>
+                <a:spcPts val="600"/>
+              </a:spcAft>
+              <a:buFont typeface="Arial" panose="020B0604020202020204" pitchFamily="34" charset="0"/>
+              <a:buChar char="•"/>
+            </a:pPr>
+            <a:r>
+              <a:rPr lang="en-US" sz="1100" b="1" i="0" dirty="0">
+                <a:effectLst/>
+                <a:highlight>
+                  <a:srgbClr val="FFFF00"/>
+                </a:highlight>
+              </a:rPr>
+              <a:t>ENA (Elastic Network Adapter)</a:t>
+            </a:r>
+            <a:r>
+              <a:rPr lang="en-US" sz="1100" b="0" i="0" dirty="0">
+                <a:effectLst/>
+                <a:highlight>
+                  <a:srgbClr val="FFFF00"/>
+                </a:highlight>
+              </a:rPr>
+              <a:t>:</a:t>
+            </a:r>
+          </a:p>
+          <a:p>
+            <a:pPr marL="800100" lvl="1" indent="-228600">
+              <a:spcAft>
+                <a:spcPts val="600"/>
+              </a:spcAft>
+              <a:buFont typeface="Arial" panose="020B0604020202020204" pitchFamily="34" charset="0"/>
+              <a:buChar char="•"/>
+            </a:pPr>
+            <a:r>
+              <a:rPr lang="en-US" sz="1100" b="0" i="0" dirty="0">
+                <a:effectLst/>
+              </a:rPr>
+              <a:t>ENA is a newer network interface model that provides enhanced networking capabilities for EC2 instances.</a:t>
+            </a:r>
+          </a:p>
+          <a:p>
+            <a:pPr marL="800100" lvl="1" indent="-228600">
+              <a:spcAft>
+                <a:spcPts val="600"/>
+              </a:spcAft>
+              <a:buFont typeface="Arial" panose="020B0604020202020204" pitchFamily="34" charset="0"/>
+              <a:buChar char="•"/>
+            </a:pPr>
+            <a:r>
+              <a:rPr lang="en-US" sz="1100" b="0" i="0" dirty="0">
+                <a:effectLst/>
+              </a:rPr>
+              <a:t>It supports higher bandwidth, higher packet per second (PPS) performance, and lower latency than ENIs.</a:t>
+            </a:r>
+          </a:p>
+          <a:p>
+            <a:pPr marL="800100" lvl="1" indent="-228600">
+              <a:spcAft>
+                <a:spcPts val="600"/>
+              </a:spcAft>
+              <a:buFont typeface="Arial" panose="020B0604020202020204" pitchFamily="34" charset="0"/>
+              <a:buChar char="•"/>
+            </a:pPr>
+            <a:r>
+              <a:rPr lang="en-US" sz="1100" b="0" i="0" dirty="0">
+                <a:effectLst/>
+              </a:rPr>
+              <a:t>ENA is designed to be scalable and supports networking speeds of up to 100 Gbps on supported instance types.</a:t>
+            </a:r>
+          </a:p>
+          <a:p>
+            <a:pPr marL="800100" lvl="1" indent="-228600">
+              <a:spcAft>
+                <a:spcPts val="600"/>
+              </a:spcAft>
+              <a:buFont typeface="Arial" panose="020B0604020202020204" pitchFamily="34" charset="0"/>
+              <a:buChar char="•"/>
+            </a:pPr>
+            <a:r>
+              <a:rPr lang="en-US" sz="1100" b="0" i="0" dirty="0">
+                <a:effectLst/>
+              </a:rPr>
+              <a:t>It is ideal for demanding applications, such as high-performance computing, machine learning, data analytics, and many more.</a:t>
+            </a:r>
+          </a:p>
+          <a:p>
+            <a:pPr marL="800100" lvl="1" indent="-228600">
+              <a:spcAft>
+                <a:spcPts val="600"/>
+              </a:spcAft>
+              <a:buFont typeface="Arial" panose="020B0604020202020204" pitchFamily="34" charset="0"/>
+              <a:buChar char="•"/>
+            </a:pPr>
+            <a:r>
+              <a:rPr lang="en-US" sz="1100" b="0" i="0" dirty="0">
+                <a:effectLst/>
+              </a:rPr>
+              <a:t>ENA also supports stateless offloads, which help to reduce CPU utilization for network packet processing.</a:t>
+            </a:r>
+          </a:p>
+          <a:p>
+            <a:pPr indent="-228600">
+              <a:spcAft>
+                <a:spcPts val="600"/>
+              </a:spcAft>
+              <a:buFont typeface="Arial" panose="020B0604020202020204" pitchFamily="34" charset="0"/>
+              <a:buChar char="•"/>
+            </a:pPr>
+            <a:r>
+              <a:rPr lang="en-US" sz="1100" b="1" i="0" dirty="0">
+                <a:effectLst/>
+                <a:highlight>
+                  <a:srgbClr val="FFFF00"/>
+                </a:highlight>
+              </a:rPr>
+              <a:t>EFA (Elastic Fabric Adapter)</a:t>
+            </a:r>
+            <a:r>
+              <a:rPr lang="en-US" sz="1100" b="0" i="0" dirty="0">
+                <a:effectLst/>
+                <a:highlight>
+                  <a:srgbClr val="FFFF00"/>
+                </a:highlight>
+              </a:rPr>
+              <a:t>:</a:t>
+            </a:r>
+          </a:p>
+          <a:p>
+            <a:pPr marL="800100" lvl="1" indent="-228600">
+              <a:spcAft>
+                <a:spcPts val="600"/>
+              </a:spcAft>
+              <a:buFont typeface="Arial" panose="020B0604020202020204" pitchFamily="34" charset="0"/>
+              <a:buChar char="•"/>
+            </a:pPr>
+            <a:r>
+              <a:rPr lang="en-US" sz="1100" b="0" i="0" dirty="0">
+                <a:effectLst/>
+              </a:rPr>
+              <a:t>EFA is a network device that you can attach to your EC2 instance to accelerate High Performance Computing (HPC) and machine learning applications.</a:t>
+            </a:r>
+          </a:p>
+          <a:p>
+            <a:pPr marL="800100" lvl="1" indent="-228600">
+              <a:spcAft>
+                <a:spcPts val="600"/>
+              </a:spcAft>
+              <a:buFont typeface="Arial" panose="020B0604020202020204" pitchFamily="34" charset="0"/>
+              <a:buChar char="•"/>
+            </a:pPr>
+            <a:r>
+              <a:rPr lang="en-US" sz="1100" b="0" i="0" dirty="0">
+                <a:effectLst/>
+              </a:rPr>
+              <a:t>It provides the capabilities of ENA and adds the ability to support reliable, scalable, low-latency inter-node communication that is commonly needed for HPC applications.</a:t>
+            </a:r>
+          </a:p>
+          <a:p>
+            <a:pPr marL="800100" lvl="1" indent="-228600">
+              <a:spcAft>
+                <a:spcPts val="600"/>
+              </a:spcAft>
+              <a:buFont typeface="Arial" panose="020B0604020202020204" pitchFamily="34" charset="0"/>
+              <a:buChar char="•"/>
+            </a:pPr>
+            <a:r>
+              <a:rPr lang="en-US" sz="1100" b="0" i="0" dirty="0">
+                <a:effectLst/>
+              </a:rPr>
+              <a:t>EFA is designed to bypass the OS network stack to provide lower and more consistent latency and higher throughput than traditional TCP channels.</a:t>
+            </a:r>
+          </a:p>
+          <a:p>
+            <a:pPr marL="800100" lvl="1" indent="-228600">
+              <a:spcAft>
+                <a:spcPts val="600"/>
+              </a:spcAft>
+              <a:buFont typeface="Arial" panose="020B0604020202020204" pitchFamily="34" charset="0"/>
+              <a:buChar char="•"/>
+            </a:pPr>
+            <a:r>
+              <a:rPr lang="en-US" sz="1100" b="0" i="0" dirty="0">
+                <a:effectLst/>
+              </a:rPr>
+              <a:t>It supports OS-bypass capabilities (</a:t>
+            </a:r>
+            <a:r>
+              <a:rPr lang="en-US" sz="1100" b="0" i="0" dirty="0" err="1">
+                <a:effectLst/>
+              </a:rPr>
+              <a:t>userspace</a:t>
+            </a:r>
+            <a:r>
+              <a:rPr lang="en-US" sz="1100" b="0" i="0" dirty="0">
+                <a:effectLst/>
+              </a:rPr>
+              <a:t> networking) which is particularly beneficial for applications that use Message Passing Interface (MPI).</a:t>
+            </a:r>
+          </a:p>
+          <a:p>
+            <a:pPr marL="800100" lvl="1" indent="-228600">
+              <a:spcAft>
+                <a:spcPts val="600"/>
+              </a:spcAft>
+              <a:buFont typeface="Arial" panose="020B0604020202020204" pitchFamily="34" charset="0"/>
+              <a:buChar char="•"/>
+            </a:pPr>
+            <a:r>
+              <a:rPr lang="en-US" sz="1100" b="0" i="0" dirty="0">
+                <a:effectLst/>
+              </a:rPr>
+              <a:t>EFA is used for tightly-coupled workloads where nodes need to communicate frequently, such as computational fluid dynamics, weather modeling, reservoir simulation, etc.</a:t>
+            </a:r>
+          </a:p>
+          <a:p>
+            <a:pPr marL="800100" lvl="1" indent="-228600">
+              <a:spcAft>
+                <a:spcPts val="600"/>
+              </a:spcAft>
+              <a:buFont typeface="Arial" panose="020B0604020202020204" pitchFamily="34" charset="0"/>
+              <a:buChar char="•"/>
+            </a:pPr>
+            <a:r>
+              <a:rPr lang="en-GB" sz="1100" b="0" i="0" dirty="0">
+                <a:effectLst/>
+              </a:rPr>
+              <a:t>On supported instances, EFA can provide bandwidth of up to 100 Gbps.</a:t>
+            </a:r>
+            <a:endParaRPr lang="en-US" sz="1100" b="0" i="0" dirty="0">
+              <a:effectLst/>
+            </a:endParaRPr>
+          </a:p>
+        </p:txBody>
+      </p:sp>
     </p:spTree>
+    <p:extLst>
+      <p:ext uri="{BB962C8B-B14F-4D97-AF65-F5344CB8AC3E}">
+        <p14:creationId xmlns:p14="http://schemas.microsoft.com/office/powerpoint/2010/main" val="1438025369"/>
+      </p:ext>
+    </p:extLst>
   </p:cSld>
   <p:clrMapOvr>
     <a:masterClrMapping/>
@@ -5301,9 +6149,17 @@
 <file path=ppt/slides/slide2.xml><?xml version="1.0" encoding="utf-8"?>
 <p:sld xmlns:a="http://schemas.openxmlformats.org/drawingml/2006/main" xmlns:r="http://schemas.openxmlformats.org/officeDocument/2006/relationships" xmlns:p="http://schemas.openxmlformats.org/presentationml/2006/main">
   <p:cSld>
+    <p:bg>
+      <p:bgPr>
+        <a:solidFill>
+          <a:schemeClr val="bg1"/>
+        </a:solidFill>
+        <a:effectLst/>
+      </p:bgPr>
+    </p:bg>
     <p:spTree>
       <p:nvGrpSpPr>
-        <p:cNvPr id="1" name="Shape 604"/>
+        <p:cNvPr id="1" name=""/>
         <p:cNvGrpSpPr/>
         <p:nvPr/>
       </p:nvGrpSpPr>
@@ -5315,10 +6171,76 @@
           <a:chExt cx="0" cy="0"/>
         </a:xfrm>
       </p:grpSpPr>
+      <p:sp useBgFill="1">
+        <p:nvSpPr>
+          <p:cNvPr id="9" name="Rectangle 8">
+            <a:extLst>
+              <a:ext uri="{FF2B5EF4-FFF2-40B4-BE49-F238E27FC236}">
+                <a16:creationId xmlns:a16="http://schemas.microsoft.com/office/drawing/2014/main" id="{2B97F24A-32CE-4C1C-A50D-3016B394DCFB}"/>
+              </a:ext>
+              <a:ext uri="{C183D7F6-B498-43B3-948B-1728B52AA6E4}">
+                <adec:decorative xmlns:adec="http://schemas.microsoft.com/office/drawing/2017/decorative" val="1"/>
+              </a:ext>
+            </a:extLst>
+          </p:cNvPr>
+          <p:cNvSpPr>
+            <a:spLocks noGrp="1" noRot="1" noChangeAspect="1" noMove="1" noResize="1" noEditPoints="1" noAdjustHandles="1" noChangeArrowheads="1" noChangeShapeType="1" noTextEdit="1"/>
+          </p:cNvSpPr>
+          <p:nvPr>
+            <p:extLst>
+              <p:ext uri="{386F3935-93C4-4BCD-93E2-E3B085C9AB24}">
+                <p16:designElem xmlns:p16="http://schemas.microsoft.com/office/powerpoint/2015/main" val="1"/>
+              </p:ext>
+            </p:extLst>
+          </p:nvPr>
+        </p:nvSpPr>
+        <p:spPr>
+          <a:xfrm>
+            <a:off x="0" y="0"/>
+            <a:ext cx="12192000" cy="6858000"/>
+          </a:xfrm>
+          <a:prstGeom prst="rect">
+            <a:avLst/>
+          </a:prstGeom>
+          <a:ln>
+            <a:noFill/>
+          </a:ln>
+        </p:spPr>
+        <p:style>
+          <a:lnRef idx="2">
+            <a:schemeClr val="accent1">
+              <a:shade val="50000"/>
+            </a:schemeClr>
+          </a:lnRef>
+          <a:fillRef idx="1">
+            <a:schemeClr val="accent1"/>
+          </a:fillRef>
+          <a:effectRef idx="0">
+            <a:schemeClr val="accent1"/>
+          </a:effectRef>
+          <a:fontRef idx="minor">
+            <a:schemeClr val="lt1"/>
+          </a:fontRef>
+        </p:style>
+        <p:txBody>
+          <a:bodyPr rtlCol="0" anchor="ctr"/>
+          <a:lstStyle/>
+          <a:p>
+            <a:pPr algn="ctr"/>
+            <a:endParaRPr lang="en-US"/>
+          </a:p>
+        </p:txBody>
+      </p:sp>
       <p:sp>
         <p:nvSpPr>
-          <p:cNvPr id="605" name="Google Shape;605;p98"/>
-          <p:cNvSpPr txBox="1">
+          <p:cNvPr id="2" name="Title 1">
+            <a:extLst>
+              <a:ext uri="{FF2B5EF4-FFF2-40B4-BE49-F238E27FC236}">
+                <a16:creationId xmlns:a16="http://schemas.microsoft.com/office/drawing/2014/main" id="{21B347B9-B463-BC6A-96D7-FD496E2BE943}"/>
+              </a:ext>
+            </a:extLst>
+          </p:cNvPr>
+          <p:cNvSpPr>
             <a:spLocks noGrp="1"/>
           </p:cNvSpPr>
           <p:nvPr>
@@ -5327,61 +6249,494 @@
         </p:nvSpPr>
         <p:spPr>
           <a:xfrm>
-            <a:off x="2103120" y="310343"/>
-            <a:ext cx="7985760" cy="868823"/>
+            <a:off x="630936" y="639520"/>
+            <a:ext cx="3429000" cy="1719072"/>
           </a:xfrm>
-          <a:prstGeom prst="rect">
-            <a:avLst/>
-          </a:prstGeom>
         </p:spPr>
         <p:txBody>
-          <a:bodyPr spcFirstLastPara="1" vert="horz" lIns="121920" tIns="60960" rIns="121920" bIns="60960" rtlCol="0" anchor="ctr" anchorCtr="0">
+          <a:bodyPr anchor="b">
             <a:normAutofit/>
           </a:bodyPr>
           <a:lstStyle/>
           <a:p>
-            <a:pPr algn="ctr" defTabSz="1219170"/>
-            <a:r>
-              <a:rPr lang="en-US" sz="3067"/>
-              <a:t>ENI based on </a:t>
-            </a:r>
-            <a:r>
-              <a:rPr lang="en-US" sz="3067" b="1">
-                <a:highlight>
-                  <a:srgbClr val="FFFFFF"/>
-                </a:highlight>
+            <a:r>
+              <a:rPr lang="en-CH" sz="3800"/>
+              <a:t>What is Enhanced networking?</a:t>
+            </a:r>
+          </a:p>
+        </p:txBody>
+      </p:sp>
+      <p:sp>
+        <p:nvSpPr>
+          <p:cNvPr id="11" name="sketch line">
+            <a:extLst>
+              <a:ext uri="{FF2B5EF4-FFF2-40B4-BE49-F238E27FC236}">
+                <a16:creationId xmlns:a16="http://schemas.microsoft.com/office/drawing/2014/main" id="{6357EC4F-235E-4222-A36F-C7878ACE37F2}"/>
+              </a:ext>
+              <a:ext uri="{C183D7F6-B498-43B3-948B-1728B52AA6E4}">
+                <adec:decorative xmlns:adec="http://schemas.microsoft.com/office/drawing/2017/decorative" val="1"/>
+              </a:ext>
+            </a:extLst>
+          </p:cNvPr>
+          <p:cNvSpPr>
+            <a:spLocks noGrp="1" noRot="1" noChangeAspect="1" noMove="1" noResize="1" noEditPoints="1" noAdjustHandles="1" noChangeArrowheads="1" noChangeShapeType="1" noTextEdit="1"/>
+          </p:cNvSpPr>
+          <p:nvPr>
+            <p:extLst>
+              <p:ext uri="{386F3935-93C4-4BCD-93E2-E3B085C9AB24}">
+                <p16:designElem xmlns:p16="http://schemas.microsoft.com/office/powerpoint/2015/main" val="1"/>
+              </p:ext>
+            </p:extLst>
+          </p:nvPr>
+        </p:nvSpPr>
+        <p:spPr>
+          <a:xfrm>
+            <a:off x="643278" y="2573756"/>
+            <a:ext cx="3255095" cy="18288"/>
+          </a:xfrm>
+          <a:custGeom>
+            <a:avLst/>
+            <a:gdLst>
+              <a:gd name="connsiteX0" fmla="*/ 0 w 3255095"/>
+              <a:gd name="connsiteY0" fmla="*/ 0 h 18288"/>
+              <a:gd name="connsiteX1" fmla="*/ 618468 w 3255095"/>
+              <a:gd name="connsiteY1" fmla="*/ 0 h 18288"/>
+              <a:gd name="connsiteX2" fmla="*/ 1269487 w 3255095"/>
+              <a:gd name="connsiteY2" fmla="*/ 0 h 18288"/>
+              <a:gd name="connsiteX3" fmla="*/ 1953057 w 3255095"/>
+              <a:gd name="connsiteY3" fmla="*/ 0 h 18288"/>
+              <a:gd name="connsiteX4" fmla="*/ 2636627 w 3255095"/>
+              <a:gd name="connsiteY4" fmla="*/ 0 h 18288"/>
+              <a:gd name="connsiteX5" fmla="*/ 3255095 w 3255095"/>
+              <a:gd name="connsiteY5" fmla="*/ 0 h 18288"/>
+              <a:gd name="connsiteX6" fmla="*/ 3255095 w 3255095"/>
+              <a:gd name="connsiteY6" fmla="*/ 18288 h 18288"/>
+              <a:gd name="connsiteX7" fmla="*/ 2538974 w 3255095"/>
+              <a:gd name="connsiteY7" fmla="*/ 18288 h 18288"/>
+              <a:gd name="connsiteX8" fmla="*/ 1822853 w 3255095"/>
+              <a:gd name="connsiteY8" fmla="*/ 18288 h 18288"/>
+              <a:gd name="connsiteX9" fmla="*/ 1171834 w 3255095"/>
+              <a:gd name="connsiteY9" fmla="*/ 18288 h 18288"/>
+              <a:gd name="connsiteX10" fmla="*/ 0 w 3255095"/>
+              <a:gd name="connsiteY10" fmla="*/ 18288 h 18288"/>
+              <a:gd name="connsiteX11" fmla="*/ 0 w 3255095"/>
+              <a:gd name="connsiteY11" fmla="*/ 0 h 18288"/>
+            </a:gdLst>
+            <a:ahLst/>
+            <a:cxnLst>
+              <a:cxn ang="0">
+                <a:pos x="connsiteX0" y="connsiteY0"/>
+              </a:cxn>
+              <a:cxn ang="0">
+                <a:pos x="connsiteX1" y="connsiteY1"/>
+              </a:cxn>
+              <a:cxn ang="0">
+                <a:pos x="connsiteX2" y="connsiteY2"/>
+              </a:cxn>
+              <a:cxn ang="0">
+                <a:pos x="connsiteX3" y="connsiteY3"/>
+              </a:cxn>
+              <a:cxn ang="0">
+                <a:pos x="connsiteX4" y="connsiteY4"/>
+              </a:cxn>
+              <a:cxn ang="0">
+                <a:pos x="connsiteX5" y="connsiteY5"/>
+              </a:cxn>
+              <a:cxn ang="0">
+                <a:pos x="connsiteX6" y="connsiteY6"/>
+              </a:cxn>
+              <a:cxn ang="0">
+                <a:pos x="connsiteX7" y="connsiteY7"/>
+              </a:cxn>
+              <a:cxn ang="0">
+                <a:pos x="connsiteX8" y="connsiteY8"/>
+              </a:cxn>
+              <a:cxn ang="0">
+                <a:pos x="connsiteX9" y="connsiteY9"/>
+              </a:cxn>
+              <a:cxn ang="0">
+                <a:pos x="connsiteX10" y="connsiteY10"/>
+              </a:cxn>
+              <a:cxn ang="0">
+                <a:pos x="connsiteX11" y="connsiteY11"/>
+              </a:cxn>
+            </a:cxnLst>
+            <a:rect l="l" t="t" r="r" b="b"/>
+            <a:pathLst>
+              <a:path w="3255095" h="18288" fill="none" extrusionOk="0">
+                <a:moveTo>
+                  <a:pt x="0" y="0"/>
+                </a:moveTo>
+                <a:cubicBezTo>
+                  <a:pt x="240201" y="-22123"/>
+                  <a:pt x="462021" y="-19623"/>
+                  <a:pt x="618468" y="0"/>
+                </a:cubicBezTo>
+                <a:cubicBezTo>
+                  <a:pt x="774915" y="19623"/>
+                  <a:pt x="974734" y="2035"/>
+                  <a:pt x="1269487" y="0"/>
+                </a:cubicBezTo>
+                <a:cubicBezTo>
+                  <a:pt x="1564240" y="-2035"/>
+                  <a:pt x="1733579" y="10639"/>
+                  <a:pt x="1953057" y="0"/>
+                </a:cubicBezTo>
+                <a:cubicBezTo>
+                  <a:pt x="2172535" y="-10639"/>
+                  <a:pt x="2453962" y="14018"/>
+                  <a:pt x="2636627" y="0"/>
+                </a:cubicBezTo>
+                <a:cubicBezTo>
+                  <a:pt x="2819292" y="-14018"/>
+                  <a:pt x="3121375" y="5399"/>
+                  <a:pt x="3255095" y="0"/>
+                </a:cubicBezTo>
+                <a:cubicBezTo>
+                  <a:pt x="3254386" y="8157"/>
+                  <a:pt x="3254682" y="12125"/>
+                  <a:pt x="3255095" y="18288"/>
+                </a:cubicBezTo>
+                <a:cubicBezTo>
+                  <a:pt x="3088545" y="23203"/>
+                  <a:pt x="2687475" y="7419"/>
+                  <a:pt x="2538974" y="18288"/>
+                </a:cubicBezTo>
+                <a:cubicBezTo>
+                  <a:pt x="2390473" y="29157"/>
+                  <a:pt x="2137381" y="-8959"/>
+                  <a:pt x="1822853" y="18288"/>
+                </a:cubicBezTo>
+                <a:cubicBezTo>
+                  <a:pt x="1508325" y="45535"/>
+                  <a:pt x="1466437" y="20385"/>
+                  <a:pt x="1171834" y="18288"/>
+                </a:cubicBezTo>
+                <a:cubicBezTo>
+                  <a:pt x="877231" y="16191"/>
+                  <a:pt x="561097" y="37643"/>
+                  <a:pt x="0" y="18288"/>
+                </a:cubicBezTo>
+                <a:cubicBezTo>
+                  <a:pt x="-46" y="12483"/>
+                  <a:pt x="-203" y="6491"/>
+                  <a:pt x="0" y="0"/>
+                </a:cubicBezTo>
+                <a:close/>
+              </a:path>
+              <a:path w="3255095" h="18288" stroke="0" extrusionOk="0">
+                <a:moveTo>
+                  <a:pt x="0" y="0"/>
+                </a:moveTo>
+                <a:cubicBezTo>
+                  <a:pt x="291965" y="19429"/>
+                  <a:pt x="363155" y="8568"/>
+                  <a:pt x="618468" y="0"/>
+                </a:cubicBezTo>
+                <a:cubicBezTo>
+                  <a:pt x="873781" y="-8568"/>
+                  <a:pt x="904459" y="-19505"/>
+                  <a:pt x="1171834" y="0"/>
+                </a:cubicBezTo>
+                <a:cubicBezTo>
+                  <a:pt x="1439209" y="19505"/>
+                  <a:pt x="1744369" y="9790"/>
+                  <a:pt x="1887955" y="0"/>
+                </a:cubicBezTo>
+                <a:cubicBezTo>
+                  <a:pt x="2031541" y="-9790"/>
+                  <a:pt x="2346378" y="21240"/>
+                  <a:pt x="2506423" y="0"/>
+                </a:cubicBezTo>
+                <a:cubicBezTo>
+                  <a:pt x="2666468" y="-21240"/>
+                  <a:pt x="2990257" y="30414"/>
+                  <a:pt x="3255095" y="0"/>
+                </a:cubicBezTo>
+                <a:cubicBezTo>
+                  <a:pt x="3254831" y="4493"/>
+                  <a:pt x="3255479" y="9472"/>
+                  <a:pt x="3255095" y="18288"/>
+                </a:cubicBezTo>
+                <a:cubicBezTo>
+                  <a:pt x="3120743" y="16690"/>
+                  <a:pt x="2759628" y="42462"/>
+                  <a:pt x="2604076" y="18288"/>
+                </a:cubicBezTo>
+                <a:cubicBezTo>
+                  <a:pt x="2448524" y="-5886"/>
+                  <a:pt x="2184336" y="19599"/>
+                  <a:pt x="1887955" y="18288"/>
+                </a:cubicBezTo>
+                <a:cubicBezTo>
+                  <a:pt x="1591574" y="16977"/>
+                  <a:pt x="1548845" y="6870"/>
+                  <a:pt x="1334589" y="18288"/>
+                </a:cubicBezTo>
+                <a:cubicBezTo>
+                  <a:pt x="1120333" y="29706"/>
+                  <a:pt x="996014" y="9662"/>
+                  <a:pt x="683570" y="18288"/>
+                </a:cubicBezTo>
+                <a:cubicBezTo>
+                  <a:pt x="371126" y="26914"/>
+                  <a:pt x="198687" y="16167"/>
+                  <a:pt x="0" y="18288"/>
+                </a:cubicBezTo>
+                <a:cubicBezTo>
+                  <a:pt x="843" y="9577"/>
+                  <a:pt x="371" y="6900"/>
+                  <a:pt x="0" y="0"/>
+                </a:cubicBezTo>
+                <a:close/>
+              </a:path>
+            </a:pathLst>
+          </a:custGeom>
+          <a:solidFill>
+            <a:schemeClr val="accent2"/>
+          </a:solidFill>
+          <a:ln w="38100" cap="rnd">
+            <a:solidFill>
+              <a:schemeClr val="accent2"/>
+            </a:solidFill>
+            <a:round/>
+            <a:extLst>
+              <a:ext uri="{C807C97D-BFC1-408E-A445-0C87EB9F89A2}">
+                <ask:lineSketchStyleProps xmlns:ask="http://schemas.microsoft.com/office/drawing/2018/sketchyshapes" sd="1219033472">
+                  <a:prstGeom prst="rect">
+                    <a:avLst/>
+                  </a:prstGeom>
+                  <ask:type>
+                    <ask:lineSketchFreehand/>
+                  </ask:type>
+                </ask:lineSketchStyleProps>
+              </a:ext>
+            </a:extLst>
+          </a:ln>
+        </p:spPr>
+        <p:style>
+          <a:lnRef idx="2">
+            <a:schemeClr val="accent1">
+              <a:shade val="50000"/>
+            </a:schemeClr>
+          </a:lnRef>
+          <a:fillRef idx="1">
+            <a:schemeClr val="accent1"/>
+          </a:fillRef>
+          <a:effectRef idx="0">
+            <a:schemeClr val="accent1"/>
+          </a:effectRef>
+          <a:fontRef idx="minor">
+            <a:schemeClr val="lt1"/>
+          </a:fontRef>
+        </p:style>
+        <p:txBody>
+          <a:bodyPr rtlCol="0" anchor="ctr"/>
+          <a:lstStyle/>
+          <a:p>
+            <a:pPr algn="ctr"/>
+            <a:endParaRPr lang="en-US"/>
+          </a:p>
+        </p:txBody>
+      </p:sp>
+      <p:sp>
+        <p:nvSpPr>
+          <p:cNvPr id="3" name="Content Placeholder 2">
+            <a:extLst>
+              <a:ext uri="{FF2B5EF4-FFF2-40B4-BE49-F238E27FC236}">
+                <a16:creationId xmlns:a16="http://schemas.microsoft.com/office/drawing/2014/main" id="{FD242BE8-5A3F-12C4-809D-5E3840F7CFAA}"/>
+              </a:ext>
+            </a:extLst>
+          </p:cNvPr>
+          <p:cNvSpPr>
+            <a:spLocks noGrp="1"/>
+          </p:cNvSpPr>
+          <p:nvPr>
+            <p:ph idx="1"/>
+          </p:nvPr>
+        </p:nvSpPr>
+        <p:spPr>
+          <a:xfrm>
+            <a:off x="205891" y="2682643"/>
+            <a:ext cx="6643026" cy="3869547"/>
+          </a:xfrm>
+        </p:spPr>
+        <p:txBody>
+          <a:bodyPr anchor="t">
+            <a:normAutofit/>
+          </a:bodyPr>
+          <a:lstStyle/>
+          <a:p>
+            <a:r>
+              <a:rPr lang="en-CH" sz="1200" dirty="0"/>
+              <a:t>Reduces instance-to-instance latencies</a:t>
+            </a:r>
+          </a:p>
+          <a:p>
+            <a:r>
+              <a:rPr lang="en-CH" sz="1200" dirty="0"/>
+              <a:t>Passtrhough hypervisor</a:t>
+            </a:r>
+          </a:p>
+          <a:p>
+            <a:r>
+              <a:rPr lang="en-CH" sz="1200" dirty="0"/>
+              <a:t>Enabled using Elastic Network Adapter (ENA), Elastic Fabric Adapter (EFA) or ixbevf driver</a:t>
+            </a:r>
+          </a:p>
+          <a:p>
+            <a:r>
+              <a:rPr lang="en-GB" sz="1200" dirty="0"/>
+              <a:t>SR-IOV (Single-root input/output virtualization) and PCI (I/O bus) passthrough are methods of device virtualization that provide higher I/O performance and lower CPU utilization  </a:t>
+            </a:r>
+          </a:p>
+          <a:p>
+            <a:r>
+              <a:rPr lang="en-GB" sz="1200" dirty="0"/>
+              <a:t>SR-IOV allows a single physical NIC (Network Interface Card) to present itself as multiple </a:t>
+            </a:r>
+            <a:r>
+              <a:rPr lang="en-GB" sz="1200" dirty="0" err="1"/>
+              <a:t>vNICs</a:t>
+            </a:r>
+            <a:r>
+              <a:rPr lang="en-GB" sz="1200" dirty="0"/>
+              <a:t>  </a:t>
+            </a:r>
+          </a:p>
+          <a:p>
+            <a:r>
+              <a:rPr lang="en-GB" sz="1200" dirty="0"/>
+              <a:t>PCI passthrough enables PCI devices such as ENI to appear as if they are physically attached to the guest operating system bypassing hypervisor  </a:t>
+            </a:r>
+          </a:p>
+          <a:p>
+            <a:r>
+              <a:rPr lang="en-GB" sz="1200" dirty="0"/>
+              <a:t>Ultimately in combination this allows low latency, high rate data transfer (&gt;1 M PPS)</a:t>
+            </a:r>
+          </a:p>
+          <a:p>
+            <a:pPr marL="0" indent="-304792" defTabSz="1219170">
+              <a:spcBef>
+                <a:spcPts val="400"/>
+              </a:spcBef>
+            </a:pPr>
+            <a:r>
+              <a:rPr lang="en-US" sz="1200" dirty="0">
                 <a:sym typeface="Arial"/>
               </a:rPr>
-              <a:t>Virtual Machine Device Queues</a:t>
-            </a:r>
-            <a:endParaRPr lang="en-US" sz="3067"/>
+              <a:t>With enhanced networking it “owns” it own network interface, which means it can send traffic without using Hen hypervisor</a:t>
+            </a:r>
+          </a:p>
+          <a:p>
+            <a:pPr marL="0" indent="-304792" defTabSz="1219170">
+              <a:spcBef>
+                <a:spcPts val="400"/>
+              </a:spcBef>
+            </a:pPr>
+            <a:r>
+              <a:rPr lang="en-US" sz="1200" dirty="0">
+                <a:sym typeface="Arial"/>
+              </a:rPr>
+              <a:t>Benefits:</a:t>
+            </a:r>
+          </a:p>
+          <a:p>
+            <a:pPr marL="609585" indent="-304792" defTabSz="1219170">
+              <a:spcBef>
+                <a:spcPts val="400"/>
+              </a:spcBef>
+              <a:buSzPts val="1200"/>
+            </a:pPr>
+            <a:r>
+              <a:rPr lang="en-US" sz="1200" dirty="0">
+                <a:sym typeface="Arial"/>
+              </a:rPr>
+              <a:t>Higher bandwidth</a:t>
+            </a:r>
+          </a:p>
+          <a:p>
+            <a:pPr marL="609585" indent="-304792" defTabSz="1219170">
+              <a:spcBef>
+                <a:spcPts val="0"/>
+              </a:spcBef>
+              <a:buSzPts val="1200"/>
+            </a:pPr>
+            <a:r>
+              <a:rPr lang="en-US" sz="1200" dirty="0">
+                <a:sym typeface="Arial"/>
+              </a:rPr>
+              <a:t>Higher PSS performance (packet per second)</a:t>
+            </a:r>
+          </a:p>
+          <a:p>
+            <a:pPr marL="609585" indent="-304792" defTabSz="1219170">
+              <a:spcBef>
+                <a:spcPts val="0"/>
+              </a:spcBef>
+              <a:buSzPts val="1200"/>
+            </a:pPr>
+            <a:r>
+              <a:rPr lang="en-US" sz="1200" dirty="0">
+                <a:sym typeface="Arial"/>
+              </a:rPr>
+              <a:t>Lower inter-instance latency</a:t>
+            </a:r>
+          </a:p>
+          <a:p>
+            <a:pPr marL="609585" indent="-304792" defTabSz="1219170">
+              <a:spcBef>
+                <a:spcPts val="0"/>
+              </a:spcBef>
+              <a:buSzPts val="1200"/>
+            </a:pPr>
+            <a:r>
+              <a:rPr lang="en-US" sz="1200" dirty="0">
+                <a:sym typeface="Arial"/>
+              </a:rPr>
+              <a:t>Around 8% gain in throughput</a:t>
+            </a:r>
+            <a:endParaRPr lang="en-CH" sz="1200" dirty="0"/>
           </a:p>
         </p:txBody>
       </p:sp>
       <p:pic>
         <p:nvPicPr>
-          <p:cNvPr id="606" name="Google Shape;606;p98"/>
-          <p:cNvPicPr preferRelativeResize="0"/>
+          <p:cNvPr id="4" name="Picture 3" descr="A blue arrow with white text&#10;&#10;Description automatically generated">
+            <a:extLst>
+              <a:ext uri="{FF2B5EF4-FFF2-40B4-BE49-F238E27FC236}">
+                <a16:creationId xmlns:a16="http://schemas.microsoft.com/office/drawing/2014/main" id="{A303808B-C5F1-5F0C-331A-986B3B878025}"/>
+              </a:ext>
+            </a:extLst>
+          </p:cNvPr>
+          <p:cNvPicPr>
+            <a:picLocks noChangeAspect="1"/>
+          </p:cNvPicPr>
           <p:nvPr/>
         </p:nvPicPr>
         <p:blipFill>
-          <a:blip r:embed="rId3"/>
+          <a:blip r:embed="rId2"/>
           <a:stretch>
             <a:fillRect/>
           </a:stretch>
         </p:blipFill>
         <p:spPr>
           <a:xfrm>
-            <a:off x="2968892" y="2139484"/>
-            <a:ext cx="6254216" cy="4096512"/>
+            <a:off x="6936576" y="2682644"/>
+            <a:ext cx="4990834" cy="2420404"/>
           </a:xfrm>
           <a:prstGeom prst="rect">
             <a:avLst/>
           </a:prstGeom>
-          <a:noFill/>
         </p:spPr>
       </p:pic>
     </p:spTree>
+    <p:extLst>
+      <p:ext uri="{BB962C8B-B14F-4D97-AF65-F5344CB8AC3E}">
+        <p14:creationId xmlns:p14="http://schemas.microsoft.com/office/powerpoint/2010/main" val="2451561304"/>
+      </p:ext>
+    </p:extLst>
   </p:cSld>
   <p:clrMapOvr>
     <a:masterClrMapping/>
@@ -5392,9 +6747,17 @@
 <file path=ppt/slides/slide3.xml><?xml version="1.0" encoding="utf-8"?>
 <p:sld xmlns:a="http://schemas.openxmlformats.org/drawingml/2006/main" xmlns:r="http://schemas.openxmlformats.org/officeDocument/2006/relationships" xmlns:p="http://schemas.openxmlformats.org/presentationml/2006/main">
   <p:cSld>
+    <p:bg>
+      <p:bgPr>
+        <a:solidFill>
+          <a:schemeClr val="bg1"/>
+        </a:solidFill>
+        <a:effectLst/>
+      </p:bgPr>
+    </p:bg>
     <p:spTree>
       <p:nvGrpSpPr>
-        <p:cNvPr id="1" name="Shape 610"/>
+        <p:cNvPr id="1" name=""/>
         <p:cNvGrpSpPr/>
         <p:nvPr/>
       </p:nvGrpSpPr>
@@ -5406,9 +6769,2443 @@
           <a:chExt cx="0" cy="0"/>
         </a:xfrm>
       </p:grpSpPr>
+      <p:sp useBgFill="1">
+        <p:nvSpPr>
+          <p:cNvPr id="8" name="Rectangle 7">
+            <a:extLst>
+              <a:ext uri="{FF2B5EF4-FFF2-40B4-BE49-F238E27FC236}">
+                <a16:creationId xmlns:a16="http://schemas.microsoft.com/office/drawing/2014/main" id="{100EDD19-6802-4EC3-95CE-CFFAB042CFD6}"/>
+              </a:ext>
+              <a:ext uri="{C183D7F6-B498-43B3-948B-1728B52AA6E4}">
+                <adec:decorative xmlns:adec="http://schemas.microsoft.com/office/drawing/2017/decorative" val="1"/>
+              </a:ext>
+            </a:extLst>
+          </p:cNvPr>
+          <p:cNvSpPr>
+            <a:spLocks noGrp="1" noRot="1" noChangeAspect="1" noMove="1" noResize="1" noEditPoints="1" noAdjustHandles="1" noChangeArrowheads="1" noChangeShapeType="1" noTextEdit="1"/>
+          </p:cNvSpPr>
+          <p:nvPr>
+            <p:extLst>
+              <p:ext uri="{386F3935-93C4-4BCD-93E2-E3B085C9AB24}">
+                <p16:designElem xmlns:p16="http://schemas.microsoft.com/office/powerpoint/2015/main" val="1"/>
+              </p:ext>
+            </p:extLst>
+          </p:nvPr>
+        </p:nvSpPr>
+        <p:spPr>
+          <a:xfrm>
+            <a:off x="0" y="0"/>
+            <a:ext cx="12188952" cy="6858000"/>
+          </a:xfrm>
+          <a:prstGeom prst="rect">
+            <a:avLst/>
+          </a:prstGeom>
+          <a:ln>
+            <a:noFill/>
+          </a:ln>
+        </p:spPr>
+        <p:style>
+          <a:lnRef idx="2">
+            <a:schemeClr val="accent1">
+              <a:shade val="50000"/>
+            </a:schemeClr>
+          </a:lnRef>
+          <a:fillRef idx="1">
+            <a:schemeClr val="accent1"/>
+          </a:fillRef>
+          <a:effectRef idx="0">
+            <a:schemeClr val="accent1"/>
+          </a:effectRef>
+          <a:fontRef idx="minor">
+            <a:schemeClr val="lt1"/>
+          </a:fontRef>
+        </p:style>
+        <p:txBody>
+          <a:bodyPr rtlCol="0" anchor="ctr"/>
+          <a:lstStyle/>
+          <a:p>
+            <a:pPr algn="ctr"/>
+            <a:endParaRPr lang="en-US"/>
+          </a:p>
+        </p:txBody>
+      </p:sp>
       <p:sp>
         <p:nvSpPr>
-          <p:cNvPr id="611" name="Google Shape;611;p99"/>
+          <p:cNvPr id="2" name="Title 1">
+            <a:extLst>
+              <a:ext uri="{FF2B5EF4-FFF2-40B4-BE49-F238E27FC236}">
+                <a16:creationId xmlns:a16="http://schemas.microsoft.com/office/drawing/2014/main" id="{02D0538C-4D64-C33D-F024-BCE7593781E7}"/>
+              </a:ext>
+            </a:extLst>
+          </p:cNvPr>
+          <p:cNvSpPr>
+            <a:spLocks noGrp="1"/>
+          </p:cNvSpPr>
+          <p:nvPr>
+            <p:ph type="title"/>
+          </p:nvPr>
+        </p:nvSpPr>
+        <p:spPr>
+          <a:xfrm>
+            <a:off x="838200" y="365125"/>
+            <a:ext cx="10515600" cy="1325563"/>
+          </a:xfrm>
+        </p:spPr>
+        <p:txBody>
+          <a:bodyPr>
+            <a:normAutofit/>
+          </a:bodyPr>
+          <a:lstStyle/>
+          <a:p>
+            <a:r>
+              <a:rPr lang="en-GB" sz="5400"/>
+              <a:t>Enhanced Networking pre-requisites</a:t>
+            </a:r>
+            <a:endParaRPr lang="en-CH" sz="5400"/>
+          </a:p>
+        </p:txBody>
+      </p:sp>
+      <p:sp>
+        <p:nvSpPr>
+          <p:cNvPr id="10" name="sketch line">
+            <a:extLst>
+              <a:ext uri="{FF2B5EF4-FFF2-40B4-BE49-F238E27FC236}">
+                <a16:creationId xmlns:a16="http://schemas.microsoft.com/office/drawing/2014/main" id="{DB17E863-922E-4C26-BD64-E8FD41D28661}"/>
+              </a:ext>
+              <a:ext uri="{C183D7F6-B498-43B3-948B-1728B52AA6E4}">
+                <adec:decorative xmlns:adec="http://schemas.microsoft.com/office/drawing/2017/decorative" val="1"/>
+              </a:ext>
+            </a:extLst>
+          </p:cNvPr>
+          <p:cNvSpPr>
+            <a:spLocks noGrp="1" noRot="1" noChangeAspect="1" noMove="1" noResize="1" noEditPoints="1" noAdjustHandles="1" noChangeArrowheads="1" noChangeShapeType="1" noTextEdit="1"/>
+          </p:cNvSpPr>
+          <p:nvPr>
+            <p:extLst>
+              <p:ext uri="{386F3935-93C4-4BCD-93E2-E3B085C9AB24}">
+                <p16:designElem xmlns:p16="http://schemas.microsoft.com/office/powerpoint/2015/main" val="1"/>
+              </p:ext>
+            </p:extLst>
+          </p:nvPr>
+        </p:nvSpPr>
+        <p:spPr>
+          <a:xfrm>
+            <a:off x="669036" y="1677373"/>
+            <a:ext cx="10853928" cy="18288"/>
+          </a:xfrm>
+          <a:custGeom>
+            <a:avLst/>
+            <a:gdLst>
+              <a:gd name="connsiteX0" fmla="*/ 0 w 10853928"/>
+              <a:gd name="connsiteY0" fmla="*/ 0 h 18288"/>
+              <a:gd name="connsiteX1" fmla="*/ 461292 w 10853928"/>
+              <a:gd name="connsiteY1" fmla="*/ 0 h 18288"/>
+              <a:gd name="connsiteX2" fmla="*/ 1139662 w 10853928"/>
+              <a:gd name="connsiteY2" fmla="*/ 0 h 18288"/>
+              <a:gd name="connsiteX3" fmla="*/ 1926572 w 10853928"/>
+              <a:gd name="connsiteY3" fmla="*/ 0 h 18288"/>
+              <a:gd name="connsiteX4" fmla="*/ 2279325 w 10853928"/>
+              <a:gd name="connsiteY4" fmla="*/ 0 h 18288"/>
+              <a:gd name="connsiteX5" fmla="*/ 2632078 w 10853928"/>
+              <a:gd name="connsiteY5" fmla="*/ 0 h 18288"/>
+              <a:gd name="connsiteX6" fmla="*/ 3527527 w 10853928"/>
+              <a:gd name="connsiteY6" fmla="*/ 0 h 18288"/>
+              <a:gd name="connsiteX7" fmla="*/ 4205897 w 10853928"/>
+              <a:gd name="connsiteY7" fmla="*/ 0 h 18288"/>
+              <a:gd name="connsiteX8" fmla="*/ 4558650 w 10853928"/>
+              <a:gd name="connsiteY8" fmla="*/ 0 h 18288"/>
+              <a:gd name="connsiteX9" fmla="*/ 5237020 w 10853928"/>
+              <a:gd name="connsiteY9" fmla="*/ 0 h 18288"/>
+              <a:gd name="connsiteX10" fmla="*/ 6132469 w 10853928"/>
+              <a:gd name="connsiteY10" fmla="*/ 0 h 18288"/>
+              <a:gd name="connsiteX11" fmla="*/ 6702301 w 10853928"/>
+              <a:gd name="connsiteY11" fmla="*/ 0 h 18288"/>
+              <a:gd name="connsiteX12" fmla="*/ 7272132 w 10853928"/>
+              <a:gd name="connsiteY12" fmla="*/ 0 h 18288"/>
+              <a:gd name="connsiteX13" fmla="*/ 7950502 w 10853928"/>
+              <a:gd name="connsiteY13" fmla="*/ 0 h 18288"/>
+              <a:gd name="connsiteX14" fmla="*/ 8737412 w 10853928"/>
+              <a:gd name="connsiteY14" fmla="*/ 0 h 18288"/>
+              <a:gd name="connsiteX15" fmla="*/ 9524322 w 10853928"/>
+              <a:gd name="connsiteY15" fmla="*/ 0 h 18288"/>
+              <a:gd name="connsiteX16" fmla="*/ 10853928 w 10853928"/>
+              <a:gd name="connsiteY16" fmla="*/ 0 h 18288"/>
+              <a:gd name="connsiteX17" fmla="*/ 10853928 w 10853928"/>
+              <a:gd name="connsiteY17" fmla="*/ 18288 h 18288"/>
+              <a:gd name="connsiteX18" fmla="*/ 10392636 w 10853928"/>
+              <a:gd name="connsiteY18" fmla="*/ 18288 h 18288"/>
+              <a:gd name="connsiteX19" fmla="*/ 9497187 w 10853928"/>
+              <a:gd name="connsiteY19" fmla="*/ 18288 h 18288"/>
+              <a:gd name="connsiteX20" fmla="*/ 8818817 w 10853928"/>
+              <a:gd name="connsiteY20" fmla="*/ 18288 h 18288"/>
+              <a:gd name="connsiteX21" fmla="*/ 8466064 w 10853928"/>
+              <a:gd name="connsiteY21" fmla="*/ 18288 h 18288"/>
+              <a:gd name="connsiteX22" fmla="*/ 7787693 w 10853928"/>
+              <a:gd name="connsiteY22" fmla="*/ 18288 h 18288"/>
+              <a:gd name="connsiteX23" fmla="*/ 7217862 w 10853928"/>
+              <a:gd name="connsiteY23" fmla="*/ 18288 h 18288"/>
+              <a:gd name="connsiteX24" fmla="*/ 6648031 w 10853928"/>
+              <a:gd name="connsiteY24" fmla="*/ 18288 h 18288"/>
+              <a:gd name="connsiteX25" fmla="*/ 6078200 w 10853928"/>
+              <a:gd name="connsiteY25" fmla="*/ 18288 h 18288"/>
+              <a:gd name="connsiteX26" fmla="*/ 5508368 w 10853928"/>
+              <a:gd name="connsiteY26" fmla="*/ 18288 h 18288"/>
+              <a:gd name="connsiteX27" fmla="*/ 4721459 w 10853928"/>
+              <a:gd name="connsiteY27" fmla="*/ 18288 h 18288"/>
+              <a:gd name="connsiteX28" fmla="*/ 4043088 w 10853928"/>
+              <a:gd name="connsiteY28" fmla="*/ 18288 h 18288"/>
+              <a:gd name="connsiteX29" fmla="*/ 3690336 w 10853928"/>
+              <a:gd name="connsiteY29" fmla="*/ 18288 h 18288"/>
+              <a:gd name="connsiteX30" fmla="*/ 3120504 w 10853928"/>
+              <a:gd name="connsiteY30" fmla="*/ 18288 h 18288"/>
+              <a:gd name="connsiteX31" fmla="*/ 2333595 w 10853928"/>
+              <a:gd name="connsiteY31" fmla="*/ 18288 h 18288"/>
+              <a:gd name="connsiteX32" fmla="*/ 1872303 w 10853928"/>
+              <a:gd name="connsiteY32" fmla="*/ 18288 h 18288"/>
+              <a:gd name="connsiteX33" fmla="*/ 976854 w 10853928"/>
+              <a:gd name="connsiteY33" fmla="*/ 18288 h 18288"/>
+              <a:gd name="connsiteX34" fmla="*/ 0 w 10853928"/>
+              <a:gd name="connsiteY34" fmla="*/ 18288 h 18288"/>
+              <a:gd name="connsiteX35" fmla="*/ 0 w 10853928"/>
+              <a:gd name="connsiteY35" fmla="*/ 0 h 18288"/>
+            </a:gdLst>
+            <a:ahLst/>
+            <a:cxnLst>
+              <a:cxn ang="0">
+                <a:pos x="connsiteX0" y="connsiteY0"/>
+              </a:cxn>
+              <a:cxn ang="0">
+                <a:pos x="connsiteX1" y="connsiteY1"/>
+              </a:cxn>
+              <a:cxn ang="0">
+                <a:pos x="connsiteX2" y="connsiteY2"/>
+              </a:cxn>
+              <a:cxn ang="0">
+                <a:pos x="connsiteX3" y="connsiteY3"/>
+              </a:cxn>
+              <a:cxn ang="0">
+                <a:pos x="connsiteX4" y="connsiteY4"/>
+              </a:cxn>
+              <a:cxn ang="0">
+                <a:pos x="connsiteX5" y="connsiteY5"/>
+              </a:cxn>
+              <a:cxn ang="0">
+                <a:pos x="connsiteX6" y="connsiteY6"/>
+              </a:cxn>
+              <a:cxn ang="0">
+                <a:pos x="connsiteX7" y="connsiteY7"/>
+              </a:cxn>
+              <a:cxn ang="0">
+                <a:pos x="connsiteX8" y="connsiteY8"/>
+              </a:cxn>
+              <a:cxn ang="0">
+                <a:pos x="connsiteX9" y="connsiteY9"/>
+              </a:cxn>
+              <a:cxn ang="0">
+                <a:pos x="connsiteX10" y="connsiteY10"/>
+              </a:cxn>
+              <a:cxn ang="0">
+                <a:pos x="connsiteX11" y="connsiteY11"/>
+              </a:cxn>
+              <a:cxn ang="0">
+                <a:pos x="connsiteX12" y="connsiteY12"/>
+              </a:cxn>
+              <a:cxn ang="0">
+                <a:pos x="connsiteX13" y="connsiteY13"/>
+              </a:cxn>
+              <a:cxn ang="0">
+                <a:pos x="connsiteX14" y="connsiteY14"/>
+              </a:cxn>
+              <a:cxn ang="0">
+                <a:pos x="connsiteX15" y="connsiteY15"/>
+              </a:cxn>
+              <a:cxn ang="0">
+                <a:pos x="connsiteX16" y="connsiteY16"/>
+              </a:cxn>
+              <a:cxn ang="0">
+                <a:pos x="connsiteX17" y="connsiteY17"/>
+              </a:cxn>
+              <a:cxn ang="0">
+                <a:pos x="connsiteX18" y="connsiteY18"/>
+              </a:cxn>
+              <a:cxn ang="0">
+                <a:pos x="connsiteX19" y="connsiteY19"/>
+              </a:cxn>
+              <a:cxn ang="0">
+                <a:pos x="connsiteX20" y="connsiteY20"/>
+              </a:cxn>
+              <a:cxn ang="0">
+                <a:pos x="connsiteX21" y="connsiteY21"/>
+              </a:cxn>
+              <a:cxn ang="0">
+                <a:pos x="connsiteX22" y="connsiteY22"/>
+              </a:cxn>
+              <a:cxn ang="0">
+                <a:pos x="connsiteX23" y="connsiteY23"/>
+              </a:cxn>
+              <a:cxn ang="0">
+                <a:pos x="connsiteX24" y="connsiteY24"/>
+              </a:cxn>
+              <a:cxn ang="0">
+                <a:pos x="connsiteX25" y="connsiteY25"/>
+              </a:cxn>
+              <a:cxn ang="0">
+                <a:pos x="connsiteX26" y="connsiteY26"/>
+              </a:cxn>
+              <a:cxn ang="0">
+                <a:pos x="connsiteX27" y="connsiteY27"/>
+              </a:cxn>
+              <a:cxn ang="0">
+                <a:pos x="connsiteX28" y="connsiteY28"/>
+              </a:cxn>
+              <a:cxn ang="0">
+                <a:pos x="connsiteX29" y="connsiteY29"/>
+              </a:cxn>
+              <a:cxn ang="0">
+                <a:pos x="connsiteX30" y="connsiteY30"/>
+              </a:cxn>
+              <a:cxn ang="0">
+                <a:pos x="connsiteX31" y="connsiteY31"/>
+              </a:cxn>
+              <a:cxn ang="0">
+                <a:pos x="connsiteX32" y="connsiteY32"/>
+              </a:cxn>
+              <a:cxn ang="0">
+                <a:pos x="connsiteX33" y="connsiteY33"/>
+              </a:cxn>
+              <a:cxn ang="0">
+                <a:pos x="connsiteX34" y="connsiteY34"/>
+              </a:cxn>
+              <a:cxn ang="0">
+                <a:pos x="connsiteX35" y="connsiteY35"/>
+              </a:cxn>
+            </a:cxnLst>
+            <a:rect l="l" t="t" r="r" b="b"/>
+            <a:pathLst>
+              <a:path w="10853928" h="18288" fill="none" extrusionOk="0">
+                <a:moveTo>
+                  <a:pt x="0" y="0"/>
+                </a:moveTo>
+                <a:cubicBezTo>
+                  <a:pt x="146993" y="-19076"/>
+                  <a:pt x="347684" y="-4790"/>
+                  <a:pt x="461292" y="0"/>
+                </a:cubicBezTo>
+                <a:cubicBezTo>
+                  <a:pt x="574900" y="4790"/>
+                  <a:pt x="808367" y="19821"/>
+                  <a:pt x="1139662" y="0"/>
+                </a:cubicBezTo>
+                <a:cubicBezTo>
+                  <a:pt x="1470957" y="-19821"/>
+                  <a:pt x="1627405" y="5721"/>
+                  <a:pt x="1926572" y="0"/>
+                </a:cubicBezTo>
+                <a:cubicBezTo>
+                  <a:pt x="2225739" y="-5721"/>
+                  <a:pt x="2137730" y="-3235"/>
+                  <a:pt x="2279325" y="0"/>
+                </a:cubicBezTo>
+                <a:cubicBezTo>
+                  <a:pt x="2420920" y="3235"/>
+                  <a:pt x="2456518" y="9685"/>
+                  <a:pt x="2632078" y="0"/>
+                </a:cubicBezTo>
+                <a:cubicBezTo>
+                  <a:pt x="2807638" y="-9685"/>
+                  <a:pt x="3211516" y="-43007"/>
+                  <a:pt x="3527527" y="0"/>
+                </a:cubicBezTo>
+                <a:cubicBezTo>
+                  <a:pt x="3843538" y="43007"/>
+                  <a:pt x="4058833" y="22042"/>
+                  <a:pt x="4205897" y="0"/>
+                </a:cubicBezTo>
+                <a:cubicBezTo>
+                  <a:pt x="4352961" y="-22042"/>
+                  <a:pt x="4474805" y="-11846"/>
+                  <a:pt x="4558650" y="0"/>
+                </a:cubicBezTo>
+                <a:cubicBezTo>
+                  <a:pt x="4642495" y="11846"/>
+                  <a:pt x="5041928" y="-6069"/>
+                  <a:pt x="5237020" y="0"/>
+                </a:cubicBezTo>
+                <a:cubicBezTo>
+                  <a:pt x="5432112" y="6069"/>
+                  <a:pt x="5943266" y="-17479"/>
+                  <a:pt x="6132469" y="0"/>
+                </a:cubicBezTo>
+                <a:cubicBezTo>
+                  <a:pt x="6321672" y="17479"/>
+                  <a:pt x="6483872" y="26234"/>
+                  <a:pt x="6702301" y="0"/>
+                </a:cubicBezTo>
+                <a:cubicBezTo>
+                  <a:pt x="6920730" y="-26234"/>
+                  <a:pt x="6991194" y="-15156"/>
+                  <a:pt x="7272132" y="0"/>
+                </a:cubicBezTo>
+                <a:cubicBezTo>
+                  <a:pt x="7553070" y="15156"/>
+                  <a:pt x="7684444" y="-32961"/>
+                  <a:pt x="7950502" y="0"/>
+                </a:cubicBezTo>
+                <a:cubicBezTo>
+                  <a:pt x="8216560" y="32961"/>
+                  <a:pt x="8493290" y="-10491"/>
+                  <a:pt x="8737412" y="0"/>
+                </a:cubicBezTo>
+                <a:cubicBezTo>
+                  <a:pt x="8981534" y="10491"/>
+                  <a:pt x="9191586" y="-13899"/>
+                  <a:pt x="9524322" y="0"/>
+                </a:cubicBezTo>
+                <a:cubicBezTo>
+                  <a:pt x="9857058" y="13899"/>
+                  <a:pt x="10297509" y="7485"/>
+                  <a:pt x="10853928" y="0"/>
+                </a:cubicBezTo>
+                <a:cubicBezTo>
+                  <a:pt x="10854574" y="4451"/>
+                  <a:pt x="10854418" y="9226"/>
+                  <a:pt x="10853928" y="18288"/>
+                </a:cubicBezTo>
+                <a:cubicBezTo>
+                  <a:pt x="10691638" y="28522"/>
+                  <a:pt x="10574319" y="29578"/>
+                  <a:pt x="10392636" y="18288"/>
+                </a:cubicBezTo>
+                <a:cubicBezTo>
+                  <a:pt x="10210953" y="6998"/>
+                  <a:pt x="9836277" y="-16742"/>
+                  <a:pt x="9497187" y="18288"/>
+                </a:cubicBezTo>
+                <a:cubicBezTo>
+                  <a:pt x="9158097" y="53318"/>
+                  <a:pt x="9119479" y="30714"/>
+                  <a:pt x="8818817" y="18288"/>
+                </a:cubicBezTo>
+                <a:cubicBezTo>
+                  <a:pt x="8518155" y="5863"/>
+                  <a:pt x="8640037" y="6483"/>
+                  <a:pt x="8466064" y="18288"/>
+                </a:cubicBezTo>
+                <a:cubicBezTo>
+                  <a:pt x="8292091" y="30093"/>
+                  <a:pt x="7997656" y="18914"/>
+                  <a:pt x="7787693" y="18288"/>
+                </a:cubicBezTo>
+                <a:cubicBezTo>
+                  <a:pt x="7577730" y="17662"/>
+                  <a:pt x="7412468" y="21416"/>
+                  <a:pt x="7217862" y="18288"/>
+                </a:cubicBezTo>
+                <a:cubicBezTo>
+                  <a:pt x="7023256" y="15160"/>
+                  <a:pt x="6898018" y="14824"/>
+                  <a:pt x="6648031" y="18288"/>
+                </a:cubicBezTo>
+                <a:cubicBezTo>
+                  <a:pt x="6398044" y="21752"/>
+                  <a:pt x="6254402" y="38625"/>
+                  <a:pt x="6078200" y="18288"/>
+                </a:cubicBezTo>
+                <a:cubicBezTo>
+                  <a:pt x="5901998" y="-2049"/>
+                  <a:pt x="5622886" y="3213"/>
+                  <a:pt x="5508368" y="18288"/>
+                </a:cubicBezTo>
+                <a:cubicBezTo>
+                  <a:pt x="5393850" y="33363"/>
+                  <a:pt x="5036260" y="26830"/>
+                  <a:pt x="4721459" y="18288"/>
+                </a:cubicBezTo>
+                <a:cubicBezTo>
+                  <a:pt x="4406658" y="9746"/>
+                  <a:pt x="4239221" y="41551"/>
+                  <a:pt x="4043088" y="18288"/>
+                </a:cubicBezTo>
+                <a:cubicBezTo>
+                  <a:pt x="3846955" y="-4975"/>
+                  <a:pt x="3818802" y="34658"/>
+                  <a:pt x="3690336" y="18288"/>
+                </a:cubicBezTo>
+                <a:cubicBezTo>
+                  <a:pt x="3561870" y="1918"/>
+                  <a:pt x="3265491" y="42194"/>
+                  <a:pt x="3120504" y="18288"/>
+                </a:cubicBezTo>
+                <a:cubicBezTo>
+                  <a:pt x="2975517" y="-5618"/>
+                  <a:pt x="2720254" y="36673"/>
+                  <a:pt x="2333595" y="18288"/>
+                </a:cubicBezTo>
+                <a:cubicBezTo>
+                  <a:pt x="1946936" y="-97"/>
+                  <a:pt x="2097241" y="5776"/>
+                  <a:pt x="1872303" y="18288"/>
+                </a:cubicBezTo>
+                <a:cubicBezTo>
+                  <a:pt x="1647365" y="30800"/>
+                  <a:pt x="1282708" y="45380"/>
+                  <a:pt x="976854" y="18288"/>
+                </a:cubicBezTo>
+                <a:cubicBezTo>
+                  <a:pt x="671000" y="-8804"/>
+                  <a:pt x="408401" y="-12775"/>
+                  <a:pt x="0" y="18288"/>
+                </a:cubicBezTo>
+                <a:cubicBezTo>
+                  <a:pt x="-213" y="9468"/>
+                  <a:pt x="187" y="4459"/>
+                  <a:pt x="0" y="0"/>
+                </a:cubicBezTo>
+                <a:close/>
+              </a:path>
+              <a:path w="10853928" h="18288" stroke="0" extrusionOk="0">
+                <a:moveTo>
+                  <a:pt x="0" y="0"/>
+                </a:moveTo>
+                <a:cubicBezTo>
+                  <a:pt x="267322" y="15284"/>
+                  <a:pt x="415388" y="-21048"/>
+                  <a:pt x="569831" y="0"/>
+                </a:cubicBezTo>
+                <a:cubicBezTo>
+                  <a:pt x="724274" y="21048"/>
+                  <a:pt x="769333" y="-2353"/>
+                  <a:pt x="922584" y="0"/>
+                </a:cubicBezTo>
+                <a:cubicBezTo>
+                  <a:pt x="1075835" y="2353"/>
+                  <a:pt x="1399490" y="-145"/>
+                  <a:pt x="1818033" y="0"/>
+                </a:cubicBezTo>
+                <a:cubicBezTo>
+                  <a:pt x="2236576" y="145"/>
+                  <a:pt x="2145330" y="5482"/>
+                  <a:pt x="2387864" y="0"/>
+                </a:cubicBezTo>
+                <a:cubicBezTo>
+                  <a:pt x="2630398" y="-5482"/>
+                  <a:pt x="2793207" y="18487"/>
+                  <a:pt x="2957695" y="0"/>
+                </a:cubicBezTo>
+                <a:cubicBezTo>
+                  <a:pt x="3122183" y="-18487"/>
+                  <a:pt x="3579141" y="19003"/>
+                  <a:pt x="3853144" y="0"/>
+                </a:cubicBezTo>
+                <a:cubicBezTo>
+                  <a:pt x="4127147" y="-19003"/>
+                  <a:pt x="4209857" y="12211"/>
+                  <a:pt x="4314436" y="0"/>
+                </a:cubicBezTo>
+                <a:cubicBezTo>
+                  <a:pt x="4419015" y="-12211"/>
+                  <a:pt x="4762459" y="-17220"/>
+                  <a:pt x="5209885" y="0"/>
+                </a:cubicBezTo>
+                <a:cubicBezTo>
+                  <a:pt x="5657311" y="17220"/>
+                  <a:pt x="5692663" y="-3290"/>
+                  <a:pt x="6105335" y="0"/>
+                </a:cubicBezTo>
+                <a:cubicBezTo>
+                  <a:pt x="6518007" y="3290"/>
+                  <a:pt x="6455516" y="-5124"/>
+                  <a:pt x="6783705" y="0"/>
+                </a:cubicBezTo>
+                <a:cubicBezTo>
+                  <a:pt x="7111894" y="5124"/>
+                  <a:pt x="7441941" y="-17829"/>
+                  <a:pt x="7679154" y="0"/>
+                </a:cubicBezTo>
+                <a:cubicBezTo>
+                  <a:pt x="7916367" y="17829"/>
+                  <a:pt x="8102967" y="-24363"/>
+                  <a:pt x="8248985" y="0"/>
+                </a:cubicBezTo>
+                <a:cubicBezTo>
+                  <a:pt x="8395003" y="24363"/>
+                  <a:pt x="8552393" y="25505"/>
+                  <a:pt x="8818817" y="0"/>
+                </a:cubicBezTo>
+                <a:cubicBezTo>
+                  <a:pt x="9085241" y="-25505"/>
+                  <a:pt x="9411308" y="38000"/>
+                  <a:pt x="9605726" y="0"/>
+                </a:cubicBezTo>
+                <a:cubicBezTo>
+                  <a:pt x="9800144" y="-38000"/>
+                  <a:pt x="10006468" y="-25741"/>
+                  <a:pt x="10175558" y="0"/>
+                </a:cubicBezTo>
+                <a:cubicBezTo>
+                  <a:pt x="10344648" y="25741"/>
+                  <a:pt x="10696282" y="695"/>
+                  <a:pt x="10853928" y="0"/>
+                </a:cubicBezTo>
+                <a:cubicBezTo>
+                  <a:pt x="10853521" y="8690"/>
+                  <a:pt x="10853774" y="14141"/>
+                  <a:pt x="10853928" y="18288"/>
+                </a:cubicBezTo>
+                <a:cubicBezTo>
+                  <a:pt x="10608124" y="24255"/>
+                  <a:pt x="10343415" y="22307"/>
+                  <a:pt x="10067018" y="18288"/>
+                </a:cubicBezTo>
+                <a:cubicBezTo>
+                  <a:pt x="9790621" y="14270"/>
+                  <a:pt x="9843266" y="3564"/>
+                  <a:pt x="9714266" y="18288"/>
+                </a:cubicBezTo>
+                <a:cubicBezTo>
+                  <a:pt x="9585266" y="33012"/>
+                  <a:pt x="9379484" y="1875"/>
+                  <a:pt x="9252974" y="18288"/>
+                </a:cubicBezTo>
+                <a:cubicBezTo>
+                  <a:pt x="9126464" y="34701"/>
+                  <a:pt x="8580678" y="-4904"/>
+                  <a:pt x="8357525" y="18288"/>
+                </a:cubicBezTo>
+                <a:cubicBezTo>
+                  <a:pt x="8134372" y="41480"/>
+                  <a:pt x="7903199" y="26458"/>
+                  <a:pt x="7679154" y="18288"/>
+                </a:cubicBezTo>
+                <a:cubicBezTo>
+                  <a:pt x="7455109" y="10118"/>
+                  <a:pt x="7435944" y="27109"/>
+                  <a:pt x="7217862" y="18288"/>
+                </a:cubicBezTo>
+                <a:cubicBezTo>
+                  <a:pt x="6999780" y="9467"/>
+                  <a:pt x="6680409" y="18985"/>
+                  <a:pt x="6539492" y="18288"/>
+                </a:cubicBezTo>
+                <a:cubicBezTo>
+                  <a:pt x="6398575" y="17592"/>
+                  <a:pt x="6312077" y="33018"/>
+                  <a:pt x="6186739" y="18288"/>
+                </a:cubicBezTo>
+                <a:cubicBezTo>
+                  <a:pt x="6061401" y="3558"/>
+                  <a:pt x="5947033" y="12075"/>
+                  <a:pt x="5833986" y="18288"/>
+                </a:cubicBezTo>
+                <a:cubicBezTo>
+                  <a:pt x="5720939" y="24501"/>
+                  <a:pt x="5482226" y="8586"/>
+                  <a:pt x="5155616" y="18288"/>
+                </a:cubicBezTo>
+                <a:cubicBezTo>
+                  <a:pt x="4829006" y="27991"/>
+                  <a:pt x="4841274" y="29316"/>
+                  <a:pt x="4694324" y="18288"/>
+                </a:cubicBezTo>
+                <a:cubicBezTo>
+                  <a:pt x="4547374" y="7260"/>
+                  <a:pt x="4077675" y="7013"/>
+                  <a:pt x="3907414" y="18288"/>
+                </a:cubicBezTo>
+                <a:cubicBezTo>
+                  <a:pt x="3737153" y="29564"/>
+                  <a:pt x="3538393" y="21630"/>
+                  <a:pt x="3446122" y="18288"/>
+                </a:cubicBezTo>
+                <a:cubicBezTo>
+                  <a:pt x="3353851" y="14946"/>
+                  <a:pt x="2990320" y="-8091"/>
+                  <a:pt x="2659212" y="18288"/>
+                </a:cubicBezTo>
+                <a:cubicBezTo>
+                  <a:pt x="2328104" y="44667"/>
+                  <a:pt x="2427653" y="9607"/>
+                  <a:pt x="2306460" y="18288"/>
+                </a:cubicBezTo>
+                <a:cubicBezTo>
+                  <a:pt x="2185267" y="26969"/>
+                  <a:pt x="1719763" y="3717"/>
+                  <a:pt x="1519550" y="18288"/>
+                </a:cubicBezTo>
+                <a:cubicBezTo>
+                  <a:pt x="1319337" y="32860"/>
+                  <a:pt x="1167371" y="17040"/>
+                  <a:pt x="1058258" y="18288"/>
+                </a:cubicBezTo>
+                <a:cubicBezTo>
+                  <a:pt x="949145" y="19536"/>
+                  <a:pt x="780234" y="31447"/>
+                  <a:pt x="705505" y="18288"/>
+                </a:cubicBezTo>
+                <a:cubicBezTo>
+                  <a:pt x="630776" y="5129"/>
+                  <a:pt x="215796" y="30056"/>
+                  <a:pt x="0" y="18288"/>
+                </a:cubicBezTo>
+                <a:cubicBezTo>
+                  <a:pt x="-53" y="11301"/>
+                  <a:pt x="-649" y="7756"/>
+                  <a:pt x="0" y="0"/>
+                </a:cubicBezTo>
+                <a:close/>
+              </a:path>
+            </a:pathLst>
+          </a:custGeom>
+          <a:solidFill>
+            <a:schemeClr val="accent2"/>
+          </a:solidFill>
+          <a:ln w="41275" cap="rnd">
+            <a:solidFill>
+              <a:schemeClr val="accent2"/>
+            </a:solidFill>
+            <a:round/>
+            <a:extLst>
+              <a:ext uri="{C807C97D-BFC1-408E-A445-0C87EB9F89A2}">
+                <ask:lineSketchStyleProps xmlns:ask="http://schemas.microsoft.com/office/drawing/2018/sketchyshapes" sd="1219033472">
+                  <a:prstGeom prst="rect">
+                    <a:avLst/>
+                  </a:prstGeom>
+                  <ask:type>
+                    <ask:lineSketchFreehand/>
+                  </ask:type>
+                </ask:lineSketchStyleProps>
+              </a:ext>
+            </a:extLst>
+          </a:ln>
+        </p:spPr>
+        <p:style>
+          <a:lnRef idx="2">
+            <a:schemeClr val="accent1">
+              <a:shade val="50000"/>
+            </a:schemeClr>
+          </a:lnRef>
+          <a:fillRef idx="1">
+            <a:schemeClr val="accent1"/>
+          </a:fillRef>
+          <a:effectRef idx="0">
+            <a:schemeClr val="accent1"/>
+          </a:effectRef>
+          <a:fontRef idx="minor">
+            <a:schemeClr val="lt1"/>
+          </a:fontRef>
+        </p:style>
+        <p:txBody>
+          <a:bodyPr rtlCol="0" anchor="ctr"/>
+          <a:lstStyle/>
+          <a:p>
+            <a:pPr algn="ctr"/>
+            <a:endParaRPr lang="en-US"/>
+          </a:p>
+        </p:txBody>
+      </p:sp>
+      <p:sp>
+        <p:nvSpPr>
+          <p:cNvPr id="3" name="Content Placeholder 2">
+            <a:extLst>
+              <a:ext uri="{FF2B5EF4-FFF2-40B4-BE49-F238E27FC236}">
+                <a16:creationId xmlns:a16="http://schemas.microsoft.com/office/drawing/2014/main" id="{6DE5D96D-F7BF-1D16-A67D-1872B244B893}"/>
+              </a:ext>
+            </a:extLst>
+          </p:cNvPr>
+          <p:cNvSpPr>
+            <a:spLocks noGrp="1"/>
+          </p:cNvSpPr>
+          <p:nvPr>
+            <p:ph idx="1"/>
+          </p:nvPr>
+        </p:nvSpPr>
+        <p:spPr>
+          <a:xfrm>
+            <a:off x="838200" y="1929384"/>
+            <a:ext cx="10515600" cy="4251960"/>
+          </a:xfrm>
+        </p:spPr>
+        <p:txBody>
+          <a:bodyPr>
+            <a:normAutofit/>
+          </a:bodyPr>
+          <a:lstStyle/>
+          <a:p>
+            <a:r>
+              <a:rPr lang="en-GB" sz="2200"/>
+              <a:t>Depending on Instance Type, Enhanced Networking can be enabled using one of the following Network drivers </a:t>
+            </a:r>
+          </a:p>
+          <a:p>
+            <a:pPr lvl="1"/>
+            <a:r>
+              <a:rPr lang="en-GB" sz="2200"/>
+              <a:t>Option 1: Intel 82599 VF up to 10 Gbps (VF uses ixgbevf driver)  </a:t>
+            </a:r>
+          </a:p>
+          <a:p>
+            <a:pPr lvl="1"/>
+            <a:r>
+              <a:rPr lang="en-GB" sz="2200"/>
+              <a:t>Option 2: Elastic Network Adapter (ENA) up to 100 Gbps  </a:t>
+            </a:r>
+          </a:p>
+          <a:p>
+            <a:r>
+              <a:rPr lang="en-GB" sz="2200"/>
+              <a:t>The eligible EC2 instance families support one of the above two drivers </a:t>
+            </a:r>
+          </a:p>
+          <a:p>
+            <a:r>
+              <a:rPr lang="en-GB" sz="2200"/>
+              <a:t>Remember: For Enhanced Networking, it requires support from both EC2 operating system (AMI) and Instance Type that is flagged for Enhanced Networking</a:t>
+            </a:r>
+          </a:p>
+          <a:p>
+            <a:r>
+              <a:rPr lang="en-GB" sz="2200"/>
+              <a:t>• Instances supporting Elastic Network Adapter (ENA) for speed upto 100 Gbps </a:t>
+            </a:r>
+          </a:p>
+          <a:p>
+            <a:pPr lvl="1"/>
+            <a:r>
+              <a:rPr lang="en-GB" sz="2200"/>
+              <a:t>A1, C5, C5a, C5d, C5n, C6g, F1, G3, G4, H1, I3, I3en etc  </a:t>
+            </a:r>
+          </a:p>
+          <a:p>
+            <a:r>
+              <a:rPr lang="en-GB" sz="2200"/>
+              <a:t>Instances supporting Intel 82599 Virtual Function (VF) interface for speed upto 10 Gbps  </a:t>
+            </a:r>
+          </a:p>
+          <a:p>
+            <a:pPr lvl="1"/>
+            <a:r>
+              <a:rPr lang="en-GB" sz="2200"/>
+              <a:t>C3, C4, D2, I2, M4 (excluding m4.16xlarge), and R3 etc</a:t>
+            </a:r>
+            <a:endParaRPr lang="en-CH" sz="2200"/>
+          </a:p>
+        </p:txBody>
+      </p:sp>
+    </p:spTree>
+    <p:extLst>
+      <p:ext uri="{BB962C8B-B14F-4D97-AF65-F5344CB8AC3E}">
+        <p14:creationId xmlns:p14="http://schemas.microsoft.com/office/powerpoint/2010/main" val="1657908080"/>
+      </p:ext>
+    </p:extLst>
+  </p:cSld>
+  <p:clrMapOvr>
+    <a:masterClrMapping/>
+  </p:clrMapOvr>
+</p:sld>
+</file>
+
+<file path=ppt/slides/slide4.xml><?xml version="1.0" encoding="utf-8"?>
+<p:sld xmlns:a="http://schemas.openxmlformats.org/drawingml/2006/main" xmlns:r="http://schemas.openxmlformats.org/officeDocument/2006/relationships" xmlns:p="http://schemas.openxmlformats.org/presentationml/2006/main">
+  <p:cSld>
+    <p:bg>
+      <p:bgPr>
+        <a:solidFill>
+          <a:schemeClr val="bg1"/>
+        </a:solidFill>
+        <a:effectLst/>
+      </p:bgPr>
+    </p:bg>
+    <p:spTree>
+      <p:nvGrpSpPr>
+        <p:cNvPr id="1" name=""/>
+        <p:cNvGrpSpPr/>
+        <p:nvPr/>
+      </p:nvGrpSpPr>
+      <p:grpSpPr>
+        <a:xfrm>
+          <a:off x="0" y="0"/>
+          <a:ext cx="0" cy="0"/>
+          <a:chOff x="0" y="0"/>
+          <a:chExt cx="0" cy="0"/>
+        </a:xfrm>
+      </p:grpSpPr>
+      <p:sp useBgFill="1">
+        <p:nvSpPr>
+          <p:cNvPr id="13" name="Rectangle 12">
+            <a:extLst>
+              <a:ext uri="{FF2B5EF4-FFF2-40B4-BE49-F238E27FC236}">
+                <a16:creationId xmlns:a16="http://schemas.microsoft.com/office/drawing/2014/main" id="{743AA782-23D1-4521-8CAD-47662984AA08}"/>
+              </a:ext>
+              <a:ext uri="{C183D7F6-B498-43B3-948B-1728B52AA6E4}">
+                <adec:decorative xmlns:adec="http://schemas.microsoft.com/office/drawing/2017/decorative" val="1"/>
+              </a:ext>
+            </a:extLst>
+          </p:cNvPr>
+          <p:cNvSpPr>
+            <a:spLocks noGrp="1" noRot="1" noChangeAspect="1" noMove="1" noResize="1" noEditPoints="1" noAdjustHandles="1" noChangeArrowheads="1" noChangeShapeType="1" noTextEdit="1"/>
+          </p:cNvSpPr>
+          <p:nvPr>
+            <p:extLst>
+              <p:ext uri="{386F3935-93C4-4BCD-93E2-E3B085C9AB24}">
+                <p16:designElem xmlns:p16="http://schemas.microsoft.com/office/powerpoint/2015/main" val="1"/>
+              </p:ext>
+            </p:extLst>
+          </p:nvPr>
+        </p:nvSpPr>
+        <p:spPr>
+          <a:xfrm>
+            <a:off x="0" y="0"/>
+            <a:ext cx="12192000" cy="6858000"/>
+          </a:xfrm>
+          <a:prstGeom prst="rect">
+            <a:avLst/>
+          </a:prstGeom>
+          <a:ln>
+            <a:noFill/>
+          </a:ln>
+        </p:spPr>
+        <p:style>
+          <a:lnRef idx="2">
+            <a:schemeClr val="accent1">
+              <a:shade val="50000"/>
+            </a:schemeClr>
+          </a:lnRef>
+          <a:fillRef idx="1">
+            <a:schemeClr val="accent1"/>
+          </a:fillRef>
+          <a:effectRef idx="0">
+            <a:schemeClr val="accent1"/>
+          </a:effectRef>
+          <a:fontRef idx="minor">
+            <a:schemeClr val="lt1"/>
+          </a:fontRef>
+        </p:style>
+        <p:txBody>
+          <a:bodyPr rtlCol="0" anchor="ctr"/>
+          <a:lstStyle/>
+          <a:p>
+            <a:pPr algn="ctr"/>
+            <a:endParaRPr lang="en-US"/>
+          </a:p>
+        </p:txBody>
+      </p:sp>
+      <p:sp>
+        <p:nvSpPr>
+          <p:cNvPr id="2" name="Title 1">
+            <a:extLst>
+              <a:ext uri="{FF2B5EF4-FFF2-40B4-BE49-F238E27FC236}">
+                <a16:creationId xmlns:a16="http://schemas.microsoft.com/office/drawing/2014/main" id="{90105472-F0A7-75C4-1BBA-5A1016A3C4E2}"/>
+              </a:ext>
+            </a:extLst>
+          </p:cNvPr>
+          <p:cNvSpPr>
+            <a:spLocks noGrp="1"/>
+          </p:cNvSpPr>
+          <p:nvPr>
+            <p:ph type="title"/>
+          </p:nvPr>
+        </p:nvSpPr>
+        <p:spPr>
+          <a:xfrm>
+            <a:off x="630936" y="640080"/>
+            <a:ext cx="4818888" cy="1481328"/>
+          </a:xfrm>
+        </p:spPr>
+        <p:txBody>
+          <a:bodyPr anchor="b">
+            <a:normAutofit/>
+          </a:bodyPr>
+          <a:lstStyle/>
+          <a:p>
+            <a:r>
+              <a:rPr lang="en-CH" sz="5000" dirty="0"/>
+              <a:t>Ec2 Networking Default</a:t>
+            </a:r>
+          </a:p>
+        </p:txBody>
+      </p:sp>
+      <p:sp>
+        <p:nvSpPr>
+          <p:cNvPr id="14" name="sketch line">
+            <a:extLst>
+              <a:ext uri="{FF2B5EF4-FFF2-40B4-BE49-F238E27FC236}">
+                <a16:creationId xmlns:a16="http://schemas.microsoft.com/office/drawing/2014/main" id="{71877DBC-BB60-40F0-AC93-2ACDBAAE60CE}"/>
+              </a:ext>
+              <a:ext uri="{C183D7F6-B498-43B3-948B-1728B52AA6E4}">
+                <adec:decorative xmlns:adec="http://schemas.microsoft.com/office/drawing/2017/decorative" val="1"/>
+              </a:ext>
+            </a:extLst>
+          </p:cNvPr>
+          <p:cNvSpPr>
+            <a:spLocks noGrp="1" noRot="1" noChangeAspect="1" noMove="1" noResize="1" noEditPoints="1" noAdjustHandles="1" noChangeArrowheads="1" noChangeShapeType="1" noTextEdit="1"/>
+          </p:cNvSpPr>
+          <p:nvPr>
+            <p:extLst>
+              <p:ext uri="{386F3935-93C4-4BCD-93E2-E3B085C9AB24}">
+                <p16:designElem xmlns:p16="http://schemas.microsoft.com/office/powerpoint/2015/main" val="1"/>
+              </p:ext>
+            </p:extLst>
+          </p:nvPr>
+        </p:nvSpPr>
+        <p:spPr>
+          <a:xfrm>
+            <a:off x="643278" y="2372868"/>
+            <a:ext cx="3255095" cy="18288"/>
+          </a:xfrm>
+          <a:custGeom>
+            <a:avLst/>
+            <a:gdLst>
+              <a:gd name="connsiteX0" fmla="*/ 0 w 3255095"/>
+              <a:gd name="connsiteY0" fmla="*/ 0 h 18288"/>
+              <a:gd name="connsiteX1" fmla="*/ 618468 w 3255095"/>
+              <a:gd name="connsiteY1" fmla="*/ 0 h 18288"/>
+              <a:gd name="connsiteX2" fmla="*/ 1269487 w 3255095"/>
+              <a:gd name="connsiteY2" fmla="*/ 0 h 18288"/>
+              <a:gd name="connsiteX3" fmla="*/ 1953057 w 3255095"/>
+              <a:gd name="connsiteY3" fmla="*/ 0 h 18288"/>
+              <a:gd name="connsiteX4" fmla="*/ 2636627 w 3255095"/>
+              <a:gd name="connsiteY4" fmla="*/ 0 h 18288"/>
+              <a:gd name="connsiteX5" fmla="*/ 3255095 w 3255095"/>
+              <a:gd name="connsiteY5" fmla="*/ 0 h 18288"/>
+              <a:gd name="connsiteX6" fmla="*/ 3255095 w 3255095"/>
+              <a:gd name="connsiteY6" fmla="*/ 18288 h 18288"/>
+              <a:gd name="connsiteX7" fmla="*/ 2538974 w 3255095"/>
+              <a:gd name="connsiteY7" fmla="*/ 18288 h 18288"/>
+              <a:gd name="connsiteX8" fmla="*/ 1822853 w 3255095"/>
+              <a:gd name="connsiteY8" fmla="*/ 18288 h 18288"/>
+              <a:gd name="connsiteX9" fmla="*/ 1171834 w 3255095"/>
+              <a:gd name="connsiteY9" fmla="*/ 18288 h 18288"/>
+              <a:gd name="connsiteX10" fmla="*/ 0 w 3255095"/>
+              <a:gd name="connsiteY10" fmla="*/ 18288 h 18288"/>
+              <a:gd name="connsiteX11" fmla="*/ 0 w 3255095"/>
+              <a:gd name="connsiteY11" fmla="*/ 0 h 18288"/>
+            </a:gdLst>
+            <a:ahLst/>
+            <a:cxnLst>
+              <a:cxn ang="0">
+                <a:pos x="connsiteX0" y="connsiteY0"/>
+              </a:cxn>
+              <a:cxn ang="0">
+                <a:pos x="connsiteX1" y="connsiteY1"/>
+              </a:cxn>
+              <a:cxn ang="0">
+                <a:pos x="connsiteX2" y="connsiteY2"/>
+              </a:cxn>
+              <a:cxn ang="0">
+                <a:pos x="connsiteX3" y="connsiteY3"/>
+              </a:cxn>
+              <a:cxn ang="0">
+                <a:pos x="connsiteX4" y="connsiteY4"/>
+              </a:cxn>
+              <a:cxn ang="0">
+                <a:pos x="connsiteX5" y="connsiteY5"/>
+              </a:cxn>
+              <a:cxn ang="0">
+                <a:pos x="connsiteX6" y="connsiteY6"/>
+              </a:cxn>
+              <a:cxn ang="0">
+                <a:pos x="connsiteX7" y="connsiteY7"/>
+              </a:cxn>
+              <a:cxn ang="0">
+                <a:pos x="connsiteX8" y="connsiteY8"/>
+              </a:cxn>
+              <a:cxn ang="0">
+                <a:pos x="connsiteX9" y="connsiteY9"/>
+              </a:cxn>
+              <a:cxn ang="0">
+                <a:pos x="connsiteX10" y="connsiteY10"/>
+              </a:cxn>
+              <a:cxn ang="0">
+                <a:pos x="connsiteX11" y="connsiteY11"/>
+              </a:cxn>
+            </a:cxnLst>
+            <a:rect l="l" t="t" r="r" b="b"/>
+            <a:pathLst>
+              <a:path w="3255095" h="18288" fill="none" extrusionOk="0">
+                <a:moveTo>
+                  <a:pt x="0" y="0"/>
+                </a:moveTo>
+                <a:cubicBezTo>
+                  <a:pt x="240201" y="-22123"/>
+                  <a:pt x="462021" y="-19623"/>
+                  <a:pt x="618468" y="0"/>
+                </a:cubicBezTo>
+                <a:cubicBezTo>
+                  <a:pt x="774915" y="19623"/>
+                  <a:pt x="974734" y="2035"/>
+                  <a:pt x="1269487" y="0"/>
+                </a:cubicBezTo>
+                <a:cubicBezTo>
+                  <a:pt x="1564240" y="-2035"/>
+                  <a:pt x="1733579" y="10639"/>
+                  <a:pt x="1953057" y="0"/>
+                </a:cubicBezTo>
+                <a:cubicBezTo>
+                  <a:pt x="2172535" y="-10639"/>
+                  <a:pt x="2453962" y="14018"/>
+                  <a:pt x="2636627" y="0"/>
+                </a:cubicBezTo>
+                <a:cubicBezTo>
+                  <a:pt x="2819292" y="-14018"/>
+                  <a:pt x="3121375" y="5399"/>
+                  <a:pt x="3255095" y="0"/>
+                </a:cubicBezTo>
+                <a:cubicBezTo>
+                  <a:pt x="3254386" y="8157"/>
+                  <a:pt x="3254682" y="12125"/>
+                  <a:pt x="3255095" y="18288"/>
+                </a:cubicBezTo>
+                <a:cubicBezTo>
+                  <a:pt x="3088545" y="23203"/>
+                  <a:pt x="2687475" y="7419"/>
+                  <a:pt x="2538974" y="18288"/>
+                </a:cubicBezTo>
+                <a:cubicBezTo>
+                  <a:pt x="2390473" y="29157"/>
+                  <a:pt x="2137381" y="-8959"/>
+                  <a:pt x="1822853" y="18288"/>
+                </a:cubicBezTo>
+                <a:cubicBezTo>
+                  <a:pt x="1508325" y="45535"/>
+                  <a:pt x="1466437" y="20385"/>
+                  <a:pt x="1171834" y="18288"/>
+                </a:cubicBezTo>
+                <a:cubicBezTo>
+                  <a:pt x="877231" y="16191"/>
+                  <a:pt x="561097" y="37643"/>
+                  <a:pt x="0" y="18288"/>
+                </a:cubicBezTo>
+                <a:cubicBezTo>
+                  <a:pt x="-46" y="12483"/>
+                  <a:pt x="-203" y="6491"/>
+                  <a:pt x="0" y="0"/>
+                </a:cubicBezTo>
+                <a:close/>
+              </a:path>
+              <a:path w="3255095" h="18288" stroke="0" extrusionOk="0">
+                <a:moveTo>
+                  <a:pt x="0" y="0"/>
+                </a:moveTo>
+                <a:cubicBezTo>
+                  <a:pt x="291965" y="19429"/>
+                  <a:pt x="363155" y="8568"/>
+                  <a:pt x="618468" y="0"/>
+                </a:cubicBezTo>
+                <a:cubicBezTo>
+                  <a:pt x="873781" y="-8568"/>
+                  <a:pt x="904459" y="-19505"/>
+                  <a:pt x="1171834" y="0"/>
+                </a:cubicBezTo>
+                <a:cubicBezTo>
+                  <a:pt x="1439209" y="19505"/>
+                  <a:pt x="1744369" y="9790"/>
+                  <a:pt x="1887955" y="0"/>
+                </a:cubicBezTo>
+                <a:cubicBezTo>
+                  <a:pt x="2031541" y="-9790"/>
+                  <a:pt x="2346378" y="21240"/>
+                  <a:pt x="2506423" y="0"/>
+                </a:cubicBezTo>
+                <a:cubicBezTo>
+                  <a:pt x="2666468" y="-21240"/>
+                  <a:pt x="2990257" y="30414"/>
+                  <a:pt x="3255095" y="0"/>
+                </a:cubicBezTo>
+                <a:cubicBezTo>
+                  <a:pt x="3254831" y="4493"/>
+                  <a:pt x="3255479" y="9472"/>
+                  <a:pt x="3255095" y="18288"/>
+                </a:cubicBezTo>
+                <a:cubicBezTo>
+                  <a:pt x="3120743" y="16690"/>
+                  <a:pt x="2759628" y="42462"/>
+                  <a:pt x="2604076" y="18288"/>
+                </a:cubicBezTo>
+                <a:cubicBezTo>
+                  <a:pt x="2448524" y="-5886"/>
+                  <a:pt x="2184336" y="19599"/>
+                  <a:pt x="1887955" y="18288"/>
+                </a:cubicBezTo>
+                <a:cubicBezTo>
+                  <a:pt x="1591574" y="16977"/>
+                  <a:pt x="1548845" y="6870"/>
+                  <a:pt x="1334589" y="18288"/>
+                </a:cubicBezTo>
+                <a:cubicBezTo>
+                  <a:pt x="1120333" y="29706"/>
+                  <a:pt x="996014" y="9662"/>
+                  <a:pt x="683570" y="18288"/>
+                </a:cubicBezTo>
+                <a:cubicBezTo>
+                  <a:pt x="371126" y="26914"/>
+                  <a:pt x="198687" y="16167"/>
+                  <a:pt x="0" y="18288"/>
+                </a:cubicBezTo>
+                <a:cubicBezTo>
+                  <a:pt x="843" y="9577"/>
+                  <a:pt x="371" y="6900"/>
+                  <a:pt x="0" y="0"/>
+                </a:cubicBezTo>
+                <a:close/>
+              </a:path>
+            </a:pathLst>
+          </a:custGeom>
+          <a:solidFill>
+            <a:schemeClr val="accent2"/>
+          </a:solidFill>
+          <a:ln w="38100" cap="rnd">
+            <a:solidFill>
+              <a:schemeClr val="accent2"/>
+            </a:solidFill>
+            <a:round/>
+            <a:extLst>
+              <a:ext uri="{C807C97D-BFC1-408E-A445-0C87EB9F89A2}">
+                <ask:lineSketchStyleProps xmlns:ask="http://schemas.microsoft.com/office/drawing/2018/sketchyshapes" sd="1219033472">
+                  <a:prstGeom prst="rect">
+                    <a:avLst/>
+                  </a:prstGeom>
+                  <ask:type>
+                    <ask:lineSketchFreehand/>
+                  </ask:type>
+                </ask:lineSketchStyleProps>
+              </a:ext>
+            </a:extLst>
+          </a:ln>
+        </p:spPr>
+        <p:style>
+          <a:lnRef idx="2">
+            <a:schemeClr val="accent1">
+              <a:shade val="50000"/>
+            </a:schemeClr>
+          </a:lnRef>
+          <a:fillRef idx="1">
+            <a:schemeClr val="accent1"/>
+          </a:fillRef>
+          <a:effectRef idx="0">
+            <a:schemeClr val="accent1"/>
+          </a:effectRef>
+          <a:fontRef idx="minor">
+            <a:schemeClr val="lt1"/>
+          </a:fontRef>
+        </p:style>
+        <p:txBody>
+          <a:bodyPr rtlCol="0" anchor="ctr"/>
+          <a:lstStyle/>
+          <a:p>
+            <a:pPr algn="ctr"/>
+            <a:endParaRPr lang="en-US"/>
+          </a:p>
+        </p:txBody>
+      </p:sp>
+      <p:sp>
+        <p:nvSpPr>
+          <p:cNvPr id="3" name="Content Placeholder 2">
+            <a:extLst>
+              <a:ext uri="{FF2B5EF4-FFF2-40B4-BE49-F238E27FC236}">
+                <a16:creationId xmlns:a16="http://schemas.microsoft.com/office/drawing/2014/main" id="{EDF6A4C5-C07F-2840-EA7A-7F83FD767A95}"/>
+              </a:ext>
+            </a:extLst>
+          </p:cNvPr>
+          <p:cNvSpPr>
+            <a:spLocks noGrp="1"/>
+          </p:cNvSpPr>
+          <p:nvPr>
+            <p:ph idx="1"/>
+          </p:nvPr>
+        </p:nvSpPr>
+        <p:spPr>
+          <a:xfrm>
+            <a:off x="630936" y="2660904"/>
+            <a:ext cx="4818888" cy="3547872"/>
+          </a:xfrm>
+        </p:spPr>
+        <p:txBody>
+          <a:bodyPr anchor="t">
+            <a:normAutofit/>
+          </a:bodyPr>
+          <a:lstStyle/>
+          <a:p>
+            <a:r>
+              <a:rPr lang="en-CH" sz="2200" dirty="0"/>
+              <a:t>Hypervisor -&gt; virtualization layer -&gt; hardware NIC (Network Interface Card) -&gt; Communication between two phyzical controllers</a:t>
+            </a:r>
+          </a:p>
+          <a:p>
+            <a:r>
+              <a:rPr lang="en-CH" sz="2200" dirty="0"/>
+              <a:t>Default bandwidth – 5 Gbps</a:t>
+            </a:r>
+          </a:p>
+        </p:txBody>
+      </p:sp>
+      <p:pic>
+        <p:nvPicPr>
+          <p:cNvPr id="4" name="Picture 3">
+            <a:extLst>
+              <a:ext uri="{FF2B5EF4-FFF2-40B4-BE49-F238E27FC236}">
+                <a16:creationId xmlns:a16="http://schemas.microsoft.com/office/drawing/2014/main" id="{456F64AA-A03F-6EC2-DBB8-301E06870845}"/>
+              </a:ext>
+            </a:extLst>
+          </p:cNvPr>
+          <p:cNvPicPr>
+            <a:picLocks noChangeAspect="1"/>
+          </p:cNvPicPr>
+          <p:nvPr/>
+        </p:nvPicPr>
+        <p:blipFill>
+          <a:blip r:embed="rId2"/>
+          <a:stretch>
+            <a:fillRect/>
+          </a:stretch>
+        </p:blipFill>
+        <p:spPr>
+          <a:xfrm>
+            <a:off x="6099048" y="2405443"/>
+            <a:ext cx="5458968" cy="2047113"/>
+          </a:xfrm>
+          <a:prstGeom prst="rect">
+            <a:avLst/>
+          </a:prstGeom>
+        </p:spPr>
+      </p:pic>
+    </p:spTree>
+    <p:extLst>
+      <p:ext uri="{BB962C8B-B14F-4D97-AF65-F5344CB8AC3E}">
+        <p14:creationId xmlns:p14="http://schemas.microsoft.com/office/powerpoint/2010/main" val="3035279524"/>
+      </p:ext>
+    </p:extLst>
+  </p:cSld>
+  <p:clrMapOvr>
+    <a:masterClrMapping/>
+  </p:clrMapOvr>
+</p:sld>
+</file>
+
+<file path=ppt/slides/slide5.xml><?xml version="1.0" encoding="utf-8"?>
+<p:sld xmlns:a="http://schemas.openxmlformats.org/drawingml/2006/main" xmlns:r="http://schemas.openxmlformats.org/officeDocument/2006/relationships" xmlns:p="http://schemas.openxmlformats.org/presentationml/2006/main">
+  <p:cSld>
+    <p:bg>
+      <p:bgPr>
+        <a:solidFill>
+          <a:schemeClr val="bg1"/>
+        </a:solidFill>
+        <a:effectLst/>
+      </p:bgPr>
+    </p:bg>
+    <p:spTree>
+      <p:nvGrpSpPr>
+        <p:cNvPr id="1" name=""/>
+        <p:cNvGrpSpPr/>
+        <p:nvPr/>
+      </p:nvGrpSpPr>
+      <p:grpSpPr>
+        <a:xfrm>
+          <a:off x="0" y="0"/>
+          <a:ext cx="0" cy="0"/>
+          <a:chOff x="0" y="0"/>
+          <a:chExt cx="0" cy="0"/>
+        </a:xfrm>
+      </p:grpSpPr>
+      <p:sp useBgFill="1">
+        <p:nvSpPr>
+          <p:cNvPr id="19" name="Rectangle 18">
+            <a:extLst>
+              <a:ext uri="{FF2B5EF4-FFF2-40B4-BE49-F238E27FC236}">
+                <a16:creationId xmlns:a16="http://schemas.microsoft.com/office/drawing/2014/main" id="{743AA782-23D1-4521-8CAD-47662984AA08}"/>
+              </a:ext>
+              <a:ext uri="{C183D7F6-B498-43B3-948B-1728B52AA6E4}">
+                <adec:decorative xmlns:adec="http://schemas.microsoft.com/office/drawing/2017/decorative" val="1"/>
+              </a:ext>
+            </a:extLst>
+          </p:cNvPr>
+          <p:cNvSpPr>
+            <a:spLocks noGrp="1" noRot="1" noChangeAspect="1" noMove="1" noResize="1" noEditPoints="1" noAdjustHandles="1" noChangeArrowheads="1" noChangeShapeType="1" noTextEdit="1"/>
+          </p:cNvSpPr>
+          <p:nvPr>
+            <p:extLst>
+              <p:ext uri="{386F3935-93C4-4BCD-93E2-E3B085C9AB24}">
+                <p16:designElem xmlns:p16="http://schemas.microsoft.com/office/powerpoint/2015/main" val="1"/>
+              </p:ext>
+            </p:extLst>
+          </p:nvPr>
+        </p:nvSpPr>
+        <p:spPr>
+          <a:xfrm>
+            <a:off x="0" y="0"/>
+            <a:ext cx="12192000" cy="6858000"/>
+          </a:xfrm>
+          <a:prstGeom prst="rect">
+            <a:avLst/>
+          </a:prstGeom>
+          <a:ln>
+            <a:noFill/>
+          </a:ln>
+        </p:spPr>
+        <p:style>
+          <a:lnRef idx="2">
+            <a:schemeClr val="accent1">
+              <a:shade val="50000"/>
+            </a:schemeClr>
+          </a:lnRef>
+          <a:fillRef idx="1">
+            <a:schemeClr val="accent1"/>
+          </a:fillRef>
+          <a:effectRef idx="0">
+            <a:schemeClr val="accent1"/>
+          </a:effectRef>
+          <a:fontRef idx="minor">
+            <a:schemeClr val="lt1"/>
+          </a:fontRef>
+        </p:style>
+        <p:txBody>
+          <a:bodyPr rtlCol="0" anchor="ctr"/>
+          <a:lstStyle/>
+          <a:p>
+            <a:pPr algn="ctr"/>
+            <a:endParaRPr lang="en-US"/>
+          </a:p>
+        </p:txBody>
+      </p:sp>
+      <p:sp>
+        <p:nvSpPr>
+          <p:cNvPr id="2" name="Title 1">
+            <a:extLst>
+              <a:ext uri="{FF2B5EF4-FFF2-40B4-BE49-F238E27FC236}">
+                <a16:creationId xmlns:a16="http://schemas.microsoft.com/office/drawing/2014/main" id="{90105472-F0A7-75C4-1BBA-5A1016A3C4E2}"/>
+              </a:ext>
+            </a:extLst>
+          </p:cNvPr>
+          <p:cNvSpPr>
+            <a:spLocks noGrp="1"/>
+          </p:cNvSpPr>
+          <p:nvPr>
+            <p:ph type="title"/>
+          </p:nvPr>
+        </p:nvSpPr>
+        <p:spPr>
+          <a:xfrm>
+            <a:off x="630936" y="640080"/>
+            <a:ext cx="4818888" cy="1481328"/>
+          </a:xfrm>
+        </p:spPr>
+        <p:txBody>
+          <a:bodyPr anchor="b">
+            <a:normAutofit fontScale="90000"/>
+          </a:bodyPr>
+          <a:lstStyle/>
+          <a:p>
+            <a:r>
+              <a:rPr lang="en-CH" sz="3800" dirty="0"/>
+              <a:t>Ec2 Networking </a:t>
+            </a:r>
+            <a:br>
+              <a:rPr lang="en-CH" sz="3800" dirty="0"/>
+            </a:br>
+            <a:r>
+              <a:rPr lang="en-CH" sz="3800" dirty="0"/>
+              <a:t>With Intel VF </a:t>
+            </a:r>
+            <a:br>
+              <a:rPr lang="en-CH" sz="3800" dirty="0"/>
+            </a:br>
+            <a:r>
+              <a:rPr lang="en-CH" sz="3800" dirty="0"/>
+              <a:t>(Virtual Fuction)</a:t>
+            </a:r>
+          </a:p>
+        </p:txBody>
+      </p:sp>
+      <p:sp>
+        <p:nvSpPr>
+          <p:cNvPr id="21" name="sketch line">
+            <a:extLst>
+              <a:ext uri="{FF2B5EF4-FFF2-40B4-BE49-F238E27FC236}">
+                <a16:creationId xmlns:a16="http://schemas.microsoft.com/office/drawing/2014/main" id="{71877DBC-BB60-40F0-AC93-2ACDBAAE60CE}"/>
+              </a:ext>
+              <a:ext uri="{C183D7F6-B498-43B3-948B-1728B52AA6E4}">
+                <adec:decorative xmlns:adec="http://schemas.microsoft.com/office/drawing/2017/decorative" val="1"/>
+              </a:ext>
+            </a:extLst>
+          </p:cNvPr>
+          <p:cNvSpPr>
+            <a:spLocks noGrp="1" noRot="1" noChangeAspect="1" noMove="1" noResize="1" noEditPoints="1" noAdjustHandles="1" noChangeArrowheads="1" noChangeShapeType="1" noTextEdit="1"/>
+          </p:cNvSpPr>
+          <p:nvPr>
+            <p:extLst>
+              <p:ext uri="{386F3935-93C4-4BCD-93E2-E3B085C9AB24}">
+                <p16:designElem xmlns:p16="http://schemas.microsoft.com/office/powerpoint/2015/main" val="1"/>
+              </p:ext>
+            </p:extLst>
+          </p:nvPr>
+        </p:nvSpPr>
+        <p:spPr>
+          <a:xfrm>
+            <a:off x="643278" y="2372868"/>
+            <a:ext cx="3255095" cy="18288"/>
+          </a:xfrm>
+          <a:custGeom>
+            <a:avLst/>
+            <a:gdLst>
+              <a:gd name="connsiteX0" fmla="*/ 0 w 3255095"/>
+              <a:gd name="connsiteY0" fmla="*/ 0 h 18288"/>
+              <a:gd name="connsiteX1" fmla="*/ 618468 w 3255095"/>
+              <a:gd name="connsiteY1" fmla="*/ 0 h 18288"/>
+              <a:gd name="connsiteX2" fmla="*/ 1269487 w 3255095"/>
+              <a:gd name="connsiteY2" fmla="*/ 0 h 18288"/>
+              <a:gd name="connsiteX3" fmla="*/ 1953057 w 3255095"/>
+              <a:gd name="connsiteY3" fmla="*/ 0 h 18288"/>
+              <a:gd name="connsiteX4" fmla="*/ 2636627 w 3255095"/>
+              <a:gd name="connsiteY4" fmla="*/ 0 h 18288"/>
+              <a:gd name="connsiteX5" fmla="*/ 3255095 w 3255095"/>
+              <a:gd name="connsiteY5" fmla="*/ 0 h 18288"/>
+              <a:gd name="connsiteX6" fmla="*/ 3255095 w 3255095"/>
+              <a:gd name="connsiteY6" fmla="*/ 18288 h 18288"/>
+              <a:gd name="connsiteX7" fmla="*/ 2538974 w 3255095"/>
+              <a:gd name="connsiteY7" fmla="*/ 18288 h 18288"/>
+              <a:gd name="connsiteX8" fmla="*/ 1822853 w 3255095"/>
+              <a:gd name="connsiteY8" fmla="*/ 18288 h 18288"/>
+              <a:gd name="connsiteX9" fmla="*/ 1171834 w 3255095"/>
+              <a:gd name="connsiteY9" fmla="*/ 18288 h 18288"/>
+              <a:gd name="connsiteX10" fmla="*/ 0 w 3255095"/>
+              <a:gd name="connsiteY10" fmla="*/ 18288 h 18288"/>
+              <a:gd name="connsiteX11" fmla="*/ 0 w 3255095"/>
+              <a:gd name="connsiteY11" fmla="*/ 0 h 18288"/>
+            </a:gdLst>
+            <a:ahLst/>
+            <a:cxnLst>
+              <a:cxn ang="0">
+                <a:pos x="connsiteX0" y="connsiteY0"/>
+              </a:cxn>
+              <a:cxn ang="0">
+                <a:pos x="connsiteX1" y="connsiteY1"/>
+              </a:cxn>
+              <a:cxn ang="0">
+                <a:pos x="connsiteX2" y="connsiteY2"/>
+              </a:cxn>
+              <a:cxn ang="0">
+                <a:pos x="connsiteX3" y="connsiteY3"/>
+              </a:cxn>
+              <a:cxn ang="0">
+                <a:pos x="connsiteX4" y="connsiteY4"/>
+              </a:cxn>
+              <a:cxn ang="0">
+                <a:pos x="connsiteX5" y="connsiteY5"/>
+              </a:cxn>
+              <a:cxn ang="0">
+                <a:pos x="connsiteX6" y="connsiteY6"/>
+              </a:cxn>
+              <a:cxn ang="0">
+                <a:pos x="connsiteX7" y="connsiteY7"/>
+              </a:cxn>
+              <a:cxn ang="0">
+                <a:pos x="connsiteX8" y="connsiteY8"/>
+              </a:cxn>
+              <a:cxn ang="0">
+                <a:pos x="connsiteX9" y="connsiteY9"/>
+              </a:cxn>
+              <a:cxn ang="0">
+                <a:pos x="connsiteX10" y="connsiteY10"/>
+              </a:cxn>
+              <a:cxn ang="0">
+                <a:pos x="connsiteX11" y="connsiteY11"/>
+              </a:cxn>
+            </a:cxnLst>
+            <a:rect l="l" t="t" r="r" b="b"/>
+            <a:pathLst>
+              <a:path w="3255095" h="18288" fill="none" extrusionOk="0">
+                <a:moveTo>
+                  <a:pt x="0" y="0"/>
+                </a:moveTo>
+                <a:cubicBezTo>
+                  <a:pt x="240201" y="-22123"/>
+                  <a:pt x="462021" y="-19623"/>
+                  <a:pt x="618468" y="0"/>
+                </a:cubicBezTo>
+                <a:cubicBezTo>
+                  <a:pt x="774915" y="19623"/>
+                  <a:pt x="974734" y="2035"/>
+                  <a:pt x="1269487" y="0"/>
+                </a:cubicBezTo>
+                <a:cubicBezTo>
+                  <a:pt x="1564240" y="-2035"/>
+                  <a:pt x="1733579" y="10639"/>
+                  <a:pt x="1953057" y="0"/>
+                </a:cubicBezTo>
+                <a:cubicBezTo>
+                  <a:pt x="2172535" y="-10639"/>
+                  <a:pt x="2453962" y="14018"/>
+                  <a:pt x="2636627" y="0"/>
+                </a:cubicBezTo>
+                <a:cubicBezTo>
+                  <a:pt x="2819292" y="-14018"/>
+                  <a:pt x="3121375" y="5399"/>
+                  <a:pt x="3255095" y="0"/>
+                </a:cubicBezTo>
+                <a:cubicBezTo>
+                  <a:pt x="3254386" y="8157"/>
+                  <a:pt x="3254682" y="12125"/>
+                  <a:pt x="3255095" y="18288"/>
+                </a:cubicBezTo>
+                <a:cubicBezTo>
+                  <a:pt x="3088545" y="23203"/>
+                  <a:pt x="2687475" y="7419"/>
+                  <a:pt x="2538974" y="18288"/>
+                </a:cubicBezTo>
+                <a:cubicBezTo>
+                  <a:pt x="2390473" y="29157"/>
+                  <a:pt x="2137381" y="-8959"/>
+                  <a:pt x="1822853" y="18288"/>
+                </a:cubicBezTo>
+                <a:cubicBezTo>
+                  <a:pt x="1508325" y="45535"/>
+                  <a:pt x="1466437" y="20385"/>
+                  <a:pt x="1171834" y="18288"/>
+                </a:cubicBezTo>
+                <a:cubicBezTo>
+                  <a:pt x="877231" y="16191"/>
+                  <a:pt x="561097" y="37643"/>
+                  <a:pt x="0" y="18288"/>
+                </a:cubicBezTo>
+                <a:cubicBezTo>
+                  <a:pt x="-46" y="12483"/>
+                  <a:pt x="-203" y="6491"/>
+                  <a:pt x="0" y="0"/>
+                </a:cubicBezTo>
+                <a:close/>
+              </a:path>
+              <a:path w="3255095" h="18288" stroke="0" extrusionOk="0">
+                <a:moveTo>
+                  <a:pt x="0" y="0"/>
+                </a:moveTo>
+                <a:cubicBezTo>
+                  <a:pt x="291965" y="19429"/>
+                  <a:pt x="363155" y="8568"/>
+                  <a:pt x="618468" y="0"/>
+                </a:cubicBezTo>
+                <a:cubicBezTo>
+                  <a:pt x="873781" y="-8568"/>
+                  <a:pt x="904459" y="-19505"/>
+                  <a:pt x="1171834" y="0"/>
+                </a:cubicBezTo>
+                <a:cubicBezTo>
+                  <a:pt x="1439209" y="19505"/>
+                  <a:pt x="1744369" y="9790"/>
+                  <a:pt x="1887955" y="0"/>
+                </a:cubicBezTo>
+                <a:cubicBezTo>
+                  <a:pt x="2031541" y="-9790"/>
+                  <a:pt x="2346378" y="21240"/>
+                  <a:pt x="2506423" y="0"/>
+                </a:cubicBezTo>
+                <a:cubicBezTo>
+                  <a:pt x="2666468" y="-21240"/>
+                  <a:pt x="2990257" y="30414"/>
+                  <a:pt x="3255095" y="0"/>
+                </a:cubicBezTo>
+                <a:cubicBezTo>
+                  <a:pt x="3254831" y="4493"/>
+                  <a:pt x="3255479" y="9472"/>
+                  <a:pt x="3255095" y="18288"/>
+                </a:cubicBezTo>
+                <a:cubicBezTo>
+                  <a:pt x="3120743" y="16690"/>
+                  <a:pt x="2759628" y="42462"/>
+                  <a:pt x="2604076" y="18288"/>
+                </a:cubicBezTo>
+                <a:cubicBezTo>
+                  <a:pt x="2448524" y="-5886"/>
+                  <a:pt x="2184336" y="19599"/>
+                  <a:pt x="1887955" y="18288"/>
+                </a:cubicBezTo>
+                <a:cubicBezTo>
+                  <a:pt x="1591574" y="16977"/>
+                  <a:pt x="1548845" y="6870"/>
+                  <a:pt x="1334589" y="18288"/>
+                </a:cubicBezTo>
+                <a:cubicBezTo>
+                  <a:pt x="1120333" y="29706"/>
+                  <a:pt x="996014" y="9662"/>
+                  <a:pt x="683570" y="18288"/>
+                </a:cubicBezTo>
+                <a:cubicBezTo>
+                  <a:pt x="371126" y="26914"/>
+                  <a:pt x="198687" y="16167"/>
+                  <a:pt x="0" y="18288"/>
+                </a:cubicBezTo>
+                <a:cubicBezTo>
+                  <a:pt x="843" y="9577"/>
+                  <a:pt x="371" y="6900"/>
+                  <a:pt x="0" y="0"/>
+                </a:cubicBezTo>
+                <a:close/>
+              </a:path>
+            </a:pathLst>
+          </a:custGeom>
+          <a:solidFill>
+            <a:schemeClr val="accent2"/>
+          </a:solidFill>
+          <a:ln w="38100" cap="rnd">
+            <a:solidFill>
+              <a:schemeClr val="accent2"/>
+            </a:solidFill>
+            <a:round/>
+            <a:extLst>
+              <a:ext uri="{C807C97D-BFC1-408E-A445-0C87EB9F89A2}">
+                <ask:lineSketchStyleProps xmlns:ask="http://schemas.microsoft.com/office/drawing/2018/sketchyshapes" sd="1219033472">
+                  <a:prstGeom prst="rect">
+                    <a:avLst/>
+                  </a:prstGeom>
+                  <ask:type>
+                    <ask:lineSketchFreehand/>
+                  </ask:type>
+                </ask:lineSketchStyleProps>
+              </a:ext>
+            </a:extLst>
+          </a:ln>
+        </p:spPr>
+        <p:style>
+          <a:lnRef idx="2">
+            <a:schemeClr val="accent1">
+              <a:shade val="50000"/>
+            </a:schemeClr>
+          </a:lnRef>
+          <a:fillRef idx="1">
+            <a:schemeClr val="accent1"/>
+          </a:fillRef>
+          <a:effectRef idx="0">
+            <a:schemeClr val="accent1"/>
+          </a:effectRef>
+          <a:fontRef idx="minor">
+            <a:schemeClr val="lt1"/>
+          </a:fontRef>
+        </p:style>
+        <p:txBody>
+          <a:bodyPr rtlCol="0" anchor="ctr"/>
+          <a:lstStyle/>
+          <a:p>
+            <a:pPr algn="ctr"/>
+            <a:endParaRPr lang="en-US"/>
+          </a:p>
+        </p:txBody>
+      </p:sp>
+      <p:sp>
+        <p:nvSpPr>
+          <p:cNvPr id="3" name="Content Placeholder 2">
+            <a:extLst>
+              <a:ext uri="{FF2B5EF4-FFF2-40B4-BE49-F238E27FC236}">
+                <a16:creationId xmlns:a16="http://schemas.microsoft.com/office/drawing/2014/main" id="{EDF6A4C5-C07F-2840-EA7A-7F83FD767A95}"/>
+              </a:ext>
+            </a:extLst>
+          </p:cNvPr>
+          <p:cNvSpPr>
+            <a:spLocks noGrp="1"/>
+          </p:cNvSpPr>
+          <p:nvPr>
+            <p:ph idx="1"/>
+          </p:nvPr>
+        </p:nvSpPr>
+        <p:spPr>
+          <a:xfrm>
+            <a:off x="630936" y="2660904"/>
+            <a:ext cx="4818888" cy="3547872"/>
+          </a:xfrm>
+        </p:spPr>
+        <p:txBody>
+          <a:bodyPr anchor="t">
+            <a:normAutofit/>
+          </a:bodyPr>
+          <a:lstStyle/>
+          <a:p>
+            <a:r>
+              <a:rPr lang="en-GB" sz="2200" dirty="0"/>
+              <a:t>B</a:t>
+            </a:r>
+            <a:r>
+              <a:rPr lang="en-CH" sz="2200" dirty="0"/>
+              <a:t>y using Enhanced networking virtualization layer removed from the flow – Bypass Vrtuazalition Layer</a:t>
+            </a:r>
+          </a:p>
+          <a:p>
+            <a:r>
+              <a:rPr lang="en-CH" sz="2200" dirty="0"/>
+              <a:t>By using this driver you directly talking to Hardware Network Interface Card</a:t>
+            </a:r>
+          </a:p>
+          <a:p>
+            <a:r>
+              <a:rPr lang="en-CH" sz="2200" dirty="0"/>
+              <a:t>Maximum of 10 Gbps bandwidth</a:t>
+            </a:r>
+          </a:p>
+          <a:p>
+            <a:endParaRPr lang="en-CH" sz="2200" dirty="0"/>
+          </a:p>
+        </p:txBody>
+      </p:sp>
+      <p:pic>
+        <p:nvPicPr>
+          <p:cNvPr id="5" name="Picture 4" descr="A diagram of a virtualization layer&#10;&#10;Description automatically generated">
+            <a:extLst>
+              <a:ext uri="{FF2B5EF4-FFF2-40B4-BE49-F238E27FC236}">
+                <a16:creationId xmlns:a16="http://schemas.microsoft.com/office/drawing/2014/main" id="{102F239A-91FD-B4E0-38A6-5B9C4FA8C1B2}"/>
+              </a:ext>
+            </a:extLst>
+          </p:cNvPr>
+          <p:cNvPicPr>
+            <a:picLocks noChangeAspect="1"/>
+          </p:cNvPicPr>
+          <p:nvPr/>
+        </p:nvPicPr>
+        <p:blipFill>
+          <a:blip r:embed="rId2"/>
+          <a:stretch>
+            <a:fillRect/>
+          </a:stretch>
+        </p:blipFill>
+        <p:spPr>
+          <a:xfrm>
+            <a:off x="6099048" y="2296264"/>
+            <a:ext cx="5458968" cy="2265471"/>
+          </a:xfrm>
+          <a:prstGeom prst="rect">
+            <a:avLst/>
+          </a:prstGeom>
+        </p:spPr>
+      </p:pic>
+    </p:spTree>
+    <p:extLst>
+      <p:ext uri="{BB962C8B-B14F-4D97-AF65-F5344CB8AC3E}">
+        <p14:creationId xmlns:p14="http://schemas.microsoft.com/office/powerpoint/2010/main" val="2690546402"/>
+      </p:ext>
+    </p:extLst>
+  </p:cSld>
+  <p:clrMapOvr>
+    <a:masterClrMapping/>
+  </p:clrMapOvr>
+</p:sld>
+</file>
+
+<file path=ppt/slides/slide6.xml><?xml version="1.0" encoding="utf-8"?>
+<p:sld xmlns:a="http://schemas.openxmlformats.org/drawingml/2006/main" xmlns:r="http://schemas.openxmlformats.org/officeDocument/2006/relationships" xmlns:p="http://schemas.openxmlformats.org/presentationml/2006/main">
+  <p:cSld>
+    <p:bg>
+      <p:bgPr>
+        <a:solidFill>
+          <a:schemeClr val="bg1"/>
+        </a:solidFill>
+        <a:effectLst/>
+      </p:bgPr>
+    </p:bg>
+    <p:spTree>
+      <p:nvGrpSpPr>
+        <p:cNvPr id="1" name=""/>
+        <p:cNvGrpSpPr/>
+        <p:nvPr/>
+      </p:nvGrpSpPr>
+      <p:grpSpPr>
+        <a:xfrm>
+          <a:off x="0" y="0"/>
+          <a:ext cx="0" cy="0"/>
+          <a:chOff x="0" y="0"/>
+          <a:chExt cx="0" cy="0"/>
+        </a:xfrm>
+      </p:grpSpPr>
+      <p:sp useBgFill="1">
+        <p:nvSpPr>
+          <p:cNvPr id="26" name="Rectangle 25">
+            <a:extLst>
+              <a:ext uri="{FF2B5EF4-FFF2-40B4-BE49-F238E27FC236}">
+                <a16:creationId xmlns:a16="http://schemas.microsoft.com/office/drawing/2014/main" id="{743AA782-23D1-4521-8CAD-47662984AA08}"/>
+              </a:ext>
+              <a:ext uri="{C183D7F6-B498-43B3-948B-1728B52AA6E4}">
+                <adec:decorative xmlns:adec="http://schemas.microsoft.com/office/drawing/2017/decorative" val="1"/>
+              </a:ext>
+            </a:extLst>
+          </p:cNvPr>
+          <p:cNvSpPr>
+            <a:spLocks noGrp="1" noRot="1" noChangeAspect="1" noMove="1" noResize="1" noEditPoints="1" noAdjustHandles="1" noChangeArrowheads="1" noChangeShapeType="1" noTextEdit="1"/>
+          </p:cNvSpPr>
+          <p:nvPr>
+            <p:extLst>
+              <p:ext uri="{386F3935-93C4-4BCD-93E2-E3B085C9AB24}">
+                <p16:designElem xmlns:p16="http://schemas.microsoft.com/office/powerpoint/2015/main" val="1"/>
+              </p:ext>
+            </p:extLst>
+          </p:nvPr>
+        </p:nvSpPr>
+        <p:spPr>
+          <a:xfrm>
+            <a:off x="0" y="0"/>
+            <a:ext cx="12192000" cy="6858000"/>
+          </a:xfrm>
+          <a:prstGeom prst="rect">
+            <a:avLst/>
+          </a:prstGeom>
+          <a:ln>
+            <a:noFill/>
+          </a:ln>
+        </p:spPr>
+        <p:style>
+          <a:lnRef idx="2">
+            <a:schemeClr val="accent1">
+              <a:shade val="50000"/>
+            </a:schemeClr>
+          </a:lnRef>
+          <a:fillRef idx="1">
+            <a:schemeClr val="accent1"/>
+          </a:fillRef>
+          <a:effectRef idx="0">
+            <a:schemeClr val="accent1"/>
+          </a:effectRef>
+          <a:fontRef idx="minor">
+            <a:schemeClr val="lt1"/>
+          </a:fontRef>
+        </p:style>
+        <p:txBody>
+          <a:bodyPr rtlCol="0" anchor="ctr"/>
+          <a:lstStyle/>
+          <a:p>
+            <a:pPr algn="ctr"/>
+            <a:endParaRPr lang="en-US"/>
+          </a:p>
+        </p:txBody>
+      </p:sp>
+      <p:sp>
+        <p:nvSpPr>
+          <p:cNvPr id="2" name="Title 1">
+            <a:extLst>
+              <a:ext uri="{FF2B5EF4-FFF2-40B4-BE49-F238E27FC236}">
+                <a16:creationId xmlns:a16="http://schemas.microsoft.com/office/drawing/2014/main" id="{90105472-F0A7-75C4-1BBA-5A1016A3C4E2}"/>
+              </a:ext>
+            </a:extLst>
+          </p:cNvPr>
+          <p:cNvSpPr>
+            <a:spLocks noGrp="1"/>
+          </p:cNvSpPr>
+          <p:nvPr>
+            <p:ph type="title"/>
+          </p:nvPr>
+        </p:nvSpPr>
+        <p:spPr>
+          <a:xfrm>
+            <a:off x="630936" y="640080"/>
+            <a:ext cx="4818888" cy="1481328"/>
+          </a:xfrm>
+        </p:spPr>
+        <p:txBody>
+          <a:bodyPr anchor="b">
+            <a:normAutofit/>
+          </a:bodyPr>
+          <a:lstStyle/>
+          <a:p>
+            <a:r>
+              <a:rPr lang="en-CH" sz="3000"/>
+              <a:t>Ec2 Networking</a:t>
+            </a:r>
+            <a:br>
+              <a:rPr lang="en-CH" sz="3000"/>
+            </a:br>
+            <a:r>
+              <a:rPr lang="en-CH" sz="3000"/>
+              <a:t>With ENA </a:t>
+            </a:r>
+            <a:br>
+              <a:rPr lang="en-CH" sz="3000"/>
+            </a:br>
+            <a:r>
+              <a:rPr lang="en-CH" sz="3000"/>
+              <a:t>(Elastic Network Adapter)</a:t>
+            </a:r>
+          </a:p>
+        </p:txBody>
+      </p:sp>
+      <p:sp>
+        <p:nvSpPr>
+          <p:cNvPr id="28" name="sketch line">
+            <a:extLst>
+              <a:ext uri="{FF2B5EF4-FFF2-40B4-BE49-F238E27FC236}">
+                <a16:creationId xmlns:a16="http://schemas.microsoft.com/office/drawing/2014/main" id="{71877DBC-BB60-40F0-AC93-2ACDBAAE60CE}"/>
+              </a:ext>
+              <a:ext uri="{C183D7F6-B498-43B3-948B-1728B52AA6E4}">
+                <adec:decorative xmlns:adec="http://schemas.microsoft.com/office/drawing/2017/decorative" val="1"/>
+              </a:ext>
+            </a:extLst>
+          </p:cNvPr>
+          <p:cNvSpPr>
+            <a:spLocks noGrp="1" noRot="1" noChangeAspect="1" noMove="1" noResize="1" noEditPoints="1" noAdjustHandles="1" noChangeArrowheads="1" noChangeShapeType="1" noTextEdit="1"/>
+          </p:cNvSpPr>
+          <p:nvPr>
+            <p:extLst>
+              <p:ext uri="{386F3935-93C4-4BCD-93E2-E3B085C9AB24}">
+                <p16:designElem xmlns:p16="http://schemas.microsoft.com/office/powerpoint/2015/main" val="1"/>
+              </p:ext>
+            </p:extLst>
+          </p:nvPr>
+        </p:nvSpPr>
+        <p:spPr>
+          <a:xfrm>
+            <a:off x="643278" y="2372868"/>
+            <a:ext cx="3255095" cy="18288"/>
+          </a:xfrm>
+          <a:custGeom>
+            <a:avLst/>
+            <a:gdLst>
+              <a:gd name="connsiteX0" fmla="*/ 0 w 3255095"/>
+              <a:gd name="connsiteY0" fmla="*/ 0 h 18288"/>
+              <a:gd name="connsiteX1" fmla="*/ 618468 w 3255095"/>
+              <a:gd name="connsiteY1" fmla="*/ 0 h 18288"/>
+              <a:gd name="connsiteX2" fmla="*/ 1269487 w 3255095"/>
+              <a:gd name="connsiteY2" fmla="*/ 0 h 18288"/>
+              <a:gd name="connsiteX3" fmla="*/ 1953057 w 3255095"/>
+              <a:gd name="connsiteY3" fmla="*/ 0 h 18288"/>
+              <a:gd name="connsiteX4" fmla="*/ 2636627 w 3255095"/>
+              <a:gd name="connsiteY4" fmla="*/ 0 h 18288"/>
+              <a:gd name="connsiteX5" fmla="*/ 3255095 w 3255095"/>
+              <a:gd name="connsiteY5" fmla="*/ 0 h 18288"/>
+              <a:gd name="connsiteX6" fmla="*/ 3255095 w 3255095"/>
+              <a:gd name="connsiteY6" fmla="*/ 18288 h 18288"/>
+              <a:gd name="connsiteX7" fmla="*/ 2538974 w 3255095"/>
+              <a:gd name="connsiteY7" fmla="*/ 18288 h 18288"/>
+              <a:gd name="connsiteX8" fmla="*/ 1822853 w 3255095"/>
+              <a:gd name="connsiteY8" fmla="*/ 18288 h 18288"/>
+              <a:gd name="connsiteX9" fmla="*/ 1171834 w 3255095"/>
+              <a:gd name="connsiteY9" fmla="*/ 18288 h 18288"/>
+              <a:gd name="connsiteX10" fmla="*/ 0 w 3255095"/>
+              <a:gd name="connsiteY10" fmla="*/ 18288 h 18288"/>
+              <a:gd name="connsiteX11" fmla="*/ 0 w 3255095"/>
+              <a:gd name="connsiteY11" fmla="*/ 0 h 18288"/>
+            </a:gdLst>
+            <a:ahLst/>
+            <a:cxnLst>
+              <a:cxn ang="0">
+                <a:pos x="connsiteX0" y="connsiteY0"/>
+              </a:cxn>
+              <a:cxn ang="0">
+                <a:pos x="connsiteX1" y="connsiteY1"/>
+              </a:cxn>
+              <a:cxn ang="0">
+                <a:pos x="connsiteX2" y="connsiteY2"/>
+              </a:cxn>
+              <a:cxn ang="0">
+                <a:pos x="connsiteX3" y="connsiteY3"/>
+              </a:cxn>
+              <a:cxn ang="0">
+                <a:pos x="connsiteX4" y="connsiteY4"/>
+              </a:cxn>
+              <a:cxn ang="0">
+                <a:pos x="connsiteX5" y="connsiteY5"/>
+              </a:cxn>
+              <a:cxn ang="0">
+                <a:pos x="connsiteX6" y="connsiteY6"/>
+              </a:cxn>
+              <a:cxn ang="0">
+                <a:pos x="connsiteX7" y="connsiteY7"/>
+              </a:cxn>
+              <a:cxn ang="0">
+                <a:pos x="connsiteX8" y="connsiteY8"/>
+              </a:cxn>
+              <a:cxn ang="0">
+                <a:pos x="connsiteX9" y="connsiteY9"/>
+              </a:cxn>
+              <a:cxn ang="0">
+                <a:pos x="connsiteX10" y="connsiteY10"/>
+              </a:cxn>
+              <a:cxn ang="0">
+                <a:pos x="connsiteX11" y="connsiteY11"/>
+              </a:cxn>
+            </a:cxnLst>
+            <a:rect l="l" t="t" r="r" b="b"/>
+            <a:pathLst>
+              <a:path w="3255095" h="18288" fill="none" extrusionOk="0">
+                <a:moveTo>
+                  <a:pt x="0" y="0"/>
+                </a:moveTo>
+                <a:cubicBezTo>
+                  <a:pt x="240201" y="-22123"/>
+                  <a:pt x="462021" y="-19623"/>
+                  <a:pt x="618468" y="0"/>
+                </a:cubicBezTo>
+                <a:cubicBezTo>
+                  <a:pt x="774915" y="19623"/>
+                  <a:pt x="974734" y="2035"/>
+                  <a:pt x="1269487" y="0"/>
+                </a:cubicBezTo>
+                <a:cubicBezTo>
+                  <a:pt x="1564240" y="-2035"/>
+                  <a:pt x="1733579" y="10639"/>
+                  <a:pt x="1953057" y="0"/>
+                </a:cubicBezTo>
+                <a:cubicBezTo>
+                  <a:pt x="2172535" y="-10639"/>
+                  <a:pt x="2453962" y="14018"/>
+                  <a:pt x="2636627" y="0"/>
+                </a:cubicBezTo>
+                <a:cubicBezTo>
+                  <a:pt x="2819292" y="-14018"/>
+                  <a:pt x="3121375" y="5399"/>
+                  <a:pt x="3255095" y="0"/>
+                </a:cubicBezTo>
+                <a:cubicBezTo>
+                  <a:pt x="3254386" y="8157"/>
+                  <a:pt x="3254682" y="12125"/>
+                  <a:pt x="3255095" y="18288"/>
+                </a:cubicBezTo>
+                <a:cubicBezTo>
+                  <a:pt x="3088545" y="23203"/>
+                  <a:pt x="2687475" y="7419"/>
+                  <a:pt x="2538974" y="18288"/>
+                </a:cubicBezTo>
+                <a:cubicBezTo>
+                  <a:pt x="2390473" y="29157"/>
+                  <a:pt x="2137381" y="-8959"/>
+                  <a:pt x="1822853" y="18288"/>
+                </a:cubicBezTo>
+                <a:cubicBezTo>
+                  <a:pt x="1508325" y="45535"/>
+                  <a:pt x="1466437" y="20385"/>
+                  <a:pt x="1171834" y="18288"/>
+                </a:cubicBezTo>
+                <a:cubicBezTo>
+                  <a:pt x="877231" y="16191"/>
+                  <a:pt x="561097" y="37643"/>
+                  <a:pt x="0" y="18288"/>
+                </a:cubicBezTo>
+                <a:cubicBezTo>
+                  <a:pt x="-46" y="12483"/>
+                  <a:pt x="-203" y="6491"/>
+                  <a:pt x="0" y="0"/>
+                </a:cubicBezTo>
+                <a:close/>
+              </a:path>
+              <a:path w="3255095" h="18288" stroke="0" extrusionOk="0">
+                <a:moveTo>
+                  <a:pt x="0" y="0"/>
+                </a:moveTo>
+                <a:cubicBezTo>
+                  <a:pt x="291965" y="19429"/>
+                  <a:pt x="363155" y="8568"/>
+                  <a:pt x="618468" y="0"/>
+                </a:cubicBezTo>
+                <a:cubicBezTo>
+                  <a:pt x="873781" y="-8568"/>
+                  <a:pt x="904459" y="-19505"/>
+                  <a:pt x="1171834" y="0"/>
+                </a:cubicBezTo>
+                <a:cubicBezTo>
+                  <a:pt x="1439209" y="19505"/>
+                  <a:pt x="1744369" y="9790"/>
+                  <a:pt x="1887955" y="0"/>
+                </a:cubicBezTo>
+                <a:cubicBezTo>
+                  <a:pt x="2031541" y="-9790"/>
+                  <a:pt x="2346378" y="21240"/>
+                  <a:pt x="2506423" y="0"/>
+                </a:cubicBezTo>
+                <a:cubicBezTo>
+                  <a:pt x="2666468" y="-21240"/>
+                  <a:pt x="2990257" y="30414"/>
+                  <a:pt x="3255095" y="0"/>
+                </a:cubicBezTo>
+                <a:cubicBezTo>
+                  <a:pt x="3254831" y="4493"/>
+                  <a:pt x="3255479" y="9472"/>
+                  <a:pt x="3255095" y="18288"/>
+                </a:cubicBezTo>
+                <a:cubicBezTo>
+                  <a:pt x="3120743" y="16690"/>
+                  <a:pt x="2759628" y="42462"/>
+                  <a:pt x="2604076" y="18288"/>
+                </a:cubicBezTo>
+                <a:cubicBezTo>
+                  <a:pt x="2448524" y="-5886"/>
+                  <a:pt x="2184336" y="19599"/>
+                  <a:pt x="1887955" y="18288"/>
+                </a:cubicBezTo>
+                <a:cubicBezTo>
+                  <a:pt x="1591574" y="16977"/>
+                  <a:pt x="1548845" y="6870"/>
+                  <a:pt x="1334589" y="18288"/>
+                </a:cubicBezTo>
+                <a:cubicBezTo>
+                  <a:pt x="1120333" y="29706"/>
+                  <a:pt x="996014" y="9662"/>
+                  <a:pt x="683570" y="18288"/>
+                </a:cubicBezTo>
+                <a:cubicBezTo>
+                  <a:pt x="371126" y="26914"/>
+                  <a:pt x="198687" y="16167"/>
+                  <a:pt x="0" y="18288"/>
+                </a:cubicBezTo>
+                <a:cubicBezTo>
+                  <a:pt x="843" y="9577"/>
+                  <a:pt x="371" y="6900"/>
+                  <a:pt x="0" y="0"/>
+                </a:cubicBezTo>
+                <a:close/>
+              </a:path>
+            </a:pathLst>
+          </a:custGeom>
+          <a:solidFill>
+            <a:schemeClr val="accent2"/>
+          </a:solidFill>
+          <a:ln w="38100" cap="rnd">
+            <a:solidFill>
+              <a:schemeClr val="accent2"/>
+            </a:solidFill>
+            <a:round/>
+            <a:extLst>
+              <a:ext uri="{C807C97D-BFC1-408E-A445-0C87EB9F89A2}">
+                <ask:lineSketchStyleProps xmlns:ask="http://schemas.microsoft.com/office/drawing/2018/sketchyshapes" sd="1219033472">
+                  <a:prstGeom prst="rect">
+                    <a:avLst/>
+                  </a:prstGeom>
+                  <ask:type>
+                    <ask:lineSketchFreehand/>
+                  </ask:type>
+                </ask:lineSketchStyleProps>
+              </a:ext>
+            </a:extLst>
+          </a:ln>
+        </p:spPr>
+        <p:style>
+          <a:lnRef idx="2">
+            <a:schemeClr val="accent1">
+              <a:shade val="50000"/>
+            </a:schemeClr>
+          </a:lnRef>
+          <a:fillRef idx="1">
+            <a:schemeClr val="accent1"/>
+          </a:fillRef>
+          <a:effectRef idx="0">
+            <a:schemeClr val="accent1"/>
+          </a:effectRef>
+          <a:fontRef idx="minor">
+            <a:schemeClr val="lt1"/>
+          </a:fontRef>
+        </p:style>
+        <p:txBody>
+          <a:bodyPr rtlCol="0" anchor="ctr"/>
+          <a:lstStyle/>
+          <a:p>
+            <a:pPr algn="ctr"/>
+            <a:endParaRPr lang="en-US"/>
+          </a:p>
+        </p:txBody>
+      </p:sp>
+      <p:sp>
+        <p:nvSpPr>
+          <p:cNvPr id="3" name="Content Placeholder 2">
+            <a:extLst>
+              <a:ext uri="{FF2B5EF4-FFF2-40B4-BE49-F238E27FC236}">
+                <a16:creationId xmlns:a16="http://schemas.microsoft.com/office/drawing/2014/main" id="{EDF6A4C5-C07F-2840-EA7A-7F83FD767A95}"/>
+              </a:ext>
+            </a:extLst>
+          </p:cNvPr>
+          <p:cNvSpPr>
+            <a:spLocks noGrp="1"/>
+          </p:cNvSpPr>
+          <p:nvPr>
+            <p:ph idx="1"/>
+          </p:nvPr>
+        </p:nvSpPr>
+        <p:spPr>
+          <a:xfrm>
+            <a:off x="630936" y="2660904"/>
+            <a:ext cx="4916020" cy="3673162"/>
+          </a:xfrm>
+        </p:spPr>
+        <p:txBody>
+          <a:bodyPr anchor="t">
+            <a:noAutofit/>
+          </a:bodyPr>
+          <a:lstStyle/>
+          <a:p>
+            <a:r>
+              <a:rPr lang="en-CH" sz="1600" dirty="0"/>
+              <a:t>Same Enhanced networking -&gt; bypass virtualization layer</a:t>
+            </a:r>
+          </a:p>
+          <a:p>
+            <a:r>
+              <a:rPr lang="en-CH" sz="1600" b="1" dirty="0"/>
+              <a:t>Maximum of 100 Gbps But..</a:t>
+            </a:r>
+          </a:p>
+          <a:p>
+            <a:pPr lvl="1"/>
+            <a:r>
+              <a:rPr lang="en-CH" sz="1600" dirty="0"/>
+              <a:t>It is not bandwidth per flow ( flow == connection between two machines (source ip, destination ip, source port, destination port, protocol)</a:t>
+            </a:r>
+          </a:p>
+          <a:p>
+            <a:pPr lvl="1"/>
+            <a:r>
+              <a:rPr lang="en-CH" sz="1600" dirty="0"/>
+              <a:t>To archive it, you need to use multiple parallel connections between machines</a:t>
+            </a:r>
+          </a:p>
+          <a:p>
+            <a:pPr lvl="1"/>
+            <a:r>
+              <a:rPr lang="en-GB" sz="1600" dirty="0"/>
+              <a:t>S</a:t>
+            </a:r>
+            <a:r>
+              <a:rPr lang="en-CH" sz="1600" dirty="0"/>
+              <a:t>ingle flow = 10 Gbps maximum only if machines are part of Cluster Placement Group</a:t>
+            </a:r>
+          </a:p>
+          <a:p>
+            <a:pPr lvl="1"/>
+            <a:r>
+              <a:rPr lang="en-CH" sz="1600" dirty="0"/>
+              <a:t>If not than maximum is 5 Gpbs</a:t>
+            </a:r>
+          </a:p>
+          <a:p>
+            <a:pPr lvl="1"/>
+            <a:r>
+              <a:rPr lang="en-CH" sz="1600" dirty="0"/>
+              <a:t>If you want to have 100 Gbps -&gt; use Multiple Flow -&gt; means multiple parallel connections.</a:t>
+            </a:r>
+          </a:p>
+          <a:p>
+            <a:endParaRPr lang="en-CH" sz="1600" dirty="0"/>
+          </a:p>
+        </p:txBody>
+      </p:sp>
+      <p:pic>
+        <p:nvPicPr>
+          <p:cNvPr id="4" name="Picture 3" descr="A screenshot of a computer&#10;&#10;Description automatically generated">
+            <a:extLst>
+              <a:ext uri="{FF2B5EF4-FFF2-40B4-BE49-F238E27FC236}">
+                <a16:creationId xmlns:a16="http://schemas.microsoft.com/office/drawing/2014/main" id="{EE2A2310-E965-2EEA-AB17-AA209021B1E3}"/>
+              </a:ext>
+            </a:extLst>
+          </p:cNvPr>
+          <p:cNvPicPr>
+            <a:picLocks noChangeAspect="1"/>
+          </p:cNvPicPr>
+          <p:nvPr/>
+        </p:nvPicPr>
+        <p:blipFill>
+          <a:blip r:embed="rId2"/>
+          <a:stretch>
+            <a:fillRect/>
+          </a:stretch>
+        </p:blipFill>
+        <p:spPr>
+          <a:xfrm>
+            <a:off x="6099048" y="2473680"/>
+            <a:ext cx="5458968" cy="1910639"/>
+          </a:xfrm>
+          <a:prstGeom prst="rect">
+            <a:avLst/>
+          </a:prstGeom>
+        </p:spPr>
+      </p:pic>
+    </p:spTree>
+    <p:extLst>
+      <p:ext uri="{BB962C8B-B14F-4D97-AF65-F5344CB8AC3E}">
+        <p14:creationId xmlns:p14="http://schemas.microsoft.com/office/powerpoint/2010/main" val="1562781511"/>
+      </p:ext>
+    </p:extLst>
+  </p:cSld>
+  <p:clrMapOvr>
+    <a:masterClrMapping/>
+  </p:clrMapOvr>
+</p:sld>
+</file>
+
+<file path=ppt/slides/slide7.xml><?xml version="1.0" encoding="utf-8"?>
+<p:sld xmlns:a="http://schemas.openxmlformats.org/drawingml/2006/main" xmlns:r="http://schemas.openxmlformats.org/officeDocument/2006/relationships" xmlns:p="http://schemas.openxmlformats.org/presentationml/2006/main">
+  <p:cSld>
+    <p:bg>
+      <p:bgPr>
+        <a:solidFill>
+          <a:schemeClr val="bg1"/>
+        </a:solidFill>
+        <a:effectLst/>
+      </p:bgPr>
+    </p:bg>
+    <p:spTree>
+      <p:nvGrpSpPr>
+        <p:cNvPr id="1" name="Shape 630"/>
+        <p:cNvGrpSpPr/>
+        <p:nvPr/>
+      </p:nvGrpSpPr>
+      <p:grpSpPr>
+        <a:xfrm>
+          <a:off x="0" y="0"/>
+          <a:ext cx="0" cy="0"/>
+          <a:chOff x="0" y="0"/>
+          <a:chExt cx="0" cy="0"/>
+        </a:xfrm>
+      </p:grpSpPr>
+      <p:sp useBgFill="1">
+        <p:nvSpPr>
+          <p:cNvPr id="638" name="Rectangle 637">
+            <a:extLst>
+              <a:ext uri="{FF2B5EF4-FFF2-40B4-BE49-F238E27FC236}">
+                <a16:creationId xmlns:a16="http://schemas.microsoft.com/office/drawing/2014/main" id="{743AA782-23D1-4521-8CAD-47662984AA08}"/>
+              </a:ext>
+              <a:ext uri="{C183D7F6-B498-43B3-948B-1728B52AA6E4}">
+                <adec:decorative xmlns:adec="http://schemas.microsoft.com/office/drawing/2017/decorative" val="1"/>
+              </a:ext>
+            </a:extLst>
+          </p:cNvPr>
+          <p:cNvSpPr>
+            <a:spLocks noGrp="1" noRot="1" noChangeAspect="1" noMove="1" noResize="1" noEditPoints="1" noAdjustHandles="1" noChangeArrowheads="1" noChangeShapeType="1" noTextEdit="1"/>
+          </p:cNvSpPr>
+          <p:nvPr>
+            <p:extLst>
+              <p:ext uri="{386F3935-93C4-4BCD-93E2-E3B085C9AB24}">
+                <p16:designElem xmlns:p16="http://schemas.microsoft.com/office/powerpoint/2015/main" val="1"/>
+              </p:ext>
+            </p:extLst>
+          </p:nvPr>
+        </p:nvSpPr>
+        <p:spPr>
+          <a:xfrm>
+            <a:off x="0" y="0"/>
+            <a:ext cx="12192000" cy="6858000"/>
+          </a:xfrm>
+          <a:prstGeom prst="rect">
+            <a:avLst/>
+          </a:prstGeom>
+          <a:ln>
+            <a:noFill/>
+          </a:ln>
+        </p:spPr>
+        <p:style>
+          <a:lnRef idx="2">
+            <a:schemeClr val="accent1">
+              <a:shade val="50000"/>
+            </a:schemeClr>
+          </a:lnRef>
+          <a:fillRef idx="1">
+            <a:schemeClr val="accent1"/>
+          </a:fillRef>
+          <a:effectRef idx="0">
+            <a:schemeClr val="accent1"/>
+          </a:effectRef>
+          <a:fontRef idx="minor">
+            <a:schemeClr val="lt1"/>
+          </a:fontRef>
+        </p:style>
+        <p:txBody>
+          <a:bodyPr rtlCol="0" anchor="ctr"/>
+          <a:lstStyle/>
+          <a:p>
+            <a:pPr algn="ctr"/>
+            <a:endParaRPr lang="en-US"/>
+          </a:p>
+        </p:txBody>
+      </p:sp>
+      <p:sp>
+        <p:nvSpPr>
+          <p:cNvPr id="631" name="Google Shape;631;p102"/>
           <p:cNvSpPr txBox="1">
             <a:spLocks noGrp="1"/>
           </p:cNvSpPr>
@@ -5426,564 +9223,295 @@
           </a:prstGeom>
         </p:spPr>
         <p:txBody>
-          <a:bodyPr spcFirstLastPara="1" vert="horz" lIns="121920" tIns="60960" rIns="121920" bIns="60960" rtlCol="0" anchor="b" anchorCtr="0">
+          <a:bodyPr spcFirstLastPara="1" vert="horz" lIns="91440" tIns="45720" rIns="91440" bIns="45720" rtlCol="0" anchor="b" anchorCtr="0">
             <a:normAutofit/>
           </a:bodyPr>
           <a:lstStyle/>
           <a:p>
-            <a:pPr defTabSz="1219170"/>
-            <a:r>
-              <a:rPr lang="en-US" sz="5467"/>
-              <a:t>ENI Use Cases</a:t>
+            <a:r>
+              <a:rPr lang="en-US" sz="5400" kern="1200">
+                <a:solidFill>
+                  <a:schemeClr val="tx1"/>
+                </a:solidFill>
+                <a:latin typeface="+mj-lt"/>
+                <a:ea typeface="+mj-ea"/>
+                <a:cs typeface="+mj-cs"/>
+              </a:rPr>
+              <a:t>ENA</a:t>
             </a:r>
           </a:p>
         </p:txBody>
       </p:sp>
       <p:sp>
         <p:nvSpPr>
-          <p:cNvPr id="612" name="Google Shape;612;p99"/>
-          <p:cNvSpPr txBox="1">
-            <a:spLocks noGrp="1"/>
+          <p:cNvPr id="640" name="sketch line">
+            <a:extLst>
+              <a:ext uri="{FF2B5EF4-FFF2-40B4-BE49-F238E27FC236}">
+                <a16:creationId xmlns:a16="http://schemas.microsoft.com/office/drawing/2014/main" id="{71877DBC-BB60-40F0-AC93-2ACDBAAE60CE}"/>
+              </a:ext>
+              <a:ext uri="{C183D7F6-B498-43B3-948B-1728B52AA6E4}">
+                <adec:decorative xmlns:adec="http://schemas.microsoft.com/office/drawing/2017/decorative" val="1"/>
+              </a:ext>
+            </a:extLst>
+          </p:cNvPr>
+          <p:cNvSpPr>
+            <a:spLocks noGrp="1" noRot="1" noChangeAspect="1" noMove="1" noResize="1" noEditPoints="1" noAdjustHandles="1" noChangeArrowheads="1" noChangeShapeType="1" noTextEdit="1"/>
           </p:cNvSpPr>
           <p:nvPr>
-            <p:ph sz="half" idx="1"/>
+            <p:extLst>
+              <p:ext uri="{386F3935-93C4-4BCD-93E2-E3B085C9AB24}">
+                <p16:designElem xmlns:p16="http://schemas.microsoft.com/office/powerpoint/2015/main" val="1"/>
+              </p:ext>
+            </p:extLst>
           </p:nvPr>
         </p:nvSpPr>
         <p:spPr>
           <a:xfrm>
-            <a:off x="630936" y="2660904"/>
-            <a:ext cx="4818888" cy="3547872"/>
+            <a:off x="643278" y="2372868"/>
+            <a:ext cx="3255095" cy="18288"/>
           </a:xfrm>
-          <a:prstGeom prst="rect">
+          <a:custGeom>
             <a:avLst/>
-          </a:prstGeom>
+            <a:gdLst>
+              <a:gd name="connsiteX0" fmla="*/ 0 w 3255095"/>
+              <a:gd name="connsiteY0" fmla="*/ 0 h 18288"/>
+              <a:gd name="connsiteX1" fmla="*/ 618468 w 3255095"/>
+              <a:gd name="connsiteY1" fmla="*/ 0 h 18288"/>
+              <a:gd name="connsiteX2" fmla="*/ 1269487 w 3255095"/>
+              <a:gd name="connsiteY2" fmla="*/ 0 h 18288"/>
+              <a:gd name="connsiteX3" fmla="*/ 1953057 w 3255095"/>
+              <a:gd name="connsiteY3" fmla="*/ 0 h 18288"/>
+              <a:gd name="connsiteX4" fmla="*/ 2636627 w 3255095"/>
+              <a:gd name="connsiteY4" fmla="*/ 0 h 18288"/>
+              <a:gd name="connsiteX5" fmla="*/ 3255095 w 3255095"/>
+              <a:gd name="connsiteY5" fmla="*/ 0 h 18288"/>
+              <a:gd name="connsiteX6" fmla="*/ 3255095 w 3255095"/>
+              <a:gd name="connsiteY6" fmla="*/ 18288 h 18288"/>
+              <a:gd name="connsiteX7" fmla="*/ 2538974 w 3255095"/>
+              <a:gd name="connsiteY7" fmla="*/ 18288 h 18288"/>
+              <a:gd name="connsiteX8" fmla="*/ 1822853 w 3255095"/>
+              <a:gd name="connsiteY8" fmla="*/ 18288 h 18288"/>
+              <a:gd name="connsiteX9" fmla="*/ 1171834 w 3255095"/>
+              <a:gd name="connsiteY9" fmla="*/ 18288 h 18288"/>
+              <a:gd name="connsiteX10" fmla="*/ 0 w 3255095"/>
+              <a:gd name="connsiteY10" fmla="*/ 18288 h 18288"/>
+              <a:gd name="connsiteX11" fmla="*/ 0 w 3255095"/>
+              <a:gd name="connsiteY11" fmla="*/ 0 h 18288"/>
+            </a:gdLst>
+            <a:ahLst/>
+            <a:cxnLst>
+              <a:cxn ang="0">
+                <a:pos x="connsiteX0" y="connsiteY0"/>
+              </a:cxn>
+              <a:cxn ang="0">
+                <a:pos x="connsiteX1" y="connsiteY1"/>
+              </a:cxn>
+              <a:cxn ang="0">
+                <a:pos x="connsiteX2" y="connsiteY2"/>
+              </a:cxn>
+              <a:cxn ang="0">
+                <a:pos x="connsiteX3" y="connsiteY3"/>
+              </a:cxn>
+              <a:cxn ang="0">
+                <a:pos x="connsiteX4" y="connsiteY4"/>
+              </a:cxn>
+              <a:cxn ang="0">
+                <a:pos x="connsiteX5" y="connsiteY5"/>
+              </a:cxn>
+              <a:cxn ang="0">
+                <a:pos x="connsiteX6" y="connsiteY6"/>
+              </a:cxn>
+              <a:cxn ang="0">
+                <a:pos x="connsiteX7" y="connsiteY7"/>
+              </a:cxn>
+              <a:cxn ang="0">
+                <a:pos x="connsiteX8" y="connsiteY8"/>
+              </a:cxn>
+              <a:cxn ang="0">
+                <a:pos x="connsiteX9" y="connsiteY9"/>
+              </a:cxn>
+              <a:cxn ang="0">
+                <a:pos x="connsiteX10" y="connsiteY10"/>
+              </a:cxn>
+              <a:cxn ang="0">
+                <a:pos x="connsiteX11" y="connsiteY11"/>
+              </a:cxn>
+            </a:cxnLst>
+            <a:rect l="l" t="t" r="r" b="b"/>
+            <a:pathLst>
+              <a:path w="3255095" h="18288" fill="none" extrusionOk="0">
+                <a:moveTo>
+                  <a:pt x="0" y="0"/>
+                </a:moveTo>
+                <a:cubicBezTo>
+                  <a:pt x="240201" y="-22123"/>
+                  <a:pt x="462021" y="-19623"/>
+                  <a:pt x="618468" y="0"/>
+                </a:cubicBezTo>
+                <a:cubicBezTo>
+                  <a:pt x="774915" y="19623"/>
+                  <a:pt x="974734" y="2035"/>
+                  <a:pt x="1269487" y="0"/>
+                </a:cubicBezTo>
+                <a:cubicBezTo>
+                  <a:pt x="1564240" y="-2035"/>
+                  <a:pt x="1733579" y="10639"/>
+                  <a:pt x="1953057" y="0"/>
+                </a:cubicBezTo>
+                <a:cubicBezTo>
+                  <a:pt x="2172535" y="-10639"/>
+                  <a:pt x="2453962" y="14018"/>
+                  <a:pt x="2636627" y="0"/>
+                </a:cubicBezTo>
+                <a:cubicBezTo>
+                  <a:pt x="2819292" y="-14018"/>
+                  <a:pt x="3121375" y="5399"/>
+                  <a:pt x="3255095" y="0"/>
+                </a:cubicBezTo>
+                <a:cubicBezTo>
+                  <a:pt x="3254386" y="8157"/>
+                  <a:pt x="3254682" y="12125"/>
+                  <a:pt x="3255095" y="18288"/>
+                </a:cubicBezTo>
+                <a:cubicBezTo>
+                  <a:pt x="3088545" y="23203"/>
+                  <a:pt x="2687475" y="7419"/>
+                  <a:pt x="2538974" y="18288"/>
+                </a:cubicBezTo>
+                <a:cubicBezTo>
+                  <a:pt x="2390473" y="29157"/>
+                  <a:pt x="2137381" y="-8959"/>
+                  <a:pt x="1822853" y="18288"/>
+                </a:cubicBezTo>
+                <a:cubicBezTo>
+                  <a:pt x="1508325" y="45535"/>
+                  <a:pt x="1466437" y="20385"/>
+                  <a:pt x="1171834" y="18288"/>
+                </a:cubicBezTo>
+                <a:cubicBezTo>
+                  <a:pt x="877231" y="16191"/>
+                  <a:pt x="561097" y="37643"/>
+                  <a:pt x="0" y="18288"/>
+                </a:cubicBezTo>
+                <a:cubicBezTo>
+                  <a:pt x="-46" y="12483"/>
+                  <a:pt x="-203" y="6491"/>
+                  <a:pt x="0" y="0"/>
+                </a:cubicBezTo>
+                <a:close/>
+              </a:path>
+              <a:path w="3255095" h="18288" stroke="0" extrusionOk="0">
+                <a:moveTo>
+                  <a:pt x="0" y="0"/>
+                </a:moveTo>
+                <a:cubicBezTo>
+                  <a:pt x="291965" y="19429"/>
+                  <a:pt x="363155" y="8568"/>
+                  <a:pt x="618468" y="0"/>
+                </a:cubicBezTo>
+                <a:cubicBezTo>
+                  <a:pt x="873781" y="-8568"/>
+                  <a:pt x="904459" y="-19505"/>
+                  <a:pt x="1171834" y="0"/>
+                </a:cubicBezTo>
+                <a:cubicBezTo>
+                  <a:pt x="1439209" y="19505"/>
+                  <a:pt x="1744369" y="9790"/>
+                  <a:pt x="1887955" y="0"/>
+                </a:cubicBezTo>
+                <a:cubicBezTo>
+                  <a:pt x="2031541" y="-9790"/>
+                  <a:pt x="2346378" y="21240"/>
+                  <a:pt x="2506423" y="0"/>
+                </a:cubicBezTo>
+                <a:cubicBezTo>
+                  <a:pt x="2666468" y="-21240"/>
+                  <a:pt x="2990257" y="30414"/>
+                  <a:pt x="3255095" y="0"/>
+                </a:cubicBezTo>
+                <a:cubicBezTo>
+                  <a:pt x="3254831" y="4493"/>
+                  <a:pt x="3255479" y="9472"/>
+                  <a:pt x="3255095" y="18288"/>
+                </a:cubicBezTo>
+                <a:cubicBezTo>
+                  <a:pt x="3120743" y="16690"/>
+                  <a:pt x="2759628" y="42462"/>
+                  <a:pt x="2604076" y="18288"/>
+                </a:cubicBezTo>
+                <a:cubicBezTo>
+                  <a:pt x="2448524" y="-5886"/>
+                  <a:pt x="2184336" y="19599"/>
+                  <a:pt x="1887955" y="18288"/>
+                </a:cubicBezTo>
+                <a:cubicBezTo>
+                  <a:pt x="1591574" y="16977"/>
+                  <a:pt x="1548845" y="6870"/>
+                  <a:pt x="1334589" y="18288"/>
+                </a:cubicBezTo>
+                <a:cubicBezTo>
+                  <a:pt x="1120333" y="29706"/>
+                  <a:pt x="996014" y="9662"/>
+                  <a:pt x="683570" y="18288"/>
+                </a:cubicBezTo>
+                <a:cubicBezTo>
+                  <a:pt x="371126" y="26914"/>
+                  <a:pt x="198687" y="16167"/>
+                  <a:pt x="0" y="18288"/>
+                </a:cubicBezTo>
+                <a:cubicBezTo>
+                  <a:pt x="843" y="9577"/>
+                  <a:pt x="371" y="6900"/>
+                  <a:pt x="0" y="0"/>
+                </a:cubicBezTo>
+                <a:close/>
+              </a:path>
+            </a:pathLst>
+          </a:custGeom>
+          <a:solidFill>
+            <a:schemeClr val="accent2"/>
+          </a:solidFill>
+          <a:ln w="38100" cap="rnd">
+            <a:solidFill>
+              <a:schemeClr val="accent2"/>
+            </a:solidFill>
+            <a:round/>
+            <a:extLst>
+              <a:ext uri="{C807C97D-BFC1-408E-A445-0C87EB9F89A2}">
+                <ask:lineSketchStyleProps xmlns:ask="http://schemas.microsoft.com/office/drawing/2018/sketchyshapes" sd="1219033472">
+                  <a:prstGeom prst="rect">
+                    <a:avLst/>
+                  </a:prstGeom>
+                  <ask:type>
+                    <ask:lineSketchFreehand/>
+                  </ask:type>
+                </ask:lineSketchStyleProps>
+              </a:ext>
+            </a:extLst>
+          </a:ln>
         </p:spPr>
+        <p:style>
+          <a:lnRef idx="2">
+            <a:schemeClr val="accent1">
+              <a:shade val="50000"/>
+            </a:schemeClr>
+          </a:lnRef>
+          <a:fillRef idx="1">
+            <a:schemeClr val="accent1"/>
+          </a:fillRef>
+          <a:effectRef idx="0">
+            <a:schemeClr val="accent1"/>
+          </a:effectRef>
+          <a:fontRef idx="minor">
+            <a:schemeClr val="lt1"/>
+          </a:fontRef>
+        </p:style>
         <p:txBody>
-          <a:bodyPr spcFirstLastPara="1" vert="horz" lIns="121920" tIns="60960" rIns="121920" bIns="60960" rtlCol="0" anchor="t" anchorCtr="0">
-            <a:normAutofit/>
-          </a:bodyPr>
+          <a:bodyPr rtlCol="0" anchor="ctr"/>
           <a:lstStyle/>
           <a:p>
-            <a:pPr marL="0" indent="-304792" defTabSz="1219170">
-              <a:spcBef>
-                <a:spcPts val="1067"/>
-              </a:spcBef>
-            </a:pPr>
-            <a:r>
-              <a:rPr lang="en-US" sz="1867" dirty="0">
-                <a:sym typeface="Arial"/>
-              </a:rPr>
-              <a:t>A common use case for ENIs is the creation of management networks.</a:t>
-            </a:r>
-          </a:p>
-          <a:p>
-            <a:pPr marL="0" indent="-304792" defTabSz="1219170">
-              <a:spcBef>
-                <a:spcPts val="1600"/>
-              </a:spcBef>
-              <a:spcAft>
-                <a:spcPts val="1600"/>
-              </a:spcAft>
-            </a:pPr>
-            <a:r>
-              <a:rPr lang="en-US" sz="1867" dirty="0">
-                <a:sym typeface="Arial"/>
-              </a:rPr>
-              <a:t>This allows you to have public-facing applications like web servers in a public subnet but lock down SSH access down to a private subnet on a secondary network interface.</a:t>
-            </a:r>
-          </a:p>
-        </p:txBody>
-      </p:sp>
-      <p:pic>
-        <p:nvPicPr>
-          <p:cNvPr id="613" name="Google Shape;613;p99"/>
-          <p:cNvPicPr preferRelativeResize="0"/>
-          <p:nvPr/>
-        </p:nvPicPr>
-        <p:blipFill>
-          <a:blip r:embed="rId3"/>
-          <a:stretch>
-            <a:fillRect/>
-          </a:stretch>
-        </p:blipFill>
-        <p:spPr>
-          <a:xfrm>
-            <a:off x="6099048" y="1224943"/>
-            <a:ext cx="5458968" cy="4408115"/>
-          </a:xfrm>
-          <a:prstGeom prst="rect">
-            <a:avLst/>
-          </a:prstGeom>
-          <a:noFill/>
-        </p:spPr>
-      </p:pic>
-    </p:spTree>
-  </p:cSld>
-  <p:clrMapOvr>
-    <a:masterClrMapping/>
-  </p:clrMapOvr>
-</p:sld>
-</file>
-
-<file path=ppt/slides/slide4.xml><?xml version="1.0" encoding="utf-8"?>
-<p:sld xmlns:a="http://schemas.openxmlformats.org/drawingml/2006/main" xmlns:r="http://schemas.openxmlformats.org/officeDocument/2006/relationships" xmlns:p="http://schemas.openxmlformats.org/presentationml/2006/main">
-  <p:cSld>
-    <p:spTree>
-      <p:nvGrpSpPr>
-        <p:cNvPr id="1" name="Shape 617"/>
-        <p:cNvGrpSpPr/>
-        <p:nvPr/>
-      </p:nvGrpSpPr>
-      <p:grpSpPr>
-        <a:xfrm>
-          <a:off x="0" y="0"/>
-          <a:ext cx="0" cy="0"/>
-          <a:chOff x="0" y="0"/>
-          <a:chExt cx="0" cy="0"/>
-        </a:xfrm>
-      </p:grpSpPr>
-      <p:sp>
-        <p:nvSpPr>
-          <p:cNvPr id="618" name="Google Shape;618;p100"/>
-          <p:cNvSpPr txBox="1">
-            <a:spLocks noGrp="1"/>
-          </p:cNvSpPr>
-          <p:nvPr>
-            <p:ph type="title"/>
-          </p:nvPr>
-        </p:nvSpPr>
-        <p:spPr>
-          <a:xfrm>
-            <a:off x="630936" y="640080"/>
-            <a:ext cx="4818888" cy="1481328"/>
-          </a:xfrm>
-          <a:prstGeom prst="rect">
-            <a:avLst/>
-          </a:prstGeom>
-        </p:spPr>
-        <p:txBody>
-          <a:bodyPr spcFirstLastPara="1" vert="horz" lIns="121920" tIns="60960" rIns="121920" bIns="60960" rtlCol="0" anchor="b" anchorCtr="0">
-            <a:normAutofit/>
-          </a:bodyPr>
-          <a:lstStyle/>
-          <a:p>
-            <a:pPr defTabSz="1219170"/>
-            <a:r>
-              <a:rPr lang="en-US" sz="5467"/>
-              <a:t>ENI Use Cases</a:t>
-            </a:r>
-          </a:p>
-        </p:txBody>
-      </p:sp>
-      <p:sp>
-        <p:nvSpPr>
-          <p:cNvPr id="619" name="Google Shape;619;p100"/>
-          <p:cNvSpPr txBox="1">
-            <a:spLocks noGrp="1"/>
-          </p:cNvSpPr>
-          <p:nvPr>
-            <p:ph sz="half" idx="1"/>
-          </p:nvPr>
-        </p:nvSpPr>
-        <p:spPr>
-          <a:xfrm>
-            <a:off x="630936" y="2660904"/>
-            <a:ext cx="4818888" cy="3547872"/>
-          </a:xfrm>
-          <a:prstGeom prst="rect">
-            <a:avLst/>
-          </a:prstGeom>
-        </p:spPr>
-        <p:txBody>
-          <a:bodyPr spcFirstLastPara="1" vert="horz" lIns="121920" tIns="60960" rIns="121920" bIns="60960" rtlCol="0" anchor="t" anchorCtr="0">
-            <a:normAutofit/>
-          </a:bodyPr>
-          <a:lstStyle/>
-          <a:p>
-            <a:pPr marL="0" indent="-304792" defTabSz="1219170">
-              <a:spcBef>
-                <a:spcPts val="1067"/>
-              </a:spcBef>
-            </a:pPr>
-            <a:r>
-              <a:rPr lang="en-US" sz="1867" dirty="0">
-                <a:sym typeface="Arial"/>
-              </a:rPr>
-              <a:t>ENIs are also often used as the primary network interfaces for Docker containers launched on ECS using </a:t>
-            </a:r>
-            <a:r>
-              <a:rPr lang="en-US" sz="1867" dirty="0" err="1">
-                <a:sym typeface="Arial"/>
-              </a:rPr>
-              <a:t>Fargate</a:t>
-            </a:r>
-            <a:r>
-              <a:rPr lang="en-US" sz="1867" dirty="0">
-                <a:sym typeface="Arial"/>
-              </a:rPr>
-              <a:t>. </a:t>
-            </a:r>
-          </a:p>
-          <a:p>
-            <a:pPr marL="0" indent="-304792" defTabSz="1219170">
-              <a:spcBef>
-                <a:spcPts val="1600"/>
-              </a:spcBef>
-              <a:spcAft>
-                <a:spcPts val="1600"/>
-              </a:spcAft>
-            </a:pPr>
-            <a:r>
-              <a:rPr lang="en-US" sz="1867" dirty="0">
-                <a:sym typeface="Arial"/>
-              </a:rPr>
-              <a:t>This allows </a:t>
-            </a:r>
-            <a:r>
-              <a:rPr lang="en-US" sz="1867" dirty="0" err="1">
-                <a:sym typeface="Arial"/>
-              </a:rPr>
-              <a:t>Fargate</a:t>
-            </a:r>
-            <a:r>
-              <a:rPr lang="en-US" sz="1867" dirty="0">
-                <a:sym typeface="Arial"/>
-              </a:rPr>
-              <a:t> tasks to handle complex networking, set firewalls in place using security groups, and be launched into private subnets.</a:t>
-            </a:r>
-          </a:p>
-        </p:txBody>
-      </p:sp>
-      <p:pic>
-        <p:nvPicPr>
-          <p:cNvPr id="620" name="Google Shape;620;p100"/>
-          <p:cNvPicPr preferRelativeResize="0"/>
-          <p:nvPr/>
-        </p:nvPicPr>
-        <p:blipFill>
-          <a:blip r:embed="rId3"/>
-          <a:stretch>
-            <a:fillRect/>
-          </a:stretch>
-        </p:blipFill>
-        <p:spPr>
-          <a:xfrm>
-            <a:off x="6099048" y="1955079"/>
-            <a:ext cx="5458968" cy="2947843"/>
-          </a:xfrm>
-          <a:prstGeom prst="rect">
-            <a:avLst/>
-          </a:prstGeom>
-          <a:noFill/>
-        </p:spPr>
-      </p:pic>
-    </p:spTree>
-  </p:cSld>
-  <p:clrMapOvr>
-    <a:masterClrMapping/>
-  </p:clrMapOvr>
-</p:sld>
-</file>
-
-<file path=ppt/slides/slide5.xml><?xml version="1.0" encoding="utf-8"?>
-<p:sld xmlns:a="http://schemas.openxmlformats.org/drawingml/2006/main" xmlns:r="http://schemas.openxmlformats.org/officeDocument/2006/relationships" xmlns:p="http://schemas.openxmlformats.org/presentationml/2006/main">
-  <p:cSld>
-    <p:spTree>
-      <p:nvGrpSpPr>
-        <p:cNvPr id="1" name="Shape 624"/>
-        <p:cNvGrpSpPr/>
-        <p:nvPr/>
-      </p:nvGrpSpPr>
-      <p:grpSpPr>
-        <a:xfrm>
-          <a:off x="0" y="0"/>
-          <a:ext cx="0" cy="0"/>
-          <a:chOff x="0" y="0"/>
-          <a:chExt cx="0" cy="0"/>
-        </a:xfrm>
-      </p:grpSpPr>
-      <p:sp>
-        <p:nvSpPr>
-          <p:cNvPr id="625" name="Google Shape;625;p101"/>
-          <p:cNvSpPr txBox="1">
-            <a:spLocks noGrp="1"/>
-          </p:cNvSpPr>
-          <p:nvPr>
-            <p:ph type="title"/>
-          </p:nvPr>
-        </p:nvSpPr>
-        <p:spPr>
-          <a:xfrm>
-            <a:off x="1115568" y="548640"/>
-            <a:ext cx="10168128" cy="1179576"/>
-          </a:xfrm>
-          <a:prstGeom prst="rect">
-            <a:avLst/>
-          </a:prstGeom>
-        </p:spPr>
-        <p:txBody>
-          <a:bodyPr spcFirstLastPara="1" vert="horz" lIns="121920" tIns="60960" rIns="121920" bIns="60960" rtlCol="0" anchor="ctr" anchorCtr="0">
-            <a:normAutofit/>
-          </a:bodyPr>
-          <a:lstStyle/>
-          <a:p>
-            <a:pPr defTabSz="1219170">
-              <a:spcAft>
-                <a:spcPts val="1600"/>
-              </a:spcAft>
-              <a:buClr>
-                <a:schemeClr val="dk1"/>
-              </a:buClr>
-              <a:buSzPts val="1100"/>
-            </a:pPr>
-            <a:r>
-              <a:rPr lang="en-US" sz="4000" b="1">
-                <a:sym typeface="Arial"/>
-              </a:rPr>
-              <a:t>Enhanced Networking</a:t>
-            </a:r>
-            <a:endParaRPr lang="en-US" sz="4000"/>
-          </a:p>
-        </p:txBody>
-      </p:sp>
-      <p:sp>
-        <p:nvSpPr>
-          <p:cNvPr id="626" name="Google Shape;626;p101"/>
-          <p:cNvSpPr txBox="1">
-            <a:spLocks noGrp="1"/>
-          </p:cNvSpPr>
-          <p:nvPr>
-            <p:ph sz="half" idx="1"/>
-          </p:nvPr>
-        </p:nvSpPr>
-        <p:spPr>
-          <a:xfrm>
-            <a:off x="1115568" y="2276857"/>
-            <a:ext cx="10168128" cy="3900107"/>
-          </a:xfrm>
-          <a:prstGeom prst="rect">
-            <a:avLst/>
-          </a:prstGeom>
-        </p:spPr>
-        <p:txBody>
-          <a:bodyPr spcFirstLastPara="1" vert="horz" lIns="121920" tIns="60960" rIns="121920" bIns="60960" rtlCol="0" anchorCtr="0">
-            <a:normAutofit/>
-          </a:bodyPr>
-          <a:lstStyle/>
-          <a:p>
-            <a:pPr marL="0" indent="-304792" defTabSz="1219170">
-              <a:spcBef>
-                <a:spcPts val="1067"/>
-              </a:spcBef>
-            </a:pPr>
-            <a:r>
-              <a:rPr lang="en-US" sz="1467" dirty="0">
-                <a:sym typeface="Arial"/>
-              </a:rPr>
-              <a:t>Enhanced networking uses Single Root I/O virtualization (SR-IOV) to provide high network capabilities. </a:t>
-            </a:r>
-          </a:p>
-          <a:p>
-            <a:pPr marL="0" indent="-304792" defTabSz="1219170">
-              <a:spcBef>
-                <a:spcPts val="1600"/>
-              </a:spcBef>
-            </a:pPr>
-            <a:r>
-              <a:rPr lang="en-US" sz="1467" dirty="0">
-                <a:sym typeface="Arial"/>
-              </a:rPr>
-              <a:t>Usually, ec2 sends traffic via Xen hypervisor.</a:t>
-            </a:r>
-          </a:p>
-          <a:p>
-            <a:pPr marL="0" indent="-304792" defTabSz="1219170">
-              <a:spcBef>
-                <a:spcPts val="1600"/>
-              </a:spcBef>
-            </a:pPr>
-            <a:r>
-              <a:rPr lang="en-US" sz="1467" dirty="0">
-                <a:sym typeface="Arial"/>
-              </a:rPr>
-              <a:t>With enhanced networking it “owns” it own network interface, which means it can send </a:t>
-            </a:r>
-            <a:r>
-              <a:rPr lang="en-US" sz="1467" dirty="0" err="1">
-                <a:sym typeface="Arial"/>
-              </a:rPr>
-              <a:t>traffik</a:t>
-            </a:r>
-            <a:r>
-              <a:rPr lang="en-US" sz="1467" dirty="0">
-                <a:sym typeface="Arial"/>
-              </a:rPr>
-              <a:t> without using Hen hypervisor</a:t>
-            </a:r>
-          </a:p>
-          <a:p>
-            <a:pPr marL="0" indent="-304792" defTabSz="1219170">
-              <a:spcBef>
-                <a:spcPts val="1600"/>
-              </a:spcBef>
-            </a:pPr>
-            <a:endParaRPr lang="en-US" sz="1467" dirty="0">
-              <a:sym typeface="Arial"/>
-            </a:endParaRPr>
-          </a:p>
-          <a:p>
-            <a:pPr marL="0" indent="-304792" defTabSz="1219170">
-              <a:spcBef>
-                <a:spcPts val="1600"/>
-              </a:spcBef>
-            </a:pPr>
-            <a:r>
-              <a:rPr lang="en-US" sz="1467" dirty="0">
-                <a:sym typeface="Arial"/>
-              </a:rPr>
-              <a:t>Benefits:</a:t>
-            </a:r>
-          </a:p>
-          <a:p>
-            <a:pPr marL="609585" indent="-304792" defTabSz="1219170">
-              <a:spcBef>
-                <a:spcPts val="1600"/>
-              </a:spcBef>
-              <a:buSzPts val="1200"/>
-            </a:pPr>
-            <a:r>
-              <a:rPr lang="en-US" sz="1467" dirty="0">
-                <a:sym typeface="Arial"/>
-              </a:rPr>
-              <a:t>Higher bandwidth</a:t>
-            </a:r>
-          </a:p>
-          <a:p>
-            <a:pPr marL="609585" indent="-304792" defTabSz="1219170">
-              <a:spcBef>
-                <a:spcPts val="0"/>
-              </a:spcBef>
-              <a:buSzPts val="1200"/>
-            </a:pPr>
-            <a:r>
-              <a:rPr lang="en-US" sz="1467" dirty="0">
-                <a:sym typeface="Arial"/>
-              </a:rPr>
-              <a:t>Higher PSS performance (packet per second)</a:t>
-            </a:r>
-          </a:p>
-          <a:p>
-            <a:pPr marL="609585" indent="-304792" defTabSz="1219170">
-              <a:spcBef>
-                <a:spcPts val="0"/>
-              </a:spcBef>
-              <a:buSzPts val="1200"/>
-            </a:pPr>
-            <a:r>
-              <a:rPr lang="en-US" sz="1467" dirty="0">
-                <a:sym typeface="Arial"/>
-              </a:rPr>
-              <a:t>Lower inter-instance latency</a:t>
-            </a:r>
-          </a:p>
-          <a:p>
-            <a:pPr marL="609585" indent="-304792" defTabSz="1219170">
-              <a:spcBef>
-                <a:spcPts val="0"/>
-              </a:spcBef>
-              <a:buSzPts val="1200"/>
-            </a:pPr>
-            <a:r>
-              <a:rPr lang="en-US" sz="1467" dirty="0">
-                <a:sym typeface="Arial"/>
-              </a:rPr>
-              <a:t>Around 8% gain in throughput</a:t>
-            </a:r>
-          </a:p>
-          <a:p>
-            <a:pPr marL="0" indent="-304792" defTabSz="1219170">
-              <a:spcBef>
-                <a:spcPts val="1600"/>
-              </a:spcBef>
-            </a:pPr>
-            <a:r>
-              <a:rPr lang="en-US" sz="1467" dirty="0">
-                <a:sym typeface="Arial"/>
-              </a:rPr>
-              <a:t>Requirements:</a:t>
-            </a:r>
-          </a:p>
-          <a:p>
-            <a:pPr marL="609585" indent="-304792" defTabSz="1219170">
-              <a:spcBef>
-                <a:spcPts val="1600"/>
-              </a:spcBef>
-              <a:buSzPts val="1200"/>
-            </a:pPr>
-            <a:r>
-              <a:rPr lang="en-US" sz="1467" dirty="0">
-                <a:sym typeface="Arial"/>
-              </a:rPr>
-              <a:t>Instance with Intel 82599 VF Interface</a:t>
-            </a:r>
-          </a:p>
-        </p:txBody>
-      </p:sp>
-    </p:spTree>
-  </p:cSld>
-  <p:clrMapOvr>
-    <a:masterClrMapping/>
-  </p:clrMapOvr>
-</p:sld>
-</file>
-
-<file path=ppt/slides/slide6.xml><?xml version="1.0" encoding="utf-8"?>
-<p:sld xmlns:a="http://schemas.openxmlformats.org/drawingml/2006/main" xmlns:r="http://schemas.openxmlformats.org/officeDocument/2006/relationships" xmlns:p="http://schemas.openxmlformats.org/presentationml/2006/main">
-  <p:cSld>
-    <p:spTree>
-      <p:nvGrpSpPr>
-        <p:cNvPr id="1" name="Shape 630"/>
-        <p:cNvGrpSpPr/>
-        <p:nvPr/>
-      </p:nvGrpSpPr>
-      <p:grpSpPr>
-        <a:xfrm>
-          <a:off x="0" y="0"/>
-          <a:ext cx="0" cy="0"/>
-          <a:chOff x="0" y="0"/>
-          <a:chExt cx="0" cy="0"/>
-        </a:xfrm>
-      </p:grpSpPr>
-      <p:sp>
-        <p:nvSpPr>
-          <p:cNvPr id="631" name="Google Shape;631;p102"/>
-          <p:cNvSpPr txBox="1">
-            <a:spLocks noGrp="1"/>
-          </p:cNvSpPr>
-          <p:nvPr>
-            <p:ph type="title"/>
-          </p:nvPr>
-        </p:nvSpPr>
-        <p:spPr>
-          <a:xfrm>
-            <a:off x="630936" y="639520"/>
-            <a:ext cx="3429000" cy="1719072"/>
-          </a:xfrm>
-          <a:prstGeom prst="rect">
-            <a:avLst/>
-          </a:prstGeom>
-        </p:spPr>
-        <p:txBody>
-          <a:bodyPr spcFirstLastPara="1" vert="horz" lIns="121920" tIns="60960" rIns="121920" bIns="60960" rtlCol="0" anchor="b" anchorCtr="0">
-            <a:normAutofit/>
-          </a:bodyPr>
-          <a:lstStyle/>
-          <a:p>
-            <a:pPr defTabSz="1219170"/>
-            <a:r>
-              <a:rPr lang="en-US" sz="5467"/>
-              <a:t>ENA</a:t>
-            </a:r>
+            <a:pPr algn="ctr"/>
+            <a:endParaRPr lang="en-US"/>
           </a:p>
         </p:txBody>
       </p:sp>
@@ -5999,108 +9527,108 @@
         </p:nvSpPr>
         <p:spPr>
           <a:xfrm>
-            <a:off x="630936" y="2807208"/>
-            <a:ext cx="4023360" cy="3655152"/>
+            <a:off x="630936" y="2660903"/>
+            <a:ext cx="5115856" cy="3860888"/>
           </a:xfrm>
           <a:prstGeom prst="rect">
             <a:avLst/>
           </a:prstGeom>
         </p:spPr>
         <p:txBody>
-          <a:bodyPr spcFirstLastPara="1" vert="horz" lIns="121920" tIns="60960" rIns="121920" bIns="60960" rtlCol="0" anchor="t" anchorCtr="0">
-            <a:normAutofit fontScale="92500" lnSpcReduction="10000"/>
+          <a:bodyPr spcFirstLastPara="1" vert="horz" lIns="91440" tIns="45720" rIns="91440" bIns="45720" rtlCol="0" anchor="t" anchorCtr="0">
+            <a:noAutofit/>
           </a:bodyPr>
           <a:lstStyle/>
           <a:p>
-            <a:pPr marL="0" indent="-304792" defTabSz="1219170">
+            <a:pPr marL="0">
               <a:spcBef>
                 <a:spcPts val="1067"/>
               </a:spcBef>
             </a:pPr>
             <a:r>
-              <a:rPr lang="en-US" sz="1333" dirty="0">
+              <a:rPr lang="en-US" sz="1200" dirty="0">
                 <a:sym typeface="Arial"/>
               </a:rPr>
               <a:t>The Elastic Network Adapter (ENA) is designed to provide </a:t>
             </a:r>
             <a:r>
-              <a:rPr lang="en-US" sz="1333" b="1" u="sng" dirty="0">
+              <a:rPr lang="en-US" sz="1200" b="1" u="sng" dirty="0">
                 <a:sym typeface="Arial"/>
               </a:rPr>
               <a:t>Enhanced Networking</a:t>
             </a:r>
             <a:r>
-              <a:rPr lang="en-US" sz="1333" dirty="0">
+              <a:rPr lang="en-US" sz="1200" dirty="0">
                 <a:sym typeface="Arial"/>
               </a:rPr>
               <a:t> to your EC2 instances.</a:t>
             </a:r>
           </a:p>
           <a:p>
-            <a:pPr marL="0" indent="-304792" defTabSz="1219170">
+            <a:pPr marL="0">
               <a:spcBef>
                 <a:spcPts val="1600"/>
               </a:spcBef>
             </a:pPr>
             <a:r>
-              <a:rPr lang="en-US" sz="1333" dirty="0">
+              <a:rPr lang="en-US" sz="1200" dirty="0">
                 <a:sym typeface="Arial"/>
               </a:rPr>
               <a:t>With ENA, you can expect high throughput and packet per second (</a:t>
             </a:r>
             <a:r>
-              <a:rPr lang="en-US" sz="1333" b="1" dirty="0">
+              <a:rPr lang="en-US" sz="1200" b="1" dirty="0">
                 <a:sym typeface="Arial"/>
               </a:rPr>
               <a:t>PPS</a:t>
             </a:r>
             <a:r>
-              <a:rPr lang="en-US" sz="1333" dirty="0">
+              <a:rPr lang="en-US" sz="1200" dirty="0">
                 <a:sym typeface="Arial"/>
               </a:rPr>
               <a:t>) performance, as well as consistently low latencies on Amazon EC2 instances. </a:t>
             </a:r>
           </a:p>
           <a:p>
-            <a:pPr marL="0" indent="-304792" defTabSz="1219170">
+            <a:pPr marL="0">
               <a:spcBef>
                 <a:spcPts val="1600"/>
               </a:spcBef>
             </a:pPr>
             <a:r>
-              <a:rPr lang="en-US" sz="1333" dirty="0">
+              <a:rPr lang="en-US" sz="1200" dirty="0">
                 <a:sym typeface="Arial"/>
               </a:rPr>
               <a:t>Using ENA, you can utilize </a:t>
             </a:r>
             <a:r>
-              <a:rPr lang="en-US" sz="1333" b="1" dirty="0">
+              <a:rPr lang="en-US" sz="1200" b="1" dirty="0">
                 <a:sym typeface="Arial"/>
               </a:rPr>
-              <a:t>up to 20 Gbps of network</a:t>
-            </a:r>
-            <a:r>
-              <a:rPr lang="en-US" sz="1333" dirty="0">
+              <a:t>up to 100 Gbps of network</a:t>
+            </a:r>
+            <a:r>
+              <a:rPr lang="en-US" sz="1200" dirty="0">
                 <a:sym typeface="Arial"/>
               </a:rPr>
               <a:t> bandwidth on certain EC2 instance types – massively improving your networking throughput compared to other EC2 instances, or on premises machines. </a:t>
             </a:r>
           </a:p>
           <a:p>
-            <a:pPr marL="0" indent="-304792" defTabSz="1219170">
+            <a:pPr marL="0">
               <a:spcBef>
                 <a:spcPts val="1600"/>
               </a:spcBef>
             </a:pPr>
             <a:r>
-              <a:rPr lang="en-US" sz="1333" dirty="0">
+              <a:rPr lang="en-US" sz="1200" dirty="0">
                 <a:sym typeface="Arial"/>
               </a:rPr>
               <a:t>In the above diagram we see that sorting and queue assignment happens at networking device and VM directly get the message. </a:t>
             </a:r>
           </a:p>
           <a:p>
-            <a:pPr marL="0" indent="-304792" defTabSz="1219170">
+            <a:pPr marL="0">
               <a:spcBef>
                 <a:spcPts val="1600"/>
               </a:spcBef>
@@ -6109,11 +9637,36 @@
               </a:spcAft>
             </a:pPr>
             <a:r>
-              <a:rPr lang="en-US" sz="1333" dirty="0">
+              <a:rPr lang="en-US" sz="1200" dirty="0">
                 <a:sym typeface="Arial"/>
               </a:rPr>
               <a:t>There is no hypervisor switch involved in this. Also all VMs process packets from their own dedicated queue in parallel.</a:t>
             </a:r>
+          </a:p>
+          <a:p>
+            <a:pPr marL="0">
+              <a:spcBef>
+                <a:spcPts val="300"/>
+              </a:spcBef>
+              <a:spcAft>
+                <a:spcPts val="300"/>
+              </a:spcAft>
+            </a:pPr>
+            <a:r>
+              <a:rPr lang="en-GB" sz="1200" b="1" i="0" dirty="0">
+                <a:effectLst/>
+              </a:rPr>
+              <a:t>Jumbo Frames</a:t>
+            </a:r>
+            <a:r>
+              <a:rPr lang="en-GB" sz="1200" b="0" i="0" dirty="0">
+                <a:effectLst/>
+              </a:rPr>
+              <a:t>: ENAs support jumbo frames (MTU of 9001 bytes), which are larger than the standard Ethernet frame size, to improve network efficiency for large data packet</a:t>
+            </a:r>
+            <a:endParaRPr lang="en-US" sz="1200" dirty="0">
+              <a:sym typeface="Arial"/>
+            </a:endParaRPr>
           </a:p>
         </p:txBody>
       </p:sp>
@@ -6131,8 +9684,8 @@
         </p:blipFill>
         <p:spPr>
           <a:xfrm>
-            <a:off x="4654296" y="1055847"/>
-            <a:ext cx="6903720" cy="4746307"/>
+            <a:off x="6099048" y="1552480"/>
+            <a:ext cx="5458968" cy="3753040"/>
           </a:xfrm>
           <a:prstGeom prst="rect">
             <a:avLst/>
@@ -6148,9 +9701,17 @@
 </p:sld>
 </file>
 
-<file path=ppt/slides/slide7.xml><?xml version="1.0" encoding="utf-8"?>
+<file path=ppt/slides/slide8.xml><?xml version="1.0" encoding="utf-8"?>
 <p:sld xmlns:a="http://schemas.openxmlformats.org/drawingml/2006/main" xmlns:r="http://schemas.openxmlformats.org/officeDocument/2006/relationships" xmlns:p="http://schemas.openxmlformats.org/presentationml/2006/main">
   <p:cSld>
+    <p:bg>
+      <p:bgPr>
+        <a:solidFill>
+          <a:schemeClr val="bg1"/>
+        </a:solidFill>
+        <a:effectLst/>
+      </p:bgPr>
+    </p:bg>
     <p:spTree>
       <p:nvGrpSpPr>
         <p:cNvPr id="1" name="Shape 637"/>
@@ -6165,6 +9726,66 @@
           <a:chExt cx="0" cy="0"/>
         </a:xfrm>
       </p:grpSpPr>
+      <p:sp useBgFill="1">
+        <p:nvSpPr>
+          <p:cNvPr id="645" name="Rectangle 644">
+            <a:extLst>
+              <a:ext uri="{FF2B5EF4-FFF2-40B4-BE49-F238E27FC236}">
+                <a16:creationId xmlns:a16="http://schemas.microsoft.com/office/drawing/2014/main" id="{743AA782-23D1-4521-8CAD-47662984AA08}"/>
+              </a:ext>
+              <a:ext uri="{C183D7F6-B498-43B3-948B-1728B52AA6E4}">
+                <adec:decorative xmlns:adec="http://schemas.microsoft.com/office/drawing/2017/decorative" val="1"/>
+              </a:ext>
+            </a:extLst>
+          </p:cNvPr>
+          <p:cNvSpPr>
+            <a:spLocks noGrp="1" noRot="1" noChangeAspect="1" noMove="1" noResize="1" noEditPoints="1" noAdjustHandles="1" noChangeArrowheads="1" noChangeShapeType="1" noTextEdit="1"/>
+          </p:cNvSpPr>
+          <p:nvPr>
+            <p:extLst>
+              <p:ext uri="{386F3935-93C4-4BCD-93E2-E3B085C9AB24}">
+                <p16:designElem xmlns:p16="http://schemas.microsoft.com/office/powerpoint/2015/main" val="1"/>
+              </p:ext>
+            </p:extLst>
+          </p:nvPr>
+        </p:nvSpPr>
+        <p:spPr>
+          <a:xfrm>
+            <a:off x="0" y="0"/>
+            <a:ext cx="12192000" cy="6858000"/>
+          </a:xfrm>
+          <a:prstGeom prst="rect">
+            <a:avLst/>
+          </a:prstGeom>
+          <a:ln>
+            <a:noFill/>
+          </a:ln>
+        </p:spPr>
+        <p:style>
+          <a:lnRef idx="2">
+            <a:schemeClr val="accent1">
+              <a:shade val="50000"/>
+            </a:schemeClr>
+          </a:lnRef>
+          <a:fillRef idx="1">
+            <a:schemeClr val="accent1"/>
+          </a:fillRef>
+          <a:effectRef idx="0">
+            <a:schemeClr val="accent1"/>
+          </a:effectRef>
+          <a:fontRef idx="minor">
+            <a:schemeClr val="lt1"/>
+          </a:fontRef>
+        </p:style>
+        <p:txBody>
+          <a:bodyPr rtlCol="0" anchor="ctr"/>
+          <a:lstStyle/>
+          <a:p>
+            <a:pPr algn="ctr"/>
+            <a:endParaRPr lang="en-US"/>
+          </a:p>
+        </p:txBody>
+      </p:sp>
       <p:sp>
         <p:nvSpPr>
           <p:cNvPr id="638" name="Google Shape;638;p103"/>
@@ -6185,16 +9806,295 @@
           </a:prstGeom>
         </p:spPr>
         <p:txBody>
-          <a:bodyPr spcFirstLastPara="1" vert="horz" lIns="121920" tIns="60960" rIns="121920" bIns="60960" rtlCol="0" anchor="b" anchorCtr="0">
+          <a:bodyPr spcFirstLastPara="1" vert="horz" lIns="91440" tIns="45720" rIns="91440" bIns="45720" rtlCol="0" anchor="b" anchorCtr="0">
             <a:normAutofit/>
           </a:bodyPr>
           <a:lstStyle/>
           <a:p>
-            <a:pPr defTabSz="1219170"/>
-            <a:r>
-              <a:rPr lang="en-US" sz="5467"/>
+            <a:r>
+              <a:rPr lang="en-US" sz="5400" kern="1200">
+                <a:solidFill>
+                  <a:schemeClr val="tx1"/>
+                </a:solidFill>
+                <a:latin typeface="+mj-lt"/>
+                <a:ea typeface="+mj-ea"/>
+                <a:cs typeface="+mj-cs"/>
+              </a:rPr>
               <a:t>EFA</a:t>
             </a:r>
+          </a:p>
+        </p:txBody>
+      </p:sp>
+      <p:sp>
+        <p:nvSpPr>
+          <p:cNvPr id="647" name="sketch line">
+            <a:extLst>
+              <a:ext uri="{FF2B5EF4-FFF2-40B4-BE49-F238E27FC236}">
+                <a16:creationId xmlns:a16="http://schemas.microsoft.com/office/drawing/2014/main" id="{71877DBC-BB60-40F0-AC93-2ACDBAAE60CE}"/>
+              </a:ext>
+              <a:ext uri="{C183D7F6-B498-43B3-948B-1728B52AA6E4}">
+                <adec:decorative xmlns:adec="http://schemas.microsoft.com/office/drawing/2017/decorative" val="1"/>
+              </a:ext>
+            </a:extLst>
+          </p:cNvPr>
+          <p:cNvSpPr>
+            <a:spLocks noGrp="1" noRot="1" noChangeAspect="1" noMove="1" noResize="1" noEditPoints="1" noAdjustHandles="1" noChangeArrowheads="1" noChangeShapeType="1" noTextEdit="1"/>
+          </p:cNvSpPr>
+          <p:nvPr>
+            <p:extLst>
+              <p:ext uri="{386F3935-93C4-4BCD-93E2-E3B085C9AB24}">
+                <p16:designElem xmlns:p16="http://schemas.microsoft.com/office/powerpoint/2015/main" val="1"/>
+              </p:ext>
+            </p:extLst>
+          </p:nvPr>
+        </p:nvSpPr>
+        <p:spPr>
+          <a:xfrm>
+            <a:off x="643278" y="2372868"/>
+            <a:ext cx="3255095" cy="18288"/>
+          </a:xfrm>
+          <a:custGeom>
+            <a:avLst/>
+            <a:gdLst>
+              <a:gd name="connsiteX0" fmla="*/ 0 w 3255095"/>
+              <a:gd name="connsiteY0" fmla="*/ 0 h 18288"/>
+              <a:gd name="connsiteX1" fmla="*/ 618468 w 3255095"/>
+              <a:gd name="connsiteY1" fmla="*/ 0 h 18288"/>
+              <a:gd name="connsiteX2" fmla="*/ 1269487 w 3255095"/>
+              <a:gd name="connsiteY2" fmla="*/ 0 h 18288"/>
+              <a:gd name="connsiteX3" fmla="*/ 1953057 w 3255095"/>
+              <a:gd name="connsiteY3" fmla="*/ 0 h 18288"/>
+              <a:gd name="connsiteX4" fmla="*/ 2636627 w 3255095"/>
+              <a:gd name="connsiteY4" fmla="*/ 0 h 18288"/>
+              <a:gd name="connsiteX5" fmla="*/ 3255095 w 3255095"/>
+              <a:gd name="connsiteY5" fmla="*/ 0 h 18288"/>
+              <a:gd name="connsiteX6" fmla="*/ 3255095 w 3255095"/>
+              <a:gd name="connsiteY6" fmla="*/ 18288 h 18288"/>
+              <a:gd name="connsiteX7" fmla="*/ 2538974 w 3255095"/>
+              <a:gd name="connsiteY7" fmla="*/ 18288 h 18288"/>
+              <a:gd name="connsiteX8" fmla="*/ 1822853 w 3255095"/>
+              <a:gd name="connsiteY8" fmla="*/ 18288 h 18288"/>
+              <a:gd name="connsiteX9" fmla="*/ 1171834 w 3255095"/>
+              <a:gd name="connsiteY9" fmla="*/ 18288 h 18288"/>
+              <a:gd name="connsiteX10" fmla="*/ 0 w 3255095"/>
+              <a:gd name="connsiteY10" fmla="*/ 18288 h 18288"/>
+              <a:gd name="connsiteX11" fmla="*/ 0 w 3255095"/>
+              <a:gd name="connsiteY11" fmla="*/ 0 h 18288"/>
+            </a:gdLst>
+            <a:ahLst/>
+            <a:cxnLst>
+              <a:cxn ang="0">
+                <a:pos x="connsiteX0" y="connsiteY0"/>
+              </a:cxn>
+              <a:cxn ang="0">
+                <a:pos x="connsiteX1" y="connsiteY1"/>
+              </a:cxn>
+              <a:cxn ang="0">
+                <a:pos x="connsiteX2" y="connsiteY2"/>
+              </a:cxn>
+              <a:cxn ang="0">
+                <a:pos x="connsiteX3" y="connsiteY3"/>
+              </a:cxn>
+              <a:cxn ang="0">
+                <a:pos x="connsiteX4" y="connsiteY4"/>
+              </a:cxn>
+              <a:cxn ang="0">
+                <a:pos x="connsiteX5" y="connsiteY5"/>
+              </a:cxn>
+              <a:cxn ang="0">
+                <a:pos x="connsiteX6" y="connsiteY6"/>
+              </a:cxn>
+              <a:cxn ang="0">
+                <a:pos x="connsiteX7" y="connsiteY7"/>
+              </a:cxn>
+              <a:cxn ang="0">
+                <a:pos x="connsiteX8" y="connsiteY8"/>
+              </a:cxn>
+              <a:cxn ang="0">
+                <a:pos x="connsiteX9" y="connsiteY9"/>
+              </a:cxn>
+              <a:cxn ang="0">
+                <a:pos x="connsiteX10" y="connsiteY10"/>
+              </a:cxn>
+              <a:cxn ang="0">
+                <a:pos x="connsiteX11" y="connsiteY11"/>
+              </a:cxn>
+            </a:cxnLst>
+            <a:rect l="l" t="t" r="r" b="b"/>
+            <a:pathLst>
+              <a:path w="3255095" h="18288" fill="none" extrusionOk="0">
+                <a:moveTo>
+                  <a:pt x="0" y="0"/>
+                </a:moveTo>
+                <a:cubicBezTo>
+                  <a:pt x="240201" y="-22123"/>
+                  <a:pt x="462021" y="-19623"/>
+                  <a:pt x="618468" y="0"/>
+                </a:cubicBezTo>
+                <a:cubicBezTo>
+                  <a:pt x="774915" y="19623"/>
+                  <a:pt x="974734" y="2035"/>
+                  <a:pt x="1269487" y="0"/>
+                </a:cubicBezTo>
+                <a:cubicBezTo>
+                  <a:pt x="1564240" y="-2035"/>
+                  <a:pt x="1733579" y="10639"/>
+                  <a:pt x="1953057" y="0"/>
+                </a:cubicBezTo>
+                <a:cubicBezTo>
+                  <a:pt x="2172535" y="-10639"/>
+                  <a:pt x="2453962" y="14018"/>
+                  <a:pt x="2636627" y="0"/>
+                </a:cubicBezTo>
+                <a:cubicBezTo>
+                  <a:pt x="2819292" y="-14018"/>
+                  <a:pt x="3121375" y="5399"/>
+                  <a:pt x="3255095" y="0"/>
+                </a:cubicBezTo>
+                <a:cubicBezTo>
+                  <a:pt x="3254386" y="8157"/>
+                  <a:pt x="3254682" y="12125"/>
+                  <a:pt x="3255095" y="18288"/>
+                </a:cubicBezTo>
+                <a:cubicBezTo>
+                  <a:pt x="3088545" y="23203"/>
+                  <a:pt x="2687475" y="7419"/>
+                  <a:pt x="2538974" y="18288"/>
+                </a:cubicBezTo>
+                <a:cubicBezTo>
+                  <a:pt x="2390473" y="29157"/>
+                  <a:pt x="2137381" y="-8959"/>
+                  <a:pt x="1822853" y="18288"/>
+                </a:cubicBezTo>
+                <a:cubicBezTo>
+                  <a:pt x="1508325" y="45535"/>
+                  <a:pt x="1466437" y="20385"/>
+                  <a:pt x="1171834" y="18288"/>
+                </a:cubicBezTo>
+                <a:cubicBezTo>
+                  <a:pt x="877231" y="16191"/>
+                  <a:pt x="561097" y="37643"/>
+                  <a:pt x="0" y="18288"/>
+                </a:cubicBezTo>
+                <a:cubicBezTo>
+                  <a:pt x="-46" y="12483"/>
+                  <a:pt x="-203" y="6491"/>
+                  <a:pt x="0" y="0"/>
+                </a:cubicBezTo>
+                <a:close/>
+              </a:path>
+              <a:path w="3255095" h="18288" stroke="0" extrusionOk="0">
+                <a:moveTo>
+                  <a:pt x="0" y="0"/>
+                </a:moveTo>
+                <a:cubicBezTo>
+                  <a:pt x="291965" y="19429"/>
+                  <a:pt x="363155" y="8568"/>
+                  <a:pt x="618468" y="0"/>
+                </a:cubicBezTo>
+                <a:cubicBezTo>
+                  <a:pt x="873781" y="-8568"/>
+                  <a:pt x="904459" y="-19505"/>
+                  <a:pt x="1171834" y="0"/>
+                </a:cubicBezTo>
+                <a:cubicBezTo>
+                  <a:pt x="1439209" y="19505"/>
+                  <a:pt x="1744369" y="9790"/>
+                  <a:pt x="1887955" y="0"/>
+                </a:cubicBezTo>
+                <a:cubicBezTo>
+                  <a:pt x="2031541" y="-9790"/>
+                  <a:pt x="2346378" y="21240"/>
+                  <a:pt x="2506423" y="0"/>
+                </a:cubicBezTo>
+                <a:cubicBezTo>
+                  <a:pt x="2666468" y="-21240"/>
+                  <a:pt x="2990257" y="30414"/>
+                  <a:pt x="3255095" y="0"/>
+                </a:cubicBezTo>
+                <a:cubicBezTo>
+                  <a:pt x="3254831" y="4493"/>
+                  <a:pt x="3255479" y="9472"/>
+                  <a:pt x="3255095" y="18288"/>
+                </a:cubicBezTo>
+                <a:cubicBezTo>
+                  <a:pt x="3120743" y="16690"/>
+                  <a:pt x="2759628" y="42462"/>
+                  <a:pt x="2604076" y="18288"/>
+                </a:cubicBezTo>
+                <a:cubicBezTo>
+                  <a:pt x="2448524" y="-5886"/>
+                  <a:pt x="2184336" y="19599"/>
+                  <a:pt x="1887955" y="18288"/>
+                </a:cubicBezTo>
+                <a:cubicBezTo>
+                  <a:pt x="1591574" y="16977"/>
+                  <a:pt x="1548845" y="6870"/>
+                  <a:pt x="1334589" y="18288"/>
+                </a:cubicBezTo>
+                <a:cubicBezTo>
+                  <a:pt x="1120333" y="29706"/>
+                  <a:pt x="996014" y="9662"/>
+                  <a:pt x="683570" y="18288"/>
+                </a:cubicBezTo>
+                <a:cubicBezTo>
+                  <a:pt x="371126" y="26914"/>
+                  <a:pt x="198687" y="16167"/>
+                  <a:pt x="0" y="18288"/>
+                </a:cubicBezTo>
+                <a:cubicBezTo>
+                  <a:pt x="843" y="9577"/>
+                  <a:pt x="371" y="6900"/>
+                  <a:pt x="0" y="0"/>
+                </a:cubicBezTo>
+                <a:close/>
+              </a:path>
+            </a:pathLst>
+          </a:custGeom>
+          <a:solidFill>
+            <a:schemeClr val="accent2"/>
+          </a:solidFill>
+          <a:ln w="38100" cap="rnd">
+            <a:solidFill>
+              <a:schemeClr val="accent2"/>
+            </a:solidFill>
+            <a:round/>
+            <a:extLst>
+              <a:ext uri="{C807C97D-BFC1-408E-A445-0C87EB9F89A2}">
+                <ask:lineSketchStyleProps xmlns:ask="http://schemas.microsoft.com/office/drawing/2018/sketchyshapes" sd="1219033472">
+                  <a:prstGeom prst="rect">
+                    <a:avLst/>
+                  </a:prstGeom>
+                  <ask:type>
+                    <ask:lineSketchFreehand/>
+                  </ask:type>
+                </ask:lineSketchStyleProps>
+              </a:ext>
+            </a:extLst>
+          </a:ln>
+        </p:spPr>
+        <p:style>
+          <a:lnRef idx="2">
+            <a:schemeClr val="accent1">
+              <a:shade val="50000"/>
+            </a:schemeClr>
+          </a:lnRef>
+          <a:fillRef idx="1">
+            <a:schemeClr val="accent1"/>
+          </a:fillRef>
+          <a:effectRef idx="0">
+            <a:schemeClr val="accent1"/>
+          </a:effectRef>
+          <a:fontRef idx="minor">
+            <a:schemeClr val="lt1"/>
+          </a:fontRef>
+        </p:style>
+        <p:txBody>
+          <a:bodyPr rtlCol="0" anchor="ctr"/>
+          <a:lstStyle/>
+          <a:p>
+            <a:pPr algn="ctr"/>
+            <a:endParaRPr lang="en-US"/>
           </a:p>
         </p:txBody>
       </p:sp>
@@ -6218,72 +10118,17 @@
           </a:prstGeom>
         </p:spPr>
         <p:txBody>
-          <a:bodyPr spcFirstLastPara="1" vert="horz" lIns="121920" tIns="60960" rIns="121920" bIns="60960" rtlCol="0" anchor="t" anchorCtr="0">
+          <a:bodyPr spcFirstLastPara="1" vert="horz" lIns="91440" tIns="45720" rIns="91440" bIns="45720" rtlCol="0" anchor="t" anchorCtr="0">
             <a:normAutofit/>
           </a:bodyPr>
           <a:lstStyle/>
           <a:p>
-            <a:pPr marL="0" indent="-304792" defTabSz="1219170">
+            <a:pPr marL="0">
               <a:spcBef>
-                <a:spcPts val="1067"/>
-              </a:spcBef>
-              <a:buClr>
-                <a:schemeClr val="dk1"/>
-              </a:buClr>
-              <a:buSzPts val="1100"/>
-            </a:pPr>
-            <a:r>
-              <a:rPr lang="en-US" sz="1333" dirty="0">
-                <a:sym typeface="Arial"/>
-              </a:rPr>
-              <a:t>EFAs are Elastic Network Adapters (ENAs) with additional OS-bypass capabilities. </a:t>
-            </a:r>
-          </a:p>
-          <a:p>
-            <a:pPr marL="0" indent="-304792" defTabSz="1219170">
-              <a:spcBef>
-                <a:spcPts val="1600"/>
-              </a:spcBef>
-            </a:pPr>
-            <a:r>
-              <a:rPr lang="en-US" sz="1333" dirty="0">
-                <a:sym typeface="Arial"/>
-              </a:rPr>
-              <a:t>AWS Elastic Fabric Adapter (EFA) is a specialized network interface for Amazon EC2 instances that allows customers to run high levels of inter-instance communication, such as HPC applications on AWS at scale on. </a:t>
-            </a:r>
-          </a:p>
-          <a:p>
-            <a:pPr marL="0" indent="-304792" defTabSz="1219170">
-              <a:spcBef>
-                <a:spcPts val="1600"/>
-              </a:spcBef>
-            </a:pPr>
-            <a:r>
-              <a:rPr lang="en-US" sz="1333" dirty="0">
-                <a:sym typeface="Arial"/>
-              </a:rPr>
-              <a:t>AWS EFA is often used in conjunction with </a:t>
-            </a:r>
-            <a:r>
-              <a:rPr lang="en-US" sz="1333" b="1" dirty="0">
-                <a:sym typeface="Arial"/>
-              </a:rPr>
-              <a:t>Cluster placement groups</a:t>
-            </a:r>
-            <a:r>
-              <a:rPr lang="en-US" sz="1333" dirty="0">
-                <a:sym typeface="Arial"/>
-              </a:rPr>
-              <a:t> – which allow physical hosts to be placed much closer together within an AZ to decrease latency even more.</a:t>
-            </a:r>
-          </a:p>
-          <a:p>
-            <a:pPr marL="0" indent="-304792" defTabSz="1219170">
-              <a:spcBef>
-                <a:spcPts val="1600"/>
+                <a:spcPts val="300"/>
               </a:spcBef>
               <a:spcAft>
-                <a:spcPts val="1600"/>
+                <a:spcPts val="300"/>
               </a:spcAft>
               <a:buClr>
                 <a:schemeClr val="dk1"/>
@@ -6291,35 +10136,178 @@
               <a:buSzPts val="1100"/>
             </a:pPr>
             <a:r>
-              <a:rPr lang="en-US" sz="1333" dirty="0">
+              <a:rPr lang="en-US" sz="1400" dirty="0">
+                <a:sym typeface="Arial"/>
+              </a:rPr>
+              <a:t>EFAs are Elastic Network Adapters (ENAs) with additional OS-bypass capabilities. </a:t>
+            </a:r>
+            <a:endParaRPr lang="en-US" sz="1400">
+              <a:sym typeface="Arial"/>
+            </a:endParaRPr>
+          </a:p>
+          <a:p>
+            <a:pPr marL="0">
+              <a:spcBef>
+                <a:spcPts val="300"/>
+              </a:spcBef>
+              <a:spcAft>
+                <a:spcPts val="300"/>
+              </a:spcAft>
+            </a:pPr>
+            <a:r>
+              <a:rPr lang="en-US" sz="1400" dirty="0">
+                <a:sym typeface="Arial"/>
+              </a:rPr>
+              <a:t>AWS Elastic Fabric Adapter (EFA) is a specialized network interface for Amazon EC2 instances that allows customers to run high levels of inter-instance communication, such as HPC applications on AWS at scale on. </a:t>
+            </a:r>
+            <a:endParaRPr lang="en-US" sz="1400">
+              <a:sym typeface="Arial"/>
+            </a:endParaRPr>
+          </a:p>
+          <a:p>
+            <a:pPr marL="0">
+              <a:spcBef>
+                <a:spcPts val="300"/>
+              </a:spcBef>
+              <a:spcAft>
+                <a:spcPts val="300"/>
+              </a:spcAft>
+            </a:pPr>
+            <a:r>
+              <a:rPr lang="en-US" sz="1400" dirty="0">
+                <a:sym typeface="Arial"/>
+              </a:rPr>
+              <a:t>AWS EFA is often used in conjunction with </a:t>
+            </a:r>
+            <a:r>
+              <a:rPr lang="en-US" sz="1400" b="1" dirty="0">
+                <a:sym typeface="Arial"/>
+              </a:rPr>
+              <a:t>Cluster placement groups</a:t>
+            </a:r>
+            <a:r>
+              <a:rPr lang="en-US" sz="1400" dirty="0">
+                <a:sym typeface="Arial"/>
+              </a:rPr>
+              <a:t> – which allow physical hosts to be placed much closer together within an AZ to decrease latency even more.</a:t>
+            </a:r>
+            <a:endParaRPr lang="en-US" sz="1400">
+              <a:sym typeface="Arial"/>
+            </a:endParaRPr>
+          </a:p>
+          <a:p>
+            <a:pPr marL="0">
+              <a:spcBef>
+                <a:spcPts val="300"/>
+              </a:spcBef>
+              <a:spcAft>
+                <a:spcPts val="300"/>
+              </a:spcAft>
+              <a:buClr>
+                <a:schemeClr val="dk1"/>
+              </a:buClr>
+              <a:buSzPts val="1100"/>
+            </a:pPr>
+            <a:r>
+              <a:rPr lang="en-US" sz="1400" dirty="0">
                 <a:sym typeface="Arial"/>
               </a:rPr>
               <a:t>Due to </a:t>
             </a:r>
             <a:r>
-              <a:rPr lang="en-US" sz="1333" b="1" dirty="0">
+              <a:rPr lang="en-US" sz="1400" b="1" dirty="0">
                 <a:sym typeface="Arial"/>
               </a:rPr>
               <a:t>EFA’s support for </a:t>
             </a:r>
             <a:r>
-              <a:rPr lang="en-US" sz="1333" b="1" dirty="0" err="1">
+              <a:rPr lang="en-US" sz="1400" b="1">
                 <a:sym typeface="Arial"/>
               </a:rPr>
               <a:t>libfabric</a:t>
             </a:r>
             <a:r>
-              <a:rPr lang="en-US" sz="1333" b="1" dirty="0">
+              <a:rPr lang="en-US" sz="1400" b="1" dirty="0">
                 <a:sym typeface="Arial"/>
               </a:rPr>
               <a:t> APIs</a:t>
             </a:r>
             <a:r>
-              <a:rPr lang="en-US" sz="1333" dirty="0">
+              <a:rPr lang="en-US" sz="1400" dirty="0">
                 <a:sym typeface="Arial"/>
               </a:rPr>
               <a:t>, applications using a supported MPI library can be easily migrated to AWS without having to make any changes to their existing code. </a:t>
             </a:r>
+            <a:endParaRPr lang="en-US" sz="1400">
+              <a:sym typeface="Arial"/>
+            </a:endParaRPr>
+          </a:p>
+          <a:p>
+            <a:pPr marL="0">
+              <a:spcBef>
+                <a:spcPts val="300"/>
+              </a:spcBef>
+              <a:spcAft>
+                <a:spcPts val="300"/>
+              </a:spcAft>
+              <a:buClr>
+                <a:schemeClr val="dk1"/>
+              </a:buClr>
+              <a:buSzPts val="1100"/>
+            </a:pPr>
+            <a:r>
+              <a:rPr lang="en-US" sz="1400" dirty="0">
+                <a:sym typeface="Arial"/>
+              </a:rPr>
+              <a:t>Provides OS bypass functionality for Linux</a:t>
+            </a:r>
+            <a:endParaRPr lang="en-US" sz="1400">
+              <a:sym typeface="Arial"/>
+            </a:endParaRPr>
+          </a:p>
+          <a:p>
+            <a:pPr marL="0">
+              <a:spcBef>
+                <a:spcPts val="300"/>
+              </a:spcBef>
+              <a:spcAft>
+                <a:spcPts val="300"/>
+              </a:spcAft>
+              <a:buClr>
+                <a:schemeClr val="dk1"/>
+              </a:buClr>
+              <a:buSzPts val="1100"/>
+            </a:pPr>
+            <a:r>
+              <a:rPr lang="en-US" sz="1400" dirty="0">
+                <a:sym typeface="Arial"/>
+              </a:rPr>
+              <a:t>For windows instance it acts just as ENA</a:t>
+            </a:r>
+            <a:endParaRPr lang="en-US" sz="1400">
+              <a:sym typeface="Arial"/>
+            </a:endParaRPr>
+          </a:p>
+          <a:p>
+            <a:pPr marL="0">
+              <a:spcBef>
+                <a:spcPts val="300"/>
+              </a:spcBef>
+              <a:spcAft>
+                <a:spcPts val="300"/>
+              </a:spcAft>
+              <a:buClr>
+                <a:schemeClr val="dk1"/>
+              </a:buClr>
+              <a:buSzPts val="1100"/>
+            </a:pPr>
+            <a:r>
+              <a:rPr lang="en-US" sz="1400"/>
+              <a:t>c5n.18xlarge, p3dn.24xlarge</a:t>
+            </a:r>
+            <a:endParaRPr lang="en-US" sz="1400">
+              <a:sym typeface="Arial"/>
+            </a:endParaRPr>
           </a:p>
         </p:txBody>
       </p:sp>
@@ -6354,9 +10342,17 @@
 </p:sld>
 </file>
 
-<file path=ppt/slides/slide8.xml><?xml version="1.0" encoding="utf-8"?>
+<file path=ppt/slides/slide9.xml><?xml version="1.0" encoding="utf-8"?>
 <p:sld xmlns:a="http://schemas.openxmlformats.org/drawingml/2006/main" xmlns:r="http://schemas.openxmlformats.org/officeDocument/2006/relationships" xmlns:p="http://schemas.openxmlformats.org/presentationml/2006/main">
   <p:cSld>
+    <p:bg>
+      <p:bgPr>
+        <a:solidFill>
+          <a:schemeClr val="bg1"/>
+        </a:solidFill>
+        <a:effectLst/>
+      </p:bgPr>
+    </p:bg>
     <p:spTree>
       <p:nvGrpSpPr>
         <p:cNvPr id="1" name="Shape 644"/>
@@ -6371,6 +10367,66 @@
           <a:chExt cx="0" cy="0"/>
         </a:xfrm>
       </p:grpSpPr>
+      <p:sp useBgFill="1">
+        <p:nvSpPr>
+          <p:cNvPr id="651" name="Rectangle 650">
+            <a:extLst>
+              <a:ext uri="{FF2B5EF4-FFF2-40B4-BE49-F238E27FC236}">
+                <a16:creationId xmlns:a16="http://schemas.microsoft.com/office/drawing/2014/main" id="{100EDD19-6802-4EC3-95CE-CFFAB042CFD6}"/>
+              </a:ext>
+              <a:ext uri="{C183D7F6-B498-43B3-948B-1728B52AA6E4}">
+                <adec:decorative xmlns:adec="http://schemas.microsoft.com/office/drawing/2017/decorative" val="1"/>
+              </a:ext>
+            </a:extLst>
+          </p:cNvPr>
+          <p:cNvSpPr>
+            <a:spLocks noGrp="1" noRot="1" noChangeAspect="1" noMove="1" noResize="1" noEditPoints="1" noAdjustHandles="1" noChangeArrowheads="1" noChangeShapeType="1" noTextEdit="1"/>
+          </p:cNvSpPr>
+          <p:nvPr>
+            <p:extLst>
+              <p:ext uri="{386F3935-93C4-4BCD-93E2-E3B085C9AB24}">
+                <p16:designElem xmlns:p16="http://schemas.microsoft.com/office/powerpoint/2015/main" val="1"/>
+              </p:ext>
+            </p:extLst>
+          </p:nvPr>
+        </p:nvSpPr>
+        <p:spPr>
+          <a:xfrm>
+            <a:off x="0" y="0"/>
+            <a:ext cx="12188952" cy="6858000"/>
+          </a:xfrm>
+          <a:prstGeom prst="rect">
+            <a:avLst/>
+          </a:prstGeom>
+          <a:ln>
+            <a:noFill/>
+          </a:ln>
+        </p:spPr>
+        <p:style>
+          <a:lnRef idx="2">
+            <a:schemeClr val="accent1">
+              <a:shade val="50000"/>
+            </a:schemeClr>
+          </a:lnRef>
+          <a:fillRef idx="1">
+            <a:schemeClr val="accent1"/>
+          </a:fillRef>
+          <a:effectRef idx="0">
+            <a:schemeClr val="accent1"/>
+          </a:effectRef>
+          <a:fontRef idx="minor">
+            <a:schemeClr val="lt1"/>
+          </a:fontRef>
+        </p:style>
+        <p:txBody>
+          <a:bodyPr rtlCol="0" anchor="ctr"/>
+          <a:lstStyle/>
+          <a:p>
+            <a:pPr algn="ctr"/>
+            <a:endParaRPr lang="en-US"/>
+          </a:p>
+        </p:txBody>
+      </p:sp>
       <p:sp>
         <p:nvSpPr>
           <p:cNvPr id="645" name="Google Shape;645;p104"/>
@@ -6391,16 +10447,660 @@
           </a:prstGeom>
         </p:spPr>
         <p:txBody>
-          <a:bodyPr spcFirstLastPara="1" vert="horz" lIns="121920" tIns="60960" rIns="121920" bIns="60960" rtlCol="0" anchor="ctr" anchorCtr="0">
+          <a:bodyPr spcFirstLastPara="1" vert="horz" lIns="91440" tIns="45720" rIns="91440" bIns="45720" rtlCol="0" anchor="ctr" anchorCtr="0">
             <a:normAutofit/>
           </a:bodyPr>
           <a:lstStyle/>
           <a:p>
-            <a:pPr defTabSz="1219170"/>
-            <a:r>
-              <a:rPr lang="en-US" sz="5467"/>
+            <a:r>
+              <a:rPr lang="en-US" sz="5400" kern="1200">
+                <a:solidFill>
+                  <a:schemeClr val="tx1"/>
+                </a:solidFill>
+                <a:latin typeface="+mj-lt"/>
+                <a:ea typeface="+mj-ea"/>
+                <a:cs typeface="+mj-cs"/>
+              </a:rPr>
               <a:t>EFA Limitations</a:t>
             </a:r>
+          </a:p>
+        </p:txBody>
+      </p:sp>
+      <p:sp>
+        <p:nvSpPr>
+          <p:cNvPr id="653" name="sketch line">
+            <a:extLst>
+              <a:ext uri="{FF2B5EF4-FFF2-40B4-BE49-F238E27FC236}">
+                <a16:creationId xmlns:a16="http://schemas.microsoft.com/office/drawing/2014/main" id="{DB17E863-922E-4C26-BD64-E8FD41D28661}"/>
+              </a:ext>
+              <a:ext uri="{C183D7F6-B498-43B3-948B-1728B52AA6E4}">
+                <adec:decorative xmlns:adec="http://schemas.microsoft.com/office/drawing/2017/decorative" val="1"/>
+              </a:ext>
+            </a:extLst>
+          </p:cNvPr>
+          <p:cNvSpPr>
+            <a:spLocks noGrp="1" noRot="1" noChangeAspect="1" noMove="1" noResize="1" noEditPoints="1" noAdjustHandles="1" noChangeArrowheads="1" noChangeShapeType="1" noTextEdit="1"/>
+          </p:cNvSpPr>
+          <p:nvPr>
+            <p:extLst>
+              <p:ext uri="{386F3935-93C4-4BCD-93E2-E3B085C9AB24}">
+                <p16:designElem xmlns:p16="http://schemas.microsoft.com/office/powerpoint/2015/main" val="1"/>
+              </p:ext>
+            </p:extLst>
+          </p:nvPr>
+        </p:nvSpPr>
+        <p:spPr>
+          <a:xfrm>
+            <a:off x="669036" y="1677373"/>
+            <a:ext cx="10853928" cy="18288"/>
+          </a:xfrm>
+          <a:custGeom>
+            <a:avLst/>
+            <a:gdLst>
+              <a:gd name="connsiteX0" fmla="*/ 0 w 10853928"/>
+              <a:gd name="connsiteY0" fmla="*/ 0 h 18288"/>
+              <a:gd name="connsiteX1" fmla="*/ 461292 w 10853928"/>
+              <a:gd name="connsiteY1" fmla="*/ 0 h 18288"/>
+              <a:gd name="connsiteX2" fmla="*/ 1139662 w 10853928"/>
+              <a:gd name="connsiteY2" fmla="*/ 0 h 18288"/>
+              <a:gd name="connsiteX3" fmla="*/ 1926572 w 10853928"/>
+              <a:gd name="connsiteY3" fmla="*/ 0 h 18288"/>
+              <a:gd name="connsiteX4" fmla="*/ 2279325 w 10853928"/>
+              <a:gd name="connsiteY4" fmla="*/ 0 h 18288"/>
+              <a:gd name="connsiteX5" fmla="*/ 2632078 w 10853928"/>
+              <a:gd name="connsiteY5" fmla="*/ 0 h 18288"/>
+              <a:gd name="connsiteX6" fmla="*/ 3527527 w 10853928"/>
+              <a:gd name="connsiteY6" fmla="*/ 0 h 18288"/>
+              <a:gd name="connsiteX7" fmla="*/ 4205897 w 10853928"/>
+              <a:gd name="connsiteY7" fmla="*/ 0 h 18288"/>
+              <a:gd name="connsiteX8" fmla="*/ 4558650 w 10853928"/>
+              <a:gd name="connsiteY8" fmla="*/ 0 h 18288"/>
+              <a:gd name="connsiteX9" fmla="*/ 5237020 w 10853928"/>
+              <a:gd name="connsiteY9" fmla="*/ 0 h 18288"/>
+              <a:gd name="connsiteX10" fmla="*/ 6132469 w 10853928"/>
+              <a:gd name="connsiteY10" fmla="*/ 0 h 18288"/>
+              <a:gd name="connsiteX11" fmla="*/ 6702301 w 10853928"/>
+              <a:gd name="connsiteY11" fmla="*/ 0 h 18288"/>
+              <a:gd name="connsiteX12" fmla="*/ 7272132 w 10853928"/>
+              <a:gd name="connsiteY12" fmla="*/ 0 h 18288"/>
+              <a:gd name="connsiteX13" fmla="*/ 7950502 w 10853928"/>
+              <a:gd name="connsiteY13" fmla="*/ 0 h 18288"/>
+              <a:gd name="connsiteX14" fmla="*/ 8737412 w 10853928"/>
+              <a:gd name="connsiteY14" fmla="*/ 0 h 18288"/>
+              <a:gd name="connsiteX15" fmla="*/ 9524322 w 10853928"/>
+              <a:gd name="connsiteY15" fmla="*/ 0 h 18288"/>
+              <a:gd name="connsiteX16" fmla="*/ 10853928 w 10853928"/>
+              <a:gd name="connsiteY16" fmla="*/ 0 h 18288"/>
+              <a:gd name="connsiteX17" fmla="*/ 10853928 w 10853928"/>
+              <a:gd name="connsiteY17" fmla="*/ 18288 h 18288"/>
+              <a:gd name="connsiteX18" fmla="*/ 10392636 w 10853928"/>
+              <a:gd name="connsiteY18" fmla="*/ 18288 h 18288"/>
+              <a:gd name="connsiteX19" fmla="*/ 9497187 w 10853928"/>
+              <a:gd name="connsiteY19" fmla="*/ 18288 h 18288"/>
+              <a:gd name="connsiteX20" fmla="*/ 8818817 w 10853928"/>
+              <a:gd name="connsiteY20" fmla="*/ 18288 h 18288"/>
+              <a:gd name="connsiteX21" fmla="*/ 8466064 w 10853928"/>
+              <a:gd name="connsiteY21" fmla="*/ 18288 h 18288"/>
+              <a:gd name="connsiteX22" fmla="*/ 7787693 w 10853928"/>
+              <a:gd name="connsiteY22" fmla="*/ 18288 h 18288"/>
+              <a:gd name="connsiteX23" fmla="*/ 7217862 w 10853928"/>
+              <a:gd name="connsiteY23" fmla="*/ 18288 h 18288"/>
+              <a:gd name="connsiteX24" fmla="*/ 6648031 w 10853928"/>
+              <a:gd name="connsiteY24" fmla="*/ 18288 h 18288"/>
+              <a:gd name="connsiteX25" fmla="*/ 6078200 w 10853928"/>
+              <a:gd name="connsiteY25" fmla="*/ 18288 h 18288"/>
+              <a:gd name="connsiteX26" fmla="*/ 5508368 w 10853928"/>
+              <a:gd name="connsiteY26" fmla="*/ 18288 h 18288"/>
+              <a:gd name="connsiteX27" fmla="*/ 4721459 w 10853928"/>
+              <a:gd name="connsiteY27" fmla="*/ 18288 h 18288"/>
+              <a:gd name="connsiteX28" fmla="*/ 4043088 w 10853928"/>
+              <a:gd name="connsiteY28" fmla="*/ 18288 h 18288"/>
+              <a:gd name="connsiteX29" fmla="*/ 3690336 w 10853928"/>
+              <a:gd name="connsiteY29" fmla="*/ 18288 h 18288"/>
+              <a:gd name="connsiteX30" fmla="*/ 3120504 w 10853928"/>
+              <a:gd name="connsiteY30" fmla="*/ 18288 h 18288"/>
+              <a:gd name="connsiteX31" fmla="*/ 2333595 w 10853928"/>
+              <a:gd name="connsiteY31" fmla="*/ 18288 h 18288"/>
+              <a:gd name="connsiteX32" fmla="*/ 1872303 w 10853928"/>
+              <a:gd name="connsiteY32" fmla="*/ 18288 h 18288"/>
+              <a:gd name="connsiteX33" fmla="*/ 976854 w 10853928"/>
+              <a:gd name="connsiteY33" fmla="*/ 18288 h 18288"/>
+              <a:gd name="connsiteX34" fmla="*/ 0 w 10853928"/>
+              <a:gd name="connsiteY34" fmla="*/ 18288 h 18288"/>
+              <a:gd name="connsiteX35" fmla="*/ 0 w 10853928"/>
+              <a:gd name="connsiteY35" fmla="*/ 0 h 18288"/>
+            </a:gdLst>
+            <a:ahLst/>
+            <a:cxnLst>
+              <a:cxn ang="0">
+                <a:pos x="connsiteX0" y="connsiteY0"/>
+              </a:cxn>
+              <a:cxn ang="0">
+                <a:pos x="connsiteX1" y="connsiteY1"/>
+              </a:cxn>
+              <a:cxn ang="0">
+                <a:pos x="connsiteX2" y="connsiteY2"/>
+              </a:cxn>
+              <a:cxn ang="0">
+                <a:pos x="connsiteX3" y="connsiteY3"/>
+              </a:cxn>
+              <a:cxn ang="0">
+                <a:pos x="connsiteX4" y="connsiteY4"/>
+              </a:cxn>
+              <a:cxn ang="0">
+                <a:pos x="connsiteX5" y="connsiteY5"/>
+              </a:cxn>
+              <a:cxn ang="0">
+                <a:pos x="connsiteX6" y="connsiteY6"/>
+              </a:cxn>
+              <a:cxn ang="0">
+                <a:pos x="connsiteX7" y="connsiteY7"/>
+              </a:cxn>
+              <a:cxn ang="0">
+                <a:pos x="connsiteX8" y="connsiteY8"/>
+              </a:cxn>
+              <a:cxn ang="0">
+                <a:pos x="connsiteX9" y="connsiteY9"/>
+              </a:cxn>
+              <a:cxn ang="0">
+                <a:pos x="connsiteX10" y="connsiteY10"/>
+              </a:cxn>
+              <a:cxn ang="0">
+                <a:pos x="connsiteX11" y="connsiteY11"/>
+              </a:cxn>
+              <a:cxn ang="0">
+                <a:pos x="connsiteX12" y="connsiteY12"/>
+              </a:cxn>
+              <a:cxn ang="0">
+                <a:pos x="connsiteX13" y="connsiteY13"/>
+              </a:cxn>
+              <a:cxn ang="0">
+                <a:pos x="connsiteX14" y="connsiteY14"/>
+              </a:cxn>
+              <a:cxn ang="0">
+                <a:pos x="connsiteX15" y="connsiteY15"/>
+              </a:cxn>
+              <a:cxn ang="0">
+                <a:pos x="connsiteX16" y="connsiteY16"/>
+              </a:cxn>
+              <a:cxn ang="0">
+                <a:pos x="connsiteX17" y="connsiteY17"/>
+              </a:cxn>
+              <a:cxn ang="0">
+                <a:pos x="connsiteX18" y="connsiteY18"/>
+              </a:cxn>
+              <a:cxn ang="0">
+                <a:pos x="connsiteX19" y="connsiteY19"/>
+              </a:cxn>
+              <a:cxn ang="0">
+                <a:pos x="connsiteX20" y="connsiteY20"/>
+              </a:cxn>
+              <a:cxn ang="0">
+                <a:pos x="connsiteX21" y="connsiteY21"/>
+              </a:cxn>
+              <a:cxn ang="0">
+                <a:pos x="connsiteX22" y="connsiteY22"/>
+              </a:cxn>
+              <a:cxn ang="0">
+                <a:pos x="connsiteX23" y="connsiteY23"/>
+              </a:cxn>
+              <a:cxn ang="0">
+                <a:pos x="connsiteX24" y="connsiteY24"/>
+              </a:cxn>
+              <a:cxn ang="0">
+                <a:pos x="connsiteX25" y="connsiteY25"/>
+              </a:cxn>
+              <a:cxn ang="0">
+                <a:pos x="connsiteX26" y="connsiteY26"/>
+              </a:cxn>
+              <a:cxn ang="0">
+                <a:pos x="connsiteX27" y="connsiteY27"/>
+              </a:cxn>
+              <a:cxn ang="0">
+                <a:pos x="connsiteX28" y="connsiteY28"/>
+              </a:cxn>
+              <a:cxn ang="0">
+                <a:pos x="connsiteX29" y="connsiteY29"/>
+              </a:cxn>
+              <a:cxn ang="0">
+                <a:pos x="connsiteX30" y="connsiteY30"/>
+              </a:cxn>
+              <a:cxn ang="0">
+                <a:pos x="connsiteX31" y="connsiteY31"/>
+              </a:cxn>
+              <a:cxn ang="0">
+                <a:pos x="connsiteX32" y="connsiteY32"/>
+              </a:cxn>
+              <a:cxn ang="0">
+                <a:pos x="connsiteX33" y="connsiteY33"/>
+              </a:cxn>
+              <a:cxn ang="0">
+                <a:pos x="connsiteX34" y="connsiteY34"/>
+              </a:cxn>
+              <a:cxn ang="0">
+                <a:pos x="connsiteX35" y="connsiteY35"/>
+              </a:cxn>
+            </a:cxnLst>
+            <a:rect l="l" t="t" r="r" b="b"/>
+            <a:pathLst>
+              <a:path w="10853928" h="18288" fill="none" extrusionOk="0">
+                <a:moveTo>
+                  <a:pt x="0" y="0"/>
+                </a:moveTo>
+                <a:cubicBezTo>
+                  <a:pt x="146993" y="-19076"/>
+                  <a:pt x="347684" y="-4790"/>
+                  <a:pt x="461292" y="0"/>
+                </a:cubicBezTo>
+                <a:cubicBezTo>
+                  <a:pt x="574900" y="4790"/>
+                  <a:pt x="808367" y="19821"/>
+                  <a:pt x="1139662" y="0"/>
+                </a:cubicBezTo>
+                <a:cubicBezTo>
+                  <a:pt x="1470957" y="-19821"/>
+                  <a:pt x="1627405" y="5721"/>
+                  <a:pt x="1926572" y="0"/>
+                </a:cubicBezTo>
+                <a:cubicBezTo>
+                  <a:pt x="2225739" y="-5721"/>
+                  <a:pt x="2137730" y="-3235"/>
+                  <a:pt x="2279325" y="0"/>
+                </a:cubicBezTo>
+                <a:cubicBezTo>
+                  <a:pt x="2420920" y="3235"/>
+                  <a:pt x="2456518" y="9685"/>
+                  <a:pt x="2632078" y="0"/>
+                </a:cubicBezTo>
+                <a:cubicBezTo>
+                  <a:pt x="2807638" y="-9685"/>
+                  <a:pt x="3211516" y="-43007"/>
+                  <a:pt x="3527527" y="0"/>
+                </a:cubicBezTo>
+                <a:cubicBezTo>
+                  <a:pt x="3843538" y="43007"/>
+                  <a:pt x="4058833" y="22042"/>
+                  <a:pt x="4205897" y="0"/>
+                </a:cubicBezTo>
+                <a:cubicBezTo>
+                  <a:pt x="4352961" y="-22042"/>
+                  <a:pt x="4474805" y="-11846"/>
+                  <a:pt x="4558650" y="0"/>
+                </a:cubicBezTo>
+                <a:cubicBezTo>
+                  <a:pt x="4642495" y="11846"/>
+                  <a:pt x="5041928" y="-6069"/>
+                  <a:pt x="5237020" y="0"/>
+                </a:cubicBezTo>
+                <a:cubicBezTo>
+                  <a:pt x="5432112" y="6069"/>
+                  <a:pt x="5943266" y="-17479"/>
+                  <a:pt x="6132469" y="0"/>
+                </a:cubicBezTo>
+                <a:cubicBezTo>
+                  <a:pt x="6321672" y="17479"/>
+                  <a:pt x="6483872" y="26234"/>
+                  <a:pt x="6702301" y="0"/>
+                </a:cubicBezTo>
+                <a:cubicBezTo>
+                  <a:pt x="6920730" y="-26234"/>
+                  <a:pt x="6991194" y="-15156"/>
+                  <a:pt x="7272132" y="0"/>
+                </a:cubicBezTo>
+                <a:cubicBezTo>
+                  <a:pt x="7553070" y="15156"/>
+                  <a:pt x="7684444" y="-32961"/>
+                  <a:pt x="7950502" y="0"/>
+                </a:cubicBezTo>
+                <a:cubicBezTo>
+                  <a:pt x="8216560" y="32961"/>
+                  <a:pt x="8493290" y="-10491"/>
+                  <a:pt x="8737412" y="0"/>
+                </a:cubicBezTo>
+                <a:cubicBezTo>
+                  <a:pt x="8981534" y="10491"/>
+                  <a:pt x="9191586" y="-13899"/>
+                  <a:pt x="9524322" y="0"/>
+                </a:cubicBezTo>
+                <a:cubicBezTo>
+                  <a:pt x="9857058" y="13899"/>
+                  <a:pt x="10297509" y="7485"/>
+                  <a:pt x="10853928" y="0"/>
+                </a:cubicBezTo>
+                <a:cubicBezTo>
+                  <a:pt x="10854574" y="4451"/>
+                  <a:pt x="10854418" y="9226"/>
+                  <a:pt x="10853928" y="18288"/>
+                </a:cubicBezTo>
+                <a:cubicBezTo>
+                  <a:pt x="10691638" y="28522"/>
+                  <a:pt x="10574319" y="29578"/>
+                  <a:pt x="10392636" y="18288"/>
+                </a:cubicBezTo>
+                <a:cubicBezTo>
+                  <a:pt x="10210953" y="6998"/>
+                  <a:pt x="9836277" y="-16742"/>
+                  <a:pt x="9497187" y="18288"/>
+                </a:cubicBezTo>
+                <a:cubicBezTo>
+                  <a:pt x="9158097" y="53318"/>
+                  <a:pt x="9119479" y="30714"/>
+                  <a:pt x="8818817" y="18288"/>
+                </a:cubicBezTo>
+                <a:cubicBezTo>
+                  <a:pt x="8518155" y="5863"/>
+                  <a:pt x="8640037" y="6483"/>
+                  <a:pt x="8466064" y="18288"/>
+                </a:cubicBezTo>
+                <a:cubicBezTo>
+                  <a:pt x="8292091" y="30093"/>
+                  <a:pt x="7997656" y="18914"/>
+                  <a:pt x="7787693" y="18288"/>
+                </a:cubicBezTo>
+                <a:cubicBezTo>
+                  <a:pt x="7577730" y="17662"/>
+                  <a:pt x="7412468" y="21416"/>
+                  <a:pt x="7217862" y="18288"/>
+                </a:cubicBezTo>
+                <a:cubicBezTo>
+                  <a:pt x="7023256" y="15160"/>
+                  <a:pt x="6898018" y="14824"/>
+                  <a:pt x="6648031" y="18288"/>
+                </a:cubicBezTo>
+                <a:cubicBezTo>
+                  <a:pt x="6398044" y="21752"/>
+                  <a:pt x="6254402" y="38625"/>
+                  <a:pt x="6078200" y="18288"/>
+                </a:cubicBezTo>
+                <a:cubicBezTo>
+                  <a:pt x="5901998" y="-2049"/>
+                  <a:pt x="5622886" y="3213"/>
+                  <a:pt x="5508368" y="18288"/>
+                </a:cubicBezTo>
+                <a:cubicBezTo>
+                  <a:pt x="5393850" y="33363"/>
+                  <a:pt x="5036260" y="26830"/>
+                  <a:pt x="4721459" y="18288"/>
+                </a:cubicBezTo>
+                <a:cubicBezTo>
+                  <a:pt x="4406658" y="9746"/>
+                  <a:pt x="4239221" y="41551"/>
+                  <a:pt x="4043088" y="18288"/>
+                </a:cubicBezTo>
+                <a:cubicBezTo>
+                  <a:pt x="3846955" y="-4975"/>
+                  <a:pt x="3818802" y="34658"/>
+                  <a:pt x="3690336" y="18288"/>
+                </a:cubicBezTo>
+                <a:cubicBezTo>
+                  <a:pt x="3561870" y="1918"/>
+                  <a:pt x="3265491" y="42194"/>
+                  <a:pt x="3120504" y="18288"/>
+                </a:cubicBezTo>
+                <a:cubicBezTo>
+                  <a:pt x="2975517" y="-5618"/>
+                  <a:pt x="2720254" y="36673"/>
+                  <a:pt x="2333595" y="18288"/>
+                </a:cubicBezTo>
+                <a:cubicBezTo>
+                  <a:pt x="1946936" y="-97"/>
+                  <a:pt x="2097241" y="5776"/>
+                  <a:pt x="1872303" y="18288"/>
+                </a:cubicBezTo>
+                <a:cubicBezTo>
+                  <a:pt x="1647365" y="30800"/>
+                  <a:pt x="1282708" y="45380"/>
+                  <a:pt x="976854" y="18288"/>
+                </a:cubicBezTo>
+                <a:cubicBezTo>
+                  <a:pt x="671000" y="-8804"/>
+                  <a:pt x="408401" y="-12775"/>
+                  <a:pt x="0" y="18288"/>
+                </a:cubicBezTo>
+                <a:cubicBezTo>
+                  <a:pt x="-213" y="9468"/>
+                  <a:pt x="187" y="4459"/>
+                  <a:pt x="0" y="0"/>
+                </a:cubicBezTo>
+                <a:close/>
+              </a:path>
+              <a:path w="10853928" h="18288" stroke="0" extrusionOk="0">
+                <a:moveTo>
+                  <a:pt x="0" y="0"/>
+                </a:moveTo>
+                <a:cubicBezTo>
+                  <a:pt x="267322" y="15284"/>
+                  <a:pt x="415388" y="-21048"/>
+                  <a:pt x="569831" y="0"/>
+                </a:cubicBezTo>
+                <a:cubicBezTo>
+                  <a:pt x="724274" y="21048"/>
+                  <a:pt x="769333" y="-2353"/>
+                  <a:pt x="922584" y="0"/>
+                </a:cubicBezTo>
+                <a:cubicBezTo>
+                  <a:pt x="1075835" y="2353"/>
+                  <a:pt x="1399490" y="-145"/>
+                  <a:pt x="1818033" y="0"/>
+                </a:cubicBezTo>
+                <a:cubicBezTo>
+                  <a:pt x="2236576" y="145"/>
+                  <a:pt x="2145330" y="5482"/>
+                  <a:pt x="2387864" y="0"/>
+                </a:cubicBezTo>
+                <a:cubicBezTo>
+                  <a:pt x="2630398" y="-5482"/>
+                  <a:pt x="2793207" y="18487"/>
+                  <a:pt x="2957695" y="0"/>
+                </a:cubicBezTo>
+                <a:cubicBezTo>
+                  <a:pt x="3122183" y="-18487"/>
+                  <a:pt x="3579141" y="19003"/>
+                  <a:pt x="3853144" y="0"/>
+                </a:cubicBezTo>
+                <a:cubicBezTo>
+                  <a:pt x="4127147" y="-19003"/>
+                  <a:pt x="4209857" y="12211"/>
+                  <a:pt x="4314436" y="0"/>
+                </a:cubicBezTo>
+                <a:cubicBezTo>
+                  <a:pt x="4419015" y="-12211"/>
+                  <a:pt x="4762459" y="-17220"/>
+                  <a:pt x="5209885" y="0"/>
+                </a:cubicBezTo>
+                <a:cubicBezTo>
+                  <a:pt x="5657311" y="17220"/>
+                  <a:pt x="5692663" y="-3290"/>
+                  <a:pt x="6105335" y="0"/>
+                </a:cubicBezTo>
+                <a:cubicBezTo>
+                  <a:pt x="6518007" y="3290"/>
+                  <a:pt x="6455516" y="-5124"/>
+                  <a:pt x="6783705" y="0"/>
+                </a:cubicBezTo>
+                <a:cubicBezTo>
+                  <a:pt x="7111894" y="5124"/>
+                  <a:pt x="7441941" y="-17829"/>
+                  <a:pt x="7679154" y="0"/>
+                </a:cubicBezTo>
+                <a:cubicBezTo>
+                  <a:pt x="7916367" y="17829"/>
+                  <a:pt x="8102967" y="-24363"/>
+                  <a:pt x="8248985" y="0"/>
+                </a:cubicBezTo>
+                <a:cubicBezTo>
+                  <a:pt x="8395003" y="24363"/>
+                  <a:pt x="8552393" y="25505"/>
+                  <a:pt x="8818817" y="0"/>
+                </a:cubicBezTo>
+                <a:cubicBezTo>
+                  <a:pt x="9085241" y="-25505"/>
+                  <a:pt x="9411308" y="38000"/>
+                  <a:pt x="9605726" y="0"/>
+                </a:cubicBezTo>
+                <a:cubicBezTo>
+                  <a:pt x="9800144" y="-38000"/>
+                  <a:pt x="10006468" y="-25741"/>
+                  <a:pt x="10175558" y="0"/>
+                </a:cubicBezTo>
+                <a:cubicBezTo>
+                  <a:pt x="10344648" y="25741"/>
+                  <a:pt x="10696282" y="695"/>
+                  <a:pt x="10853928" y="0"/>
+                </a:cubicBezTo>
+                <a:cubicBezTo>
+                  <a:pt x="10853521" y="8690"/>
+                  <a:pt x="10853774" y="14141"/>
+                  <a:pt x="10853928" y="18288"/>
+                </a:cubicBezTo>
+                <a:cubicBezTo>
+                  <a:pt x="10608124" y="24255"/>
+                  <a:pt x="10343415" y="22307"/>
+                  <a:pt x="10067018" y="18288"/>
+                </a:cubicBezTo>
+                <a:cubicBezTo>
+                  <a:pt x="9790621" y="14270"/>
+                  <a:pt x="9843266" y="3564"/>
+                  <a:pt x="9714266" y="18288"/>
+                </a:cubicBezTo>
+                <a:cubicBezTo>
+                  <a:pt x="9585266" y="33012"/>
+                  <a:pt x="9379484" y="1875"/>
+                  <a:pt x="9252974" y="18288"/>
+                </a:cubicBezTo>
+                <a:cubicBezTo>
+                  <a:pt x="9126464" y="34701"/>
+                  <a:pt x="8580678" y="-4904"/>
+                  <a:pt x="8357525" y="18288"/>
+                </a:cubicBezTo>
+                <a:cubicBezTo>
+                  <a:pt x="8134372" y="41480"/>
+                  <a:pt x="7903199" y="26458"/>
+                  <a:pt x="7679154" y="18288"/>
+                </a:cubicBezTo>
+                <a:cubicBezTo>
+                  <a:pt x="7455109" y="10118"/>
+                  <a:pt x="7435944" y="27109"/>
+                  <a:pt x="7217862" y="18288"/>
+                </a:cubicBezTo>
+                <a:cubicBezTo>
+                  <a:pt x="6999780" y="9467"/>
+                  <a:pt x="6680409" y="18985"/>
+                  <a:pt x="6539492" y="18288"/>
+                </a:cubicBezTo>
+                <a:cubicBezTo>
+                  <a:pt x="6398575" y="17592"/>
+                  <a:pt x="6312077" y="33018"/>
+                  <a:pt x="6186739" y="18288"/>
+                </a:cubicBezTo>
+                <a:cubicBezTo>
+                  <a:pt x="6061401" y="3558"/>
+                  <a:pt x="5947033" y="12075"/>
+                  <a:pt x="5833986" y="18288"/>
+                </a:cubicBezTo>
+                <a:cubicBezTo>
+                  <a:pt x="5720939" y="24501"/>
+                  <a:pt x="5482226" y="8586"/>
+                  <a:pt x="5155616" y="18288"/>
+                </a:cubicBezTo>
+                <a:cubicBezTo>
+                  <a:pt x="4829006" y="27991"/>
+                  <a:pt x="4841274" y="29316"/>
+                  <a:pt x="4694324" y="18288"/>
+                </a:cubicBezTo>
+                <a:cubicBezTo>
+                  <a:pt x="4547374" y="7260"/>
+                  <a:pt x="4077675" y="7013"/>
+                  <a:pt x="3907414" y="18288"/>
+                </a:cubicBezTo>
+                <a:cubicBezTo>
+                  <a:pt x="3737153" y="29564"/>
+                  <a:pt x="3538393" y="21630"/>
+                  <a:pt x="3446122" y="18288"/>
+                </a:cubicBezTo>
+                <a:cubicBezTo>
+                  <a:pt x="3353851" y="14946"/>
+                  <a:pt x="2990320" y="-8091"/>
+                  <a:pt x="2659212" y="18288"/>
+                </a:cubicBezTo>
+                <a:cubicBezTo>
+                  <a:pt x="2328104" y="44667"/>
+                  <a:pt x="2427653" y="9607"/>
+                  <a:pt x="2306460" y="18288"/>
+                </a:cubicBezTo>
+                <a:cubicBezTo>
+                  <a:pt x="2185267" y="26969"/>
+                  <a:pt x="1719763" y="3717"/>
+                  <a:pt x="1519550" y="18288"/>
+                </a:cubicBezTo>
+                <a:cubicBezTo>
+                  <a:pt x="1319337" y="32860"/>
+                  <a:pt x="1167371" y="17040"/>
+                  <a:pt x="1058258" y="18288"/>
+                </a:cubicBezTo>
+                <a:cubicBezTo>
+                  <a:pt x="949145" y="19536"/>
+                  <a:pt x="780234" y="31447"/>
+                  <a:pt x="705505" y="18288"/>
+                </a:cubicBezTo>
+                <a:cubicBezTo>
+                  <a:pt x="630776" y="5129"/>
+                  <a:pt x="215796" y="30056"/>
+                  <a:pt x="0" y="18288"/>
+                </a:cubicBezTo>
+                <a:cubicBezTo>
+                  <a:pt x="-53" y="11301"/>
+                  <a:pt x="-649" y="7756"/>
+                  <a:pt x="0" y="0"/>
+                </a:cubicBezTo>
+                <a:close/>
+              </a:path>
+            </a:pathLst>
+          </a:custGeom>
+          <a:solidFill>
+            <a:schemeClr val="accent2"/>
+          </a:solidFill>
+          <a:ln w="41275" cap="rnd">
+            <a:solidFill>
+              <a:schemeClr val="accent2"/>
+            </a:solidFill>
+            <a:round/>
+            <a:extLst>
+              <a:ext uri="{C807C97D-BFC1-408E-A445-0C87EB9F89A2}">
+                <ask:lineSketchStyleProps xmlns:ask="http://schemas.microsoft.com/office/drawing/2018/sketchyshapes" sd="1219033472">
+                  <a:prstGeom prst="rect">
+                    <a:avLst/>
+                  </a:prstGeom>
+                  <ask:type>
+                    <ask:lineSketchFreehand/>
+                  </ask:type>
+                </ask:lineSketchStyleProps>
+              </a:ext>
+            </a:extLst>
+          </a:ln>
+        </p:spPr>
+        <p:style>
+          <a:lnRef idx="2">
+            <a:schemeClr val="accent1">
+              <a:shade val="50000"/>
+            </a:schemeClr>
+          </a:lnRef>
+          <a:fillRef idx="1">
+            <a:schemeClr val="accent1"/>
+          </a:fillRef>
+          <a:effectRef idx="0">
+            <a:schemeClr val="accent1"/>
+          </a:effectRef>
+          <a:fontRef idx="minor">
+            <a:schemeClr val="lt1"/>
+          </a:fontRef>
+        </p:style>
+        <p:txBody>
+          <a:bodyPr rtlCol="0" anchor="ctr"/>
+          <a:lstStyle/>
+          <a:p>
+            <a:pPr algn="ctr"/>
+            <a:endParaRPr lang="en-US"/>
           </a:p>
         </p:txBody>
       </p:sp>
@@ -6424,12 +11124,12 @@
           </a:prstGeom>
         </p:spPr>
         <p:txBody>
-          <a:bodyPr spcFirstLastPara="1" vert="horz" lIns="121920" tIns="60960" rIns="121920" bIns="60960" rtlCol="0" anchorCtr="0">
+          <a:bodyPr spcFirstLastPara="1" vert="horz" lIns="91440" tIns="45720" rIns="91440" bIns="45720" rtlCol="0" anchorCtr="0">
             <a:normAutofit/>
           </a:bodyPr>
           <a:lstStyle/>
           <a:p>
-            <a:pPr marL="0" indent="-304792" defTabSz="1219170">
+            <a:pPr marL="0">
               <a:spcBef>
                 <a:spcPts val="0"/>
               </a:spcBef>
@@ -6439,7 +11139,7 @@
               <a:buSzPts val="1100"/>
             </a:pPr>
             <a:r>
-              <a:rPr lang="en-US" sz="1867" b="1" dirty="0">
+              <a:rPr lang="en-US" sz="2200" b="1">
                 <a:highlight>
                   <a:srgbClr val="FFFFFF"/>
                 </a:highlight>
@@ -6449,7 +11149,7 @@
             </a:r>
           </a:p>
           <a:p>
-            <a:pPr marL="1219170" lvl="1" indent="-304792" defTabSz="1219170">
+            <a:pPr marL="1219170" lvl="1">
               <a:spcBef>
                 <a:spcPts val="1467"/>
               </a:spcBef>
@@ -6459,7 +11159,7 @@
               <a:buSzPts val="1150"/>
             </a:pPr>
             <a:r>
-              <a:rPr lang="en-US" sz="1867" dirty="0">
+              <a:rPr lang="en-US" sz="2200">
                 <a:highlight>
                   <a:srgbClr val="FFFFFF"/>
                 </a:highlight>
@@ -6468,7 +11168,7 @@
               <a:t>You can attach only </a:t>
             </a:r>
             <a:r>
-              <a:rPr lang="en-US" sz="1867" b="1" dirty="0">
+              <a:rPr lang="en-US" sz="2200" b="1">
                 <a:highlight>
                   <a:srgbClr val="FFFFFF"/>
                 </a:highlight>
@@ -6477,7 +11177,7 @@
               <a:t>one</a:t>
             </a:r>
             <a:r>
-              <a:rPr lang="en-US" sz="1867" dirty="0">
+              <a:rPr lang="en-US" sz="2200">
                 <a:highlight>
                   <a:srgbClr val="FFFFFF"/>
                 </a:highlight>
@@ -6487,7 +11187,7 @@
             </a:r>
           </a:p>
           <a:p>
-            <a:pPr marL="1219170" lvl="1" indent="-304792" defTabSz="1219170">
+            <a:pPr marL="1219170" lvl="1">
               <a:spcBef>
                 <a:spcPts val="0"/>
               </a:spcBef>
@@ -6497,7 +11197,7 @@
               <a:buSzPts val="1150"/>
             </a:pPr>
             <a:r>
-              <a:rPr lang="en-US" sz="1867" dirty="0">
+              <a:rPr lang="en-US" sz="2200">
                 <a:highlight>
                   <a:srgbClr val="FFFFFF"/>
                 </a:highlight>
@@ -6506,7 +11206,7 @@
               <a:t>EFA OS-bypass traffic is </a:t>
             </a:r>
             <a:r>
-              <a:rPr lang="en-US" sz="1867" b="1" dirty="0">
+              <a:rPr lang="en-US" sz="2200" b="1">
                 <a:highlight>
                   <a:srgbClr val="FFFFFF"/>
                 </a:highlight>
@@ -6515,7 +11215,7 @@
               <a:t>limited to a single subnet</a:t>
             </a:r>
             <a:r>
-              <a:rPr lang="en-US" sz="1867" dirty="0">
+              <a:rPr lang="en-US" sz="2200">
                 <a:highlight>
                   <a:srgbClr val="FFFFFF"/>
                 </a:highlight>
@@ -6525,7 +11225,7 @@
             </a:r>
           </a:p>
           <a:p>
-            <a:pPr marL="1219170" lvl="1" indent="-304792" defTabSz="1219170">
+            <a:pPr marL="1219170" lvl="1">
               <a:spcBef>
                 <a:spcPts val="0"/>
               </a:spcBef>
@@ -6535,7 +11235,7 @@
               <a:buSzPts val="1150"/>
             </a:pPr>
             <a:r>
-              <a:rPr lang="en-US" sz="1867" dirty="0">
+              <a:rPr lang="en-US" sz="2200">
                 <a:highlight>
                   <a:srgbClr val="FFFFFF"/>
                 </a:highlight>
@@ -6544,7 +11244,7 @@
               <a:t>EFA OS-bypass traffic is </a:t>
             </a:r>
             <a:r>
-              <a:rPr lang="en-US" sz="1867" b="1" dirty="0">
+              <a:rPr lang="en-US" sz="2200" b="1">
                 <a:highlight>
                   <a:srgbClr val="FFFFFF"/>
                 </a:highlight>
@@ -6553,7 +11253,7 @@
               <a:t>not routable</a:t>
             </a:r>
             <a:r>
-              <a:rPr lang="en-US" sz="1867" dirty="0">
+              <a:rPr lang="en-US" sz="2200">
                 <a:highlight>
                   <a:srgbClr val="FFFFFF"/>
                 </a:highlight>
@@ -6563,7 +11263,7 @@
             </a:r>
           </a:p>
           <a:p>
-            <a:pPr marL="1219170" lvl="1" indent="-304792" defTabSz="1219170">
+            <a:pPr marL="1219170" lvl="1">
               <a:spcBef>
                 <a:spcPts val="0"/>
               </a:spcBef>
@@ -6573,7 +11273,7 @@
               <a:buSzPts val="1150"/>
             </a:pPr>
             <a:r>
-              <a:rPr lang="en-US" sz="1867" dirty="0">
+              <a:rPr lang="en-US" sz="2200">
                 <a:highlight>
                   <a:srgbClr val="FFFFFF"/>
                 </a:highlight>
@@ -6581,101 +11281,12 @@
               </a:rPr>
               <a:t>The EFA must be a member of a security group that allows all inbound and outbound traffic to and from the security group itself.</a:t>
             </a:r>
-            <a:endParaRPr lang="en-US" sz="1867" dirty="0">
+            <a:endParaRPr lang="en-US" sz="2200">
               <a:sym typeface="Arial"/>
             </a:endParaRPr>
           </a:p>
         </p:txBody>
       </p:sp>
-    </p:spTree>
-  </p:cSld>
-  <p:clrMapOvr>
-    <a:masterClrMapping/>
-  </p:clrMapOvr>
-</p:sld>
-</file>
-
-<file path=ppt/slides/slide9.xml><?xml version="1.0" encoding="utf-8"?>
-<p:sld xmlns:a="http://schemas.openxmlformats.org/drawingml/2006/main" xmlns:r="http://schemas.openxmlformats.org/officeDocument/2006/relationships" xmlns:p="http://schemas.openxmlformats.org/presentationml/2006/main">
-  <p:cSld>
-    <p:spTree>
-      <p:nvGrpSpPr>
-        <p:cNvPr id="1" name="Shape 650"/>
-        <p:cNvGrpSpPr/>
-        <p:nvPr/>
-      </p:nvGrpSpPr>
-      <p:grpSpPr>
-        <a:xfrm>
-          <a:off x="0" y="0"/>
-          <a:ext cx="0" cy="0"/>
-          <a:chOff x="0" y="0"/>
-          <a:chExt cx="0" cy="0"/>
-        </a:xfrm>
-      </p:grpSpPr>
-      <p:sp>
-        <p:nvSpPr>
-          <p:cNvPr id="651" name="Google Shape;651;p105"/>
-          <p:cNvSpPr txBox="1">
-            <a:spLocks noGrp="1"/>
-          </p:cNvSpPr>
-          <p:nvPr>
-            <p:ph type="title"/>
-          </p:nvPr>
-        </p:nvSpPr>
-        <p:spPr>
-          <a:xfrm>
-            <a:off x="556533" y="643467"/>
-            <a:ext cx="11210924" cy="744836"/>
-          </a:xfrm>
-          <a:prstGeom prst="rect">
-            <a:avLst/>
-          </a:prstGeom>
-        </p:spPr>
-        <p:txBody>
-          <a:bodyPr spcFirstLastPara="1" vert="horz" wrap="square" lIns="121920" tIns="60960" rIns="121920" bIns="60960" rtlCol="0" anchor="ctr" anchorCtr="0">
-            <a:normAutofit/>
-          </a:bodyPr>
-          <a:lstStyle/>
-          <a:p>
-            <a:pPr algn="ctr" defTabSz="1219170">
-              <a:spcBef>
-                <a:spcPct val="0"/>
-              </a:spcBef>
-            </a:pPr>
-            <a:r>
-              <a:rPr lang="en-US" sz="3200">
-                <a:solidFill>
-                  <a:schemeClr val="bg1"/>
-                </a:solidFill>
-              </a:rPr>
-              <a:t>ENI vs ENA vs EFA</a:t>
-            </a:r>
-          </a:p>
-        </p:txBody>
-      </p:sp>
-      <p:pic>
-        <p:nvPicPr>
-          <p:cNvPr id="652" name="Google Shape;652;p105"/>
-          <p:cNvPicPr preferRelativeResize="0"/>
-          <p:nvPr/>
-        </p:nvPicPr>
-        <p:blipFill>
-          <a:blip r:embed="rId3"/>
-          <a:stretch>
-            <a:fillRect/>
-          </a:stretch>
-        </p:blipFill>
-        <p:spPr>
-          <a:xfrm>
-            <a:off x="1589130" y="1675227"/>
-            <a:ext cx="9013740" cy="4394199"/>
-          </a:xfrm>
-          <a:prstGeom prst="rect">
-            <a:avLst/>
-          </a:prstGeom>
-          <a:noFill/>
-        </p:spPr>
-      </p:pic>
     </p:spTree>
   </p:cSld>
   <p:clrMapOvr>

--- a/lecture-materials/Network&ContentDelivery/vpc/vpc-ena-efa.pptx
+++ b/lecture-materials/Network&ContentDelivery/vpc/vpc-ena-efa.pptx
@@ -5,7 +5,7 @@
     <p:sldMasterId id="2147483648" r:id="rId1"/>
   </p:sldMasterIdLst>
   <p:notesMasterIdLst>
-    <p:notesMasterId r:id="rId12"/>
+    <p:notesMasterId r:id="rId13"/>
   </p:notesMasterIdLst>
   <p:sldIdLst>
     <p:sldId id="335" r:id="rId2"/>
@@ -18,6 +18,7 @@
     <p:sldId id="331" r:id="rId9"/>
     <p:sldId id="332" r:id="rId10"/>
     <p:sldId id="341" r:id="rId11"/>
+    <p:sldId id="342" r:id="rId12"/>
   </p:sldIdLst>
   <p:sldSz cx="12192000" cy="6858000"/>
   <p:notesSz cx="6858000" cy="9144000"/>
@@ -206,7 +207,7 @@
           <a:p>
             <a:fld id="{66BC8486-2ECD-4C4F-9374-D126C6F1E9D3}" type="datetimeFigureOut">
               <a:rPr lang="en-CH" smtClean="0"/>
-              <a:t>07.01.2024</a:t>
+              <a:t>09.01.2024</a:t>
             </a:fld>
             <a:endParaRPr lang="en-CH"/>
           </a:p>
@@ -935,7 +936,7 @@
           <a:p>
             <a:fld id="{D2447292-BECC-D249-89D1-64671E37D8F2}" type="datetimeFigureOut">
               <a:rPr lang="en-CH" smtClean="0"/>
-              <a:t>07.01.2024</a:t>
+              <a:t>09.01.2024</a:t>
             </a:fld>
             <a:endParaRPr lang="en-CH"/>
           </a:p>
@@ -1135,7 +1136,7 @@
           <a:p>
             <a:fld id="{D2447292-BECC-D249-89D1-64671E37D8F2}" type="datetimeFigureOut">
               <a:rPr lang="en-CH" smtClean="0"/>
-              <a:t>07.01.2024</a:t>
+              <a:t>09.01.2024</a:t>
             </a:fld>
             <a:endParaRPr lang="en-CH"/>
           </a:p>
@@ -1345,7 +1346,7 @@
           <a:p>
             <a:fld id="{D2447292-BECC-D249-89D1-64671E37D8F2}" type="datetimeFigureOut">
               <a:rPr lang="en-CH" smtClean="0"/>
-              <a:t>07.01.2024</a:t>
+              <a:t>09.01.2024</a:t>
             </a:fld>
             <a:endParaRPr lang="en-CH"/>
           </a:p>
@@ -1904,7 +1905,7 @@
           <a:p>
             <a:fld id="{D2447292-BECC-D249-89D1-64671E37D8F2}" type="datetimeFigureOut">
               <a:rPr lang="en-CH" smtClean="0"/>
-              <a:t>07.01.2024</a:t>
+              <a:t>09.01.2024</a:t>
             </a:fld>
             <a:endParaRPr lang="en-CH"/>
           </a:p>
@@ -2180,7 +2181,7 @@
           <a:p>
             <a:fld id="{D2447292-BECC-D249-89D1-64671E37D8F2}" type="datetimeFigureOut">
               <a:rPr lang="en-CH" smtClean="0"/>
-              <a:t>07.01.2024</a:t>
+              <a:t>09.01.2024</a:t>
             </a:fld>
             <a:endParaRPr lang="en-CH"/>
           </a:p>
@@ -2448,7 +2449,7 @@
           <a:p>
             <a:fld id="{D2447292-BECC-D249-89D1-64671E37D8F2}" type="datetimeFigureOut">
               <a:rPr lang="en-CH" smtClean="0"/>
-              <a:t>07.01.2024</a:t>
+              <a:t>09.01.2024</a:t>
             </a:fld>
             <a:endParaRPr lang="en-CH"/>
           </a:p>
@@ -2863,7 +2864,7 @@
           <a:p>
             <a:fld id="{D2447292-BECC-D249-89D1-64671E37D8F2}" type="datetimeFigureOut">
               <a:rPr lang="en-CH" smtClean="0"/>
-              <a:t>07.01.2024</a:t>
+              <a:t>09.01.2024</a:t>
             </a:fld>
             <a:endParaRPr lang="en-CH"/>
           </a:p>
@@ -3005,7 +3006,7 @@
           <a:p>
             <a:fld id="{D2447292-BECC-D249-89D1-64671E37D8F2}" type="datetimeFigureOut">
               <a:rPr lang="en-CH" smtClean="0"/>
-              <a:t>07.01.2024</a:t>
+              <a:t>09.01.2024</a:t>
             </a:fld>
             <a:endParaRPr lang="en-CH"/>
           </a:p>
@@ -3118,7 +3119,7 @@
           <a:p>
             <a:fld id="{D2447292-BECC-D249-89D1-64671E37D8F2}" type="datetimeFigureOut">
               <a:rPr lang="en-CH" smtClean="0"/>
-              <a:t>07.01.2024</a:t>
+              <a:t>09.01.2024</a:t>
             </a:fld>
             <a:endParaRPr lang="en-CH"/>
           </a:p>
@@ -3431,7 +3432,7 @@
           <a:p>
             <a:fld id="{D2447292-BECC-D249-89D1-64671E37D8F2}" type="datetimeFigureOut">
               <a:rPr lang="en-CH" smtClean="0"/>
-              <a:t>07.01.2024</a:t>
+              <a:t>09.01.2024</a:t>
             </a:fld>
             <a:endParaRPr lang="en-CH"/>
           </a:p>
@@ -3720,7 +3721,7 @@
           <a:p>
             <a:fld id="{D2447292-BECC-D249-89D1-64671E37D8F2}" type="datetimeFigureOut">
               <a:rPr lang="en-CH" smtClean="0"/>
-              <a:t>07.01.2024</a:t>
+              <a:t>09.01.2024</a:t>
             </a:fld>
             <a:endParaRPr lang="en-CH"/>
           </a:p>
@@ -3963,7 +3964,7 @@
           <a:p>
             <a:fld id="{D2447292-BECC-D249-89D1-64671E37D8F2}" type="datetimeFigureOut">
               <a:rPr lang="en-CH" smtClean="0"/>
-              <a:t>07.01.2024</a:t>
+              <a:t>09.01.2024</a:t>
             </a:fld>
             <a:endParaRPr lang="en-CH"/>
           </a:p>
@@ -6146,605 +6147,7 @@
 </p:sld>
 </file>
 
-<file path=ppt/slides/slide2.xml><?xml version="1.0" encoding="utf-8"?>
-<p:sld xmlns:a="http://schemas.openxmlformats.org/drawingml/2006/main" xmlns:r="http://schemas.openxmlformats.org/officeDocument/2006/relationships" xmlns:p="http://schemas.openxmlformats.org/presentationml/2006/main">
-  <p:cSld>
-    <p:bg>
-      <p:bgPr>
-        <a:solidFill>
-          <a:schemeClr val="bg1"/>
-        </a:solidFill>
-        <a:effectLst/>
-      </p:bgPr>
-    </p:bg>
-    <p:spTree>
-      <p:nvGrpSpPr>
-        <p:cNvPr id="1" name=""/>
-        <p:cNvGrpSpPr/>
-        <p:nvPr/>
-      </p:nvGrpSpPr>
-      <p:grpSpPr>
-        <a:xfrm>
-          <a:off x="0" y="0"/>
-          <a:ext cx="0" cy="0"/>
-          <a:chOff x="0" y="0"/>
-          <a:chExt cx="0" cy="0"/>
-        </a:xfrm>
-      </p:grpSpPr>
-      <p:sp useBgFill="1">
-        <p:nvSpPr>
-          <p:cNvPr id="9" name="Rectangle 8">
-            <a:extLst>
-              <a:ext uri="{FF2B5EF4-FFF2-40B4-BE49-F238E27FC236}">
-                <a16:creationId xmlns:a16="http://schemas.microsoft.com/office/drawing/2014/main" id="{2B97F24A-32CE-4C1C-A50D-3016B394DCFB}"/>
-              </a:ext>
-              <a:ext uri="{C183D7F6-B498-43B3-948B-1728B52AA6E4}">
-                <adec:decorative xmlns:adec="http://schemas.microsoft.com/office/drawing/2017/decorative" val="1"/>
-              </a:ext>
-            </a:extLst>
-          </p:cNvPr>
-          <p:cNvSpPr>
-            <a:spLocks noGrp="1" noRot="1" noChangeAspect="1" noMove="1" noResize="1" noEditPoints="1" noAdjustHandles="1" noChangeArrowheads="1" noChangeShapeType="1" noTextEdit="1"/>
-          </p:cNvSpPr>
-          <p:nvPr>
-            <p:extLst>
-              <p:ext uri="{386F3935-93C4-4BCD-93E2-E3B085C9AB24}">
-                <p16:designElem xmlns:p16="http://schemas.microsoft.com/office/powerpoint/2015/main" val="1"/>
-              </p:ext>
-            </p:extLst>
-          </p:nvPr>
-        </p:nvSpPr>
-        <p:spPr>
-          <a:xfrm>
-            <a:off x="0" y="0"/>
-            <a:ext cx="12192000" cy="6858000"/>
-          </a:xfrm>
-          <a:prstGeom prst="rect">
-            <a:avLst/>
-          </a:prstGeom>
-          <a:ln>
-            <a:noFill/>
-          </a:ln>
-        </p:spPr>
-        <p:style>
-          <a:lnRef idx="2">
-            <a:schemeClr val="accent1">
-              <a:shade val="50000"/>
-            </a:schemeClr>
-          </a:lnRef>
-          <a:fillRef idx="1">
-            <a:schemeClr val="accent1"/>
-          </a:fillRef>
-          <a:effectRef idx="0">
-            <a:schemeClr val="accent1"/>
-          </a:effectRef>
-          <a:fontRef idx="minor">
-            <a:schemeClr val="lt1"/>
-          </a:fontRef>
-        </p:style>
-        <p:txBody>
-          <a:bodyPr rtlCol="0" anchor="ctr"/>
-          <a:lstStyle/>
-          <a:p>
-            <a:pPr algn="ctr"/>
-            <a:endParaRPr lang="en-US"/>
-          </a:p>
-        </p:txBody>
-      </p:sp>
-      <p:sp>
-        <p:nvSpPr>
-          <p:cNvPr id="2" name="Title 1">
-            <a:extLst>
-              <a:ext uri="{FF2B5EF4-FFF2-40B4-BE49-F238E27FC236}">
-                <a16:creationId xmlns:a16="http://schemas.microsoft.com/office/drawing/2014/main" id="{21B347B9-B463-BC6A-96D7-FD496E2BE943}"/>
-              </a:ext>
-            </a:extLst>
-          </p:cNvPr>
-          <p:cNvSpPr>
-            <a:spLocks noGrp="1"/>
-          </p:cNvSpPr>
-          <p:nvPr>
-            <p:ph type="title"/>
-          </p:nvPr>
-        </p:nvSpPr>
-        <p:spPr>
-          <a:xfrm>
-            <a:off x="630936" y="639520"/>
-            <a:ext cx="3429000" cy="1719072"/>
-          </a:xfrm>
-        </p:spPr>
-        <p:txBody>
-          <a:bodyPr anchor="b">
-            <a:normAutofit/>
-          </a:bodyPr>
-          <a:lstStyle/>
-          <a:p>
-            <a:r>
-              <a:rPr lang="en-CH" sz="3800"/>
-              <a:t>What is Enhanced networking?</a:t>
-            </a:r>
-          </a:p>
-        </p:txBody>
-      </p:sp>
-      <p:sp>
-        <p:nvSpPr>
-          <p:cNvPr id="11" name="sketch line">
-            <a:extLst>
-              <a:ext uri="{FF2B5EF4-FFF2-40B4-BE49-F238E27FC236}">
-                <a16:creationId xmlns:a16="http://schemas.microsoft.com/office/drawing/2014/main" id="{6357EC4F-235E-4222-A36F-C7878ACE37F2}"/>
-              </a:ext>
-              <a:ext uri="{C183D7F6-B498-43B3-948B-1728B52AA6E4}">
-                <adec:decorative xmlns:adec="http://schemas.microsoft.com/office/drawing/2017/decorative" val="1"/>
-              </a:ext>
-            </a:extLst>
-          </p:cNvPr>
-          <p:cNvSpPr>
-            <a:spLocks noGrp="1" noRot="1" noChangeAspect="1" noMove="1" noResize="1" noEditPoints="1" noAdjustHandles="1" noChangeArrowheads="1" noChangeShapeType="1" noTextEdit="1"/>
-          </p:cNvSpPr>
-          <p:nvPr>
-            <p:extLst>
-              <p:ext uri="{386F3935-93C4-4BCD-93E2-E3B085C9AB24}">
-                <p16:designElem xmlns:p16="http://schemas.microsoft.com/office/powerpoint/2015/main" val="1"/>
-              </p:ext>
-            </p:extLst>
-          </p:nvPr>
-        </p:nvSpPr>
-        <p:spPr>
-          <a:xfrm>
-            <a:off x="643278" y="2573756"/>
-            <a:ext cx="3255095" cy="18288"/>
-          </a:xfrm>
-          <a:custGeom>
-            <a:avLst/>
-            <a:gdLst>
-              <a:gd name="connsiteX0" fmla="*/ 0 w 3255095"/>
-              <a:gd name="connsiteY0" fmla="*/ 0 h 18288"/>
-              <a:gd name="connsiteX1" fmla="*/ 618468 w 3255095"/>
-              <a:gd name="connsiteY1" fmla="*/ 0 h 18288"/>
-              <a:gd name="connsiteX2" fmla="*/ 1269487 w 3255095"/>
-              <a:gd name="connsiteY2" fmla="*/ 0 h 18288"/>
-              <a:gd name="connsiteX3" fmla="*/ 1953057 w 3255095"/>
-              <a:gd name="connsiteY3" fmla="*/ 0 h 18288"/>
-              <a:gd name="connsiteX4" fmla="*/ 2636627 w 3255095"/>
-              <a:gd name="connsiteY4" fmla="*/ 0 h 18288"/>
-              <a:gd name="connsiteX5" fmla="*/ 3255095 w 3255095"/>
-              <a:gd name="connsiteY5" fmla="*/ 0 h 18288"/>
-              <a:gd name="connsiteX6" fmla="*/ 3255095 w 3255095"/>
-              <a:gd name="connsiteY6" fmla="*/ 18288 h 18288"/>
-              <a:gd name="connsiteX7" fmla="*/ 2538974 w 3255095"/>
-              <a:gd name="connsiteY7" fmla="*/ 18288 h 18288"/>
-              <a:gd name="connsiteX8" fmla="*/ 1822853 w 3255095"/>
-              <a:gd name="connsiteY8" fmla="*/ 18288 h 18288"/>
-              <a:gd name="connsiteX9" fmla="*/ 1171834 w 3255095"/>
-              <a:gd name="connsiteY9" fmla="*/ 18288 h 18288"/>
-              <a:gd name="connsiteX10" fmla="*/ 0 w 3255095"/>
-              <a:gd name="connsiteY10" fmla="*/ 18288 h 18288"/>
-              <a:gd name="connsiteX11" fmla="*/ 0 w 3255095"/>
-              <a:gd name="connsiteY11" fmla="*/ 0 h 18288"/>
-            </a:gdLst>
-            <a:ahLst/>
-            <a:cxnLst>
-              <a:cxn ang="0">
-                <a:pos x="connsiteX0" y="connsiteY0"/>
-              </a:cxn>
-              <a:cxn ang="0">
-                <a:pos x="connsiteX1" y="connsiteY1"/>
-              </a:cxn>
-              <a:cxn ang="0">
-                <a:pos x="connsiteX2" y="connsiteY2"/>
-              </a:cxn>
-              <a:cxn ang="0">
-                <a:pos x="connsiteX3" y="connsiteY3"/>
-              </a:cxn>
-              <a:cxn ang="0">
-                <a:pos x="connsiteX4" y="connsiteY4"/>
-              </a:cxn>
-              <a:cxn ang="0">
-                <a:pos x="connsiteX5" y="connsiteY5"/>
-              </a:cxn>
-              <a:cxn ang="0">
-                <a:pos x="connsiteX6" y="connsiteY6"/>
-              </a:cxn>
-              <a:cxn ang="0">
-                <a:pos x="connsiteX7" y="connsiteY7"/>
-              </a:cxn>
-              <a:cxn ang="0">
-                <a:pos x="connsiteX8" y="connsiteY8"/>
-              </a:cxn>
-              <a:cxn ang="0">
-                <a:pos x="connsiteX9" y="connsiteY9"/>
-              </a:cxn>
-              <a:cxn ang="0">
-                <a:pos x="connsiteX10" y="connsiteY10"/>
-              </a:cxn>
-              <a:cxn ang="0">
-                <a:pos x="connsiteX11" y="connsiteY11"/>
-              </a:cxn>
-            </a:cxnLst>
-            <a:rect l="l" t="t" r="r" b="b"/>
-            <a:pathLst>
-              <a:path w="3255095" h="18288" fill="none" extrusionOk="0">
-                <a:moveTo>
-                  <a:pt x="0" y="0"/>
-                </a:moveTo>
-                <a:cubicBezTo>
-                  <a:pt x="240201" y="-22123"/>
-                  <a:pt x="462021" y="-19623"/>
-                  <a:pt x="618468" y="0"/>
-                </a:cubicBezTo>
-                <a:cubicBezTo>
-                  <a:pt x="774915" y="19623"/>
-                  <a:pt x="974734" y="2035"/>
-                  <a:pt x="1269487" y="0"/>
-                </a:cubicBezTo>
-                <a:cubicBezTo>
-                  <a:pt x="1564240" y="-2035"/>
-                  <a:pt x="1733579" y="10639"/>
-                  <a:pt x="1953057" y="0"/>
-                </a:cubicBezTo>
-                <a:cubicBezTo>
-                  <a:pt x="2172535" y="-10639"/>
-                  <a:pt x="2453962" y="14018"/>
-                  <a:pt x="2636627" y="0"/>
-                </a:cubicBezTo>
-                <a:cubicBezTo>
-                  <a:pt x="2819292" y="-14018"/>
-                  <a:pt x="3121375" y="5399"/>
-                  <a:pt x="3255095" y="0"/>
-                </a:cubicBezTo>
-                <a:cubicBezTo>
-                  <a:pt x="3254386" y="8157"/>
-                  <a:pt x="3254682" y="12125"/>
-                  <a:pt x="3255095" y="18288"/>
-                </a:cubicBezTo>
-                <a:cubicBezTo>
-                  <a:pt x="3088545" y="23203"/>
-                  <a:pt x="2687475" y="7419"/>
-                  <a:pt x="2538974" y="18288"/>
-                </a:cubicBezTo>
-                <a:cubicBezTo>
-                  <a:pt x="2390473" y="29157"/>
-                  <a:pt x="2137381" y="-8959"/>
-                  <a:pt x="1822853" y="18288"/>
-                </a:cubicBezTo>
-                <a:cubicBezTo>
-                  <a:pt x="1508325" y="45535"/>
-                  <a:pt x="1466437" y="20385"/>
-                  <a:pt x="1171834" y="18288"/>
-                </a:cubicBezTo>
-                <a:cubicBezTo>
-                  <a:pt x="877231" y="16191"/>
-                  <a:pt x="561097" y="37643"/>
-                  <a:pt x="0" y="18288"/>
-                </a:cubicBezTo>
-                <a:cubicBezTo>
-                  <a:pt x="-46" y="12483"/>
-                  <a:pt x="-203" y="6491"/>
-                  <a:pt x="0" y="0"/>
-                </a:cubicBezTo>
-                <a:close/>
-              </a:path>
-              <a:path w="3255095" h="18288" stroke="0" extrusionOk="0">
-                <a:moveTo>
-                  <a:pt x="0" y="0"/>
-                </a:moveTo>
-                <a:cubicBezTo>
-                  <a:pt x="291965" y="19429"/>
-                  <a:pt x="363155" y="8568"/>
-                  <a:pt x="618468" y="0"/>
-                </a:cubicBezTo>
-                <a:cubicBezTo>
-                  <a:pt x="873781" y="-8568"/>
-                  <a:pt x="904459" y="-19505"/>
-                  <a:pt x="1171834" y="0"/>
-                </a:cubicBezTo>
-                <a:cubicBezTo>
-                  <a:pt x="1439209" y="19505"/>
-                  <a:pt x="1744369" y="9790"/>
-                  <a:pt x="1887955" y="0"/>
-                </a:cubicBezTo>
-                <a:cubicBezTo>
-                  <a:pt x="2031541" y="-9790"/>
-                  <a:pt x="2346378" y="21240"/>
-                  <a:pt x="2506423" y="0"/>
-                </a:cubicBezTo>
-                <a:cubicBezTo>
-                  <a:pt x="2666468" y="-21240"/>
-                  <a:pt x="2990257" y="30414"/>
-                  <a:pt x="3255095" y="0"/>
-                </a:cubicBezTo>
-                <a:cubicBezTo>
-                  <a:pt x="3254831" y="4493"/>
-                  <a:pt x="3255479" y="9472"/>
-                  <a:pt x="3255095" y="18288"/>
-                </a:cubicBezTo>
-                <a:cubicBezTo>
-                  <a:pt x="3120743" y="16690"/>
-                  <a:pt x="2759628" y="42462"/>
-                  <a:pt x="2604076" y="18288"/>
-                </a:cubicBezTo>
-                <a:cubicBezTo>
-                  <a:pt x="2448524" y="-5886"/>
-                  <a:pt x="2184336" y="19599"/>
-                  <a:pt x="1887955" y="18288"/>
-                </a:cubicBezTo>
-                <a:cubicBezTo>
-                  <a:pt x="1591574" y="16977"/>
-                  <a:pt x="1548845" y="6870"/>
-                  <a:pt x="1334589" y="18288"/>
-                </a:cubicBezTo>
-                <a:cubicBezTo>
-                  <a:pt x="1120333" y="29706"/>
-                  <a:pt x="996014" y="9662"/>
-                  <a:pt x="683570" y="18288"/>
-                </a:cubicBezTo>
-                <a:cubicBezTo>
-                  <a:pt x="371126" y="26914"/>
-                  <a:pt x="198687" y="16167"/>
-                  <a:pt x="0" y="18288"/>
-                </a:cubicBezTo>
-                <a:cubicBezTo>
-                  <a:pt x="843" y="9577"/>
-                  <a:pt x="371" y="6900"/>
-                  <a:pt x="0" y="0"/>
-                </a:cubicBezTo>
-                <a:close/>
-              </a:path>
-            </a:pathLst>
-          </a:custGeom>
-          <a:solidFill>
-            <a:schemeClr val="accent2"/>
-          </a:solidFill>
-          <a:ln w="38100" cap="rnd">
-            <a:solidFill>
-              <a:schemeClr val="accent2"/>
-            </a:solidFill>
-            <a:round/>
-            <a:extLst>
-              <a:ext uri="{C807C97D-BFC1-408E-A445-0C87EB9F89A2}">
-                <ask:lineSketchStyleProps xmlns:ask="http://schemas.microsoft.com/office/drawing/2018/sketchyshapes" sd="1219033472">
-                  <a:prstGeom prst="rect">
-                    <a:avLst/>
-                  </a:prstGeom>
-                  <ask:type>
-                    <ask:lineSketchFreehand/>
-                  </ask:type>
-                </ask:lineSketchStyleProps>
-              </a:ext>
-            </a:extLst>
-          </a:ln>
-        </p:spPr>
-        <p:style>
-          <a:lnRef idx="2">
-            <a:schemeClr val="accent1">
-              <a:shade val="50000"/>
-            </a:schemeClr>
-          </a:lnRef>
-          <a:fillRef idx="1">
-            <a:schemeClr val="accent1"/>
-          </a:fillRef>
-          <a:effectRef idx="0">
-            <a:schemeClr val="accent1"/>
-          </a:effectRef>
-          <a:fontRef idx="minor">
-            <a:schemeClr val="lt1"/>
-          </a:fontRef>
-        </p:style>
-        <p:txBody>
-          <a:bodyPr rtlCol="0" anchor="ctr"/>
-          <a:lstStyle/>
-          <a:p>
-            <a:pPr algn="ctr"/>
-            <a:endParaRPr lang="en-US"/>
-          </a:p>
-        </p:txBody>
-      </p:sp>
-      <p:sp>
-        <p:nvSpPr>
-          <p:cNvPr id="3" name="Content Placeholder 2">
-            <a:extLst>
-              <a:ext uri="{FF2B5EF4-FFF2-40B4-BE49-F238E27FC236}">
-                <a16:creationId xmlns:a16="http://schemas.microsoft.com/office/drawing/2014/main" id="{FD242BE8-5A3F-12C4-809D-5E3840F7CFAA}"/>
-              </a:ext>
-            </a:extLst>
-          </p:cNvPr>
-          <p:cNvSpPr>
-            <a:spLocks noGrp="1"/>
-          </p:cNvSpPr>
-          <p:nvPr>
-            <p:ph idx="1"/>
-          </p:nvPr>
-        </p:nvSpPr>
-        <p:spPr>
-          <a:xfrm>
-            <a:off x="205891" y="2682643"/>
-            <a:ext cx="6643026" cy="3869547"/>
-          </a:xfrm>
-        </p:spPr>
-        <p:txBody>
-          <a:bodyPr anchor="t">
-            <a:normAutofit/>
-          </a:bodyPr>
-          <a:lstStyle/>
-          <a:p>
-            <a:r>
-              <a:rPr lang="en-CH" sz="1200" dirty="0"/>
-              <a:t>Reduces instance-to-instance latencies</a:t>
-            </a:r>
-          </a:p>
-          <a:p>
-            <a:r>
-              <a:rPr lang="en-CH" sz="1200" dirty="0"/>
-              <a:t>Passtrhough hypervisor</a:t>
-            </a:r>
-          </a:p>
-          <a:p>
-            <a:r>
-              <a:rPr lang="en-CH" sz="1200" dirty="0"/>
-              <a:t>Enabled using Elastic Network Adapter (ENA), Elastic Fabric Adapter (EFA) or ixbevf driver</a:t>
-            </a:r>
-          </a:p>
-          <a:p>
-            <a:r>
-              <a:rPr lang="en-GB" sz="1200" dirty="0"/>
-              <a:t>SR-IOV (Single-root input/output virtualization) and PCI (I/O bus) passthrough are methods of device virtualization that provide higher I/O performance and lower CPU utilization  </a:t>
-            </a:r>
-          </a:p>
-          <a:p>
-            <a:r>
-              <a:rPr lang="en-GB" sz="1200" dirty="0"/>
-              <a:t>SR-IOV allows a single physical NIC (Network Interface Card) to present itself as multiple </a:t>
-            </a:r>
-            <a:r>
-              <a:rPr lang="en-GB" sz="1200" dirty="0" err="1"/>
-              <a:t>vNICs</a:t>
-            </a:r>
-            <a:r>
-              <a:rPr lang="en-GB" sz="1200" dirty="0"/>
-              <a:t>  </a:t>
-            </a:r>
-          </a:p>
-          <a:p>
-            <a:r>
-              <a:rPr lang="en-GB" sz="1200" dirty="0"/>
-              <a:t>PCI passthrough enables PCI devices such as ENI to appear as if they are physically attached to the guest operating system bypassing hypervisor  </a:t>
-            </a:r>
-          </a:p>
-          <a:p>
-            <a:r>
-              <a:rPr lang="en-GB" sz="1200" dirty="0"/>
-              <a:t>Ultimately in combination this allows low latency, high rate data transfer (&gt;1 M PPS)</a:t>
-            </a:r>
-          </a:p>
-          <a:p>
-            <a:pPr marL="0" indent="-304792" defTabSz="1219170">
-              <a:spcBef>
-                <a:spcPts val="400"/>
-              </a:spcBef>
-            </a:pPr>
-            <a:r>
-              <a:rPr lang="en-US" sz="1200" dirty="0">
-                <a:sym typeface="Arial"/>
-              </a:rPr>
-              <a:t>With enhanced networking it “owns” it own network interface, which means it can send traffic without using Hen hypervisor</a:t>
-            </a:r>
-          </a:p>
-          <a:p>
-            <a:pPr marL="0" indent="-304792" defTabSz="1219170">
-              <a:spcBef>
-                <a:spcPts val="400"/>
-              </a:spcBef>
-            </a:pPr>
-            <a:r>
-              <a:rPr lang="en-US" sz="1200" dirty="0">
-                <a:sym typeface="Arial"/>
-              </a:rPr>
-              <a:t>Benefits:</a:t>
-            </a:r>
-          </a:p>
-          <a:p>
-            <a:pPr marL="609585" indent="-304792" defTabSz="1219170">
-              <a:spcBef>
-                <a:spcPts val="400"/>
-              </a:spcBef>
-              <a:buSzPts val="1200"/>
-            </a:pPr>
-            <a:r>
-              <a:rPr lang="en-US" sz="1200" dirty="0">
-                <a:sym typeface="Arial"/>
-              </a:rPr>
-              <a:t>Higher bandwidth</a:t>
-            </a:r>
-          </a:p>
-          <a:p>
-            <a:pPr marL="609585" indent="-304792" defTabSz="1219170">
-              <a:spcBef>
-                <a:spcPts val="0"/>
-              </a:spcBef>
-              <a:buSzPts val="1200"/>
-            </a:pPr>
-            <a:r>
-              <a:rPr lang="en-US" sz="1200" dirty="0">
-                <a:sym typeface="Arial"/>
-              </a:rPr>
-              <a:t>Higher PSS performance (packet per second)</a:t>
-            </a:r>
-          </a:p>
-          <a:p>
-            <a:pPr marL="609585" indent="-304792" defTabSz="1219170">
-              <a:spcBef>
-                <a:spcPts val="0"/>
-              </a:spcBef>
-              <a:buSzPts val="1200"/>
-            </a:pPr>
-            <a:r>
-              <a:rPr lang="en-US" sz="1200" dirty="0">
-                <a:sym typeface="Arial"/>
-              </a:rPr>
-              <a:t>Lower inter-instance latency</a:t>
-            </a:r>
-          </a:p>
-          <a:p>
-            <a:pPr marL="609585" indent="-304792" defTabSz="1219170">
-              <a:spcBef>
-                <a:spcPts val="0"/>
-              </a:spcBef>
-              <a:buSzPts val="1200"/>
-            </a:pPr>
-            <a:r>
-              <a:rPr lang="en-US" sz="1200" dirty="0">
-                <a:sym typeface="Arial"/>
-              </a:rPr>
-              <a:t>Around 8% gain in throughput</a:t>
-            </a:r>
-            <a:endParaRPr lang="en-CH" sz="1200" dirty="0"/>
-          </a:p>
-        </p:txBody>
-      </p:sp>
-      <p:pic>
-        <p:nvPicPr>
-          <p:cNvPr id="4" name="Picture 3" descr="A blue arrow with white text&#10;&#10;Description automatically generated">
-            <a:extLst>
-              <a:ext uri="{FF2B5EF4-FFF2-40B4-BE49-F238E27FC236}">
-                <a16:creationId xmlns:a16="http://schemas.microsoft.com/office/drawing/2014/main" id="{A303808B-C5F1-5F0C-331A-986B3B878025}"/>
-              </a:ext>
-            </a:extLst>
-          </p:cNvPr>
-          <p:cNvPicPr>
-            <a:picLocks noChangeAspect="1"/>
-          </p:cNvPicPr>
-          <p:nvPr/>
-        </p:nvPicPr>
-        <p:blipFill>
-          <a:blip r:embed="rId2"/>
-          <a:stretch>
-            <a:fillRect/>
-          </a:stretch>
-        </p:blipFill>
-        <p:spPr>
-          <a:xfrm>
-            <a:off x="6936576" y="2682644"/>
-            <a:ext cx="4990834" cy="2420404"/>
-          </a:xfrm>
-          <a:prstGeom prst="rect">
-            <a:avLst/>
-          </a:prstGeom>
-        </p:spPr>
-      </p:pic>
-    </p:spTree>
-    <p:extLst>
-      <p:ext uri="{BB962C8B-B14F-4D97-AF65-F5344CB8AC3E}">
-        <p14:creationId xmlns:p14="http://schemas.microsoft.com/office/powerpoint/2010/main" val="2451561304"/>
-      </p:ext>
-    </p:extLst>
-  </p:cSld>
-  <p:clrMapOvr>
-    <a:masterClrMapping/>
-  </p:clrMapOvr>
-</p:sld>
-</file>
-
-<file path=ppt/slides/slide3.xml><?xml version="1.0" encoding="utf-8"?>
+<file path=ppt/slides/slide11.xml><?xml version="1.0" encoding="utf-8"?>
 <p:sld xmlns:a="http://schemas.openxmlformats.org/drawingml/2006/main" xmlns:r="http://schemas.openxmlformats.org/officeDocument/2006/relationships" xmlns:p="http://schemas.openxmlformats.org/presentationml/2006/main">
   <p:cSld>
     <p:bg>
@@ -6834,7 +6237,7 @@
           <p:cNvPr id="2" name="Title 1">
             <a:extLst>
               <a:ext uri="{FF2B5EF4-FFF2-40B4-BE49-F238E27FC236}">
-                <a16:creationId xmlns:a16="http://schemas.microsoft.com/office/drawing/2014/main" id="{02D0538C-4D64-C33D-F024-BCE7593781E7}"/>
+                <a16:creationId xmlns:a16="http://schemas.microsoft.com/office/drawing/2014/main" id="{58476B5F-7E4E-1FB6-E314-42E4A07C4CFB}"/>
               </a:ext>
             </a:extLst>
           </p:cNvPr>
@@ -6852,16 +6255,27 @@
           </a:xfrm>
         </p:spPr>
         <p:txBody>
-          <a:bodyPr>
+          <a:bodyPr vert="horz" lIns="91440" tIns="45720" rIns="91440" bIns="45720" rtlCol="0" anchor="ctr">
             <a:normAutofit/>
           </a:bodyPr>
           <a:lstStyle/>
           <a:p>
-            <a:r>
-              <a:rPr lang="en-GB" sz="5400"/>
-              <a:t>Enhanced Networking pre-requisites</a:t>
-            </a:r>
-            <a:endParaRPr lang="en-CH" sz="5400"/>
+            <a:pPr>
+              <a:spcBef>
+                <a:spcPct val="0"/>
+              </a:spcBef>
+            </a:pPr>
+            <a:r>
+              <a:rPr lang="en-US" sz="5400" kern="1200">
+                <a:solidFill>
+                  <a:schemeClr val="tx1"/>
+                </a:solidFill>
+                <a:latin typeface="+mj-lt"/>
+                <a:ea typeface="+mj-ea"/>
+                <a:cs typeface="+mj-cs"/>
+              </a:rPr>
+              <a:t>When to use ENA and when EFA?</a:t>
+            </a:r>
           </a:p>
         </p:txBody>
       </p:sp>
@@ -7505,6 +6919,1765 @@
       </p:sp>
       <p:sp>
         <p:nvSpPr>
+          <p:cNvPr id="3" name="Text Placeholder 2">
+            <a:extLst>
+              <a:ext uri="{FF2B5EF4-FFF2-40B4-BE49-F238E27FC236}">
+                <a16:creationId xmlns:a16="http://schemas.microsoft.com/office/drawing/2014/main" id="{C0BBB596-919D-F4EB-F5F9-4608E8B0E007}"/>
+              </a:ext>
+            </a:extLst>
+          </p:cNvPr>
+          <p:cNvSpPr>
+            <a:spLocks noGrp="1"/>
+          </p:cNvSpPr>
+          <p:nvPr>
+            <p:ph type="body" idx="1"/>
+          </p:nvPr>
+        </p:nvSpPr>
+        <p:spPr>
+          <a:xfrm>
+            <a:off x="587396" y="1929383"/>
+            <a:ext cx="10766404" cy="4459305"/>
+          </a:xfrm>
+        </p:spPr>
+        <p:txBody>
+          <a:bodyPr vert="horz" lIns="91440" tIns="45720" rIns="91440" bIns="45720" rtlCol="0">
+            <a:normAutofit lnSpcReduction="10000"/>
+          </a:bodyPr>
+          <a:lstStyle/>
+          <a:p>
+            <a:pPr indent="-228600">
+              <a:spcBef>
+                <a:spcPts val="300"/>
+              </a:spcBef>
+              <a:spcAft>
+                <a:spcPts val="300"/>
+              </a:spcAft>
+              <a:buFont typeface="Arial" panose="020B0604020202020204" pitchFamily="34" charset="0"/>
+              <a:buChar char="•"/>
+            </a:pPr>
+            <a:r>
+              <a:rPr lang="en-US" sz="1100" b="0" i="0" dirty="0">
+                <a:effectLst/>
+              </a:rPr>
+              <a:t>Both AWS Elastic Network Adapters (ENA) and Elastic Fabric Adapters (EFA) support high network speeds of up to 100 Gbps, but there are key differences that make EFA a more suitable choice for certain specific use cases:</a:t>
+            </a:r>
+          </a:p>
+          <a:p>
+            <a:pPr indent="-228600">
+              <a:spcBef>
+                <a:spcPts val="300"/>
+              </a:spcBef>
+              <a:spcAft>
+                <a:spcPts val="300"/>
+              </a:spcAft>
+              <a:buFont typeface="Arial" panose="020B0604020202020204" pitchFamily="34" charset="0"/>
+              <a:buChar char="•"/>
+            </a:pPr>
+            <a:r>
+              <a:rPr lang="en-US" sz="1100" b="1" i="0" dirty="0">
+                <a:effectLst/>
+              </a:rPr>
+              <a:t>Purpose-Built for High-Performance Computing (HPC) and Machine Learning</a:t>
+            </a:r>
+            <a:r>
+              <a:rPr lang="en-US" sz="1100" b="0" i="0" dirty="0">
+                <a:effectLst/>
+              </a:rPr>
+              <a:t>:</a:t>
+            </a:r>
+          </a:p>
+          <a:p>
+            <a:pPr marL="800100" lvl="1" indent="-228600">
+              <a:spcBef>
+                <a:spcPts val="300"/>
+              </a:spcBef>
+              <a:spcAft>
+                <a:spcPts val="300"/>
+              </a:spcAft>
+              <a:buFont typeface="Arial" panose="020B0604020202020204" pitchFamily="34" charset="0"/>
+              <a:buChar char="•"/>
+            </a:pPr>
+            <a:r>
+              <a:rPr lang="en-US" sz="1100" b="0" i="0" dirty="0">
+                <a:effectLst/>
+              </a:rPr>
+              <a:t>EFAs are designed specifically to accelerate HPC and machine learning applications on Amazon EC2 instances. </a:t>
+            </a:r>
+          </a:p>
+          <a:p>
+            <a:pPr marL="800100" lvl="1" indent="-228600">
+              <a:spcBef>
+                <a:spcPts val="300"/>
+              </a:spcBef>
+              <a:spcAft>
+                <a:spcPts val="300"/>
+              </a:spcAft>
+              <a:buFont typeface="Arial" panose="020B0604020202020204" pitchFamily="34" charset="0"/>
+              <a:buChar char="•"/>
+            </a:pPr>
+            <a:r>
+              <a:rPr lang="en-US" sz="1100" b="0" i="0" dirty="0">
+                <a:effectLst/>
+              </a:rPr>
+              <a:t>They are ideal for applications that require high levels of inter-instance communication, enabling customers to achieve on-premises HPC cluster performance with the scalability of AWS Cloud​​.</a:t>
+            </a:r>
+          </a:p>
+          <a:p>
+            <a:pPr indent="-228600">
+              <a:spcBef>
+                <a:spcPts val="300"/>
+              </a:spcBef>
+              <a:spcAft>
+                <a:spcPts val="300"/>
+              </a:spcAft>
+              <a:buFont typeface="Arial" panose="020B0604020202020204" pitchFamily="34" charset="0"/>
+              <a:buChar char="•"/>
+            </a:pPr>
+            <a:r>
+              <a:rPr lang="en-US" sz="1100" b="1" i="0" dirty="0">
+                <a:effectLst/>
+              </a:rPr>
+              <a:t>OS-Bypass Capabilities</a:t>
+            </a:r>
+            <a:r>
+              <a:rPr lang="en-US" sz="1100" b="0" i="0" dirty="0">
+                <a:effectLst/>
+              </a:rPr>
+              <a:t>:</a:t>
+            </a:r>
+          </a:p>
+          <a:p>
+            <a:pPr marL="800100" lvl="1" indent="-228600">
+              <a:spcBef>
+                <a:spcPts val="300"/>
+              </a:spcBef>
+              <a:spcAft>
+                <a:spcPts val="300"/>
+              </a:spcAft>
+              <a:buFont typeface="Arial" panose="020B0604020202020204" pitchFamily="34" charset="0"/>
+              <a:buChar char="•"/>
+            </a:pPr>
+            <a:r>
+              <a:rPr lang="en-US" sz="1100" b="0" i="0" dirty="0">
+                <a:effectLst/>
+              </a:rPr>
+              <a:t>One of the key features of EFA is its OS-bypass capability. </a:t>
+            </a:r>
+          </a:p>
+          <a:p>
+            <a:pPr marL="800100" lvl="1" indent="-228600">
+              <a:spcBef>
+                <a:spcPts val="300"/>
+              </a:spcBef>
+              <a:spcAft>
+                <a:spcPts val="300"/>
+              </a:spcAft>
+              <a:buFont typeface="Arial" panose="020B0604020202020204" pitchFamily="34" charset="0"/>
+              <a:buChar char="•"/>
+            </a:pPr>
+            <a:r>
+              <a:rPr lang="en-US" sz="1100" b="0" i="0" dirty="0">
+                <a:effectLst/>
+              </a:rPr>
+              <a:t>This allows HPC and machine learning applications to communicate directly with the network interface hardware, bypassing the operating system kernel. </a:t>
+            </a:r>
+          </a:p>
+          <a:p>
+            <a:pPr marL="800100" lvl="1" indent="-228600">
+              <a:spcBef>
+                <a:spcPts val="300"/>
+              </a:spcBef>
+              <a:spcAft>
+                <a:spcPts val="300"/>
+              </a:spcAft>
+              <a:buFont typeface="Arial" panose="020B0604020202020204" pitchFamily="34" charset="0"/>
+              <a:buChar char="•"/>
+            </a:pPr>
+            <a:r>
+              <a:rPr lang="en-US" sz="1100" b="0" i="0" dirty="0">
+                <a:effectLst/>
+              </a:rPr>
+              <a:t>This results in lower latency and more reliable transport, crucial for scaling HPC and machine learning applications​​​​.</a:t>
+            </a:r>
+          </a:p>
+          <a:p>
+            <a:pPr indent="-228600">
+              <a:spcBef>
+                <a:spcPts val="300"/>
+              </a:spcBef>
+              <a:spcAft>
+                <a:spcPts val="300"/>
+              </a:spcAft>
+              <a:buFont typeface="Arial" panose="020B0604020202020204" pitchFamily="34" charset="0"/>
+              <a:buChar char="•"/>
+            </a:pPr>
+            <a:r>
+              <a:rPr lang="en-US" sz="1100" b="1" i="0" dirty="0">
+                <a:effectLst/>
+              </a:rPr>
+              <a:t>Support for </a:t>
+            </a:r>
+            <a:r>
+              <a:rPr lang="en-US" sz="1100" b="1" i="0" dirty="0" err="1">
+                <a:effectLst/>
+              </a:rPr>
+              <a:t>libfabric</a:t>
+            </a:r>
+            <a:r>
+              <a:rPr lang="en-US" sz="1100" b="1" i="0" dirty="0">
+                <a:effectLst/>
+              </a:rPr>
+              <a:t> API and MPI</a:t>
+            </a:r>
+            <a:r>
+              <a:rPr lang="en-US" sz="1100" b="0" i="0" dirty="0">
+                <a:effectLst/>
+              </a:rPr>
+              <a:t>:</a:t>
+            </a:r>
+          </a:p>
+          <a:p>
+            <a:pPr marL="800100" lvl="1" indent="-228600">
+              <a:spcBef>
+                <a:spcPts val="300"/>
+              </a:spcBef>
+              <a:spcAft>
+                <a:spcPts val="300"/>
+              </a:spcAft>
+              <a:buFont typeface="Arial" panose="020B0604020202020204" pitchFamily="34" charset="0"/>
+              <a:buChar char="•"/>
+            </a:pPr>
+            <a:r>
+              <a:rPr lang="en-US" sz="1100" b="0" i="0" dirty="0">
+                <a:effectLst/>
+              </a:rPr>
+              <a:t>EFA supports </a:t>
+            </a:r>
+            <a:r>
+              <a:rPr lang="en-US" sz="1100" b="0" i="0" dirty="0" err="1">
+                <a:effectLst/>
+              </a:rPr>
+              <a:t>libfabric</a:t>
+            </a:r>
+            <a:r>
+              <a:rPr lang="en-US" sz="1100" b="0" i="0" dirty="0">
+                <a:effectLst/>
+              </a:rPr>
+              <a:t> APIs, which means applications using a supported MPI (Message Passing Interface) library can be easily migrated to AWS without any changes to their existing code. </a:t>
+            </a:r>
+          </a:p>
+          <a:p>
+            <a:pPr marL="800100" lvl="1" indent="-228600">
+              <a:spcBef>
+                <a:spcPts val="300"/>
+              </a:spcBef>
+              <a:spcAft>
+                <a:spcPts val="300"/>
+              </a:spcAft>
+              <a:buFont typeface="Arial" panose="020B0604020202020204" pitchFamily="34" charset="0"/>
+              <a:buChar char="•"/>
+            </a:pPr>
+            <a:r>
+              <a:rPr lang="en-US" sz="1100" b="0" i="0" dirty="0">
+                <a:effectLst/>
+              </a:rPr>
+              <a:t>This feature is particularly beneficial in facilitating the transition of traditional HPC applications to the cloud​​.</a:t>
+            </a:r>
+          </a:p>
+          <a:p>
+            <a:pPr indent="-228600">
+              <a:spcBef>
+                <a:spcPts val="300"/>
+              </a:spcBef>
+              <a:spcAft>
+                <a:spcPts val="300"/>
+              </a:spcAft>
+              <a:buFont typeface="Arial" panose="020B0604020202020204" pitchFamily="34" charset="0"/>
+              <a:buChar char="•"/>
+            </a:pPr>
+            <a:r>
+              <a:rPr lang="en-US" sz="1100" b="1" i="0" dirty="0">
+                <a:effectLst/>
+              </a:rPr>
+              <a:t>Use with AWS Cluster Placement Groups</a:t>
+            </a:r>
+            <a:r>
+              <a:rPr lang="en-US" sz="1100" b="0" i="0" dirty="0">
+                <a:effectLst/>
+              </a:rPr>
+              <a:t>:</a:t>
+            </a:r>
+          </a:p>
+          <a:p>
+            <a:pPr marL="800100" lvl="1" indent="-228600">
+              <a:spcBef>
+                <a:spcPts val="300"/>
+              </a:spcBef>
+              <a:spcAft>
+                <a:spcPts val="300"/>
+              </a:spcAft>
+              <a:buFont typeface="Arial" panose="020B0604020202020204" pitchFamily="34" charset="0"/>
+              <a:buChar char="•"/>
+            </a:pPr>
+            <a:r>
+              <a:rPr lang="en-US" sz="1100" b="0" i="0" dirty="0">
+                <a:effectLst/>
+              </a:rPr>
+              <a:t>EFAs are often used in conjunction with AWS Cluster Placement Groups. </a:t>
+            </a:r>
+          </a:p>
+          <a:p>
+            <a:pPr marL="800100" lvl="1" indent="-228600">
+              <a:spcBef>
+                <a:spcPts val="300"/>
+              </a:spcBef>
+              <a:spcAft>
+                <a:spcPts val="300"/>
+              </a:spcAft>
+              <a:buFont typeface="Arial" panose="020B0604020202020204" pitchFamily="34" charset="0"/>
+              <a:buChar char="•"/>
+            </a:pPr>
+            <a:r>
+              <a:rPr lang="en-US" sz="1100" b="0" i="0" dirty="0">
+                <a:effectLst/>
+              </a:rPr>
+              <a:t>This setup allows physical hosts to be placed closer together within an Availability Zone, further decreasing latency and enhancing application performance for workloads like weather modeling, oil and gas simulations, and financial modeling​​.</a:t>
+            </a:r>
+          </a:p>
+          <a:p>
+            <a:pPr indent="-228600">
+              <a:spcBef>
+                <a:spcPts val="300"/>
+              </a:spcBef>
+              <a:spcAft>
+                <a:spcPts val="300"/>
+              </a:spcAft>
+              <a:buFont typeface="Arial" panose="020B0604020202020204" pitchFamily="34" charset="0"/>
+              <a:buChar char="•"/>
+            </a:pPr>
+            <a:r>
+              <a:rPr lang="en-US" sz="1100" dirty="0"/>
+              <a:t>W</a:t>
+            </a:r>
+            <a:r>
+              <a:rPr lang="en-US" sz="1100" b="0" i="0" dirty="0">
+                <a:effectLst/>
+              </a:rPr>
+              <a:t>hile ENA provides high network performance suitable for a wide range of applications, EFA is specifically tailored for HPC and machine learning workloads that demand lower latency, higher throughput, and efficient inter-instance communication. </a:t>
+            </a:r>
+          </a:p>
+          <a:p>
+            <a:pPr indent="-228600">
+              <a:spcBef>
+                <a:spcPts val="300"/>
+              </a:spcBef>
+              <a:spcAft>
+                <a:spcPts val="300"/>
+              </a:spcAft>
+              <a:buFont typeface="Arial" panose="020B0604020202020204" pitchFamily="34" charset="0"/>
+              <a:buChar char="•"/>
+            </a:pPr>
+            <a:r>
+              <a:rPr lang="en-US" sz="1100" b="0" i="0" dirty="0">
+                <a:effectLst/>
+              </a:rPr>
+              <a:t>The decision to use EFA over ENA would depend on the specific requirements of your applications, especially if they are in the realm of high-performance computing or require efficient parallel processing across multiple instances.</a:t>
+            </a:r>
+          </a:p>
+        </p:txBody>
+      </p:sp>
+    </p:spTree>
+    <p:extLst>
+      <p:ext uri="{BB962C8B-B14F-4D97-AF65-F5344CB8AC3E}">
+        <p14:creationId xmlns:p14="http://schemas.microsoft.com/office/powerpoint/2010/main" val="2874318930"/>
+      </p:ext>
+    </p:extLst>
+  </p:cSld>
+  <p:clrMapOvr>
+    <a:masterClrMapping/>
+  </p:clrMapOvr>
+</p:sld>
+</file>
+
+<file path=ppt/slides/slide2.xml><?xml version="1.0" encoding="utf-8"?>
+<p:sld xmlns:a="http://schemas.openxmlformats.org/drawingml/2006/main" xmlns:r="http://schemas.openxmlformats.org/officeDocument/2006/relationships" xmlns:p="http://schemas.openxmlformats.org/presentationml/2006/main">
+  <p:cSld>
+    <p:bg>
+      <p:bgPr>
+        <a:solidFill>
+          <a:schemeClr val="bg1"/>
+        </a:solidFill>
+        <a:effectLst/>
+      </p:bgPr>
+    </p:bg>
+    <p:spTree>
+      <p:nvGrpSpPr>
+        <p:cNvPr id="1" name=""/>
+        <p:cNvGrpSpPr/>
+        <p:nvPr/>
+      </p:nvGrpSpPr>
+      <p:grpSpPr>
+        <a:xfrm>
+          <a:off x="0" y="0"/>
+          <a:ext cx="0" cy="0"/>
+          <a:chOff x="0" y="0"/>
+          <a:chExt cx="0" cy="0"/>
+        </a:xfrm>
+      </p:grpSpPr>
+      <p:sp useBgFill="1">
+        <p:nvSpPr>
+          <p:cNvPr id="9" name="Rectangle 8">
+            <a:extLst>
+              <a:ext uri="{FF2B5EF4-FFF2-40B4-BE49-F238E27FC236}">
+                <a16:creationId xmlns:a16="http://schemas.microsoft.com/office/drawing/2014/main" id="{2B97F24A-32CE-4C1C-A50D-3016B394DCFB}"/>
+              </a:ext>
+              <a:ext uri="{C183D7F6-B498-43B3-948B-1728B52AA6E4}">
+                <adec:decorative xmlns:adec="http://schemas.microsoft.com/office/drawing/2017/decorative" val="1"/>
+              </a:ext>
+            </a:extLst>
+          </p:cNvPr>
+          <p:cNvSpPr>
+            <a:spLocks noGrp="1" noRot="1" noChangeAspect="1" noMove="1" noResize="1" noEditPoints="1" noAdjustHandles="1" noChangeArrowheads="1" noChangeShapeType="1" noTextEdit="1"/>
+          </p:cNvSpPr>
+          <p:nvPr>
+            <p:extLst>
+              <p:ext uri="{386F3935-93C4-4BCD-93E2-E3B085C9AB24}">
+                <p16:designElem xmlns:p16="http://schemas.microsoft.com/office/powerpoint/2015/main" val="1"/>
+              </p:ext>
+            </p:extLst>
+          </p:nvPr>
+        </p:nvSpPr>
+        <p:spPr>
+          <a:xfrm>
+            <a:off x="0" y="0"/>
+            <a:ext cx="12192000" cy="6858000"/>
+          </a:xfrm>
+          <a:prstGeom prst="rect">
+            <a:avLst/>
+          </a:prstGeom>
+          <a:ln>
+            <a:noFill/>
+          </a:ln>
+        </p:spPr>
+        <p:style>
+          <a:lnRef idx="2">
+            <a:schemeClr val="accent1">
+              <a:shade val="50000"/>
+            </a:schemeClr>
+          </a:lnRef>
+          <a:fillRef idx="1">
+            <a:schemeClr val="accent1"/>
+          </a:fillRef>
+          <a:effectRef idx="0">
+            <a:schemeClr val="accent1"/>
+          </a:effectRef>
+          <a:fontRef idx="minor">
+            <a:schemeClr val="lt1"/>
+          </a:fontRef>
+        </p:style>
+        <p:txBody>
+          <a:bodyPr rtlCol="0" anchor="ctr"/>
+          <a:lstStyle/>
+          <a:p>
+            <a:pPr algn="ctr"/>
+            <a:endParaRPr lang="en-US"/>
+          </a:p>
+        </p:txBody>
+      </p:sp>
+      <p:sp>
+        <p:nvSpPr>
+          <p:cNvPr id="2" name="Title 1">
+            <a:extLst>
+              <a:ext uri="{FF2B5EF4-FFF2-40B4-BE49-F238E27FC236}">
+                <a16:creationId xmlns:a16="http://schemas.microsoft.com/office/drawing/2014/main" id="{21B347B9-B463-BC6A-96D7-FD496E2BE943}"/>
+              </a:ext>
+            </a:extLst>
+          </p:cNvPr>
+          <p:cNvSpPr>
+            <a:spLocks noGrp="1"/>
+          </p:cNvSpPr>
+          <p:nvPr>
+            <p:ph type="title"/>
+          </p:nvPr>
+        </p:nvSpPr>
+        <p:spPr>
+          <a:xfrm>
+            <a:off x="630936" y="639520"/>
+            <a:ext cx="3429000" cy="1719072"/>
+          </a:xfrm>
+        </p:spPr>
+        <p:txBody>
+          <a:bodyPr anchor="b">
+            <a:normAutofit/>
+          </a:bodyPr>
+          <a:lstStyle/>
+          <a:p>
+            <a:r>
+              <a:rPr lang="en-CH" sz="3800"/>
+              <a:t>What is Enhanced networking?</a:t>
+            </a:r>
+          </a:p>
+        </p:txBody>
+      </p:sp>
+      <p:sp>
+        <p:nvSpPr>
+          <p:cNvPr id="11" name="sketch line">
+            <a:extLst>
+              <a:ext uri="{FF2B5EF4-FFF2-40B4-BE49-F238E27FC236}">
+                <a16:creationId xmlns:a16="http://schemas.microsoft.com/office/drawing/2014/main" id="{6357EC4F-235E-4222-A36F-C7878ACE37F2}"/>
+              </a:ext>
+              <a:ext uri="{C183D7F6-B498-43B3-948B-1728B52AA6E4}">
+                <adec:decorative xmlns:adec="http://schemas.microsoft.com/office/drawing/2017/decorative" val="1"/>
+              </a:ext>
+            </a:extLst>
+          </p:cNvPr>
+          <p:cNvSpPr>
+            <a:spLocks noGrp="1" noRot="1" noChangeAspect="1" noMove="1" noResize="1" noEditPoints="1" noAdjustHandles="1" noChangeArrowheads="1" noChangeShapeType="1" noTextEdit="1"/>
+          </p:cNvSpPr>
+          <p:nvPr>
+            <p:extLst>
+              <p:ext uri="{386F3935-93C4-4BCD-93E2-E3B085C9AB24}">
+                <p16:designElem xmlns:p16="http://schemas.microsoft.com/office/powerpoint/2015/main" val="1"/>
+              </p:ext>
+            </p:extLst>
+          </p:nvPr>
+        </p:nvSpPr>
+        <p:spPr>
+          <a:xfrm>
+            <a:off x="643278" y="2573756"/>
+            <a:ext cx="3255095" cy="18288"/>
+          </a:xfrm>
+          <a:custGeom>
+            <a:avLst/>
+            <a:gdLst>
+              <a:gd name="connsiteX0" fmla="*/ 0 w 3255095"/>
+              <a:gd name="connsiteY0" fmla="*/ 0 h 18288"/>
+              <a:gd name="connsiteX1" fmla="*/ 618468 w 3255095"/>
+              <a:gd name="connsiteY1" fmla="*/ 0 h 18288"/>
+              <a:gd name="connsiteX2" fmla="*/ 1269487 w 3255095"/>
+              <a:gd name="connsiteY2" fmla="*/ 0 h 18288"/>
+              <a:gd name="connsiteX3" fmla="*/ 1953057 w 3255095"/>
+              <a:gd name="connsiteY3" fmla="*/ 0 h 18288"/>
+              <a:gd name="connsiteX4" fmla="*/ 2636627 w 3255095"/>
+              <a:gd name="connsiteY4" fmla="*/ 0 h 18288"/>
+              <a:gd name="connsiteX5" fmla="*/ 3255095 w 3255095"/>
+              <a:gd name="connsiteY5" fmla="*/ 0 h 18288"/>
+              <a:gd name="connsiteX6" fmla="*/ 3255095 w 3255095"/>
+              <a:gd name="connsiteY6" fmla="*/ 18288 h 18288"/>
+              <a:gd name="connsiteX7" fmla="*/ 2538974 w 3255095"/>
+              <a:gd name="connsiteY7" fmla="*/ 18288 h 18288"/>
+              <a:gd name="connsiteX8" fmla="*/ 1822853 w 3255095"/>
+              <a:gd name="connsiteY8" fmla="*/ 18288 h 18288"/>
+              <a:gd name="connsiteX9" fmla="*/ 1171834 w 3255095"/>
+              <a:gd name="connsiteY9" fmla="*/ 18288 h 18288"/>
+              <a:gd name="connsiteX10" fmla="*/ 0 w 3255095"/>
+              <a:gd name="connsiteY10" fmla="*/ 18288 h 18288"/>
+              <a:gd name="connsiteX11" fmla="*/ 0 w 3255095"/>
+              <a:gd name="connsiteY11" fmla="*/ 0 h 18288"/>
+            </a:gdLst>
+            <a:ahLst/>
+            <a:cxnLst>
+              <a:cxn ang="0">
+                <a:pos x="connsiteX0" y="connsiteY0"/>
+              </a:cxn>
+              <a:cxn ang="0">
+                <a:pos x="connsiteX1" y="connsiteY1"/>
+              </a:cxn>
+              <a:cxn ang="0">
+                <a:pos x="connsiteX2" y="connsiteY2"/>
+              </a:cxn>
+              <a:cxn ang="0">
+                <a:pos x="connsiteX3" y="connsiteY3"/>
+              </a:cxn>
+              <a:cxn ang="0">
+                <a:pos x="connsiteX4" y="connsiteY4"/>
+              </a:cxn>
+              <a:cxn ang="0">
+                <a:pos x="connsiteX5" y="connsiteY5"/>
+              </a:cxn>
+              <a:cxn ang="0">
+                <a:pos x="connsiteX6" y="connsiteY6"/>
+              </a:cxn>
+              <a:cxn ang="0">
+                <a:pos x="connsiteX7" y="connsiteY7"/>
+              </a:cxn>
+              <a:cxn ang="0">
+                <a:pos x="connsiteX8" y="connsiteY8"/>
+              </a:cxn>
+              <a:cxn ang="0">
+                <a:pos x="connsiteX9" y="connsiteY9"/>
+              </a:cxn>
+              <a:cxn ang="0">
+                <a:pos x="connsiteX10" y="connsiteY10"/>
+              </a:cxn>
+              <a:cxn ang="0">
+                <a:pos x="connsiteX11" y="connsiteY11"/>
+              </a:cxn>
+            </a:cxnLst>
+            <a:rect l="l" t="t" r="r" b="b"/>
+            <a:pathLst>
+              <a:path w="3255095" h="18288" fill="none" extrusionOk="0">
+                <a:moveTo>
+                  <a:pt x="0" y="0"/>
+                </a:moveTo>
+                <a:cubicBezTo>
+                  <a:pt x="240201" y="-22123"/>
+                  <a:pt x="462021" y="-19623"/>
+                  <a:pt x="618468" y="0"/>
+                </a:cubicBezTo>
+                <a:cubicBezTo>
+                  <a:pt x="774915" y="19623"/>
+                  <a:pt x="974734" y="2035"/>
+                  <a:pt x="1269487" y="0"/>
+                </a:cubicBezTo>
+                <a:cubicBezTo>
+                  <a:pt x="1564240" y="-2035"/>
+                  <a:pt x="1733579" y="10639"/>
+                  <a:pt x="1953057" y="0"/>
+                </a:cubicBezTo>
+                <a:cubicBezTo>
+                  <a:pt x="2172535" y="-10639"/>
+                  <a:pt x="2453962" y="14018"/>
+                  <a:pt x="2636627" y="0"/>
+                </a:cubicBezTo>
+                <a:cubicBezTo>
+                  <a:pt x="2819292" y="-14018"/>
+                  <a:pt x="3121375" y="5399"/>
+                  <a:pt x="3255095" y="0"/>
+                </a:cubicBezTo>
+                <a:cubicBezTo>
+                  <a:pt x="3254386" y="8157"/>
+                  <a:pt x="3254682" y="12125"/>
+                  <a:pt x="3255095" y="18288"/>
+                </a:cubicBezTo>
+                <a:cubicBezTo>
+                  <a:pt x="3088545" y="23203"/>
+                  <a:pt x="2687475" y="7419"/>
+                  <a:pt x="2538974" y="18288"/>
+                </a:cubicBezTo>
+                <a:cubicBezTo>
+                  <a:pt x="2390473" y="29157"/>
+                  <a:pt x="2137381" y="-8959"/>
+                  <a:pt x="1822853" y="18288"/>
+                </a:cubicBezTo>
+                <a:cubicBezTo>
+                  <a:pt x="1508325" y="45535"/>
+                  <a:pt x="1466437" y="20385"/>
+                  <a:pt x="1171834" y="18288"/>
+                </a:cubicBezTo>
+                <a:cubicBezTo>
+                  <a:pt x="877231" y="16191"/>
+                  <a:pt x="561097" y="37643"/>
+                  <a:pt x="0" y="18288"/>
+                </a:cubicBezTo>
+                <a:cubicBezTo>
+                  <a:pt x="-46" y="12483"/>
+                  <a:pt x="-203" y="6491"/>
+                  <a:pt x="0" y="0"/>
+                </a:cubicBezTo>
+                <a:close/>
+              </a:path>
+              <a:path w="3255095" h="18288" stroke="0" extrusionOk="0">
+                <a:moveTo>
+                  <a:pt x="0" y="0"/>
+                </a:moveTo>
+                <a:cubicBezTo>
+                  <a:pt x="291965" y="19429"/>
+                  <a:pt x="363155" y="8568"/>
+                  <a:pt x="618468" y="0"/>
+                </a:cubicBezTo>
+                <a:cubicBezTo>
+                  <a:pt x="873781" y="-8568"/>
+                  <a:pt x="904459" y="-19505"/>
+                  <a:pt x="1171834" y="0"/>
+                </a:cubicBezTo>
+                <a:cubicBezTo>
+                  <a:pt x="1439209" y="19505"/>
+                  <a:pt x="1744369" y="9790"/>
+                  <a:pt x="1887955" y="0"/>
+                </a:cubicBezTo>
+                <a:cubicBezTo>
+                  <a:pt x="2031541" y="-9790"/>
+                  <a:pt x="2346378" y="21240"/>
+                  <a:pt x="2506423" y="0"/>
+                </a:cubicBezTo>
+                <a:cubicBezTo>
+                  <a:pt x="2666468" y="-21240"/>
+                  <a:pt x="2990257" y="30414"/>
+                  <a:pt x="3255095" y="0"/>
+                </a:cubicBezTo>
+                <a:cubicBezTo>
+                  <a:pt x="3254831" y="4493"/>
+                  <a:pt x="3255479" y="9472"/>
+                  <a:pt x="3255095" y="18288"/>
+                </a:cubicBezTo>
+                <a:cubicBezTo>
+                  <a:pt x="3120743" y="16690"/>
+                  <a:pt x="2759628" y="42462"/>
+                  <a:pt x="2604076" y="18288"/>
+                </a:cubicBezTo>
+                <a:cubicBezTo>
+                  <a:pt x="2448524" y="-5886"/>
+                  <a:pt x="2184336" y="19599"/>
+                  <a:pt x="1887955" y="18288"/>
+                </a:cubicBezTo>
+                <a:cubicBezTo>
+                  <a:pt x="1591574" y="16977"/>
+                  <a:pt x="1548845" y="6870"/>
+                  <a:pt x="1334589" y="18288"/>
+                </a:cubicBezTo>
+                <a:cubicBezTo>
+                  <a:pt x="1120333" y="29706"/>
+                  <a:pt x="996014" y="9662"/>
+                  <a:pt x="683570" y="18288"/>
+                </a:cubicBezTo>
+                <a:cubicBezTo>
+                  <a:pt x="371126" y="26914"/>
+                  <a:pt x="198687" y="16167"/>
+                  <a:pt x="0" y="18288"/>
+                </a:cubicBezTo>
+                <a:cubicBezTo>
+                  <a:pt x="843" y="9577"/>
+                  <a:pt x="371" y="6900"/>
+                  <a:pt x="0" y="0"/>
+                </a:cubicBezTo>
+                <a:close/>
+              </a:path>
+            </a:pathLst>
+          </a:custGeom>
+          <a:solidFill>
+            <a:schemeClr val="accent2"/>
+          </a:solidFill>
+          <a:ln w="38100" cap="rnd">
+            <a:solidFill>
+              <a:schemeClr val="accent2"/>
+            </a:solidFill>
+            <a:round/>
+            <a:extLst>
+              <a:ext uri="{C807C97D-BFC1-408E-A445-0C87EB9F89A2}">
+                <ask:lineSketchStyleProps xmlns:ask="http://schemas.microsoft.com/office/drawing/2018/sketchyshapes" sd="1219033472">
+                  <a:prstGeom prst="rect">
+                    <a:avLst/>
+                  </a:prstGeom>
+                  <ask:type>
+                    <ask:lineSketchFreehand/>
+                  </ask:type>
+                </ask:lineSketchStyleProps>
+              </a:ext>
+            </a:extLst>
+          </a:ln>
+        </p:spPr>
+        <p:style>
+          <a:lnRef idx="2">
+            <a:schemeClr val="accent1">
+              <a:shade val="50000"/>
+            </a:schemeClr>
+          </a:lnRef>
+          <a:fillRef idx="1">
+            <a:schemeClr val="accent1"/>
+          </a:fillRef>
+          <a:effectRef idx="0">
+            <a:schemeClr val="accent1"/>
+          </a:effectRef>
+          <a:fontRef idx="minor">
+            <a:schemeClr val="lt1"/>
+          </a:fontRef>
+        </p:style>
+        <p:txBody>
+          <a:bodyPr rtlCol="0" anchor="ctr"/>
+          <a:lstStyle/>
+          <a:p>
+            <a:pPr algn="ctr"/>
+            <a:endParaRPr lang="en-US"/>
+          </a:p>
+        </p:txBody>
+      </p:sp>
+      <p:sp>
+        <p:nvSpPr>
+          <p:cNvPr id="3" name="Content Placeholder 2">
+            <a:extLst>
+              <a:ext uri="{FF2B5EF4-FFF2-40B4-BE49-F238E27FC236}">
+                <a16:creationId xmlns:a16="http://schemas.microsoft.com/office/drawing/2014/main" id="{FD242BE8-5A3F-12C4-809D-5E3840F7CFAA}"/>
+              </a:ext>
+            </a:extLst>
+          </p:cNvPr>
+          <p:cNvSpPr>
+            <a:spLocks noGrp="1"/>
+          </p:cNvSpPr>
+          <p:nvPr>
+            <p:ph idx="1"/>
+          </p:nvPr>
+        </p:nvSpPr>
+        <p:spPr>
+          <a:xfrm>
+            <a:off x="205891" y="2682643"/>
+            <a:ext cx="6643026" cy="3869547"/>
+          </a:xfrm>
+        </p:spPr>
+        <p:txBody>
+          <a:bodyPr anchor="t">
+            <a:normAutofit/>
+          </a:bodyPr>
+          <a:lstStyle/>
+          <a:p>
+            <a:r>
+              <a:rPr lang="en-CH" sz="1200" b="1" dirty="0"/>
+              <a:t>Reduces instance-to-instance latencies</a:t>
+            </a:r>
+          </a:p>
+          <a:p>
+            <a:r>
+              <a:rPr lang="en-CH" sz="1200" b="1" dirty="0"/>
+              <a:t>Passthrough hypervisor</a:t>
+            </a:r>
+          </a:p>
+          <a:p>
+            <a:r>
+              <a:rPr lang="en-CH" sz="1200" dirty="0"/>
+              <a:t>Enabled using Elastic Network Adapter (</a:t>
+            </a:r>
+            <a:r>
+              <a:rPr lang="en-CH" sz="1200" b="1" dirty="0"/>
+              <a:t>ENA</a:t>
+            </a:r>
+            <a:r>
+              <a:rPr lang="en-CH" sz="1200" dirty="0"/>
+              <a:t>), Elastic Fabric Adapter (</a:t>
+            </a:r>
+            <a:r>
+              <a:rPr lang="en-CH" sz="1200" b="1" dirty="0"/>
+              <a:t>EFA</a:t>
+            </a:r>
+            <a:r>
+              <a:rPr lang="en-CH" sz="1200" dirty="0"/>
+              <a:t>) or </a:t>
+            </a:r>
+            <a:r>
+              <a:rPr lang="en-CH" sz="1200" b="1" dirty="0"/>
+              <a:t>ixbevf driver</a:t>
+            </a:r>
+          </a:p>
+          <a:p>
+            <a:r>
+              <a:rPr lang="en-GB" sz="1200" dirty="0"/>
+              <a:t>SR-IOV (Single-root input/output virtualization) and PCI (I/O bus) passthrough are methods of device virtualization that provide higher I/O performance and lower CPU utilization  </a:t>
+            </a:r>
+          </a:p>
+          <a:p>
+            <a:r>
+              <a:rPr lang="en-GB" sz="1200" dirty="0"/>
+              <a:t>SR-IOV allows a single physical NIC (Network Interface Card) to present itself as multiple </a:t>
+            </a:r>
+            <a:r>
+              <a:rPr lang="en-GB" sz="1200" dirty="0" err="1"/>
+              <a:t>vNICs</a:t>
+            </a:r>
+            <a:r>
+              <a:rPr lang="en-GB" sz="1200" dirty="0"/>
+              <a:t>  </a:t>
+            </a:r>
+          </a:p>
+          <a:p>
+            <a:r>
+              <a:rPr lang="en-GB" sz="1200" dirty="0"/>
+              <a:t>PCI passthrough enables PCI devices such as ENI to appear as if they are physically attached to the guest operating system bypassing hypervisor  </a:t>
+            </a:r>
+          </a:p>
+          <a:p>
+            <a:r>
+              <a:rPr lang="en-GB" sz="1200" dirty="0"/>
+              <a:t>Ultimately in combination this allows low latency, high rate data transfer (&gt;1 M PPS)</a:t>
+            </a:r>
+          </a:p>
+          <a:p>
+            <a:pPr marL="0" indent="-304792" defTabSz="1219170">
+              <a:spcBef>
+                <a:spcPts val="400"/>
+              </a:spcBef>
+            </a:pPr>
+            <a:r>
+              <a:rPr lang="en-US" sz="1200" b="1" dirty="0">
+                <a:sym typeface="Arial"/>
+              </a:rPr>
+              <a:t>With enhanced networking it “owns” it own network interface, which means it can send traffic without using Hen hypervisor</a:t>
+            </a:r>
+          </a:p>
+          <a:p>
+            <a:pPr marL="0" indent="-304792" defTabSz="1219170">
+              <a:spcBef>
+                <a:spcPts val="400"/>
+              </a:spcBef>
+            </a:pPr>
+            <a:r>
+              <a:rPr lang="en-US" sz="1200" dirty="0">
+                <a:sym typeface="Arial"/>
+              </a:rPr>
+              <a:t>Benefits:</a:t>
+            </a:r>
+          </a:p>
+          <a:p>
+            <a:pPr marL="609585" indent="-304792" defTabSz="1219170">
+              <a:spcBef>
+                <a:spcPts val="400"/>
+              </a:spcBef>
+              <a:buSzPts val="1200"/>
+            </a:pPr>
+            <a:r>
+              <a:rPr lang="en-US" sz="1200" dirty="0">
+                <a:sym typeface="Arial"/>
+              </a:rPr>
+              <a:t>Higher bandwidth</a:t>
+            </a:r>
+          </a:p>
+          <a:p>
+            <a:pPr marL="609585" indent="-304792" defTabSz="1219170">
+              <a:spcBef>
+                <a:spcPts val="0"/>
+              </a:spcBef>
+              <a:buSzPts val="1200"/>
+            </a:pPr>
+            <a:r>
+              <a:rPr lang="en-US" sz="1200" dirty="0">
+                <a:sym typeface="Arial"/>
+              </a:rPr>
+              <a:t>Higher PSS performance (packet per second)</a:t>
+            </a:r>
+          </a:p>
+          <a:p>
+            <a:pPr marL="609585" indent="-304792" defTabSz="1219170">
+              <a:spcBef>
+                <a:spcPts val="0"/>
+              </a:spcBef>
+              <a:buSzPts val="1200"/>
+            </a:pPr>
+            <a:r>
+              <a:rPr lang="en-US" sz="1200" dirty="0">
+                <a:sym typeface="Arial"/>
+              </a:rPr>
+              <a:t>Lower inter-instance latency</a:t>
+            </a:r>
+          </a:p>
+          <a:p>
+            <a:pPr marL="609585" indent="-304792" defTabSz="1219170">
+              <a:spcBef>
+                <a:spcPts val="0"/>
+              </a:spcBef>
+              <a:buSzPts val="1200"/>
+            </a:pPr>
+            <a:r>
+              <a:rPr lang="en-US" sz="1200" dirty="0">
+                <a:sym typeface="Arial"/>
+              </a:rPr>
+              <a:t>Around 8% gain in throughput</a:t>
+            </a:r>
+            <a:endParaRPr lang="en-CH" sz="1200" dirty="0"/>
+          </a:p>
+        </p:txBody>
+      </p:sp>
+      <p:pic>
+        <p:nvPicPr>
+          <p:cNvPr id="4" name="Picture 3" descr="A blue arrow with white text&#10;&#10;Description automatically generated">
+            <a:extLst>
+              <a:ext uri="{FF2B5EF4-FFF2-40B4-BE49-F238E27FC236}">
+                <a16:creationId xmlns:a16="http://schemas.microsoft.com/office/drawing/2014/main" id="{A303808B-C5F1-5F0C-331A-986B3B878025}"/>
+              </a:ext>
+            </a:extLst>
+          </p:cNvPr>
+          <p:cNvPicPr>
+            <a:picLocks noChangeAspect="1"/>
+          </p:cNvPicPr>
+          <p:nvPr/>
+        </p:nvPicPr>
+        <p:blipFill>
+          <a:blip r:embed="rId2"/>
+          <a:stretch>
+            <a:fillRect/>
+          </a:stretch>
+        </p:blipFill>
+        <p:spPr>
+          <a:xfrm>
+            <a:off x="6936576" y="2682644"/>
+            <a:ext cx="4990834" cy="2420404"/>
+          </a:xfrm>
+          <a:prstGeom prst="rect">
+            <a:avLst/>
+          </a:prstGeom>
+        </p:spPr>
+      </p:pic>
+    </p:spTree>
+    <p:extLst>
+      <p:ext uri="{BB962C8B-B14F-4D97-AF65-F5344CB8AC3E}">
+        <p14:creationId xmlns:p14="http://schemas.microsoft.com/office/powerpoint/2010/main" val="2451561304"/>
+      </p:ext>
+    </p:extLst>
+  </p:cSld>
+  <p:clrMapOvr>
+    <a:masterClrMapping/>
+  </p:clrMapOvr>
+</p:sld>
+</file>
+
+<file path=ppt/slides/slide3.xml><?xml version="1.0" encoding="utf-8"?>
+<p:sld xmlns:a="http://schemas.openxmlformats.org/drawingml/2006/main" xmlns:r="http://schemas.openxmlformats.org/officeDocument/2006/relationships" xmlns:p="http://schemas.openxmlformats.org/presentationml/2006/main">
+  <p:cSld>
+    <p:bg>
+      <p:bgPr>
+        <a:solidFill>
+          <a:schemeClr val="bg1"/>
+        </a:solidFill>
+        <a:effectLst/>
+      </p:bgPr>
+    </p:bg>
+    <p:spTree>
+      <p:nvGrpSpPr>
+        <p:cNvPr id="1" name=""/>
+        <p:cNvGrpSpPr/>
+        <p:nvPr/>
+      </p:nvGrpSpPr>
+      <p:grpSpPr>
+        <a:xfrm>
+          <a:off x="0" y="0"/>
+          <a:ext cx="0" cy="0"/>
+          <a:chOff x="0" y="0"/>
+          <a:chExt cx="0" cy="0"/>
+        </a:xfrm>
+      </p:grpSpPr>
+      <p:sp useBgFill="1">
+        <p:nvSpPr>
+          <p:cNvPr id="8" name="Rectangle 7">
+            <a:extLst>
+              <a:ext uri="{FF2B5EF4-FFF2-40B4-BE49-F238E27FC236}">
+                <a16:creationId xmlns:a16="http://schemas.microsoft.com/office/drawing/2014/main" id="{100EDD19-6802-4EC3-95CE-CFFAB042CFD6}"/>
+              </a:ext>
+              <a:ext uri="{C183D7F6-B498-43B3-948B-1728B52AA6E4}">
+                <adec:decorative xmlns:adec="http://schemas.microsoft.com/office/drawing/2017/decorative" val="1"/>
+              </a:ext>
+            </a:extLst>
+          </p:cNvPr>
+          <p:cNvSpPr>
+            <a:spLocks noGrp="1" noRot="1" noChangeAspect="1" noMove="1" noResize="1" noEditPoints="1" noAdjustHandles="1" noChangeArrowheads="1" noChangeShapeType="1" noTextEdit="1"/>
+          </p:cNvSpPr>
+          <p:nvPr>
+            <p:extLst>
+              <p:ext uri="{386F3935-93C4-4BCD-93E2-E3B085C9AB24}">
+                <p16:designElem xmlns:p16="http://schemas.microsoft.com/office/powerpoint/2015/main" val="1"/>
+              </p:ext>
+            </p:extLst>
+          </p:nvPr>
+        </p:nvSpPr>
+        <p:spPr>
+          <a:xfrm>
+            <a:off x="0" y="0"/>
+            <a:ext cx="12188952" cy="6858000"/>
+          </a:xfrm>
+          <a:prstGeom prst="rect">
+            <a:avLst/>
+          </a:prstGeom>
+          <a:ln>
+            <a:noFill/>
+          </a:ln>
+        </p:spPr>
+        <p:style>
+          <a:lnRef idx="2">
+            <a:schemeClr val="accent1">
+              <a:shade val="50000"/>
+            </a:schemeClr>
+          </a:lnRef>
+          <a:fillRef idx="1">
+            <a:schemeClr val="accent1"/>
+          </a:fillRef>
+          <a:effectRef idx="0">
+            <a:schemeClr val="accent1"/>
+          </a:effectRef>
+          <a:fontRef idx="minor">
+            <a:schemeClr val="lt1"/>
+          </a:fontRef>
+        </p:style>
+        <p:txBody>
+          <a:bodyPr rtlCol="0" anchor="ctr"/>
+          <a:lstStyle/>
+          <a:p>
+            <a:pPr algn="ctr"/>
+            <a:endParaRPr lang="en-US"/>
+          </a:p>
+        </p:txBody>
+      </p:sp>
+      <p:sp>
+        <p:nvSpPr>
+          <p:cNvPr id="2" name="Title 1">
+            <a:extLst>
+              <a:ext uri="{FF2B5EF4-FFF2-40B4-BE49-F238E27FC236}">
+                <a16:creationId xmlns:a16="http://schemas.microsoft.com/office/drawing/2014/main" id="{02D0538C-4D64-C33D-F024-BCE7593781E7}"/>
+              </a:ext>
+            </a:extLst>
+          </p:cNvPr>
+          <p:cNvSpPr>
+            <a:spLocks noGrp="1"/>
+          </p:cNvSpPr>
+          <p:nvPr>
+            <p:ph type="title"/>
+          </p:nvPr>
+        </p:nvSpPr>
+        <p:spPr>
+          <a:xfrm>
+            <a:off x="838200" y="365125"/>
+            <a:ext cx="10515600" cy="1325563"/>
+          </a:xfrm>
+        </p:spPr>
+        <p:txBody>
+          <a:bodyPr>
+            <a:normAutofit/>
+          </a:bodyPr>
+          <a:lstStyle/>
+          <a:p>
+            <a:r>
+              <a:rPr lang="en-GB" sz="5400"/>
+              <a:t>Enhanced Networking pre-requisites</a:t>
+            </a:r>
+            <a:endParaRPr lang="en-CH" sz="5400"/>
+          </a:p>
+        </p:txBody>
+      </p:sp>
+      <p:sp>
+        <p:nvSpPr>
+          <p:cNvPr id="10" name="sketch line">
+            <a:extLst>
+              <a:ext uri="{FF2B5EF4-FFF2-40B4-BE49-F238E27FC236}">
+                <a16:creationId xmlns:a16="http://schemas.microsoft.com/office/drawing/2014/main" id="{DB17E863-922E-4C26-BD64-E8FD41D28661}"/>
+              </a:ext>
+              <a:ext uri="{C183D7F6-B498-43B3-948B-1728B52AA6E4}">
+                <adec:decorative xmlns:adec="http://schemas.microsoft.com/office/drawing/2017/decorative" val="1"/>
+              </a:ext>
+            </a:extLst>
+          </p:cNvPr>
+          <p:cNvSpPr>
+            <a:spLocks noGrp="1" noRot="1" noChangeAspect="1" noMove="1" noResize="1" noEditPoints="1" noAdjustHandles="1" noChangeArrowheads="1" noChangeShapeType="1" noTextEdit="1"/>
+          </p:cNvSpPr>
+          <p:nvPr>
+            <p:extLst>
+              <p:ext uri="{386F3935-93C4-4BCD-93E2-E3B085C9AB24}">
+                <p16:designElem xmlns:p16="http://schemas.microsoft.com/office/powerpoint/2015/main" val="1"/>
+              </p:ext>
+            </p:extLst>
+          </p:nvPr>
+        </p:nvSpPr>
+        <p:spPr>
+          <a:xfrm>
+            <a:off x="669036" y="1677373"/>
+            <a:ext cx="10853928" cy="18288"/>
+          </a:xfrm>
+          <a:custGeom>
+            <a:avLst/>
+            <a:gdLst>
+              <a:gd name="connsiteX0" fmla="*/ 0 w 10853928"/>
+              <a:gd name="connsiteY0" fmla="*/ 0 h 18288"/>
+              <a:gd name="connsiteX1" fmla="*/ 461292 w 10853928"/>
+              <a:gd name="connsiteY1" fmla="*/ 0 h 18288"/>
+              <a:gd name="connsiteX2" fmla="*/ 1139662 w 10853928"/>
+              <a:gd name="connsiteY2" fmla="*/ 0 h 18288"/>
+              <a:gd name="connsiteX3" fmla="*/ 1926572 w 10853928"/>
+              <a:gd name="connsiteY3" fmla="*/ 0 h 18288"/>
+              <a:gd name="connsiteX4" fmla="*/ 2279325 w 10853928"/>
+              <a:gd name="connsiteY4" fmla="*/ 0 h 18288"/>
+              <a:gd name="connsiteX5" fmla="*/ 2632078 w 10853928"/>
+              <a:gd name="connsiteY5" fmla="*/ 0 h 18288"/>
+              <a:gd name="connsiteX6" fmla="*/ 3527527 w 10853928"/>
+              <a:gd name="connsiteY6" fmla="*/ 0 h 18288"/>
+              <a:gd name="connsiteX7" fmla="*/ 4205897 w 10853928"/>
+              <a:gd name="connsiteY7" fmla="*/ 0 h 18288"/>
+              <a:gd name="connsiteX8" fmla="*/ 4558650 w 10853928"/>
+              <a:gd name="connsiteY8" fmla="*/ 0 h 18288"/>
+              <a:gd name="connsiteX9" fmla="*/ 5237020 w 10853928"/>
+              <a:gd name="connsiteY9" fmla="*/ 0 h 18288"/>
+              <a:gd name="connsiteX10" fmla="*/ 6132469 w 10853928"/>
+              <a:gd name="connsiteY10" fmla="*/ 0 h 18288"/>
+              <a:gd name="connsiteX11" fmla="*/ 6702301 w 10853928"/>
+              <a:gd name="connsiteY11" fmla="*/ 0 h 18288"/>
+              <a:gd name="connsiteX12" fmla="*/ 7272132 w 10853928"/>
+              <a:gd name="connsiteY12" fmla="*/ 0 h 18288"/>
+              <a:gd name="connsiteX13" fmla="*/ 7950502 w 10853928"/>
+              <a:gd name="connsiteY13" fmla="*/ 0 h 18288"/>
+              <a:gd name="connsiteX14" fmla="*/ 8737412 w 10853928"/>
+              <a:gd name="connsiteY14" fmla="*/ 0 h 18288"/>
+              <a:gd name="connsiteX15" fmla="*/ 9524322 w 10853928"/>
+              <a:gd name="connsiteY15" fmla="*/ 0 h 18288"/>
+              <a:gd name="connsiteX16" fmla="*/ 10853928 w 10853928"/>
+              <a:gd name="connsiteY16" fmla="*/ 0 h 18288"/>
+              <a:gd name="connsiteX17" fmla="*/ 10853928 w 10853928"/>
+              <a:gd name="connsiteY17" fmla="*/ 18288 h 18288"/>
+              <a:gd name="connsiteX18" fmla="*/ 10392636 w 10853928"/>
+              <a:gd name="connsiteY18" fmla="*/ 18288 h 18288"/>
+              <a:gd name="connsiteX19" fmla="*/ 9497187 w 10853928"/>
+              <a:gd name="connsiteY19" fmla="*/ 18288 h 18288"/>
+              <a:gd name="connsiteX20" fmla="*/ 8818817 w 10853928"/>
+              <a:gd name="connsiteY20" fmla="*/ 18288 h 18288"/>
+              <a:gd name="connsiteX21" fmla="*/ 8466064 w 10853928"/>
+              <a:gd name="connsiteY21" fmla="*/ 18288 h 18288"/>
+              <a:gd name="connsiteX22" fmla="*/ 7787693 w 10853928"/>
+              <a:gd name="connsiteY22" fmla="*/ 18288 h 18288"/>
+              <a:gd name="connsiteX23" fmla="*/ 7217862 w 10853928"/>
+              <a:gd name="connsiteY23" fmla="*/ 18288 h 18288"/>
+              <a:gd name="connsiteX24" fmla="*/ 6648031 w 10853928"/>
+              <a:gd name="connsiteY24" fmla="*/ 18288 h 18288"/>
+              <a:gd name="connsiteX25" fmla="*/ 6078200 w 10853928"/>
+              <a:gd name="connsiteY25" fmla="*/ 18288 h 18288"/>
+              <a:gd name="connsiteX26" fmla="*/ 5508368 w 10853928"/>
+              <a:gd name="connsiteY26" fmla="*/ 18288 h 18288"/>
+              <a:gd name="connsiteX27" fmla="*/ 4721459 w 10853928"/>
+              <a:gd name="connsiteY27" fmla="*/ 18288 h 18288"/>
+              <a:gd name="connsiteX28" fmla="*/ 4043088 w 10853928"/>
+              <a:gd name="connsiteY28" fmla="*/ 18288 h 18288"/>
+              <a:gd name="connsiteX29" fmla="*/ 3690336 w 10853928"/>
+              <a:gd name="connsiteY29" fmla="*/ 18288 h 18288"/>
+              <a:gd name="connsiteX30" fmla="*/ 3120504 w 10853928"/>
+              <a:gd name="connsiteY30" fmla="*/ 18288 h 18288"/>
+              <a:gd name="connsiteX31" fmla="*/ 2333595 w 10853928"/>
+              <a:gd name="connsiteY31" fmla="*/ 18288 h 18288"/>
+              <a:gd name="connsiteX32" fmla="*/ 1872303 w 10853928"/>
+              <a:gd name="connsiteY32" fmla="*/ 18288 h 18288"/>
+              <a:gd name="connsiteX33" fmla="*/ 976854 w 10853928"/>
+              <a:gd name="connsiteY33" fmla="*/ 18288 h 18288"/>
+              <a:gd name="connsiteX34" fmla="*/ 0 w 10853928"/>
+              <a:gd name="connsiteY34" fmla="*/ 18288 h 18288"/>
+              <a:gd name="connsiteX35" fmla="*/ 0 w 10853928"/>
+              <a:gd name="connsiteY35" fmla="*/ 0 h 18288"/>
+            </a:gdLst>
+            <a:ahLst/>
+            <a:cxnLst>
+              <a:cxn ang="0">
+                <a:pos x="connsiteX0" y="connsiteY0"/>
+              </a:cxn>
+              <a:cxn ang="0">
+                <a:pos x="connsiteX1" y="connsiteY1"/>
+              </a:cxn>
+              <a:cxn ang="0">
+                <a:pos x="connsiteX2" y="connsiteY2"/>
+              </a:cxn>
+              <a:cxn ang="0">
+                <a:pos x="connsiteX3" y="connsiteY3"/>
+              </a:cxn>
+              <a:cxn ang="0">
+                <a:pos x="connsiteX4" y="connsiteY4"/>
+              </a:cxn>
+              <a:cxn ang="0">
+                <a:pos x="connsiteX5" y="connsiteY5"/>
+              </a:cxn>
+              <a:cxn ang="0">
+                <a:pos x="connsiteX6" y="connsiteY6"/>
+              </a:cxn>
+              <a:cxn ang="0">
+                <a:pos x="connsiteX7" y="connsiteY7"/>
+              </a:cxn>
+              <a:cxn ang="0">
+                <a:pos x="connsiteX8" y="connsiteY8"/>
+              </a:cxn>
+              <a:cxn ang="0">
+                <a:pos x="connsiteX9" y="connsiteY9"/>
+              </a:cxn>
+              <a:cxn ang="0">
+                <a:pos x="connsiteX10" y="connsiteY10"/>
+              </a:cxn>
+              <a:cxn ang="0">
+                <a:pos x="connsiteX11" y="connsiteY11"/>
+              </a:cxn>
+              <a:cxn ang="0">
+                <a:pos x="connsiteX12" y="connsiteY12"/>
+              </a:cxn>
+              <a:cxn ang="0">
+                <a:pos x="connsiteX13" y="connsiteY13"/>
+              </a:cxn>
+              <a:cxn ang="0">
+                <a:pos x="connsiteX14" y="connsiteY14"/>
+              </a:cxn>
+              <a:cxn ang="0">
+                <a:pos x="connsiteX15" y="connsiteY15"/>
+              </a:cxn>
+              <a:cxn ang="0">
+                <a:pos x="connsiteX16" y="connsiteY16"/>
+              </a:cxn>
+              <a:cxn ang="0">
+                <a:pos x="connsiteX17" y="connsiteY17"/>
+              </a:cxn>
+              <a:cxn ang="0">
+                <a:pos x="connsiteX18" y="connsiteY18"/>
+              </a:cxn>
+              <a:cxn ang="0">
+                <a:pos x="connsiteX19" y="connsiteY19"/>
+              </a:cxn>
+              <a:cxn ang="0">
+                <a:pos x="connsiteX20" y="connsiteY20"/>
+              </a:cxn>
+              <a:cxn ang="0">
+                <a:pos x="connsiteX21" y="connsiteY21"/>
+              </a:cxn>
+              <a:cxn ang="0">
+                <a:pos x="connsiteX22" y="connsiteY22"/>
+              </a:cxn>
+              <a:cxn ang="0">
+                <a:pos x="connsiteX23" y="connsiteY23"/>
+              </a:cxn>
+              <a:cxn ang="0">
+                <a:pos x="connsiteX24" y="connsiteY24"/>
+              </a:cxn>
+              <a:cxn ang="0">
+                <a:pos x="connsiteX25" y="connsiteY25"/>
+              </a:cxn>
+              <a:cxn ang="0">
+                <a:pos x="connsiteX26" y="connsiteY26"/>
+              </a:cxn>
+              <a:cxn ang="0">
+                <a:pos x="connsiteX27" y="connsiteY27"/>
+              </a:cxn>
+              <a:cxn ang="0">
+                <a:pos x="connsiteX28" y="connsiteY28"/>
+              </a:cxn>
+              <a:cxn ang="0">
+                <a:pos x="connsiteX29" y="connsiteY29"/>
+              </a:cxn>
+              <a:cxn ang="0">
+                <a:pos x="connsiteX30" y="connsiteY30"/>
+              </a:cxn>
+              <a:cxn ang="0">
+                <a:pos x="connsiteX31" y="connsiteY31"/>
+              </a:cxn>
+              <a:cxn ang="0">
+                <a:pos x="connsiteX32" y="connsiteY32"/>
+              </a:cxn>
+              <a:cxn ang="0">
+                <a:pos x="connsiteX33" y="connsiteY33"/>
+              </a:cxn>
+              <a:cxn ang="0">
+                <a:pos x="connsiteX34" y="connsiteY34"/>
+              </a:cxn>
+              <a:cxn ang="0">
+                <a:pos x="connsiteX35" y="connsiteY35"/>
+              </a:cxn>
+            </a:cxnLst>
+            <a:rect l="l" t="t" r="r" b="b"/>
+            <a:pathLst>
+              <a:path w="10853928" h="18288" fill="none" extrusionOk="0">
+                <a:moveTo>
+                  <a:pt x="0" y="0"/>
+                </a:moveTo>
+                <a:cubicBezTo>
+                  <a:pt x="146993" y="-19076"/>
+                  <a:pt x="347684" y="-4790"/>
+                  <a:pt x="461292" y="0"/>
+                </a:cubicBezTo>
+                <a:cubicBezTo>
+                  <a:pt x="574900" y="4790"/>
+                  <a:pt x="808367" y="19821"/>
+                  <a:pt x="1139662" y="0"/>
+                </a:cubicBezTo>
+                <a:cubicBezTo>
+                  <a:pt x="1470957" y="-19821"/>
+                  <a:pt x="1627405" y="5721"/>
+                  <a:pt x="1926572" y="0"/>
+                </a:cubicBezTo>
+                <a:cubicBezTo>
+                  <a:pt x="2225739" y="-5721"/>
+                  <a:pt x="2137730" y="-3235"/>
+                  <a:pt x="2279325" y="0"/>
+                </a:cubicBezTo>
+                <a:cubicBezTo>
+                  <a:pt x="2420920" y="3235"/>
+                  <a:pt x="2456518" y="9685"/>
+                  <a:pt x="2632078" y="0"/>
+                </a:cubicBezTo>
+                <a:cubicBezTo>
+                  <a:pt x="2807638" y="-9685"/>
+                  <a:pt x="3211516" y="-43007"/>
+                  <a:pt x="3527527" y="0"/>
+                </a:cubicBezTo>
+                <a:cubicBezTo>
+                  <a:pt x="3843538" y="43007"/>
+                  <a:pt x="4058833" y="22042"/>
+                  <a:pt x="4205897" y="0"/>
+                </a:cubicBezTo>
+                <a:cubicBezTo>
+                  <a:pt x="4352961" y="-22042"/>
+                  <a:pt x="4474805" y="-11846"/>
+                  <a:pt x="4558650" y="0"/>
+                </a:cubicBezTo>
+                <a:cubicBezTo>
+                  <a:pt x="4642495" y="11846"/>
+                  <a:pt x="5041928" y="-6069"/>
+                  <a:pt x="5237020" y="0"/>
+                </a:cubicBezTo>
+                <a:cubicBezTo>
+                  <a:pt x="5432112" y="6069"/>
+                  <a:pt x="5943266" y="-17479"/>
+                  <a:pt x="6132469" y="0"/>
+                </a:cubicBezTo>
+                <a:cubicBezTo>
+                  <a:pt x="6321672" y="17479"/>
+                  <a:pt x="6483872" y="26234"/>
+                  <a:pt x="6702301" y="0"/>
+                </a:cubicBezTo>
+                <a:cubicBezTo>
+                  <a:pt x="6920730" y="-26234"/>
+                  <a:pt x="6991194" y="-15156"/>
+                  <a:pt x="7272132" y="0"/>
+                </a:cubicBezTo>
+                <a:cubicBezTo>
+                  <a:pt x="7553070" y="15156"/>
+                  <a:pt x="7684444" y="-32961"/>
+                  <a:pt x="7950502" y="0"/>
+                </a:cubicBezTo>
+                <a:cubicBezTo>
+                  <a:pt x="8216560" y="32961"/>
+                  <a:pt x="8493290" y="-10491"/>
+                  <a:pt x="8737412" y="0"/>
+                </a:cubicBezTo>
+                <a:cubicBezTo>
+                  <a:pt x="8981534" y="10491"/>
+                  <a:pt x="9191586" y="-13899"/>
+                  <a:pt x="9524322" y="0"/>
+                </a:cubicBezTo>
+                <a:cubicBezTo>
+                  <a:pt x="9857058" y="13899"/>
+                  <a:pt x="10297509" y="7485"/>
+                  <a:pt x="10853928" y="0"/>
+                </a:cubicBezTo>
+                <a:cubicBezTo>
+                  <a:pt x="10854574" y="4451"/>
+                  <a:pt x="10854418" y="9226"/>
+                  <a:pt x="10853928" y="18288"/>
+                </a:cubicBezTo>
+                <a:cubicBezTo>
+                  <a:pt x="10691638" y="28522"/>
+                  <a:pt x="10574319" y="29578"/>
+                  <a:pt x="10392636" y="18288"/>
+                </a:cubicBezTo>
+                <a:cubicBezTo>
+                  <a:pt x="10210953" y="6998"/>
+                  <a:pt x="9836277" y="-16742"/>
+                  <a:pt x="9497187" y="18288"/>
+                </a:cubicBezTo>
+                <a:cubicBezTo>
+                  <a:pt x="9158097" y="53318"/>
+                  <a:pt x="9119479" y="30714"/>
+                  <a:pt x="8818817" y="18288"/>
+                </a:cubicBezTo>
+                <a:cubicBezTo>
+                  <a:pt x="8518155" y="5863"/>
+                  <a:pt x="8640037" y="6483"/>
+                  <a:pt x="8466064" y="18288"/>
+                </a:cubicBezTo>
+                <a:cubicBezTo>
+                  <a:pt x="8292091" y="30093"/>
+                  <a:pt x="7997656" y="18914"/>
+                  <a:pt x="7787693" y="18288"/>
+                </a:cubicBezTo>
+                <a:cubicBezTo>
+                  <a:pt x="7577730" y="17662"/>
+                  <a:pt x="7412468" y="21416"/>
+                  <a:pt x="7217862" y="18288"/>
+                </a:cubicBezTo>
+                <a:cubicBezTo>
+                  <a:pt x="7023256" y="15160"/>
+                  <a:pt x="6898018" y="14824"/>
+                  <a:pt x="6648031" y="18288"/>
+                </a:cubicBezTo>
+                <a:cubicBezTo>
+                  <a:pt x="6398044" y="21752"/>
+                  <a:pt x="6254402" y="38625"/>
+                  <a:pt x="6078200" y="18288"/>
+                </a:cubicBezTo>
+                <a:cubicBezTo>
+                  <a:pt x="5901998" y="-2049"/>
+                  <a:pt x="5622886" y="3213"/>
+                  <a:pt x="5508368" y="18288"/>
+                </a:cubicBezTo>
+                <a:cubicBezTo>
+                  <a:pt x="5393850" y="33363"/>
+                  <a:pt x="5036260" y="26830"/>
+                  <a:pt x="4721459" y="18288"/>
+                </a:cubicBezTo>
+                <a:cubicBezTo>
+                  <a:pt x="4406658" y="9746"/>
+                  <a:pt x="4239221" y="41551"/>
+                  <a:pt x="4043088" y="18288"/>
+                </a:cubicBezTo>
+                <a:cubicBezTo>
+                  <a:pt x="3846955" y="-4975"/>
+                  <a:pt x="3818802" y="34658"/>
+                  <a:pt x="3690336" y="18288"/>
+                </a:cubicBezTo>
+                <a:cubicBezTo>
+                  <a:pt x="3561870" y="1918"/>
+                  <a:pt x="3265491" y="42194"/>
+                  <a:pt x="3120504" y="18288"/>
+                </a:cubicBezTo>
+                <a:cubicBezTo>
+                  <a:pt x="2975517" y="-5618"/>
+                  <a:pt x="2720254" y="36673"/>
+                  <a:pt x="2333595" y="18288"/>
+                </a:cubicBezTo>
+                <a:cubicBezTo>
+                  <a:pt x="1946936" y="-97"/>
+                  <a:pt x="2097241" y="5776"/>
+                  <a:pt x="1872303" y="18288"/>
+                </a:cubicBezTo>
+                <a:cubicBezTo>
+                  <a:pt x="1647365" y="30800"/>
+                  <a:pt x="1282708" y="45380"/>
+                  <a:pt x="976854" y="18288"/>
+                </a:cubicBezTo>
+                <a:cubicBezTo>
+                  <a:pt x="671000" y="-8804"/>
+                  <a:pt x="408401" y="-12775"/>
+                  <a:pt x="0" y="18288"/>
+                </a:cubicBezTo>
+                <a:cubicBezTo>
+                  <a:pt x="-213" y="9468"/>
+                  <a:pt x="187" y="4459"/>
+                  <a:pt x="0" y="0"/>
+                </a:cubicBezTo>
+                <a:close/>
+              </a:path>
+              <a:path w="10853928" h="18288" stroke="0" extrusionOk="0">
+                <a:moveTo>
+                  <a:pt x="0" y="0"/>
+                </a:moveTo>
+                <a:cubicBezTo>
+                  <a:pt x="267322" y="15284"/>
+                  <a:pt x="415388" y="-21048"/>
+                  <a:pt x="569831" y="0"/>
+                </a:cubicBezTo>
+                <a:cubicBezTo>
+                  <a:pt x="724274" y="21048"/>
+                  <a:pt x="769333" y="-2353"/>
+                  <a:pt x="922584" y="0"/>
+                </a:cubicBezTo>
+                <a:cubicBezTo>
+                  <a:pt x="1075835" y="2353"/>
+                  <a:pt x="1399490" y="-145"/>
+                  <a:pt x="1818033" y="0"/>
+                </a:cubicBezTo>
+                <a:cubicBezTo>
+                  <a:pt x="2236576" y="145"/>
+                  <a:pt x="2145330" y="5482"/>
+                  <a:pt x="2387864" y="0"/>
+                </a:cubicBezTo>
+                <a:cubicBezTo>
+                  <a:pt x="2630398" y="-5482"/>
+                  <a:pt x="2793207" y="18487"/>
+                  <a:pt x="2957695" y="0"/>
+                </a:cubicBezTo>
+                <a:cubicBezTo>
+                  <a:pt x="3122183" y="-18487"/>
+                  <a:pt x="3579141" y="19003"/>
+                  <a:pt x="3853144" y="0"/>
+                </a:cubicBezTo>
+                <a:cubicBezTo>
+                  <a:pt x="4127147" y="-19003"/>
+                  <a:pt x="4209857" y="12211"/>
+                  <a:pt x="4314436" y="0"/>
+                </a:cubicBezTo>
+                <a:cubicBezTo>
+                  <a:pt x="4419015" y="-12211"/>
+                  <a:pt x="4762459" y="-17220"/>
+                  <a:pt x="5209885" y="0"/>
+                </a:cubicBezTo>
+                <a:cubicBezTo>
+                  <a:pt x="5657311" y="17220"/>
+                  <a:pt x="5692663" y="-3290"/>
+                  <a:pt x="6105335" y="0"/>
+                </a:cubicBezTo>
+                <a:cubicBezTo>
+                  <a:pt x="6518007" y="3290"/>
+                  <a:pt x="6455516" y="-5124"/>
+                  <a:pt x="6783705" y="0"/>
+                </a:cubicBezTo>
+                <a:cubicBezTo>
+                  <a:pt x="7111894" y="5124"/>
+                  <a:pt x="7441941" y="-17829"/>
+                  <a:pt x="7679154" y="0"/>
+                </a:cubicBezTo>
+                <a:cubicBezTo>
+                  <a:pt x="7916367" y="17829"/>
+                  <a:pt x="8102967" y="-24363"/>
+                  <a:pt x="8248985" y="0"/>
+                </a:cubicBezTo>
+                <a:cubicBezTo>
+                  <a:pt x="8395003" y="24363"/>
+                  <a:pt x="8552393" y="25505"/>
+                  <a:pt x="8818817" y="0"/>
+                </a:cubicBezTo>
+                <a:cubicBezTo>
+                  <a:pt x="9085241" y="-25505"/>
+                  <a:pt x="9411308" y="38000"/>
+                  <a:pt x="9605726" y="0"/>
+                </a:cubicBezTo>
+                <a:cubicBezTo>
+                  <a:pt x="9800144" y="-38000"/>
+                  <a:pt x="10006468" y="-25741"/>
+                  <a:pt x="10175558" y="0"/>
+                </a:cubicBezTo>
+                <a:cubicBezTo>
+                  <a:pt x="10344648" y="25741"/>
+                  <a:pt x="10696282" y="695"/>
+                  <a:pt x="10853928" y="0"/>
+                </a:cubicBezTo>
+                <a:cubicBezTo>
+                  <a:pt x="10853521" y="8690"/>
+                  <a:pt x="10853774" y="14141"/>
+                  <a:pt x="10853928" y="18288"/>
+                </a:cubicBezTo>
+                <a:cubicBezTo>
+                  <a:pt x="10608124" y="24255"/>
+                  <a:pt x="10343415" y="22307"/>
+                  <a:pt x="10067018" y="18288"/>
+                </a:cubicBezTo>
+                <a:cubicBezTo>
+                  <a:pt x="9790621" y="14270"/>
+                  <a:pt x="9843266" y="3564"/>
+                  <a:pt x="9714266" y="18288"/>
+                </a:cubicBezTo>
+                <a:cubicBezTo>
+                  <a:pt x="9585266" y="33012"/>
+                  <a:pt x="9379484" y="1875"/>
+                  <a:pt x="9252974" y="18288"/>
+                </a:cubicBezTo>
+                <a:cubicBezTo>
+                  <a:pt x="9126464" y="34701"/>
+                  <a:pt x="8580678" y="-4904"/>
+                  <a:pt x="8357525" y="18288"/>
+                </a:cubicBezTo>
+                <a:cubicBezTo>
+                  <a:pt x="8134372" y="41480"/>
+                  <a:pt x="7903199" y="26458"/>
+                  <a:pt x="7679154" y="18288"/>
+                </a:cubicBezTo>
+                <a:cubicBezTo>
+                  <a:pt x="7455109" y="10118"/>
+                  <a:pt x="7435944" y="27109"/>
+                  <a:pt x="7217862" y="18288"/>
+                </a:cubicBezTo>
+                <a:cubicBezTo>
+                  <a:pt x="6999780" y="9467"/>
+                  <a:pt x="6680409" y="18985"/>
+                  <a:pt x="6539492" y="18288"/>
+                </a:cubicBezTo>
+                <a:cubicBezTo>
+                  <a:pt x="6398575" y="17592"/>
+                  <a:pt x="6312077" y="33018"/>
+                  <a:pt x="6186739" y="18288"/>
+                </a:cubicBezTo>
+                <a:cubicBezTo>
+                  <a:pt x="6061401" y="3558"/>
+                  <a:pt x="5947033" y="12075"/>
+                  <a:pt x="5833986" y="18288"/>
+                </a:cubicBezTo>
+                <a:cubicBezTo>
+                  <a:pt x="5720939" y="24501"/>
+                  <a:pt x="5482226" y="8586"/>
+                  <a:pt x="5155616" y="18288"/>
+                </a:cubicBezTo>
+                <a:cubicBezTo>
+                  <a:pt x="4829006" y="27991"/>
+                  <a:pt x="4841274" y="29316"/>
+                  <a:pt x="4694324" y="18288"/>
+                </a:cubicBezTo>
+                <a:cubicBezTo>
+                  <a:pt x="4547374" y="7260"/>
+                  <a:pt x="4077675" y="7013"/>
+                  <a:pt x="3907414" y="18288"/>
+                </a:cubicBezTo>
+                <a:cubicBezTo>
+                  <a:pt x="3737153" y="29564"/>
+                  <a:pt x="3538393" y="21630"/>
+                  <a:pt x="3446122" y="18288"/>
+                </a:cubicBezTo>
+                <a:cubicBezTo>
+                  <a:pt x="3353851" y="14946"/>
+                  <a:pt x="2990320" y="-8091"/>
+                  <a:pt x="2659212" y="18288"/>
+                </a:cubicBezTo>
+                <a:cubicBezTo>
+                  <a:pt x="2328104" y="44667"/>
+                  <a:pt x="2427653" y="9607"/>
+                  <a:pt x="2306460" y="18288"/>
+                </a:cubicBezTo>
+                <a:cubicBezTo>
+                  <a:pt x="2185267" y="26969"/>
+                  <a:pt x="1719763" y="3717"/>
+                  <a:pt x="1519550" y="18288"/>
+                </a:cubicBezTo>
+                <a:cubicBezTo>
+                  <a:pt x="1319337" y="32860"/>
+                  <a:pt x="1167371" y="17040"/>
+                  <a:pt x="1058258" y="18288"/>
+                </a:cubicBezTo>
+                <a:cubicBezTo>
+                  <a:pt x="949145" y="19536"/>
+                  <a:pt x="780234" y="31447"/>
+                  <a:pt x="705505" y="18288"/>
+                </a:cubicBezTo>
+                <a:cubicBezTo>
+                  <a:pt x="630776" y="5129"/>
+                  <a:pt x="215796" y="30056"/>
+                  <a:pt x="0" y="18288"/>
+                </a:cubicBezTo>
+                <a:cubicBezTo>
+                  <a:pt x="-53" y="11301"/>
+                  <a:pt x="-649" y="7756"/>
+                  <a:pt x="0" y="0"/>
+                </a:cubicBezTo>
+                <a:close/>
+              </a:path>
+            </a:pathLst>
+          </a:custGeom>
+          <a:solidFill>
+            <a:schemeClr val="accent2"/>
+          </a:solidFill>
+          <a:ln w="41275" cap="rnd">
+            <a:solidFill>
+              <a:schemeClr val="accent2"/>
+            </a:solidFill>
+            <a:round/>
+            <a:extLst>
+              <a:ext uri="{C807C97D-BFC1-408E-A445-0C87EB9F89A2}">
+                <ask:lineSketchStyleProps xmlns:ask="http://schemas.microsoft.com/office/drawing/2018/sketchyshapes" sd="1219033472">
+                  <a:prstGeom prst="rect">
+                    <a:avLst/>
+                  </a:prstGeom>
+                  <ask:type>
+                    <ask:lineSketchFreehand/>
+                  </ask:type>
+                </ask:lineSketchStyleProps>
+              </a:ext>
+            </a:extLst>
+          </a:ln>
+        </p:spPr>
+        <p:style>
+          <a:lnRef idx="2">
+            <a:schemeClr val="accent1">
+              <a:shade val="50000"/>
+            </a:schemeClr>
+          </a:lnRef>
+          <a:fillRef idx="1">
+            <a:schemeClr val="accent1"/>
+          </a:fillRef>
+          <a:effectRef idx="0">
+            <a:schemeClr val="accent1"/>
+          </a:effectRef>
+          <a:fontRef idx="minor">
+            <a:schemeClr val="lt1"/>
+          </a:fontRef>
+        </p:style>
+        <p:txBody>
+          <a:bodyPr rtlCol="0" anchor="ctr"/>
+          <a:lstStyle/>
+          <a:p>
+            <a:pPr algn="ctr"/>
+            <a:endParaRPr lang="en-US"/>
+          </a:p>
+        </p:txBody>
+      </p:sp>
+      <p:sp>
+        <p:nvSpPr>
           <p:cNvPr id="3" name="Content Placeholder 2">
             <a:extLst>
               <a:ext uri="{FF2B5EF4-FFF2-40B4-BE49-F238E27FC236}">
@@ -7532,62 +8705,102 @@
           <a:lstStyle/>
           <a:p>
             <a:r>
-              <a:rPr lang="en-GB" sz="2200"/>
+              <a:rPr lang="en-GB" sz="1800" dirty="0"/>
               <a:t>Depending on Instance Type, Enhanced Networking can be enabled using one of the following Network drivers </a:t>
             </a:r>
           </a:p>
           <a:p>
             <a:pPr lvl="1"/>
             <a:r>
-              <a:rPr lang="en-GB" sz="2200"/>
-              <a:t>Option 1: Intel 82599 VF up to 10 Gbps (VF uses ixgbevf driver)  </a:t>
+              <a:rPr lang="en-GB" sz="1800" dirty="0"/>
+              <a:t>Option 1: </a:t>
+            </a:r>
+            <a:r>
+              <a:rPr lang="en-GB" sz="1800" b="1" dirty="0"/>
+              <a:t>Intel 82599 VF </a:t>
+            </a:r>
+            <a:r>
+              <a:rPr lang="en-GB" sz="1800" dirty="0"/>
+              <a:t>up to 10 Gbps (VF uses </a:t>
+            </a:r>
+            <a:r>
+              <a:rPr lang="en-GB" sz="1800" dirty="0" err="1"/>
+              <a:t>ixgbevf</a:t>
+            </a:r>
+            <a:r>
+              <a:rPr lang="en-GB" sz="1800" dirty="0"/>
+              <a:t> driver)  </a:t>
             </a:r>
           </a:p>
           <a:p>
             <a:pPr lvl="1"/>
             <a:r>
-              <a:rPr lang="en-GB" sz="2200"/>
-              <a:t>Option 2: Elastic Network Adapter (ENA) up to 100 Gbps  </a:t>
-            </a:r>
-          </a:p>
-          <a:p>
-            <a:r>
-              <a:rPr lang="en-GB" sz="2200"/>
+              <a:rPr lang="en-GB" sz="1800" dirty="0"/>
+              <a:t>Option 2: Elastic Network Adapter (</a:t>
+            </a:r>
+            <a:r>
+              <a:rPr lang="en-GB" sz="1800" b="1" dirty="0"/>
+              <a:t>ENA</a:t>
+            </a:r>
+            <a:r>
+              <a:rPr lang="en-GB" sz="1800" dirty="0"/>
+              <a:t>) up to 100 Gbps  </a:t>
+            </a:r>
+          </a:p>
+          <a:p>
+            <a:r>
+              <a:rPr lang="en-GB" sz="1800" dirty="0"/>
               <a:t>The eligible EC2 instance families support one of the above two drivers </a:t>
             </a:r>
           </a:p>
           <a:p>
             <a:r>
-              <a:rPr lang="en-GB" sz="2200"/>
+              <a:rPr lang="en-GB" sz="1800" dirty="0"/>
               <a:t>Remember: For Enhanced Networking, it requires support from both EC2 operating system (AMI) and Instance Type that is flagged for Enhanced Networking</a:t>
             </a:r>
           </a:p>
           <a:p>
             <a:r>
-              <a:rPr lang="en-GB" sz="2200"/>
-              <a:t>• Instances supporting Elastic Network Adapter (ENA) for speed upto 100 Gbps </a:t>
+              <a:rPr lang="en-GB" sz="1800" dirty="0"/>
+              <a:t>• Instances supporting Elastic Network Adapter (ENA) for speed </a:t>
+            </a:r>
+            <a:r>
+              <a:rPr lang="en-GB" sz="1800" dirty="0" err="1"/>
+              <a:t>upto</a:t>
+            </a:r>
+            <a:r>
+              <a:rPr lang="en-GB" sz="1800" dirty="0"/>
+              <a:t> 100 Gbps </a:t>
             </a:r>
           </a:p>
           <a:p>
             <a:pPr lvl="1"/>
             <a:r>
-              <a:rPr lang="en-GB" sz="2200"/>
+              <a:rPr lang="en-GB" sz="1800" dirty="0"/>
               <a:t>A1, C5, C5a, C5d, C5n, C6g, F1, G3, G4, H1, I3, I3en etc  </a:t>
             </a:r>
           </a:p>
           <a:p>
             <a:r>
-              <a:rPr lang="en-GB" sz="2200"/>
-              <a:t>Instances supporting Intel 82599 Virtual Function (VF) interface for speed upto 10 Gbps  </a:t>
+              <a:rPr lang="en-GB" sz="1800" dirty="0"/>
+              <a:t>Instances supporting Intel 82599 Virtual Function (VF) interface for speed </a:t>
+            </a:r>
+            <a:r>
+              <a:rPr lang="en-GB" sz="1800" dirty="0" err="1"/>
+              <a:t>upto</a:t>
+            </a:r>
+            <a:r>
+              <a:rPr lang="en-GB" sz="1800" dirty="0"/>
+              <a:t> 10 Gbps  </a:t>
             </a:r>
           </a:p>
           <a:p>
             <a:pPr lvl="1"/>
             <a:r>
-              <a:rPr lang="en-GB" sz="2200"/>
+              <a:rPr lang="en-GB" sz="1800" dirty="0"/>
               <a:t>C3, C4, D2, I2, M4 (excluding m4.16xlarge), and R3 etc</a:t>
             </a:r>
-            <a:endParaRPr lang="en-CH" sz="2200"/>
+            <a:endParaRPr lang="en-CH" sz="1800" dirty="0"/>
           </a:p>
         </p:txBody>
       </p:sp>
@@ -9728,7 +10941,7 @@
       </p:grpSpPr>
       <p:sp useBgFill="1">
         <p:nvSpPr>
-          <p:cNvPr id="645" name="Rectangle 644">
+          <p:cNvPr id="1031" name="Rectangle 1030">
             <a:extLst>
               <a:ext uri="{FF2B5EF4-FFF2-40B4-BE49-F238E27FC236}">
                 <a16:creationId xmlns:a16="http://schemas.microsoft.com/office/drawing/2014/main" id="{743AA782-23D1-4521-8CAD-47662984AA08}"/>
@@ -9827,7 +11040,7 @@
       </p:sp>
       <p:sp>
         <p:nvSpPr>
-          <p:cNvPr id="647" name="sketch line">
+          <p:cNvPr id="1033" name="sketch line">
             <a:extLst>
               <a:ext uri="{FF2B5EF4-FFF2-40B4-BE49-F238E27FC236}">
                 <a16:creationId xmlns:a16="http://schemas.microsoft.com/office/drawing/2014/main" id="{71877DBC-BB60-40F0-AC93-2ACDBAAE60CE}"/>
@@ -10141,9 +11354,6 @@
               </a:rPr>
               <a:t>EFAs are Elastic Network Adapters (ENAs) with additional OS-bypass capabilities. </a:t>
             </a:r>
-            <a:endParaRPr lang="en-US" sz="1400">
-              <a:sym typeface="Arial"/>
-            </a:endParaRPr>
           </a:p>
           <a:p>
             <a:pPr marL="0">
@@ -10160,9 +11370,6 @@
               </a:rPr>
               <a:t>AWS Elastic Fabric Adapter (EFA) is a specialized network interface for Amazon EC2 instances that allows customers to run high levels of inter-instance communication, such as HPC applications on AWS at scale on. </a:t>
             </a:r>
-            <a:endParaRPr lang="en-US" sz="1400">
-              <a:sym typeface="Arial"/>
-            </a:endParaRPr>
           </a:p>
           <a:p>
             <a:pPr marL="0">
@@ -10191,9 +11398,6 @@
               </a:rPr>
               <a:t> – which allow physical hosts to be placed much closer together within an AZ to decrease latency even more.</a:t>
             </a:r>
-            <a:endParaRPr lang="en-US" sz="1400">
-              <a:sym typeface="Arial"/>
-            </a:endParaRPr>
           </a:p>
           <a:p>
             <a:pPr marL="0">
@@ -10238,9 +11442,6 @@
               </a:rPr>
               <a:t>, applications using a supported MPI library can be easily migrated to AWS without having to make any changes to their existing code. </a:t>
             </a:r>
-            <a:endParaRPr lang="en-US" sz="1400">
-              <a:sym typeface="Arial"/>
-            </a:endParaRPr>
           </a:p>
           <a:p>
             <a:pPr marL="0">
@@ -10261,9 +11462,6 @@
               </a:rPr>
               <a:t>Provides OS bypass functionality for Linux</a:t>
             </a:r>
-            <a:endParaRPr lang="en-US" sz="1400">
-              <a:sym typeface="Arial"/>
-            </a:endParaRPr>
           </a:p>
           <a:p>
             <a:pPr marL="0">
@@ -10284,9 +11482,6 @@
               </a:rPr>
               <a:t>For windows instance it acts just as ENA</a:t>
             </a:r>
-            <a:endParaRPr lang="en-US" sz="1400">
-              <a:sym typeface="Arial"/>
-            </a:endParaRPr>
           </a:p>
           <a:p>
             <a:pPr marL="0">
@@ -10302,10 +11497,10 @@
               <a:buSzPts val="1100"/>
             </a:pPr>
             <a:r>
-              <a:rPr lang="en-US" sz="1400"/>
+              <a:rPr lang="en-US" sz="1400" dirty="0"/>
               <a:t>c5n.18xlarge, p3dn.24xlarge</a:t>
             </a:r>
-            <a:endParaRPr lang="en-US" sz="1400">
+            <a:endParaRPr lang="en-US" sz="1400" dirty="0">
               <a:sym typeface="Arial"/>
             </a:endParaRPr>
           </a:p>
@@ -10313,25 +11508,48 @@
       </p:sp>
       <p:pic>
         <p:nvPicPr>
-          <p:cNvPr id="640" name="Google Shape;640;p103"/>
-          <p:cNvPicPr preferRelativeResize="0"/>
+          <p:cNvPr id="1026" name="Picture 2" descr="&#10;    Contrasting a traditional HPC software stack with one that uses an EFA.&#10;   ">
+            <a:extLst>
+              <a:ext uri="{FF2B5EF4-FFF2-40B4-BE49-F238E27FC236}">
+                <a16:creationId xmlns:a16="http://schemas.microsoft.com/office/drawing/2014/main" id="{A9FFE5CC-642A-E8AD-420F-1E5EC50684E0}"/>
+              </a:ext>
+            </a:extLst>
+          </p:cNvPr>
+          <p:cNvPicPr>
+            <a:picLocks noChangeAspect="1" noChangeArrowheads="1"/>
+          </p:cNvPicPr>
           <p:nvPr/>
         </p:nvPicPr>
         <p:blipFill>
-          <a:blip r:embed="rId3"/>
+          <a:blip r:embed="rId3">
+            <a:extLst>
+              <a:ext uri="{28A0092B-C50C-407E-A947-70E740481C1C}">
+                <a14:useLocalDpi xmlns:a14="http://schemas.microsoft.com/office/drawing/2010/main" val="0"/>
+              </a:ext>
+            </a:extLst>
+          </a:blip>
           <a:stretch>
             <a:fillRect/>
           </a:stretch>
         </p:blipFill>
-        <p:spPr>
+        <p:spPr bwMode="auto">
           <a:xfrm>
-            <a:off x="6099048" y="2562390"/>
-            <a:ext cx="5458968" cy="1733221"/>
+            <a:off x="5718967" y="2372868"/>
+            <a:ext cx="6317444" cy="2545636"/>
           </a:xfrm>
           <a:prstGeom prst="rect">
             <a:avLst/>
           </a:prstGeom>
           <a:noFill/>
+          <a:extLst>
+            <a:ext uri="{909E8E84-426E-40DD-AFC4-6F175D3DCCD1}">
+              <a14:hiddenFill xmlns:a14="http://schemas.microsoft.com/office/drawing/2010/main">
+                <a:solidFill>
+                  <a:srgbClr val="FFFFFF"/>
+                </a:solidFill>
+              </a14:hiddenFill>
+            </a:ext>
+          </a:extLst>
         </p:spPr>
       </p:pic>
     </p:spTree>

--- a/lecture-materials/Network&ContentDelivery/vpc/vpc-ena-efa.pptx
+++ b/lecture-materials/Network&ContentDelivery/vpc/vpc-ena-efa.pptx
@@ -207,7 +207,7 @@
           <a:p>
             <a:fld id="{66BC8486-2ECD-4C4F-9374-D126C6F1E9D3}" type="datetimeFigureOut">
               <a:rPr lang="en-CH" smtClean="0"/>
-              <a:t>09.01.2024</a:t>
+              <a:t>29.01.2024</a:t>
             </a:fld>
             <a:endParaRPr lang="en-CH"/>
           </a:p>
@@ -936,7 +936,7 @@
           <a:p>
             <a:fld id="{D2447292-BECC-D249-89D1-64671E37D8F2}" type="datetimeFigureOut">
               <a:rPr lang="en-CH" smtClean="0"/>
-              <a:t>09.01.2024</a:t>
+              <a:t>29.01.2024</a:t>
             </a:fld>
             <a:endParaRPr lang="en-CH"/>
           </a:p>
@@ -1136,7 +1136,7 @@
           <a:p>
             <a:fld id="{D2447292-BECC-D249-89D1-64671E37D8F2}" type="datetimeFigureOut">
               <a:rPr lang="en-CH" smtClean="0"/>
-              <a:t>09.01.2024</a:t>
+              <a:t>29.01.2024</a:t>
             </a:fld>
             <a:endParaRPr lang="en-CH"/>
           </a:p>
@@ -1346,7 +1346,7 @@
           <a:p>
             <a:fld id="{D2447292-BECC-D249-89D1-64671E37D8F2}" type="datetimeFigureOut">
               <a:rPr lang="en-CH" smtClean="0"/>
-              <a:t>09.01.2024</a:t>
+              <a:t>29.01.2024</a:t>
             </a:fld>
             <a:endParaRPr lang="en-CH"/>
           </a:p>
@@ -1905,7 +1905,7 @@
           <a:p>
             <a:fld id="{D2447292-BECC-D249-89D1-64671E37D8F2}" type="datetimeFigureOut">
               <a:rPr lang="en-CH" smtClean="0"/>
-              <a:t>09.01.2024</a:t>
+              <a:t>29.01.2024</a:t>
             </a:fld>
             <a:endParaRPr lang="en-CH"/>
           </a:p>
@@ -2181,7 +2181,7 @@
           <a:p>
             <a:fld id="{D2447292-BECC-D249-89D1-64671E37D8F2}" type="datetimeFigureOut">
               <a:rPr lang="en-CH" smtClean="0"/>
-              <a:t>09.01.2024</a:t>
+              <a:t>29.01.2024</a:t>
             </a:fld>
             <a:endParaRPr lang="en-CH"/>
           </a:p>
@@ -2449,7 +2449,7 @@
           <a:p>
             <a:fld id="{D2447292-BECC-D249-89D1-64671E37D8F2}" type="datetimeFigureOut">
               <a:rPr lang="en-CH" smtClean="0"/>
-              <a:t>09.01.2024</a:t>
+              <a:t>29.01.2024</a:t>
             </a:fld>
             <a:endParaRPr lang="en-CH"/>
           </a:p>
@@ -2864,7 +2864,7 @@
           <a:p>
             <a:fld id="{D2447292-BECC-D249-89D1-64671E37D8F2}" type="datetimeFigureOut">
               <a:rPr lang="en-CH" smtClean="0"/>
-              <a:t>09.01.2024</a:t>
+              <a:t>29.01.2024</a:t>
             </a:fld>
             <a:endParaRPr lang="en-CH"/>
           </a:p>
@@ -3006,7 +3006,7 @@
           <a:p>
             <a:fld id="{D2447292-BECC-D249-89D1-64671E37D8F2}" type="datetimeFigureOut">
               <a:rPr lang="en-CH" smtClean="0"/>
-              <a:t>09.01.2024</a:t>
+              <a:t>29.01.2024</a:t>
             </a:fld>
             <a:endParaRPr lang="en-CH"/>
           </a:p>
@@ -3119,7 +3119,7 @@
           <a:p>
             <a:fld id="{D2447292-BECC-D249-89D1-64671E37D8F2}" type="datetimeFigureOut">
               <a:rPr lang="en-CH" smtClean="0"/>
-              <a:t>09.01.2024</a:t>
+              <a:t>29.01.2024</a:t>
             </a:fld>
             <a:endParaRPr lang="en-CH"/>
           </a:p>
@@ -3432,7 +3432,7 @@
           <a:p>
             <a:fld id="{D2447292-BECC-D249-89D1-64671E37D8F2}" type="datetimeFigureOut">
               <a:rPr lang="en-CH" smtClean="0"/>
-              <a:t>09.01.2024</a:t>
+              <a:t>29.01.2024</a:t>
             </a:fld>
             <a:endParaRPr lang="en-CH"/>
           </a:p>
@@ -3721,7 +3721,7 @@
           <a:p>
             <a:fld id="{D2447292-BECC-D249-89D1-64671E37D8F2}" type="datetimeFigureOut">
               <a:rPr lang="en-CH" smtClean="0"/>
-              <a:t>09.01.2024</a:t>
+              <a:t>29.01.2024</a:t>
             </a:fld>
             <a:endParaRPr lang="en-CH"/>
           </a:p>
@@ -3964,7 +3964,7 @@
           <a:p>
             <a:fld id="{D2447292-BECC-D249-89D1-64671E37D8F2}" type="datetimeFigureOut">
               <a:rPr lang="en-CH" smtClean="0"/>
-              <a:t>09.01.2024</a:t>
+              <a:t>29.01.2024</a:t>
             </a:fld>
             <a:endParaRPr lang="en-CH"/>
           </a:p>
@@ -9912,21 +9912,21 @@
           <a:lstStyle/>
           <a:p>
             <a:r>
-              <a:rPr lang="en-CH" sz="3000"/>
+              <a:rPr lang="en-CH" sz="3000" dirty="0"/>
               <a:t>Ec2 Networking</a:t>
             </a:r>
             <a:br>
-              <a:rPr lang="en-CH" sz="3000"/>
+              <a:rPr lang="en-CH" sz="3000" dirty="0"/>
             </a:br>
             <a:r>
-              <a:rPr lang="en-CH" sz="3000"/>
+              <a:rPr lang="en-CH" sz="3000" dirty="0"/>
               <a:t>With ENA </a:t>
             </a:r>
             <a:br>
-              <a:rPr lang="en-CH" sz="3000"/>
+              <a:rPr lang="en-CH" sz="3000" dirty="0"/>
             </a:br>
             <a:r>
-              <a:rPr lang="en-CH" sz="3000"/>
+              <a:rPr lang="en-CH" sz="3000" dirty="0"/>
               <a:t>(Elastic Network Adapter)</a:t>
             </a:r>
           </a:p>
@@ -11425,7 +11425,7 @@
               <a:t>EFA’s support for </a:t>
             </a:r>
             <a:r>
-              <a:rPr lang="en-US" sz="1400" b="1">
+              <a:rPr lang="en-US" sz="1400" b="1" dirty="0" err="1">
                 <a:sym typeface="Arial"/>
               </a:rPr>
               <a:t>libfabric</a:t>
